--- a/GPU Project/Project.pptx
+++ b/GPU Project/Project.pptx
@@ -4,11 +4,16 @@
   <p:sldMasterIdLst>
     <p:sldMasterId id="2147483648" r:id="rId1"/>
   </p:sldMasterIdLst>
+  <p:notesMasterIdLst>
+    <p:notesMasterId r:id="rId8"/>
+  </p:notesMasterIdLst>
   <p:sldIdLst>
-    <p:sldId id="256" r:id="rId2"/>
-    <p:sldId id="257" r:id="rId3"/>
-    <p:sldId id="258" r:id="rId4"/>
-    <p:sldId id="259" r:id="rId5"/>
+    <p:sldId id="258" r:id="rId2"/>
+    <p:sldId id="260" r:id="rId3"/>
+    <p:sldId id="261" r:id="rId4"/>
+    <p:sldId id="257" r:id="rId5"/>
+    <p:sldId id="256" r:id="rId6"/>
+    <p:sldId id="259" r:id="rId7"/>
   </p:sldIdLst>
   <p:sldSz cx="12192000" cy="6858000"/>
   <p:notesSz cx="6858000" cy="9144000"/>
@@ -113,6 +118,355 @@
     </p:ext>
   </p:extLst>
 </p:presentation>
+</file>
+
+<file path=ppt/notesMasters/notesMaster1.xml><?xml version="1.0" encoding="utf-8"?>
+<p:notesMaster xmlns:a="http://schemas.openxmlformats.org/drawingml/2006/main" xmlns:r="http://schemas.openxmlformats.org/officeDocument/2006/relationships" xmlns:p="http://schemas.openxmlformats.org/presentationml/2006/main">
+  <p:cSld>
+    <p:bg>
+      <p:bgRef idx="1001">
+        <a:schemeClr val="bg1"/>
+      </p:bgRef>
+    </p:bg>
+    <p:spTree>
+      <p:nvGrpSpPr>
+        <p:cNvPr id="1" name=""/>
+        <p:cNvGrpSpPr/>
+        <p:nvPr/>
+      </p:nvGrpSpPr>
+      <p:grpSpPr>
+        <a:xfrm>
+          <a:off x="0" y="0"/>
+          <a:ext cx="0" cy="0"/>
+          <a:chOff x="0" y="0"/>
+          <a:chExt cx="0" cy="0"/>
+        </a:xfrm>
+      </p:grpSpPr>
+      <p:sp>
+        <p:nvSpPr>
+          <p:cNvPr id="2" name="Header Placeholder 1"/>
+          <p:cNvSpPr>
+            <a:spLocks noGrp="1"/>
+          </p:cNvSpPr>
+          <p:nvPr>
+            <p:ph type="hdr" sz="quarter"/>
+          </p:nvPr>
+        </p:nvSpPr>
+        <p:spPr>
+          <a:xfrm>
+            <a:off x="0" y="0"/>
+            <a:ext cx="2971800" cy="458788"/>
+          </a:xfrm>
+          <a:prstGeom prst="rect">
+            <a:avLst/>
+          </a:prstGeom>
+        </p:spPr>
+        <p:txBody>
+          <a:bodyPr vert="horz" lIns="91440" tIns="45720" rIns="91440" bIns="45720" rtlCol="0"/>
+          <a:lstStyle>
+            <a:lvl1pPr algn="l">
+              <a:defRPr sz="1200"/>
+            </a:lvl1pPr>
+          </a:lstStyle>
+          <a:p>
+            <a:endParaRPr lang="en-US"/>
+          </a:p>
+        </p:txBody>
+      </p:sp>
+      <p:sp>
+        <p:nvSpPr>
+          <p:cNvPr id="3" name="Date Placeholder 2"/>
+          <p:cNvSpPr>
+            <a:spLocks noGrp="1"/>
+          </p:cNvSpPr>
+          <p:nvPr>
+            <p:ph type="dt" idx="1"/>
+          </p:nvPr>
+        </p:nvSpPr>
+        <p:spPr>
+          <a:xfrm>
+            <a:off x="3884613" y="0"/>
+            <a:ext cx="2971800" cy="458788"/>
+          </a:xfrm>
+          <a:prstGeom prst="rect">
+            <a:avLst/>
+          </a:prstGeom>
+        </p:spPr>
+        <p:txBody>
+          <a:bodyPr vert="horz" lIns="91440" tIns="45720" rIns="91440" bIns="45720" rtlCol="0"/>
+          <a:lstStyle>
+            <a:lvl1pPr algn="r">
+              <a:defRPr sz="1200"/>
+            </a:lvl1pPr>
+          </a:lstStyle>
+          <a:p>
+            <a:fld id="{BCA11DD8-66CB-4863-919A-8002C9463111}" type="datetimeFigureOut">
+              <a:rPr lang="en-US" smtClean="0"/>
+              <a:t>3/30/2019</a:t>
+            </a:fld>
+            <a:endParaRPr lang="en-US"/>
+          </a:p>
+        </p:txBody>
+      </p:sp>
+      <p:sp>
+        <p:nvSpPr>
+          <p:cNvPr id="4" name="Slide Image Placeholder 3"/>
+          <p:cNvSpPr>
+            <a:spLocks noGrp="1" noRot="1" noChangeAspect="1"/>
+          </p:cNvSpPr>
+          <p:nvPr>
+            <p:ph type="sldImg" idx="2"/>
+          </p:nvPr>
+        </p:nvSpPr>
+        <p:spPr>
+          <a:xfrm>
+            <a:off x="685800" y="1143000"/>
+            <a:ext cx="5486400" cy="3086100"/>
+          </a:xfrm>
+          <a:prstGeom prst="rect">
+            <a:avLst/>
+          </a:prstGeom>
+          <a:noFill/>
+          <a:ln w="12700">
+            <a:solidFill>
+              <a:prstClr val="black"/>
+            </a:solidFill>
+          </a:ln>
+        </p:spPr>
+        <p:txBody>
+          <a:bodyPr vert="horz" lIns="91440" tIns="45720" rIns="91440" bIns="45720" rtlCol="0" anchor="ctr"/>
+          <a:lstStyle/>
+          <a:p>
+            <a:endParaRPr lang="en-US"/>
+          </a:p>
+        </p:txBody>
+      </p:sp>
+      <p:sp>
+        <p:nvSpPr>
+          <p:cNvPr id="5" name="Notes Placeholder 4"/>
+          <p:cNvSpPr>
+            <a:spLocks noGrp="1"/>
+          </p:cNvSpPr>
+          <p:nvPr>
+            <p:ph type="body" sz="quarter" idx="3"/>
+          </p:nvPr>
+        </p:nvSpPr>
+        <p:spPr>
+          <a:xfrm>
+            <a:off x="685800" y="4400550"/>
+            <a:ext cx="5486400" cy="3600450"/>
+          </a:xfrm>
+          <a:prstGeom prst="rect">
+            <a:avLst/>
+          </a:prstGeom>
+        </p:spPr>
+        <p:txBody>
+          <a:bodyPr vert="horz" lIns="91440" tIns="45720" rIns="91440" bIns="45720" rtlCol="0"/>
+          <a:lstStyle/>
+          <a:p>
+            <a:pPr lvl="0"/>
+            <a:r>
+              <a:rPr lang="en-US"/>
+              <a:t>Click to edit Master text styles</a:t>
+            </a:r>
+          </a:p>
+          <a:p>
+            <a:pPr lvl="1"/>
+            <a:r>
+              <a:rPr lang="en-US"/>
+              <a:t>Second level</a:t>
+            </a:r>
+          </a:p>
+          <a:p>
+            <a:pPr lvl="2"/>
+            <a:r>
+              <a:rPr lang="en-US"/>
+              <a:t>Third level</a:t>
+            </a:r>
+          </a:p>
+          <a:p>
+            <a:pPr lvl="3"/>
+            <a:r>
+              <a:rPr lang="en-US"/>
+              <a:t>Fourth level</a:t>
+            </a:r>
+          </a:p>
+          <a:p>
+            <a:pPr lvl="4"/>
+            <a:r>
+              <a:rPr lang="en-US"/>
+              <a:t>Fifth level</a:t>
+            </a:r>
+          </a:p>
+        </p:txBody>
+      </p:sp>
+      <p:sp>
+        <p:nvSpPr>
+          <p:cNvPr id="6" name="Footer Placeholder 5"/>
+          <p:cNvSpPr>
+            <a:spLocks noGrp="1"/>
+          </p:cNvSpPr>
+          <p:nvPr>
+            <p:ph type="ftr" sz="quarter" idx="4"/>
+          </p:nvPr>
+        </p:nvSpPr>
+        <p:spPr>
+          <a:xfrm>
+            <a:off x="0" y="8685213"/>
+            <a:ext cx="2971800" cy="458787"/>
+          </a:xfrm>
+          <a:prstGeom prst="rect">
+            <a:avLst/>
+          </a:prstGeom>
+        </p:spPr>
+        <p:txBody>
+          <a:bodyPr vert="horz" lIns="91440" tIns="45720" rIns="91440" bIns="45720" rtlCol="0" anchor="b"/>
+          <a:lstStyle>
+            <a:lvl1pPr algn="l">
+              <a:defRPr sz="1200"/>
+            </a:lvl1pPr>
+          </a:lstStyle>
+          <a:p>
+            <a:endParaRPr lang="en-US"/>
+          </a:p>
+        </p:txBody>
+      </p:sp>
+      <p:sp>
+        <p:nvSpPr>
+          <p:cNvPr id="7" name="Slide Number Placeholder 6"/>
+          <p:cNvSpPr>
+            <a:spLocks noGrp="1"/>
+          </p:cNvSpPr>
+          <p:nvPr>
+            <p:ph type="sldNum" sz="quarter" idx="5"/>
+          </p:nvPr>
+        </p:nvSpPr>
+        <p:spPr>
+          <a:xfrm>
+            <a:off x="3884613" y="8685213"/>
+            <a:ext cx="2971800" cy="458787"/>
+          </a:xfrm>
+          <a:prstGeom prst="rect">
+            <a:avLst/>
+          </a:prstGeom>
+        </p:spPr>
+        <p:txBody>
+          <a:bodyPr vert="horz" lIns="91440" tIns="45720" rIns="91440" bIns="45720" rtlCol="0" anchor="b"/>
+          <a:lstStyle>
+            <a:lvl1pPr algn="r">
+              <a:defRPr sz="1200"/>
+            </a:lvl1pPr>
+          </a:lstStyle>
+          <a:p>
+            <a:fld id="{846DC851-C52F-4E85-8743-3164CBFC818E}" type="slidenum">
+              <a:rPr lang="en-US" smtClean="0"/>
+              <a:t>‹#›</a:t>
+            </a:fld>
+            <a:endParaRPr lang="en-US"/>
+          </a:p>
+        </p:txBody>
+      </p:sp>
+    </p:spTree>
+    <p:extLst>
+      <p:ext uri="{BB962C8B-B14F-4D97-AF65-F5344CB8AC3E}">
+        <p14:creationId xmlns:p14="http://schemas.microsoft.com/office/powerpoint/2010/main" val="2173338508"/>
+      </p:ext>
+    </p:extLst>
+  </p:cSld>
+  <p:clrMap bg1="lt1" tx1="dk1" bg2="lt2" tx2="dk2" accent1="accent1" accent2="accent2" accent3="accent3" accent4="accent4" accent5="accent5" accent6="accent6" hlink="hlink" folHlink="folHlink"/>
+  <p:notesStyle>
+    <a:lvl1pPr marL="0" algn="l" defTabSz="914400" rtl="0" eaLnBrk="1" latinLnBrk="0" hangingPunct="1">
+      <a:defRPr sz="1200" kern="1200">
+        <a:solidFill>
+          <a:schemeClr val="tx1"/>
+        </a:solidFill>
+        <a:latin typeface="+mn-lt"/>
+        <a:ea typeface="+mn-ea"/>
+        <a:cs typeface="+mn-cs"/>
+      </a:defRPr>
+    </a:lvl1pPr>
+    <a:lvl2pPr marL="457200" algn="l" defTabSz="914400" rtl="0" eaLnBrk="1" latinLnBrk="0" hangingPunct="1">
+      <a:defRPr sz="1200" kern="1200">
+        <a:solidFill>
+          <a:schemeClr val="tx1"/>
+        </a:solidFill>
+        <a:latin typeface="+mn-lt"/>
+        <a:ea typeface="+mn-ea"/>
+        <a:cs typeface="+mn-cs"/>
+      </a:defRPr>
+    </a:lvl2pPr>
+    <a:lvl3pPr marL="914400" algn="l" defTabSz="914400" rtl="0" eaLnBrk="1" latinLnBrk="0" hangingPunct="1">
+      <a:defRPr sz="1200" kern="1200">
+        <a:solidFill>
+          <a:schemeClr val="tx1"/>
+        </a:solidFill>
+        <a:latin typeface="+mn-lt"/>
+        <a:ea typeface="+mn-ea"/>
+        <a:cs typeface="+mn-cs"/>
+      </a:defRPr>
+    </a:lvl3pPr>
+    <a:lvl4pPr marL="1371600" algn="l" defTabSz="914400" rtl="0" eaLnBrk="1" latinLnBrk="0" hangingPunct="1">
+      <a:defRPr sz="1200" kern="1200">
+        <a:solidFill>
+          <a:schemeClr val="tx1"/>
+        </a:solidFill>
+        <a:latin typeface="+mn-lt"/>
+        <a:ea typeface="+mn-ea"/>
+        <a:cs typeface="+mn-cs"/>
+      </a:defRPr>
+    </a:lvl4pPr>
+    <a:lvl5pPr marL="1828800" algn="l" defTabSz="914400" rtl="0" eaLnBrk="1" latinLnBrk="0" hangingPunct="1">
+      <a:defRPr sz="1200" kern="1200">
+        <a:solidFill>
+          <a:schemeClr val="tx1"/>
+        </a:solidFill>
+        <a:latin typeface="+mn-lt"/>
+        <a:ea typeface="+mn-ea"/>
+        <a:cs typeface="+mn-cs"/>
+      </a:defRPr>
+    </a:lvl5pPr>
+    <a:lvl6pPr marL="2286000" algn="l" defTabSz="914400" rtl="0" eaLnBrk="1" latinLnBrk="0" hangingPunct="1">
+      <a:defRPr sz="1200" kern="1200">
+        <a:solidFill>
+          <a:schemeClr val="tx1"/>
+        </a:solidFill>
+        <a:latin typeface="+mn-lt"/>
+        <a:ea typeface="+mn-ea"/>
+        <a:cs typeface="+mn-cs"/>
+      </a:defRPr>
+    </a:lvl6pPr>
+    <a:lvl7pPr marL="2743200" algn="l" defTabSz="914400" rtl="0" eaLnBrk="1" latinLnBrk="0" hangingPunct="1">
+      <a:defRPr sz="1200" kern="1200">
+        <a:solidFill>
+          <a:schemeClr val="tx1"/>
+        </a:solidFill>
+        <a:latin typeface="+mn-lt"/>
+        <a:ea typeface="+mn-ea"/>
+        <a:cs typeface="+mn-cs"/>
+      </a:defRPr>
+    </a:lvl7pPr>
+    <a:lvl8pPr marL="3200400" algn="l" defTabSz="914400" rtl="0" eaLnBrk="1" latinLnBrk="0" hangingPunct="1">
+      <a:defRPr sz="1200" kern="1200">
+        <a:solidFill>
+          <a:schemeClr val="tx1"/>
+        </a:solidFill>
+        <a:latin typeface="+mn-lt"/>
+        <a:ea typeface="+mn-ea"/>
+        <a:cs typeface="+mn-cs"/>
+      </a:defRPr>
+    </a:lvl8pPr>
+    <a:lvl9pPr marL="3657600" algn="l" defTabSz="914400" rtl="0" eaLnBrk="1" latinLnBrk="0" hangingPunct="1">
+      <a:defRPr sz="1200" kern="1200">
+        <a:solidFill>
+          <a:schemeClr val="tx1"/>
+        </a:solidFill>
+        <a:latin typeface="+mn-lt"/>
+        <a:ea typeface="+mn-ea"/>
+        <a:cs typeface="+mn-cs"/>
+      </a:defRPr>
+    </a:lvl9pPr>
+  </p:notesStyle>
+</p:notesMaster>
 </file>
 
 <file path=ppt/slideLayouts/slideLayout1.xml><?xml version="1.0" encoding="utf-8"?>
@@ -3352,7 +3706,7 @@
           <a:p>
             <a:r>
               <a:rPr lang="en-US" dirty="0"/>
-              <a:t>Recurrent Neural Network</a:t>
+              <a:t>CPU</a:t>
             </a:r>
           </a:p>
         </p:txBody>
@@ -3375,17 +3729,22 @@
         </p:nvSpPr>
         <p:spPr/>
         <p:txBody>
-          <a:bodyPr/>
-          <a:lstStyle/>
-          <a:p>
-            <a:endParaRPr lang="en-US" dirty="0"/>
+          <a:bodyPr>
+            <a:normAutofit/>
+          </a:bodyPr>
+          <a:lstStyle/>
+          <a:p>
+            <a:r>
+              <a:rPr lang="en-US" dirty="0"/>
+              <a:t>CPU Good at serial instruction processing; instructions that must be computed in sequence</a:t>
+            </a:r>
           </a:p>
         </p:txBody>
       </p:sp>
     </p:spTree>
     <p:extLst>
       <p:ext uri="{BB962C8B-B14F-4D97-AF65-F5344CB8AC3E}">
-        <p14:creationId xmlns:p14="http://schemas.microsoft.com/office/powerpoint/2010/main" val="1183581911"/>
+        <p14:creationId xmlns:p14="http://schemas.microsoft.com/office/powerpoint/2010/main" val="3474469165"/>
       </p:ext>
     </p:extLst>
   </p:cSld>
@@ -3417,15 +3776,15 @@
           <p:cNvPr id="2" name="Title 1">
             <a:extLst>
               <a:ext uri="{FF2B5EF4-FFF2-40B4-BE49-F238E27FC236}">
-                <a16:creationId xmlns:a16="http://schemas.microsoft.com/office/drawing/2014/main" id="{C027E961-1C15-4482-B678-00083D9CDA9A}"/>
-              </a:ext>
-            </a:extLst>
-          </p:cNvPr>
-          <p:cNvSpPr>
-            <a:spLocks noGrp="1"/>
-          </p:cNvSpPr>
-          <p:nvPr>
-            <p:ph type="ctrTitle"/>
+                <a16:creationId xmlns:a16="http://schemas.microsoft.com/office/drawing/2014/main" id="{D4BEE9D2-0941-48E0-83F4-8031C0AC2BB9}"/>
+              </a:ext>
+            </a:extLst>
+          </p:cNvPr>
+          <p:cNvSpPr>
+            <a:spLocks noGrp="1"/>
+          </p:cNvSpPr>
+          <p:nvPr>
+            <p:ph type="title"/>
           </p:nvPr>
         </p:nvSpPr>
         <p:spPr/>
@@ -3435,48 +3794,301 @@
           <a:p>
             <a:r>
               <a:rPr lang="en-US" dirty="0"/>
-              <a:t>GPU</a:t>
-            </a:r>
-          </a:p>
-        </p:txBody>
-      </p:sp>
-      <p:sp>
-        <p:nvSpPr>
-          <p:cNvPr id="3" name="Subtitle 2">
-            <a:extLst>
-              <a:ext uri="{FF2B5EF4-FFF2-40B4-BE49-F238E27FC236}">
-                <a16:creationId xmlns:a16="http://schemas.microsoft.com/office/drawing/2014/main" id="{320C6F87-207C-490F-92B4-AA64DBFC4914}"/>
-              </a:ext>
-            </a:extLst>
-          </p:cNvPr>
-          <p:cNvSpPr>
-            <a:spLocks noGrp="1"/>
-          </p:cNvSpPr>
-          <p:nvPr>
-            <p:ph type="subTitle" idx="1"/>
-          </p:nvPr>
-        </p:nvSpPr>
+              <a:t>CPU Laymen Overview</a:t>
+            </a:r>
+          </a:p>
+        </p:txBody>
+      </p:sp>
+      <p:sp>
+        <p:nvSpPr>
+          <p:cNvPr id="19" name="Content Placeholder 18">
+            <a:extLst>
+              <a:ext uri="{FF2B5EF4-FFF2-40B4-BE49-F238E27FC236}">
+                <a16:creationId xmlns:a16="http://schemas.microsoft.com/office/drawing/2014/main" id="{B1AD1B31-0930-4D26-9D03-A5B3AAE58FC0}"/>
+              </a:ext>
+            </a:extLst>
+          </p:cNvPr>
+          <p:cNvSpPr>
+            <a:spLocks noGrp="1"/>
+          </p:cNvSpPr>
+          <p:nvPr>
+            <p:ph idx="1"/>
+          </p:nvPr>
+        </p:nvSpPr>
+        <p:spPr/>
+        <p:txBody>
+          <a:bodyPr/>
+          <a:lstStyle/>
+          <a:p>
+            <a:r>
+              <a:rPr lang="en-US" dirty="0"/>
+              <a:t>Windows Task Manager:</a:t>
+            </a:r>
+          </a:p>
+        </p:txBody>
+      </p:sp>
+      <p:pic>
+        <p:nvPicPr>
+          <p:cNvPr id="20" name="Picture 19">
+            <a:extLst>
+              <a:ext uri="{FF2B5EF4-FFF2-40B4-BE49-F238E27FC236}">
+                <a16:creationId xmlns:a16="http://schemas.microsoft.com/office/drawing/2014/main" id="{8340F913-90E8-4F6D-806B-29C7A3A56049}"/>
+              </a:ext>
+            </a:extLst>
+          </p:cNvPr>
+          <p:cNvPicPr>
+            <a:picLocks noChangeAspect="1"/>
+          </p:cNvPicPr>
+          <p:nvPr/>
+        </p:nvPicPr>
+        <p:blipFill>
+          <a:blip r:embed="rId2"/>
+          <a:stretch>
+            <a:fillRect/>
+          </a:stretch>
+        </p:blipFill>
         <p:spPr>
           <a:xfrm>
-            <a:off x="1524000" y="3509963"/>
-            <a:ext cx="9144000" cy="1655762"/>
+            <a:off x="3943597" y="2778026"/>
+            <a:ext cx="3825788" cy="2509520"/>
           </a:xfrm>
+          <a:prstGeom prst="rect">
+            <a:avLst/>
+          </a:prstGeom>
         </p:spPr>
-        <p:txBody>
-          <a:bodyPr/>
-          <a:lstStyle/>
-          <a:p>
-            <a:r>
-              <a:rPr lang="en-US" dirty="0"/>
-              <a:t>Don’t have to be expensive</a:t>
-            </a:r>
+      </p:pic>
+      <p:sp>
+        <p:nvSpPr>
+          <p:cNvPr id="8" name="Callout: Line 7">
+            <a:extLst>
+              <a:ext uri="{FF2B5EF4-FFF2-40B4-BE49-F238E27FC236}">
+                <a16:creationId xmlns:a16="http://schemas.microsoft.com/office/drawing/2014/main" id="{08329D92-00F0-470D-8AD2-8D49CC09FDCC}"/>
+              </a:ext>
+            </a:extLst>
+          </p:cNvPr>
+          <p:cNvSpPr/>
+          <p:nvPr/>
+        </p:nvSpPr>
+        <p:spPr>
+          <a:xfrm>
+            <a:off x="8534921" y="4108987"/>
+            <a:ext cx="1112520" cy="320992"/>
+          </a:xfrm>
+          <a:prstGeom prst="borderCallout1">
+            <a:avLst>
+              <a:gd name="adj1" fmla="val 18750"/>
+              <a:gd name="adj2" fmla="val -8333"/>
+              <a:gd name="adj3" fmla="val 65417"/>
+              <a:gd name="adj4" fmla="val -100318"/>
+            </a:avLst>
+          </a:prstGeom>
+          <a:solidFill>
+            <a:schemeClr val="accent1">
+              <a:lumMod val="20000"/>
+              <a:lumOff val="80000"/>
+            </a:schemeClr>
+          </a:solidFill>
+        </p:spPr>
+        <p:style>
+          <a:lnRef idx="2">
+            <a:schemeClr val="accent1">
+              <a:shade val="50000"/>
+            </a:schemeClr>
+          </a:lnRef>
+          <a:fillRef idx="1">
+            <a:schemeClr val="accent1"/>
+          </a:fillRef>
+          <a:effectRef idx="0">
+            <a:schemeClr val="accent1"/>
+          </a:effectRef>
+          <a:fontRef idx="minor">
+            <a:schemeClr val="lt1"/>
+          </a:fontRef>
+        </p:style>
+        <p:txBody>
+          <a:bodyPr rtlCol="0" anchor="ctr"/>
+          <a:lstStyle/>
+          <a:p>
+            <a:pPr algn="ctr"/>
+            <a:r>
+              <a:rPr lang="en-US" dirty="0">
+                <a:solidFill>
+                  <a:schemeClr val="accent1">
+                    <a:lumMod val="75000"/>
+                  </a:schemeClr>
+                </a:solidFill>
+              </a:rPr>
+              <a:t>6 Cores</a:t>
+            </a:r>
+          </a:p>
+        </p:txBody>
+      </p:sp>
+      <p:sp>
+        <p:nvSpPr>
+          <p:cNvPr id="15" name="Callout: Line 14">
+            <a:extLst>
+              <a:ext uri="{FF2B5EF4-FFF2-40B4-BE49-F238E27FC236}">
+                <a16:creationId xmlns:a16="http://schemas.microsoft.com/office/drawing/2014/main" id="{629EDB16-D249-422B-8E8E-F6C9F83C8E14}"/>
+              </a:ext>
+            </a:extLst>
+          </p:cNvPr>
+          <p:cNvSpPr/>
+          <p:nvPr/>
+        </p:nvSpPr>
+        <p:spPr>
+          <a:xfrm>
+            <a:off x="2237238" y="3920728"/>
+            <a:ext cx="1460773" cy="509251"/>
+          </a:xfrm>
+          <a:prstGeom prst="borderCallout1">
+            <a:avLst>
+              <a:gd name="adj1" fmla="val 46432"/>
+              <a:gd name="adj2" fmla="val 104863"/>
+              <a:gd name="adj3" fmla="val 69308"/>
+              <a:gd name="adj4" fmla="val 265912"/>
+            </a:avLst>
+          </a:prstGeom>
+          <a:solidFill>
+            <a:schemeClr val="accent1">
+              <a:lumMod val="20000"/>
+              <a:lumOff val="80000"/>
+            </a:schemeClr>
+          </a:solidFill>
+        </p:spPr>
+        <p:style>
+          <a:lnRef idx="2">
+            <a:schemeClr val="accent1">
+              <a:shade val="50000"/>
+            </a:schemeClr>
+          </a:lnRef>
+          <a:fillRef idx="1">
+            <a:schemeClr val="accent1"/>
+          </a:fillRef>
+          <a:effectRef idx="0">
+            <a:schemeClr val="accent1"/>
+          </a:effectRef>
+          <a:fontRef idx="minor">
+            <a:schemeClr val="lt1"/>
+          </a:fontRef>
+        </p:style>
+        <p:txBody>
+          <a:bodyPr rtlCol="0" anchor="ctr"/>
+          <a:lstStyle/>
+          <a:p>
+            <a:pPr algn="ctr"/>
+            <a:r>
+              <a:rPr lang="en-US" dirty="0">
+                <a:solidFill>
+                  <a:schemeClr val="accent1">
+                    <a:lumMod val="75000"/>
+                  </a:schemeClr>
+                </a:solidFill>
+              </a:rPr>
+              <a:t>Clock Speed</a:t>
+            </a:r>
+          </a:p>
+          <a:p>
+            <a:pPr algn="ctr"/>
+            <a:r>
+              <a:rPr lang="en-US" dirty="0">
+                <a:solidFill>
+                  <a:schemeClr val="accent1">
+                    <a:lumMod val="75000"/>
+                  </a:schemeClr>
+                </a:solidFill>
+              </a:rPr>
+              <a:t>4.67 GHz</a:t>
+            </a:r>
+          </a:p>
+        </p:txBody>
+      </p:sp>
+      <p:sp>
+        <p:nvSpPr>
+          <p:cNvPr id="21" name="Callout: Line 20">
+            <a:extLst>
+              <a:ext uri="{FF2B5EF4-FFF2-40B4-BE49-F238E27FC236}">
+                <a16:creationId xmlns:a16="http://schemas.microsoft.com/office/drawing/2014/main" id="{54D658CB-C35A-4128-BB22-1CDB5B04AA77}"/>
+              </a:ext>
+            </a:extLst>
+          </p:cNvPr>
+          <p:cNvSpPr/>
+          <p:nvPr/>
+        </p:nvSpPr>
+        <p:spPr>
+          <a:xfrm>
+            <a:off x="8534920" y="4761350"/>
+            <a:ext cx="1515859" cy="431680"/>
+          </a:xfrm>
+          <a:prstGeom prst="borderCallout1">
+            <a:avLst>
+              <a:gd name="adj1" fmla="val 18750"/>
+              <a:gd name="adj2" fmla="val -8333"/>
+              <a:gd name="adj3" fmla="val -71934"/>
+              <a:gd name="adj4" fmla="val -71391"/>
+            </a:avLst>
+          </a:prstGeom>
+          <a:solidFill>
+            <a:schemeClr val="accent1">
+              <a:lumMod val="20000"/>
+              <a:lumOff val="80000"/>
+            </a:schemeClr>
+          </a:solidFill>
+        </p:spPr>
+        <p:style>
+          <a:lnRef idx="2">
+            <a:schemeClr val="accent1">
+              <a:shade val="50000"/>
+            </a:schemeClr>
+          </a:lnRef>
+          <a:fillRef idx="1">
+            <a:schemeClr val="accent1"/>
+          </a:fillRef>
+          <a:effectRef idx="0">
+            <a:schemeClr val="accent1"/>
+          </a:effectRef>
+          <a:fontRef idx="minor">
+            <a:schemeClr val="lt1"/>
+          </a:fontRef>
+        </p:style>
+        <p:txBody>
+          <a:bodyPr rtlCol="0" anchor="ctr"/>
+          <a:lstStyle/>
+          <a:p>
+            <a:pPr algn="ctr"/>
+            <a:r>
+              <a:rPr lang="en-US" sz="1000" dirty="0">
+                <a:solidFill>
+                  <a:schemeClr val="accent1">
+                    <a:lumMod val="75000"/>
+                  </a:schemeClr>
+                </a:solidFill>
+              </a:rPr>
+              <a:t>Relates to </a:t>
+            </a:r>
+            <a:r>
+              <a:rPr lang="en-US" sz="900" dirty="0">
+                <a:solidFill>
+                  <a:schemeClr val="accent1">
+                    <a:lumMod val="75000"/>
+                  </a:schemeClr>
+                </a:solidFill>
+              </a:rPr>
+              <a:t>Hyperthreading; Different Discussion</a:t>
+            </a:r>
+            <a:endParaRPr lang="en-US" sz="1200" dirty="0">
+              <a:solidFill>
+                <a:schemeClr val="accent1">
+                  <a:lumMod val="75000"/>
+                </a:schemeClr>
+              </a:solidFill>
+            </a:endParaRPr>
           </a:p>
         </p:txBody>
       </p:sp>
     </p:spTree>
     <p:extLst>
       <p:ext uri="{BB962C8B-B14F-4D97-AF65-F5344CB8AC3E}">
-        <p14:creationId xmlns:p14="http://schemas.microsoft.com/office/powerpoint/2010/main" val="2936290879"/>
+        <p14:creationId xmlns:p14="http://schemas.microsoft.com/office/powerpoint/2010/main" val="2223011995"/>
       </p:ext>
     </p:extLst>
   </p:cSld>
@@ -3508,15 +4120,15 @@
           <p:cNvPr id="2" name="Title 1">
             <a:extLst>
               <a:ext uri="{FF2B5EF4-FFF2-40B4-BE49-F238E27FC236}">
-                <a16:creationId xmlns:a16="http://schemas.microsoft.com/office/drawing/2014/main" id="{C027E961-1C15-4482-B678-00083D9CDA9A}"/>
-              </a:ext>
-            </a:extLst>
-          </p:cNvPr>
-          <p:cNvSpPr>
-            <a:spLocks noGrp="1"/>
-          </p:cNvSpPr>
-          <p:nvPr>
-            <p:ph type="ctrTitle"/>
+                <a16:creationId xmlns:a16="http://schemas.microsoft.com/office/drawing/2014/main" id="{C23EAF31-1BD4-45EE-9B12-BC14F7D54307}"/>
+              </a:ext>
+            </a:extLst>
+          </p:cNvPr>
+          <p:cNvSpPr>
+            <a:spLocks noGrp="1"/>
+          </p:cNvSpPr>
+          <p:nvPr>
+            <p:ph type="title"/>
           </p:nvPr>
         </p:nvSpPr>
         <p:spPr/>
@@ -3526,25 +4138,25 @@
           <a:p>
             <a:r>
               <a:rPr lang="en-US" dirty="0"/>
-              <a:t>CPU</a:t>
-            </a:r>
-          </a:p>
-        </p:txBody>
-      </p:sp>
-      <p:sp>
-        <p:nvSpPr>
-          <p:cNvPr id="3" name="Subtitle 2">
-            <a:extLst>
-              <a:ext uri="{FF2B5EF4-FFF2-40B4-BE49-F238E27FC236}">
-                <a16:creationId xmlns:a16="http://schemas.microsoft.com/office/drawing/2014/main" id="{320C6F87-207C-490F-92B4-AA64DBFC4914}"/>
-              </a:ext>
-            </a:extLst>
-          </p:cNvPr>
-          <p:cNvSpPr>
-            <a:spLocks noGrp="1"/>
-          </p:cNvSpPr>
-          <p:nvPr>
-            <p:ph type="subTitle" idx="1"/>
+              <a:t>Parallel Processing</a:t>
+            </a:r>
+          </a:p>
+        </p:txBody>
+      </p:sp>
+      <p:sp>
+        <p:nvSpPr>
+          <p:cNvPr id="3" name="Content Placeholder 2">
+            <a:extLst>
+              <a:ext uri="{FF2B5EF4-FFF2-40B4-BE49-F238E27FC236}">
+                <a16:creationId xmlns:a16="http://schemas.microsoft.com/office/drawing/2014/main" id="{3A61812F-E008-4811-8823-E7459E60F548}"/>
+              </a:ext>
+            </a:extLst>
+          </p:cNvPr>
+          <p:cNvSpPr>
+            <a:spLocks noGrp="1"/>
+          </p:cNvSpPr>
+          <p:nvPr>
+            <p:ph idx="1"/>
           </p:nvPr>
         </p:nvSpPr>
         <p:spPr/>
@@ -3552,14 +4164,453 @@
           <a:bodyPr/>
           <a:lstStyle/>
           <a:p>
+            <a:r>
+              <a:rPr lang="en-US" dirty="0"/>
+              <a:t>Remember PEDMAS?</a:t>
+            </a:r>
+          </a:p>
+          <a:p>
             <a:endParaRPr lang="en-US" dirty="0"/>
           </a:p>
         </p:txBody>
       </p:sp>
+      <p:grpSp>
+        <p:nvGrpSpPr>
+          <p:cNvPr id="5" name="Group 4">
+            <a:extLst>
+              <a:ext uri="{FF2B5EF4-FFF2-40B4-BE49-F238E27FC236}">
+                <a16:creationId xmlns:a16="http://schemas.microsoft.com/office/drawing/2014/main" id="{C3F210F0-301F-4369-8EC5-3CDB5E98AD25}"/>
+              </a:ext>
+            </a:extLst>
+          </p:cNvPr>
+          <p:cNvGrpSpPr/>
+          <p:nvPr/>
+        </p:nvGrpSpPr>
+        <p:grpSpPr>
+          <a:xfrm>
+            <a:off x="5447924" y="3151100"/>
+            <a:ext cx="1929653" cy="2127624"/>
+            <a:chOff x="5447924" y="3151100"/>
+            <a:chExt cx="1929653" cy="2127624"/>
+          </a:xfrm>
+        </p:grpSpPr>
+        <p:sp>
+          <p:nvSpPr>
+            <p:cNvPr id="6" name="Rectangle 5">
+              <a:extLst>
+                <a:ext uri="{FF2B5EF4-FFF2-40B4-BE49-F238E27FC236}">
+                  <a16:creationId xmlns:a16="http://schemas.microsoft.com/office/drawing/2014/main" id="{E2756E32-F5A5-4306-8AA3-8A33C9D7531F}"/>
+                </a:ext>
+              </a:extLst>
+            </p:cNvPr>
+            <p:cNvSpPr/>
+            <p:nvPr/>
+          </p:nvSpPr>
+          <p:spPr>
+            <a:xfrm>
+              <a:off x="5447924" y="3151100"/>
+              <a:ext cx="1929653" cy="2127624"/>
+            </a:xfrm>
+            <a:prstGeom prst="rect">
+              <a:avLst/>
+            </a:prstGeom>
+          </p:spPr>
+          <p:style>
+            <a:lnRef idx="2">
+              <a:schemeClr val="accent1">
+                <a:shade val="50000"/>
+              </a:schemeClr>
+            </a:lnRef>
+            <a:fillRef idx="1">
+              <a:schemeClr val="accent1"/>
+            </a:fillRef>
+            <a:effectRef idx="0">
+              <a:schemeClr val="accent1"/>
+            </a:effectRef>
+            <a:fontRef idx="minor">
+              <a:schemeClr val="lt1"/>
+            </a:fontRef>
+          </p:style>
+          <p:txBody>
+            <a:bodyPr rtlCol="0" anchor="ctr"/>
+            <a:lstStyle/>
+            <a:p>
+              <a:pPr algn="ctr"/>
+              <a:endParaRPr lang="en-US"/>
+            </a:p>
+          </p:txBody>
+        </p:sp>
+        <p:sp>
+          <p:nvSpPr>
+            <p:cNvPr id="7" name="Oval 6">
+              <a:extLst>
+                <a:ext uri="{FF2B5EF4-FFF2-40B4-BE49-F238E27FC236}">
+                  <a16:creationId xmlns:a16="http://schemas.microsoft.com/office/drawing/2014/main" id="{F36B273B-2E6F-401B-8BE9-DE0E8CD8080A}"/>
+                </a:ext>
+              </a:extLst>
+            </p:cNvPr>
+            <p:cNvSpPr/>
+            <p:nvPr/>
+          </p:nvSpPr>
+          <p:spPr>
+            <a:xfrm>
+              <a:off x="5794410" y="3421888"/>
+              <a:ext cx="394447" cy="376517"/>
+            </a:xfrm>
+            <a:prstGeom prst="ellipse">
+              <a:avLst/>
+            </a:prstGeom>
+            <a:solidFill>
+              <a:schemeClr val="accent4">
+                <a:lumMod val="60000"/>
+                <a:lumOff val="40000"/>
+              </a:schemeClr>
+            </a:solidFill>
+          </p:spPr>
+          <p:style>
+            <a:lnRef idx="2">
+              <a:schemeClr val="accent1">
+                <a:shade val="50000"/>
+              </a:schemeClr>
+            </a:lnRef>
+            <a:fillRef idx="1">
+              <a:schemeClr val="accent1"/>
+            </a:fillRef>
+            <a:effectRef idx="0">
+              <a:schemeClr val="accent1"/>
+            </a:effectRef>
+            <a:fontRef idx="minor">
+              <a:schemeClr val="lt1"/>
+            </a:fontRef>
+          </p:style>
+          <p:txBody>
+            <a:bodyPr rtlCol="0" anchor="ctr"/>
+            <a:lstStyle/>
+            <a:p>
+              <a:pPr algn="ctr"/>
+              <a:r>
+                <a:rPr lang="en-US" dirty="0">
+                  <a:solidFill>
+                    <a:schemeClr val="accent4">
+                      <a:lumMod val="50000"/>
+                    </a:schemeClr>
+                  </a:solidFill>
+                </a:rPr>
+                <a:t>1</a:t>
+              </a:r>
+            </a:p>
+          </p:txBody>
+        </p:sp>
+        <p:sp>
+          <p:nvSpPr>
+            <p:cNvPr id="8" name="Oval 7">
+              <a:extLst>
+                <a:ext uri="{FF2B5EF4-FFF2-40B4-BE49-F238E27FC236}">
+                  <a16:creationId xmlns:a16="http://schemas.microsoft.com/office/drawing/2014/main" id="{A5926C6F-5BC4-49AB-90C0-BF086DF37BD3}"/>
+                </a:ext>
+              </a:extLst>
+            </p:cNvPr>
+            <p:cNvSpPr/>
+            <p:nvPr/>
+          </p:nvSpPr>
+          <p:spPr>
+            <a:xfrm>
+              <a:off x="6613186" y="3421888"/>
+              <a:ext cx="394447" cy="376517"/>
+            </a:xfrm>
+            <a:prstGeom prst="ellipse">
+              <a:avLst/>
+            </a:prstGeom>
+            <a:solidFill>
+              <a:schemeClr val="accent4">
+                <a:lumMod val="60000"/>
+                <a:lumOff val="40000"/>
+              </a:schemeClr>
+            </a:solidFill>
+          </p:spPr>
+          <p:style>
+            <a:lnRef idx="2">
+              <a:schemeClr val="accent1">
+                <a:shade val="50000"/>
+              </a:schemeClr>
+            </a:lnRef>
+            <a:fillRef idx="1">
+              <a:schemeClr val="accent1"/>
+            </a:fillRef>
+            <a:effectRef idx="0">
+              <a:schemeClr val="accent1"/>
+            </a:effectRef>
+            <a:fontRef idx="minor">
+              <a:schemeClr val="lt1"/>
+            </a:fontRef>
+          </p:style>
+          <p:txBody>
+            <a:bodyPr rtlCol="0" anchor="ctr"/>
+            <a:lstStyle/>
+            <a:p>
+              <a:pPr algn="ctr"/>
+              <a:r>
+                <a:rPr lang="en-US" dirty="0">
+                  <a:solidFill>
+                    <a:schemeClr val="accent4">
+                      <a:lumMod val="50000"/>
+                    </a:schemeClr>
+                  </a:solidFill>
+                </a:rPr>
+                <a:t>2</a:t>
+              </a:r>
+            </a:p>
+          </p:txBody>
+        </p:sp>
+        <p:sp>
+          <p:nvSpPr>
+            <p:cNvPr id="9" name="Oval 8">
+              <a:extLst>
+                <a:ext uri="{FF2B5EF4-FFF2-40B4-BE49-F238E27FC236}">
+                  <a16:creationId xmlns:a16="http://schemas.microsoft.com/office/drawing/2014/main" id="{2C0142C4-6548-4751-A216-D79C7FE96BDE}"/>
+                </a:ext>
+              </a:extLst>
+            </p:cNvPr>
+            <p:cNvSpPr/>
+            <p:nvPr/>
+          </p:nvSpPr>
+          <p:spPr>
+            <a:xfrm>
+              <a:off x="5794408" y="4022522"/>
+              <a:ext cx="394447" cy="376517"/>
+            </a:xfrm>
+            <a:prstGeom prst="ellipse">
+              <a:avLst/>
+            </a:prstGeom>
+            <a:solidFill>
+              <a:schemeClr val="accent4">
+                <a:lumMod val="60000"/>
+                <a:lumOff val="40000"/>
+              </a:schemeClr>
+            </a:solidFill>
+          </p:spPr>
+          <p:style>
+            <a:lnRef idx="2">
+              <a:schemeClr val="accent1">
+                <a:shade val="50000"/>
+              </a:schemeClr>
+            </a:lnRef>
+            <a:fillRef idx="1">
+              <a:schemeClr val="accent1"/>
+            </a:fillRef>
+            <a:effectRef idx="0">
+              <a:schemeClr val="accent1"/>
+            </a:effectRef>
+            <a:fontRef idx="minor">
+              <a:schemeClr val="lt1"/>
+            </a:fontRef>
+          </p:style>
+          <p:txBody>
+            <a:bodyPr rtlCol="0" anchor="ctr"/>
+            <a:lstStyle/>
+            <a:p>
+              <a:pPr algn="ctr"/>
+              <a:r>
+                <a:rPr lang="en-US" dirty="0">
+                  <a:solidFill>
+                    <a:schemeClr val="accent4">
+                      <a:lumMod val="50000"/>
+                    </a:schemeClr>
+                  </a:solidFill>
+                </a:rPr>
+                <a:t>3</a:t>
+              </a:r>
+            </a:p>
+          </p:txBody>
+        </p:sp>
+        <p:sp>
+          <p:nvSpPr>
+            <p:cNvPr id="10" name="Oval 9">
+              <a:extLst>
+                <a:ext uri="{FF2B5EF4-FFF2-40B4-BE49-F238E27FC236}">
+                  <a16:creationId xmlns:a16="http://schemas.microsoft.com/office/drawing/2014/main" id="{57028D69-760A-4400-9D4A-B9D5D4A475A9}"/>
+                </a:ext>
+              </a:extLst>
+            </p:cNvPr>
+            <p:cNvSpPr/>
+            <p:nvPr/>
+          </p:nvSpPr>
+          <p:spPr>
+            <a:xfrm>
+              <a:off x="6613185" y="4022522"/>
+              <a:ext cx="394447" cy="376517"/>
+            </a:xfrm>
+            <a:prstGeom prst="ellipse">
+              <a:avLst/>
+            </a:prstGeom>
+            <a:solidFill>
+              <a:schemeClr val="accent4">
+                <a:lumMod val="60000"/>
+                <a:lumOff val="40000"/>
+              </a:schemeClr>
+            </a:solidFill>
+          </p:spPr>
+          <p:style>
+            <a:lnRef idx="2">
+              <a:schemeClr val="accent1">
+                <a:shade val="50000"/>
+              </a:schemeClr>
+            </a:lnRef>
+            <a:fillRef idx="1">
+              <a:schemeClr val="accent1"/>
+            </a:fillRef>
+            <a:effectRef idx="0">
+              <a:schemeClr val="accent1"/>
+            </a:effectRef>
+            <a:fontRef idx="minor">
+              <a:schemeClr val="lt1"/>
+            </a:fontRef>
+          </p:style>
+          <p:txBody>
+            <a:bodyPr rtlCol="0" anchor="ctr"/>
+            <a:lstStyle/>
+            <a:p>
+              <a:pPr algn="ctr"/>
+              <a:r>
+                <a:rPr lang="en-US" dirty="0">
+                  <a:solidFill>
+                    <a:schemeClr val="accent4">
+                      <a:lumMod val="50000"/>
+                    </a:schemeClr>
+                  </a:solidFill>
+                </a:rPr>
+                <a:t>4</a:t>
+              </a:r>
+            </a:p>
+          </p:txBody>
+        </p:sp>
+        <p:sp>
+          <p:nvSpPr>
+            <p:cNvPr id="11" name="Oval 10">
+              <a:extLst>
+                <a:ext uri="{FF2B5EF4-FFF2-40B4-BE49-F238E27FC236}">
+                  <a16:creationId xmlns:a16="http://schemas.microsoft.com/office/drawing/2014/main" id="{88FE90D8-F017-41AD-917C-16F3E0CB31EA}"/>
+                </a:ext>
+              </a:extLst>
+            </p:cNvPr>
+            <p:cNvSpPr/>
+            <p:nvPr/>
+          </p:nvSpPr>
+          <p:spPr>
+            <a:xfrm>
+              <a:off x="5794408" y="4623158"/>
+              <a:ext cx="394447" cy="376517"/>
+            </a:xfrm>
+            <a:prstGeom prst="ellipse">
+              <a:avLst/>
+            </a:prstGeom>
+            <a:solidFill>
+              <a:schemeClr val="accent4">
+                <a:lumMod val="60000"/>
+                <a:lumOff val="40000"/>
+              </a:schemeClr>
+            </a:solidFill>
+          </p:spPr>
+          <p:style>
+            <a:lnRef idx="2">
+              <a:schemeClr val="accent1">
+                <a:shade val="50000"/>
+              </a:schemeClr>
+            </a:lnRef>
+            <a:fillRef idx="1">
+              <a:schemeClr val="accent1"/>
+            </a:fillRef>
+            <a:effectRef idx="0">
+              <a:schemeClr val="accent1"/>
+            </a:effectRef>
+            <a:fontRef idx="minor">
+              <a:schemeClr val="lt1"/>
+            </a:fontRef>
+          </p:style>
+          <p:txBody>
+            <a:bodyPr rtlCol="0" anchor="ctr"/>
+            <a:lstStyle/>
+            <a:p>
+              <a:pPr algn="ctr"/>
+              <a:r>
+                <a:rPr lang="en-US" dirty="0">
+                  <a:solidFill>
+                    <a:schemeClr val="accent4">
+                      <a:lumMod val="50000"/>
+                    </a:schemeClr>
+                  </a:solidFill>
+                </a:rPr>
+                <a:t>5</a:t>
+              </a:r>
+            </a:p>
+          </p:txBody>
+        </p:sp>
+        <p:sp>
+          <p:nvSpPr>
+            <p:cNvPr id="12" name="Oval 11">
+              <a:extLst>
+                <a:ext uri="{FF2B5EF4-FFF2-40B4-BE49-F238E27FC236}">
+                  <a16:creationId xmlns:a16="http://schemas.microsoft.com/office/drawing/2014/main" id="{08012994-CE5C-43CE-9E8A-1F9A35D08D3F}"/>
+                </a:ext>
+              </a:extLst>
+            </p:cNvPr>
+            <p:cNvSpPr/>
+            <p:nvPr/>
+          </p:nvSpPr>
+          <p:spPr>
+            <a:xfrm>
+              <a:off x="6613185" y="4623156"/>
+              <a:ext cx="394447" cy="376517"/>
+            </a:xfrm>
+            <a:prstGeom prst="ellipse">
+              <a:avLst/>
+            </a:prstGeom>
+            <a:solidFill>
+              <a:schemeClr val="accent4">
+                <a:lumMod val="60000"/>
+                <a:lumOff val="40000"/>
+              </a:schemeClr>
+            </a:solidFill>
+          </p:spPr>
+          <p:style>
+            <a:lnRef idx="2">
+              <a:schemeClr val="accent1">
+                <a:shade val="50000"/>
+              </a:schemeClr>
+            </a:lnRef>
+            <a:fillRef idx="1">
+              <a:schemeClr val="accent1"/>
+            </a:fillRef>
+            <a:effectRef idx="0">
+              <a:schemeClr val="accent1"/>
+            </a:effectRef>
+            <a:fontRef idx="minor">
+              <a:schemeClr val="lt1"/>
+            </a:fontRef>
+          </p:style>
+          <p:txBody>
+            <a:bodyPr rtlCol="0" anchor="ctr"/>
+            <a:lstStyle/>
+            <a:p>
+              <a:pPr algn="ctr"/>
+              <a:r>
+                <a:rPr lang="en-US" dirty="0">
+                  <a:solidFill>
+                    <a:schemeClr val="accent4">
+                      <a:lumMod val="50000"/>
+                    </a:schemeClr>
+                  </a:solidFill>
+                </a:rPr>
+                <a:t>6</a:t>
+              </a:r>
+            </a:p>
+          </p:txBody>
+        </p:sp>
+      </p:grpSp>
     </p:spTree>
     <p:extLst>
       <p:ext uri="{BB962C8B-B14F-4D97-AF65-F5344CB8AC3E}">
-        <p14:creationId xmlns:p14="http://schemas.microsoft.com/office/powerpoint/2010/main" val="3474469165"/>
+        <p14:creationId xmlns:p14="http://schemas.microsoft.com/office/powerpoint/2010/main" val="591678726"/>
       </p:ext>
     </p:extLst>
   </p:cSld>
@@ -3588,6 +4639,180 @@
       </p:grpSpPr>
       <p:sp>
         <p:nvSpPr>
+          <p:cNvPr id="2" name="Title 1">
+            <a:extLst>
+              <a:ext uri="{FF2B5EF4-FFF2-40B4-BE49-F238E27FC236}">
+                <a16:creationId xmlns:a16="http://schemas.microsoft.com/office/drawing/2014/main" id="{C027E961-1C15-4482-B678-00083D9CDA9A}"/>
+              </a:ext>
+            </a:extLst>
+          </p:cNvPr>
+          <p:cNvSpPr>
+            <a:spLocks noGrp="1"/>
+          </p:cNvSpPr>
+          <p:nvPr>
+            <p:ph type="ctrTitle"/>
+          </p:nvPr>
+        </p:nvSpPr>
+        <p:spPr/>
+        <p:txBody>
+          <a:bodyPr/>
+          <a:lstStyle/>
+          <a:p>
+            <a:r>
+              <a:rPr lang="en-US" dirty="0"/>
+              <a:t>GPU</a:t>
+            </a:r>
+          </a:p>
+        </p:txBody>
+      </p:sp>
+      <p:sp>
+        <p:nvSpPr>
+          <p:cNvPr id="3" name="Subtitle 2">
+            <a:extLst>
+              <a:ext uri="{FF2B5EF4-FFF2-40B4-BE49-F238E27FC236}">
+                <a16:creationId xmlns:a16="http://schemas.microsoft.com/office/drawing/2014/main" id="{320C6F87-207C-490F-92B4-AA64DBFC4914}"/>
+              </a:ext>
+            </a:extLst>
+          </p:cNvPr>
+          <p:cNvSpPr>
+            <a:spLocks noGrp="1"/>
+          </p:cNvSpPr>
+          <p:nvPr>
+            <p:ph type="subTitle" idx="1"/>
+          </p:nvPr>
+        </p:nvSpPr>
+        <p:spPr>
+          <a:xfrm>
+            <a:off x="1524000" y="3509963"/>
+            <a:ext cx="9144000" cy="1655762"/>
+          </a:xfrm>
+        </p:spPr>
+        <p:txBody>
+          <a:bodyPr/>
+          <a:lstStyle/>
+          <a:p>
+            <a:r>
+              <a:rPr lang="en-US" dirty="0"/>
+              <a:t>Don’t have to be expensive</a:t>
+            </a:r>
+          </a:p>
+        </p:txBody>
+      </p:sp>
+    </p:spTree>
+    <p:extLst>
+      <p:ext uri="{BB962C8B-B14F-4D97-AF65-F5344CB8AC3E}">
+        <p14:creationId xmlns:p14="http://schemas.microsoft.com/office/powerpoint/2010/main" val="2936290879"/>
+      </p:ext>
+    </p:extLst>
+  </p:cSld>
+  <p:clrMapOvr>
+    <a:masterClrMapping/>
+  </p:clrMapOvr>
+</p:sld>
+</file>
+
+<file path=ppt/slides/slide5.xml><?xml version="1.0" encoding="utf-8"?>
+<p:sld xmlns:a="http://schemas.openxmlformats.org/drawingml/2006/main" xmlns:r="http://schemas.openxmlformats.org/officeDocument/2006/relationships" xmlns:p="http://schemas.openxmlformats.org/presentationml/2006/main">
+  <p:cSld>
+    <p:spTree>
+      <p:nvGrpSpPr>
+        <p:cNvPr id="1" name=""/>
+        <p:cNvGrpSpPr/>
+        <p:nvPr/>
+      </p:nvGrpSpPr>
+      <p:grpSpPr>
+        <a:xfrm>
+          <a:off x="0" y="0"/>
+          <a:ext cx="0" cy="0"/>
+          <a:chOff x="0" y="0"/>
+          <a:chExt cx="0" cy="0"/>
+        </a:xfrm>
+      </p:grpSpPr>
+      <p:sp>
+        <p:nvSpPr>
+          <p:cNvPr id="2" name="Title 1">
+            <a:extLst>
+              <a:ext uri="{FF2B5EF4-FFF2-40B4-BE49-F238E27FC236}">
+                <a16:creationId xmlns:a16="http://schemas.microsoft.com/office/drawing/2014/main" id="{C027E961-1C15-4482-B678-00083D9CDA9A}"/>
+              </a:ext>
+            </a:extLst>
+          </p:cNvPr>
+          <p:cNvSpPr>
+            <a:spLocks noGrp="1"/>
+          </p:cNvSpPr>
+          <p:nvPr>
+            <p:ph type="ctrTitle"/>
+          </p:nvPr>
+        </p:nvSpPr>
+        <p:spPr/>
+        <p:txBody>
+          <a:bodyPr/>
+          <a:lstStyle/>
+          <a:p>
+            <a:r>
+              <a:rPr lang="en-US" dirty="0"/>
+              <a:t>Recurrent Neural Network</a:t>
+            </a:r>
+          </a:p>
+        </p:txBody>
+      </p:sp>
+      <p:sp>
+        <p:nvSpPr>
+          <p:cNvPr id="3" name="Subtitle 2">
+            <a:extLst>
+              <a:ext uri="{FF2B5EF4-FFF2-40B4-BE49-F238E27FC236}">
+                <a16:creationId xmlns:a16="http://schemas.microsoft.com/office/drawing/2014/main" id="{320C6F87-207C-490F-92B4-AA64DBFC4914}"/>
+              </a:ext>
+            </a:extLst>
+          </p:cNvPr>
+          <p:cNvSpPr>
+            <a:spLocks noGrp="1"/>
+          </p:cNvSpPr>
+          <p:nvPr>
+            <p:ph type="subTitle" idx="1"/>
+          </p:nvPr>
+        </p:nvSpPr>
+        <p:spPr/>
+        <p:txBody>
+          <a:bodyPr/>
+          <a:lstStyle/>
+          <a:p>
+            <a:endParaRPr lang="en-US" dirty="0"/>
+          </a:p>
+        </p:txBody>
+      </p:sp>
+    </p:spTree>
+    <p:extLst>
+      <p:ext uri="{BB962C8B-B14F-4D97-AF65-F5344CB8AC3E}">
+        <p14:creationId xmlns:p14="http://schemas.microsoft.com/office/powerpoint/2010/main" val="1183581911"/>
+      </p:ext>
+    </p:extLst>
+  </p:cSld>
+  <p:clrMapOvr>
+    <a:masterClrMapping/>
+  </p:clrMapOvr>
+</p:sld>
+</file>
+
+<file path=ppt/slides/slide6.xml><?xml version="1.0" encoding="utf-8"?>
+<p:sld xmlns:a="http://schemas.openxmlformats.org/drawingml/2006/main" xmlns:r="http://schemas.openxmlformats.org/officeDocument/2006/relationships" xmlns:p="http://schemas.openxmlformats.org/presentationml/2006/main">
+  <p:cSld>
+    <p:spTree>
+      <p:nvGrpSpPr>
+        <p:cNvPr id="1" name=""/>
+        <p:cNvGrpSpPr/>
+        <p:nvPr/>
+      </p:nvGrpSpPr>
+      <p:grpSpPr>
+        <a:xfrm>
+          <a:off x="0" y="0"/>
+          <a:ext cx="0" cy="0"/>
+          <a:chOff x="0" y="0"/>
+          <a:chExt cx="0" cy="0"/>
+        </a:xfrm>
+      </p:grpSpPr>
+      <p:sp>
+        <p:nvSpPr>
           <p:cNvPr id="3" name="Content Placeholder 2">
             <a:extLst>
               <a:ext uri="{FF2B5EF4-FFF2-40B4-BE49-F238E27FC236}">
@@ -3610,6 +4835,12 @@
             <a:r>
               <a:rPr lang="en-US" dirty="0"/>
               <a:t>Re-useable guide</a:t>
+            </a:r>
+          </a:p>
+          <a:p>
+            <a:r>
+              <a:rPr lang="en-US" dirty="0"/>
+              <a:t>Be careful with Nvidia driver updates; they do it often and do not auto install</a:t>
             </a:r>
           </a:p>
         </p:txBody>
@@ -3948,4 +5179,299 @@
     </a:ext>
   </a:extLst>
 </a:theme>
+</file>
+
+<file path=ppt/theme/theme2.xml><?xml version="1.0" encoding="utf-8"?>
+<a:theme xmlns:a="http://schemas.openxmlformats.org/drawingml/2006/main" name="Office Theme">
+  <a:themeElements>
+    <a:clrScheme name="Office">
+      <a:dk1>
+        <a:sysClr val="windowText" lastClr="000000"/>
+      </a:dk1>
+      <a:lt1>
+        <a:sysClr val="window" lastClr="FFFFFF"/>
+      </a:lt1>
+      <a:dk2>
+        <a:srgbClr val="44546A"/>
+      </a:dk2>
+      <a:lt2>
+        <a:srgbClr val="E7E6E6"/>
+      </a:lt2>
+      <a:accent1>
+        <a:srgbClr val="4472C4"/>
+      </a:accent1>
+      <a:accent2>
+        <a:srgbClr val="ED7D31"/>
+      </a:accent2>
+      <a:accent3>
+        <a:srgbClr val="A5A5A5"/>
+      </a:accent3>
+      <a:accent4>
+        <a:srgbClr val="FFC000"/>
+      </a:accent4>
+      <a:accent5>
+        <a:srgbClr val="5B9BD5"/>
+      </a:accent5>
+      <a:accent6>
+        <a:srgbClr val="70AD47"/>
+      </a:accent6>
+      <a:hlink>
+        <a:srgbClr val="0563C1"/>
+      </a:hlink>
+      <a:folHlink>
+        <a:srgbClr val="954F72"/>
+      </a:folHlink>
+    </a:clrScheme>
+    <a:fontScheme name="Office">
+      <a:majorFont>
+        <a:latin typeface="Calibri Light" panose="020F0302020204030204"/>
+        <a:ea typeface=""/>
+        <a:cs typeface=""/>
+        <a:font script="Jpan" typeface="游ゴシック Light"/>
+        <a:font script="Hang" typeface="맑은 고딕"/>
+        <a:font script="Hans" typeface="等线 Light"/>
+        <a:font script="Hant" typeface="新細明體"/>
+        <a:font script="Arab" typeface="Times New Roman"/>
+        <a:font script="Hebr" typeface="Times New Roman"/>
+        <a:font script="Thai" typeface="Angsana New"/>
+        <a:font script="Ethi" typeface="Nyala"/>
+        <a:font script="Beng" typeface="Vrinda"/>
+        <a:font script="Gujr" typeface="Shruti"/>
+        <a:font script="Khmr" typeface="MoolBoran"/>
+        <a:font script="Knda" typeface="Tunga"/>
+        <a:font script="Guru" typeface="Raavi"/>
+        <a:font script="Cans" typeface="Euphemia"/>
+        <a:font script="Cher" typeface="Plantagenet Cherokee"/>
+        <a:font script="Yiii" typeface="Microsoft Yi Baiti"/>
+        <a:font script="Tibt" typeface="Microsoft Himalaya"/>
+        <a:font script="Thaa" typeface="MV Boli"/>
+        <a:font script="Deva" typeface="Mangal"/>
+        <a:font script="Telu" typeface="Gautami"/>
+        <a:font script="Taml" typeface="Latha"/>
+        <a:font script="Syrc" typeface="Estrangelo Edessa"/>
+        <a:font script="Orya" typeface="Kalinga"/>
+        <a:font script="Mlym" typeface="Kartika"/>
+        <a:font script="Laoo" typeface="DokChampa"/>
+        <a:font script="Sinh" typeface="Iskoola Pota"/>
+        <a:font script="Mong" typeface="Mongolian Baiti"/>
+        <a:font script="Viet" typeface="Times New Roman"/>
+        <a:font script="Uigh" typeface="Microsoft Uighur"/>
+        <a:font script="Geor" typeface="Sylfaen"/>
+        <a:font script="Armn" typeface="Arial"/>
+        <a:font script="Bugi" typeface="Leelawadee UI"/>
+        <a:font script="Bopo" typeface="Microsoft JhengHei"/>
+        <a:font script="Java" typeface="Javanese Text"/>
+        <a:font script="Lisu" typeface="Segoe UI"/>
+        <a:font script="Mymr" typeface="Myanmar Text"/>
+        <a:font script="Nkoo" typeface="Ebrima"/>
+        <a:font script="Olck" typeface="Nirmala UI"/>
+        <a:font script="Osma" typeface="Ebrima"/>
+        <a:font script="Phag" typeface="Phagspa"/>
+        <a:font script="Syrn" typeface="Estrangelo Edessa"/>
+        <a:font script="Syrj" typeface="Estrangelo Edessa"/>
+        <a:font script="Syre" typeface="Estrangelo Edessa"/>
+        <a:font script="Sora" typeface="Nirmala UI"/>
+        <a:font script="Tale" typeface="Microsoft Tai Le"/>
+        <a:font script="Talu" typeface="Microsoft New Tai Lue"/>
+        <a:font script="Tfng" typeface="Ebrima"/>
+      </a:majorFont>
+      <a:minorFont>
+        <a:latin typeface="Calibri" panose="020F0502020204030204"/>
+        <a:ea typeface=""/>
+        <a:cs typeface=""/>
+        <a:font script="Jpan" typeface="游ゴシック"/>
+        <a:font script="Hang" typeface="맑은 고딕"/>
+        <a:font script="Hans" typeface="等线"/>
+        <a:font script="Hant" typeface="新細明體"/>
+        <a:font script="Arab" typeface="Arial"/>
+        <a:font script="Hebr" typeface="Arial"/>
+        <a:font script="Thai" typeface="Cordia New"/>
+        <a:font script="Ethi" typeface="Nyala"/>
+        <a:font script="Beng" typeface="Vrinda"/>
+        <a:font script="Gujr" typeface="Shruti"/>
+        <a:font script="Khmr" typeface="DaunPenh"/>
+        <a:font script="Knda" typeface="Tunga"/>
+        <a:font script="Guru" typeface="Raavi"/>
+        <a:font script="Cans" typeface="Euphemia"/>
+        <a:font script="Cher" typeface="Plantagenet Cherokee"/>
+        <a:font script="Yiii" typeface="Microsoft Yi Baiti"/>
+        <a:font script="Tibt" typeface="Microsoft Himalaya"/>
+        <a:font script="Thaa" typeface="MV Boli"/>
+        <a:font script="Deva" typeface="Mangal"/>
+        <a:font script="Telu" typeface="Gautami"/>
+        <a:font script="Taml" typeface="Latha"/>
+        <a:font script="Syrc" typeface="Estrangelo Edessa"/>
+        <a:font script="Orya" typeface="Kalinga"/>
+        <a:font script="Mlym" typeface="Kartika"/>
+        <a:font script="Laoo" typeface="DokChampa"/>
+        <a:font script="Sinh" typeface="Iskoola Pota"/>
+        <a:font script="Mong" typeface="Mongolian Baiti"/>
+        <a:font script="Viet" typeface="Arial"/>
+        <a:font script="Uigh" typeface="Microsoft Uighur"/>
+        <a:font script="Geor" typeface="Sylfaen"/>
+        <a:font script="Armn" typeface="Arial"/>
+        <a:font script="Bugi" typeface="Leelawadee UI"/>
+        <a:font script="Bopo" typeface="Microsoft JhengHei"/>
+        <a:font script="Java" typeface="Javanese Text"/>
+        <a:font script="Lisu" typeface="Segoe UI"/>
+        <a:font script="Mymr" typeface="Myanmar Text"/>
+        <a:font script="Nkoo" typeface="Ebrima"/>
+        <a:font script="Olck" typeface="Nirmala UI"/>
+        <a:font script="Osma" typeface="Ebrima"/>
+        <a:font script="Phag" typeface="Phagspa"/>
+        <a:font script="Syrn" typeface="Estrangelo Edessa"/>
+        <a:font script="Syrj" typeface="Estrangelo Edessa"/>
+        <a:font script="Syre" typeface="Estrangelo Edessa"/>
+        <a:font script="Sora" typeface="Nirmala UI"/>
+        <a:font script="Tale" typeface="Microsoft Tai Le"/>
+        <a:font script="Talu" typeface="Microsoft New Tai Lue"/>
+        <a:font script="Tfng" typeface="Ebrima"/>
+      </a:minorFont>
+    </a:fontScheme>
+    <a:fmtScheme name="Office">
+      <a:fillStyleLst>
+        <a:solidFill>
+          <a:schemeClr val="phClr"/>
+        </a:solidFill>
+        <a:gradFill rotWithShape="1">
+          <a:gsLst>
+            <a:gs pos="0">
+              <a:schemeClr val="phClr">
+                <a:lumMod val="110000"/>
+                <a:satMod val="105000"/>
+                <a:tint val="67000"/>
+              </a:schemeClr>
+            </a:gs>
+            <a:gs pos="50000">
+              <a:schemeClr val="phClr">
+                <a:lumMod val="105000"/>
+                <a:satMod val="103000"/>
+                <a:tint val="73000"/>
+              </a:schemeClr>
+            </a:gs>
+            <a:gs pos="100000">
+              <a:schemeClr val="phClr">
+                <a:lumMod val="105000"/>
+                <a:satMod val="109000"/>
+                <a:tint val="81000"/>
+              </a:schemeClr>
+            </a:gs>
+          </a:gsLst>
+          <a:lin ang="5400000" scaled="0"/>
+        </a:gradFill>
+        <a:gradFill rotWithShape="1">
+          <a:gsLst>
+            <a:gs pos="0">
+              <a:schemeClr val="phClr">
+                <a:satMod val="103000"/>
+                <a:lumMod val="102000"/>
+                <a:tint val="94000"/>
+              </a:schemeClr>
+            </a:gs>
+            <a:gs pos="50000">
+              <a:schemeClr val="phClr">
+                <a:satMod val="110000"/>
+                <a:lumMod val="100000"/>
+                <a:shade val="100000"/>
+              </a:schemeClr>
+            </a:gs>
+            <a:gs pos="100000">
+              <a:schemeClr val="phClr">
+                <a:lumMod val="99000"/>
+                <a:satMod val="120000"/>
+                <a:shade val="78000"/>
+              </a:schemeClr>
+            </a:gs>
+          </a:gsLst>
+          <a:lin ang="5400000" scaled="0"/>
+        </a:gradFill>
+      </a:fillStyleLst>
+      <a:lnStyleLst>
+        <a:ln w="6350" cap="flat" cmpd="sng" algn="ctr">
+          <a:solidFill>
+            <a:schemeClr val="phClr"/>
+          </a:solidFill>
+          <a:prstDash val="solid"/>
+          <a:miter lim="800000"/>
+        </a:ln>
+        <a:ln w="12700" cap="flat" cmpd="sng" algn="ctr">
+          <a:solidFill>
+            <a:schemeClr val="phClr"/>
+          </a:solidFill>
+          <a:prstDash val="solid"/>
+          <a:miter lim="800000"/>
+        </a:ln>
+        <a:ln w="19050" cap="flat" cmpd="sng" algn="ctr">
+          <a:solidFill>
+            <a:schemeClr val="phClr"/>
+          </a:solidFill>
+          <a:prstDash val="solid"/>
+          <a:miter lim="800000"/>
+        </a:ln>
+      </a:lnStyleLst>
+      <a:effectStyleLst>
+        <a:effectStyle>
+          <a:effectLst/>
+        </a:effectStyle>
+        <a:effectStyle>
+          <a:effectLst/>
+        </a:effectStyle>
+        <a:effectStyle>
+          <a:effectLst>
+            <a:outerShdw blurRad="57150" dist="19050" dir="5400000" algn="ctr" rotWithShape="0">
+              <a:srgbClr val="000000">
+                <a:alpha val="63000"/>
+              </a:srgbClr>
+            </a:outerShdw>
+          </a:effectLst>
+        </a:effectStyle>
+      </a:effectStyleLst>
+      <a:bgFillStyleLst>
+        <a:solidFill>
+          <a:schemeClr val="phClr"/>
+        </a:solidFill>
+        <a:solidFill>
+          <a:schemeClr val="phClr">
+            <a:tint val="95000"/>
+            <a:satMod val="170000"/>
+          </a:schemeClr>
+        </a:solidFill>
+        <a:gradFill rotWithShape="1">
+          <a:gsLst>
+            <a:gs pos="0">
+              <a:schemeClr val="phClr">
+                <a:tint val="93000"/>
+                <a:satMod val="150000"/>
+                <a:shade val="98000"/>
+                <a:lumMod val="102000"/>
+              </a:schemeClr>
+            </a:gs>
+            <a:gs pos="50000">
+              <a:schemeClr val="phClr">
+                <a:tint val="98000"/>
+                <a:satMod val="130000"/>
+                <a:shade val="90000"/>
+                <a:lumMod val="103000"/>
+              </a:schemeClr>
+            </a:gs>
+            <a:gs pos="100000">
+              <a:schemeClr val="phClr">
+                <a:shade val="63000"/>
+                <a:satMod val="120000"/>
+              </a:schemeClr>
+            </a:gs>
+          </a:gsLst>
+          <a:lin ang="5400000" scaled="0"/>
+        </a:gradFill>
+      </a:bgFillStyleLst>
+    </a:fmtScheme>
+  </a:themeElements>
+  <a:objectDefaults/>
+  <a:extraClrSchemeLst/>
+  <a:extLst>
+    <a:ext uri="{05A4C25C-085E-4340-85A3-A5531E510DB2}">
+      <thm15:themeFamily xmlns:thm15="http://schemas.microsoft.com/office/thememl/2012/main" name="Office Theme" id="{62F939B6-93AF-4DB8-9C6B-D6C7DFDC589F}" vid="{4A3C46E8-61CC-4603-A589-7422A47A8E4A}"/>
+    </a:ext>
+  </a:extLst>
+</a:theme>
 </file>
--- a/GPU Project/Project.pptx
+++ b/GPU Project/Project.pptx
@@ -5,15 +5,20 @@
     <p:sldMasterId id="2147483648" r:id="rId1"/>
   </p:sldMasterIdLst>
   <p:notesMasterIdLst>
-    <p:notesMasterId r:id="rId8"/>
+    <p:notesMasterId r:id="rId13"/>
   </p:notesMasterIdLst>
   <p:sldIdLst>
     <p:sldId id="258" r:id="rId2"/>
     <p:sldId id="260" r:id="rId3"/>
-    <p:sldId id="261" r:id="rId4"/>
-    <p:sldId id="257" r:id="rId5"/>
-    <p:sldId id="256" r:id="rId6"/>
-    <p:sldId id="259" r:id="rId7"/>
+    <p:sldId id="268" r:id="rId4"/>
+    <p:sldId id="271" r:id="rId5"/>
+    <p:sldId id="270" r:id="rId6"/>
+    <p:sldId id="267" r:id="rId7"/>
+    <p:sldId id="269" r:id="rId8"/>
+    <p:sldId id="262" r:id="rId9"/>
+    <p:sldId id="257" r:id="rId10"/>
+    <p:sldId id="256" r:id="rId11"/>
+    <p:sldId id="259" r:id="rId12"/>
   </p:sldIdLst>
   <p:sldSz cx="12192000" cy="6858000"/>
   <p:notesSz cx="6858000" cy="9144000"/>
@@ -3754,6 +3759,181 @@
 </p:sld>
 </file>
 
+<file path=ppt/slides/slide10.xml><?xml version="1.0" encoding="utf-8"?>
+<p:sld xmlns:a="http://schemas.openxmlformats.org/drawingml/2006/main" xmlns:r="http://schemas.openxmlformats.org/officeDocument/2006/relationships" xmlns:p="http://schemas.openxmlformats.org/presentationml/2006/main">
+  <p:cSld>
+    <p:spTree>
+      <p:nvGrpSpPr>
+        <p:cNvPr id="1" name=""/>
+        <p:cNvGrpSpPr/>
+        <p:nvPr/>
+      </p:nvGrpSpPr>
+      <p:grpSpPr>
+        <a:xfrm>
+          <a:off x="0" y="0"/>
+          <a:ext cx="0" cy="0"/>
+          <a:chOff x="0" y="0"/>
+          <a:chExt cx="0" cy="0"/>
+        </a:xfrm>
+      </p:grpSpPr>
+      <p:sp>
+        <p:nvSpPr>
+          <p:cNvPr id="2" name="Title 1">
+            <a:extLst>
+              <a:ext uri="{FF2B5EF4-FFF2-40B4-BE49-F238E27FC236}">
+                <a16:creationId xmlns:a16="http://schemas.microsoft.com/office/drawing/2014/main" id="{C027E961-1C15-4482-B678-00083D9CDA9A}"/>
+              </a:ext>
+            </a:extLst>
+          </p:cNvPr>
+          <p:cNvSpPr>
+            <a:spLocks noGrp="1"/>
+          </p:cNvSpPr>
+          <p:nvPr>
+            <p:ph type="ctrTitle"/>
+          </p:nvPr>
+        </p:nvSpPr>
+        <p:spPr/>
+        <p:txBody>
+          <a:bodyPr/>
+          <a:lstStyle/>
+          <a:p>
+            <a:r>
+              <a:rPr lang="en-US" dirty="0"/>
+              <a:t>Recurrent Neural Network</a:t>
+            </a:r>
+          </a:p>
+        </p:txBody>
+      </p:sp>
+      <p:sp>
+        <p:nvSpPr>
+          <p:cNvPr id="3" name="Subtitle 2">
+            <a:extLst>
+              <a:ext uri="{FF2B5EF4-FFF2-40B4-BE49-F238E27FC236}">
+                <a16:creationId xmlns:a16="http://schemas.microsoft.com/office/drawing/2014/main" id="{320C6F87-207C-490F-92B4-AA64DBFC4914}"/>
+              </a:ext>
+            </a:extLst>
+          </p:cNvPr>
+          <p:cNvSpPr>
+            <a:spLocks noGrp="1"/>
+          </p:cNvSpPr>
+          <p:nvPr>
+            <p:ph type="subTitle" idx="1"/>
+          </p:nvPr>
+        </p:nvSpPr>
+        <p:spPr/>
+        <p:txBody>
+          <a:bodyPr/>
+          <a:lstStyle/>
+          <a:p>
+            <a:endParaRPr lang="en-US" dirty="0"/>
+          </a:p>
+        </p:txBody>
+      </p:sp>
+    </p:spTree>
+    <p:extLst>
+      <p:ext uri="{BB962C8B-B14F-4D97-AF65-F5344CB8AC3E}">
+        <p14:creationId xmlns:p14="http://schemas.microsoft.com/office/powerpoint/2010/main" val="1183581911"/>
+      </p:ext>
+    </p:extLst>
+  </p:cSld>
+  <p:clrMapOvr>
+    <a:masterClrMapping/>
+  </p:clrMapOvr>
+</p:sld>
+</file>
+
+<file path=ppt/slides/slide11.xml><?xml version="1.0" encoding="utf-8"?>
+<p:sld xmlns:a="http://schemas.openxmlformats.org/drawingml/2006/main" xmlns:r="http://schemas.openxmlformats.org/officeDocument/2006/relationships" xmlns:p="http://schemas.openxmlformats.org/presentationml/2006/main">
+  <p:cSld>
+    <p:spTree>
+      <p:nvGrpSpPr>
+        <p:cNvPr id="1" name=""/>
+        <p:cNvGrpSpPr/>
+        <p:nvPr/>
+      </p:nvGrpSpPr>
+      <p:grpSpPr>
+        <a:xfrm>
+          <a:off x="0" y="0"/>
+          <a:ext cx="0" cy="0"/>
+          <a:chOff x="0" y="0"/>
+          <a:chExt cx="0" cy="0"/>
+        </a:xfrm>
+      </p:grpSpPr>
+      <p:sp>
+        <p:nvSpPr>
+          <p:cNvPr id="3" name="Content Placeholder 2">
+            <a:extLst>
+              <a:ext uri="{FF2B5EF4-FFF2-40B4-BE49-F238E27FC236}">
+                <a16:creationId xmlns:a16="http://schemas.microsoft.com/office/drawing/2014/main" id="{5DACA907-259E-4B3F-ACA2-F308453BAE13}"/>
+              </a:ext>
+            </a:extLst>
+          </p:cNvPr>
+          <p:cNvSpPr>
+            <a:spLocks noGrp="1"/>
+          </p:cNvSpPr>
+          <p:nvPr>
+            <p:ph idx="1"/>
+          </p:nvPr>
+        </p:nvSpPr>
+        <p:spPr/>
+        <p:txBody>
+          <a:bodyPr/>
+          <a:lstStyle/>
+          <a:p>
+            <a:r>
+              <a:rPr lang="en-US" dirty="0"/>
+              <a:t>Re-useable guide</a:t>
+            </a:r>
+          </a:p>
+          <a:p>
+            <a:r>
+              <a:rPr lang="en-US" dirty="0"/>
+              <a:t>Be careful with Nvidia driver updates; they do it often and do not auto install</a:t>
+            </a:r>
+          </a:p>
+        </p:txBody>
+      </p:sp>
+      <p:sp>
+        <p:nvSpPr>
+          <p:cNvPr id="5" name="Title 4">
+            <a:extLst>
+              <a:ext uri="{FF2B5EF4-FFF2-40B4-BE49-F238E27FC236}">
+                <a16:creationId xmlns:a16="http://schemas.microsoft.com/office/drawing/2014/main" id="{3D305F16-A7E3-4F25-B131-24334747F55B}"/>
+              </a:ext>
+            </a:extLst>
+          </p:cNvPr>
+          <p:cNvSpPr>
+            <a:spLocks noGrp="1"/>
+          </p:cNvSpPr>
+          <p:nvPr>
+            <p:ph type="title"/>
+          </p:nvPr>
+        </p:nvSpPr>
+        <p:spPr/>
+        <p:txBody>
+          <a:bodyPr/>
+          <a:lstStyle/>
+          <a:p>
+            <a:r>
+              <a:rPr lang="en-US" dirty="0"/>
+              <a:t>Setting up Environment</a:t>
+            </a:r>
+          </a:p>
+        </p:txBody>
+      </p:sp>
+    </p:spTree>
+    <p:extLst>
+      <p:ext uri="{BB962C8B-B14F-4D97-AF65-F5344CB8AC3E}">
+        <p14:creationId xmlns:p14="http://schemas.microsoft.com/office/powerpoint/2010/main" val="981175082"/>
+      </p:ext>
+    </p:extLst>
+  </p:cSld>
+  <p:clrMapOvr>
+    <a:masterClrMapping/>
+  </p:clrMapOvr>
+</p:sld>
+</file>
+
 <file path=ppt/slides/slide2.xml><?xml version="1.0" encoding="utf-8"?>
 <p:sld xmlns:a="http://schemas.openxmlformats.org/drawingml/2006/main" xmlns:r="http://schemas.openxmlformats.org/officeDocument/2006/relationships" xmlns:p="http://schemas.openxmlformats.org/presentationml/2006/main">
   <p:cSld>
@@ -4138,7 +4318,7 @@
           <a:p>
             <a:r>
               <a:rPr lang="en-US" dirty="0"/>
-              <a:t>Parallel Processing</a:t>
+              <a:t>Serial Instruction Processing</a:t>
             </a:r>
           </a:p>
         </p:txBody>
@@ -4164,13 +4344,13 @@
           <a:bodyPr/>
           <a:lstStyle/>
           <a:p>
+            <a:pPr marL="0" indent="0">
+              <a:buNone/>
+            </a:pPr>
             <a:r>
               <a:rPr lang="en-US" dirty="0"/>
-              <a:t>Remember PEDMAS?</a:t>
+              <a:t>Please Excuse My Dear Aunt Sally</a:t>
             </a:r>
-          </a:p>
-          <a:p>
-            <a:endParaRPr lang="en-US" dirty="0"/>
           </a:p>
         </p:txBody>
       </p:sp>
@@ -4188,8 +4368,8 @@
         </p:nvGrpSpPr>
         <p:grpSpPr>
           <a:xfrm>
-            <a:off x="5447924" y="3151100"/>
-            <a:ext cx="1929653" cy="2127624"/>
+            <a:off x="4798745" y="2626747"/>
+            <a:ext cx="2594510" cy="2749094"/>
             <a:chOff x="5447924" y="3151100"/>
             <a:chExt cx="1929653" cy="2127624"/>
           </a:xfrm>
@@ -4607,10 +4787,368 @@
           </p:txBody>
         </p:sp>
       </p:grpSp>
+      <p:cxnSp>
+        <p:nvCxnSpPr>
+          <p:cNvPr id="32" name="Connector: Curved 31">
+            <a:extLst>
+              <a:ext uri="{FF2B5EF4-FFF2-40B4-BE49-F238E27FC236}">
+                <a16:creationId xmlns:a16="http://schemas.microsoft.com/office/drawing/2014/main" id="{73BDA518-9AF5-4B9E-98D0-0F772F7E34AC}"/>
+              </a:ext>
+            </a:extLst>
+          </p:cNvPr>
+          <p:cNvCxnSpPr>
+            <a:endCxn id="7" idx="1"/>
+          </p:cNvCxnSpPr>
+          <p:nvPr/>
+        </p:nvCxnSpPr>
+        <p:spPr>
+          <a:xfrm flipV="1">
+            <a:off x="4188895" y="3047877"/>
+            <a:ext cx="1153385" cy="214555"/>
+          </a:xfrm>
+          <a:prstGeom prst="curvedConnector4">
+            <a:avLst>
+              <a:gd name="adj1" fmla="val 46633"/>
+              <a:gd name="adj2" fmla="val 239753"/>
+            </a:avLst>
+          </a:prstGeom>
+          <a:ln w="28575">
+            <a:solidFill>
+              <a:schemeClr val="accent2">
+                <a:lumMod val="75000"/>
+              </a:schemeClr>
+            </a:solidFill>
+            <a:tailEnd type="triangle"/>
+          </a:ln>
+        </p:spPr>
+        <p:style>
+          <a:lnRef idx="1">
+            <a:schemeClr val="accent1"/>
+          </a:lnRef>
+          <a:fillRef idx="0">
+            <a:schemeClr val="accent1"/>
+          </a:fillRef>
+          <a:effectRef idx="0">
+            <a:schemeClr val="accent1"/>
+          </a:effectRef>
+          <a:fontRef idx="minor">
+            <a:schemeClr val="tx1"/>
+          </a:fontRef>
+        </p:style>
+      </p:cxnSp>
+      <p:cxnSp>
+        <p:nvCxnSpPr>
+          <p:cNvPr id="33" name="Connector: Curved 32">
+            <a:extLst>
+              <a:ext uri="{FF2B5EF4-FFF2-40B4-BE49-F238E27FC236}">
+                <a16:creationId xmlns:a16="http://schemas.microsoft.com/office/drawing/2014/main" id="{E168ACAA-8100-4AC0-8C37-F1258B82E844}"/>
+              </a:ext>
+            </a:extLst>
+          </p:cNvPr>
+          <p:cNvCxnSpPr>
+            <a:cxnSpLocks/>
+            <a:stCxn id="7" idx="7"/>
+          </p:cNvCxnSpPr>
+          <p:nvPr/>
+        </p:nvCxnSpPr>
+        <p:spPr>
+          <a:xfrm rot="16200000" flipH="1">
+            <a:off x="6939026" y="1826147"/>
+            <a:ext cx="116229" cy="2559688"/>
+          </a:xfrm>
+          <a:prstGeom prst="curvedConnector4">
+            <a:avLst>
+              <a:gd name="adj1" fmla="val -196681"/>
+              <a:gd name="adj2" fmla="val 56005"/>
+            </a:avLst>
+          </a:prstGeom>
+          <a:ln w="28575">
+            <a:solidFill>
+              <a:schemeClr val="accent2">
+                <a:lumMod val="75000"/>
+              </a:schemeClr>
+            </a:solidFill>
+            <a:tailEnd type="triangle"/>
+          </a:ln>
+        </p:spPr>
+        <p:style>
+          <a:lnRef idx="1">
+            <a:schemeClr val="accent1"/>
+          </a:lnRef>
+          <a:fillRef idx="0">
+            <a:schemeClr val="accent1"/>
+          </a:fillRef>
+          <a:effectRef idx="0">
+            <a:schemeClr val="accent1"/>
+          </a:effectRef>
+          <a:fontRef idx="minor">
+            <a:schemeClr val="tx1"/>
+          </a:fontRef>
+        </p:style>
+      </p:cxnSp>
+      <p:graphicFrame>
+        <p:nvGraphicFramePr>
+          <p:cNvPr id="14" name="Table 13">
+            <a:extLst>
+              <a:ext uri="{FF2B5EF4-FFF2-40B4-BE49-F238E27FC236}">
+                <a16:creationId xmlns:a16="http://schemas.microsoft.com/office/drawing/2014/main" id="{26E590C9-A13E-4E23-84F3-1BAC1656F24B}"/>
+              </a:ext>
+            </a:extLst>
+          </p:cNvPr>
+          <p:cNvGraphicFramePr>
+            <a:graphicFrameLocks noGrp="1"/>
+          </p:cNvGraphicFramePr>
+          <p:nvPr>
+            <p:extLst>
+              <p:ext uri="{D42A27DB-BD31-4B8C-83A1-F6EECF244321}">
+                <p14:modId xmlns:p14="http://schemas.microsoft.com/office/powerpoint/2010/main" val="2083309263"/>
+              </p:ext>
+            </p:extLst>
+          </p:nvPr>
+        </p:nvGraphicFramePr>
+        <p:xfrm>
+          <a:off x="8276985" y="2896672"/>
+          <a:ext cx="876300" cy="365760"/>
+        </p:xfrm>
+        <a:graphic>
+          <a:graphicData uri="http://schemas.openxmlformats.org/drawingml/2006/table">
+            <a:tbl>
+              <a:tblPr>
+                <a:tableStyleId>{5C22544A-7EE6-4342-B048-85BDC9FD1C3A}</a:tableStyleId>
+              </a:tblPr>
+              <a:tblGrid>
+                <a:gridCol w="876300">
+                  <a:extLst>
+                    <a:ext uri="{9D8B030D-6E8A-4147-A177-3AD203B41FA5}">
+                      <a16:colId xmlns:a16="http://schemas.microsoft.com/office/drawing/2014/main" val="4076298313"/>
+                    </a:ext>
+                  </a:extLst>
+                </a:gridCol>
+              </a:tblGrid>
+              <a:tr h="182880">
+                <a:tc>
+                  <a:txBody>
+                    <a:bodyPr/>
+                    <a:lstStyle/>
+                    <a:p>
+                      <a:pPr algn="ctr" fontAlgn="b"/>
+                      <a:r>
+                        <a:rPr lang="en-US" sz="1100" u="none" strike="noStrike" dirty="0">
+                          <a:effectLst/>
+                        </a:rPr>
+                        <a:t> Bunnies</a:t>
+                      </a:r>
+                      <a:endParaRPr lang="en-US" sz="1100" b="0" i="0" u="none" strike="noStrike" dirty="0">
+                        <a:solidFill>
+                          <a:srgbClr val="FFFFFF"/>
+                        </a:solidFill>
+                        <a:effectLst/>
+                        <a:latin typeface="Calibri" panose="020F0502020204030204" pitchFamily="34" charset="0"/>
+                      </a:endParaRPr>
+                    </a:p>
+                  </a:txBody>
+                  <a:tcPr marL="3810" marR="3810" marT="3810" marB="0" anchor="b"/>
+                </a:tc>
+                <a:extLst>
+                  <a:ext uri="{0D108BD9-81ED-4DB2-BD59-A6C34878D82A}">
+                    <a16:rowId xmlns:a16="http://schemas.microsoft.com/office/drawing/2014/main" val="1217616576"/>
+                  </a:ext>
+                </a:extLst>
+              </a:tr>
+              <a:tr h="182880">
+                <a:tc>
+                  <a:txBody>
+                    <a:bodyPr/>
+                    <a:lstStyle/>
+                    <a:p>
+                      <a:pPr algn="ctr" fontAlgn="b"/>
+                      <a:r>
+                        <a:rPr lang="en-US" sz="1100" u="none" strike="noStrike" dirty="0">
+                          <a:effectLst/>
+                        </a:rPr>
+                        <a:t>16,777,216</a:t>
+                      </a:r>
+                      <a:endParaRPr lang="en-US" sz="1100" b="0" i="0" u="none" strike="noStrike" dirty="0">
+                        <a:solidFill>
+                          <a:srgbClr val="FFFFFF"/>
+                        </a:solidFill>
+                        <a:effectLst/>
+                        <a:latin typeface="Calibri" panose="020F0502020204030204" pitchFamily="34" charset="0"/>
+                      </a:endParaRPr>
+                    </a:p>
+                  </a:txBody>
+                  <a:tcPr marL="3810" marR="3810" marT="3810" marB="0" anchor="b"/>
+                </a:tc>
+                <a:extLst>
+                  <a:ext uri="{0D108BD9-81ED-4DB2-BD59-A6C34878D82A}">
+                    <a16:rowId xmlns:a16="http://schemas.microsoft.com/office/drawing/2014/main" val="812119235"/>
+                  </a:ext>
+                </a:extLst>
+              </a:tr>
+            </a:tbl>
+          </a:graphicData>
+        </a:graphic>
+      </p:graphicFrame>
+      <p:graphicFrame>
+        <p:nvGraphicFramePr>
+          <p:cNvPr id="15" name="Table 14">
+            <a:extLst>
+              <a:ext uri="{FF2B5EF4-FFF2-40B4-BE49-F238E27FC236}">
+                <a16:creationId xmlns:a16="http://schemas.microsoft.com/office/drawing/2014/main" id="{61734503-BFC2-4570-B7B9-4B0466189AC9}"/>
+              </a:ext>
+            </a:extLst>
+          </p:cNvPr>
+          <p:cNvGraphicFramePr>
+            <a:graphicFrameLocks noGrp="1"/>
+          </p:cNvGraphicFramePr>
+          <p:nvPr>
+            <p:extLst>
+              <p:ext uri="{D42A27DB-BD31-4B8C-83A1-F6EECF244321}">
+                <p14:modId xmlns:p14="http://schemas.microsoft.com/office/powerpoint/2010/main" val="181222896"/>
+              </p:ext>
+            </p:extLst>
+          </p:nvPr>
+        </p:nvGraphicFramePr>
+        <p:xfrm>
+          <a:off x="1534595" y="2981226"/>
+          <a:ext cx="2654300" cy="365760"/>
+        </p:xfrm>
+        <a:graphic>
+          <a:graphicData uri="http://schemas.openxmlformats.org/drawingml/2006/table">
+            <a:tbl>
+              <a:tblPr>
+                <a:tableStyleId>{5C22544A-7EE6-4342-B048-85BDC9FD1C3A}</a:tableStyleId>
+              </a:tblPr>
+              <a:tblGrid>
+                <a:gridCol w="1333500">
+                  <a:extLst>
+                    <a:ext uri="{9D8B030D-6E8A-4147-A177-3AD203B41FA5}">
+                      <a16:colId xmlns:a16="http://schemas.microsoft.com/office/drawing/2014/main" val="415420212"/>
+                    </a:ext>
+                  </a:extLst>
+                </a:gridCol>
+                <a:gridCol w="1320800">
+                  <a:extLst>
+                    <a:ext uri="{9D8B030D-6E8A-4147-A177-3AD203B41FA5}">
+                      <a16:colId xmlns:a16="http://schemas.microsoft.com/office/drawing/2014/main" val="2697755820"/>
+                    </a:ext>
+                  </a:extLst>
+                </a:gridCol>
+              </a:tblGrid>
+              <a:tr h="182880">
+                <a:tc>
+                  <a:txBody>
+                    <a:bodyPr/>
+                    <a:lstStyle/>
+                    <a:p>
+                      <a:pPr algn="ctr" fontAlgn="b"/>
+                      <a:r>
+                        <a:rPr lang="en-US" sz="1100" u="none" strike="noStrike" dirty="0">
+                          <a:effectLst/>
+                        </a:rPr>
+                        <a:t>1 Core</a:t>
+                      </a:r>
+                      <a:endParaRPr lang="en-US" sz="1100" b="0" i="0" u="none" strike="noStrike" dirty="0">
+                        <a:solidFill>
+                          <a:srgbClr val="FFFFFF"/>
+                        </a:solidFill>
+                        <a:effectLst/>
+                        <a:latin typeface="Calibri" panose="020F0502020204030204" pitchFamily="34" charset="0"/>
+                      </a:endParaRPr>
+                    </a:p>
+                  </a:txBody>
+                  <a:tcPr marL="3810" marR="3810" marT="3810" marB="0" anchor="b"/>
+                </a:tc>
+                <a:tc>
+                  <a:txBody>
+                    <a:bodyPr/>
+                    <a:lstStyle/>
+                    <a:p>
+                      <a:pPr algn="ctr" fontAlgn="b"/>
+                      <a:r>
+                        <a:rPr lang="en-US" sz="1100" u="none" strike="noStrike">
+                          <a:effectLst/>
+                        </a:rPr>
+                        <a:t>Serial instructions:</a:t>
+                      </a:r>
+                      <a:endParaRPr lang="en-US" sz="1100" b="0" i="0" u="none" strike="noStrike">
+                        <a:solidFill>
+                          <a:srgbClr val="FFFFFF"/>
+                        </a:solidFill>
+                        <a:effectLst/>
+                        <a:latin typeface="Calibri" panose="020F0502020204030204" pitchFamily="34" charset="0"/>
+                      </a:endParaRPr>
+                    </a:p>
+                  </a:txBody>
+                  <a:tcPr marL="3810" marR="3810" marT="3810" marB="0" anchor="b"/>
+                </a:tc>
+                <a:extLst>
+                  <a:ext uri="{0D108BD9-81ED-4DB2-BD59-A6C34878D82A}">
+                    <a16:rowId xmlns:a16="http://schemas.microsoft.com/office/drawing/2014/main" val="842728541"/>
+                  </a:ext>
+                </a:extLst>
+              </a:tr>
+              <a:tr h="182880">
+                <a:tc>
+                  <a:txBody>
+                    <a:bodyPr/>
+                    <a:lstStyle/>
+                    <a:p>
+                      <a:pPr algn="ctr" fontAlgn="b"/>
+                      <a:r>
+                        <a:rPr lang="en-US" sz="1100" u="none" strike="noStrike" dirty="0">
+                          <a:effectLst/>
+                        </a:rPr>
+                        <a:t>Exponential Bunnies =</a:t>
+                      </a:r>
+                      <a:endParaRPr lang="en-US" sz="1100" b="0" i="0" u="none" strike="noStrike" dirty="0">
+                        <a:solidFill>
+                          <a:srgbClr val="FFFFFF"/>
+                        </a:solidFill>
+                        <a:effectLst/>
+                        <a:latin typeface="Calibri" panose="020F0502020204030204" pitchFamily="34" charset="0"/>
+                      </a:endParaRPr>
+                    </a:p>
+                  </a:txBody>
+                  <a:tcPr marL="3810" marR="3810" marT="3810" marB="0" anchor="b"/>
+                </a:tc>
+                <a:tc>
+                  <a:txBody>
+                    <a:bodyPr/>
+                    <a:lstStyle/>
+                    <a:p>
+                      <a:pPr algn="ctr" fontAlgn="b"/>
+                      <a:r>
+                        <a:rPr lang="en-US" sz="1100" u="none" strike="noStrike" dirty="0">
+                          <a:effectLst/>
+                        </a:rPr>
+                        <a:t>2^3^2^4=</a:t>
+                      </a:r>
+                      <a:endParaRPr lang="en-US" sz="1100" b="0" i="0" u="none" strike="noStrike" dirty="0">
+                        <a:solidFill>
+                          <a:srgbClr val="FFFFFF"/>
+                        </a:solidFill>
+                        <a:effectLst/>
+                        <a:latin typeface="Calibri" panose="020F0502020204030204" pitchFamily="34" charset="0"/>
+                      </a:endParaRPr>
+                    </a:p>
+                  </a:txBody>
+                  <a:tcPr marL="3810" marR="3810" marT="3810" marB="0" anchor="b"/>
+                </a:tc>
+                <a:extLst>
+                  <a:ext uri="{0D108BD9-81ED-4DB2-BD59-A6C34878D82A}">
+                    <a16:rowId xmlns:a16="http://schemas.microsoft.com/office/drawing/2014/main" val="3076039267"/>
+                  </a:ext>
+                </a:extLst>
+              </a:tr>
+            </a:tbl>
+          </a:graphicData>
+        </a:graphic>
+      </p:graphicFrame>
     </p:spTree>
     <p:extLst>
       <p:ext uri="{BB962C8B-B14F-4D97-AF65-F5344CB8AC3E}">
-        <p14:creationId xmlns:p14="http://schemas.microsoft.com/office/powerpoint/2010/main" val="591678726"/>
+        <p14:creationId xmlns:p14="http://schemas.microsoft.com/office/powerpoint/2010/main" val="3894245546"/>
       </p:ext>
     </p:extLst>
   </p:cSld>
@@ -4642,7 +5180,7 @@
           <p:cNvPr id="2" name="Title 1">
             <a:extLst>
               <a:ext uri="{FF2B5EF4-FFF2-40B4-BE49-F238E27FC236}">
-                <a16:creationId xmlns:a16="http://schemas.microsoft.com/office/drawing/2014/main" id="{C027E961-1C15-4482-B678-00083D9CDA9A}"/>
+                <a16:creationId xmlns:a16="http://schemas.microsoft.com/office/drawing/2014/main" id="{C23EAF31-1BD4-45EE-9B12-BC14F7D54307}"/>
               </a:ext>
             </a:extLst>
           </p:cNvPr>
@@ -4650,7 +5188,7 @@
             <a:spLocks noGrp="1"/>
           </p:cNvSpPr>
           <p:nvPr>
-            <p:ph type="ctrTitle"/>
+            <p:ph type="title"/>
           </p:nvPr>
         </p:nvSpPr>
         <p:spPr/>
@@ -4660,17 +5198,22 @@
           <a:p>
             <a:r>
               <a:rPr lang="en-US" dirty="0"/>
-              <a:t>GPU</a:t>
+              <a:t>No </a:t>
             </a:r>
+            <a:r>
+              <a:rPr lang="en-US" dirty="0" err="1"/>
+              <a:t>No</a:t>
+            </a:r>
+            <a:endParaRPr lang="en-US" dirty="0"/>
           </a:p>
         </p:txBody>
       </p:sp>
       <p:sp>
         <p:nvSpPr>
-          <p:cNvPr id="3" name="Subtitle 2">
-            <a:extLst>
-              <a:ext uri="{FF2B5EF4-FFF2-40B4-BE49-F238E27FC236}">
-                <a16:creationId xmlns:a16="http://schemas.microsoft.com/office/drawing/2014/main" id="{320C6F87-207C-490F-92B4-AA64DBFC4914}"/>
+          <p:cNvPr id="3" name="Content Placeholder 2">
+            <a:extLst>
+              <a:ext uri="{FF2B5EF4-FFF2-40B4-BE49-F238E27FC236}">
+                <a16:creationId xmlns:a16="http://schemas.microsoft.com/office/drawing/2014/main" id="{3A61812F-E008-4811-8823-E7459E60F548}"/>
               </a:ext>
             </a:extLst>
           </p:cNvPr>
@@ -4678,30 +5221,1274 @@
             <a:spLocks noGrp="1"/>
           </p:cNvSpPr>
           <p:nvPr>
-            <p:ph type="subTitle" idx="1"/>
+            <p:ph idx="1"/>
           </p:nvPr>
         </p:nvSpPr>
-        <p:spPr>
-          <a:xfrm>
-            <a:off x="1524000" y="3509963"/>
-            <a:ext cx="9144000" cy="1655762"/>
-          </a:xfrm>
-        </p:spPr>
+        <p:spPr/>
         <p:txBody>
           <a:bodyPr/>
           <a:lstStyle/>
           <a:p>
+            <a:pPr marL="0" indent="0">
+              <a:buNone/>
+            </a:pPr>
             <a:r>
               <a:rPr lang="en-US" dirty="0"/>
-              <a:t>Don’t have to be expensive</a:t>
+              <a:t>Wrong..</a:t>
             </a:r>
           </a:p>
         </p:txBody>
       </p:sp>
+      <p:grpSp>
+        <p:nvGrpSpPr>
+          <p:cNvPr id="5" name="Group 4">
+            <a:extLst>
+              <a:ext uri="{FF2B5EF4-FFF2-40B4-BE49-F238E27FC236}">
+                <a16:creationId xmlns:a16="http://schemas.microsoft.com/office/drawing/2014/main" id="{C3F210F0-301F-4369-8EC5-3CDB5E98AD25}"/>
+              </a:ext>
+            </a:extLst>
+          </p:cNvPr>
+          <p:cNvGrpSpPr/>
+          <p:nvPr/>
+        </p:nvGrpSpPr>
+        <p:grpSpPr>
+          <a:xfrm>
+            <a:off x="4798745" y="2626747"/>
+            <a:ext cx="2594510" cy="2749094"/>
+            <a:chOff x="5447924" y="3151100"/>
+            <a:chExt cx="1929653" cy="2127624"/>
+          </a:xfrm>
+        </p:grpSpPr>
+        <p:sp>
+          <p:nvSpPr>
+            <p:cNvPr id="6" name="Rectangle 5">
+              <a:extLst>
+                <a:ext uri="{FF2B5EF4-FFF2-40B4-BE49-F238E27FC236}">
+                  <a16:creationId xmlns:a16="http://schemas.microsoft.com/office/drawing/2014/main" id="{E2756E32-F5A5-4306-8AA3-8A33C9D7531F}"/>
+                </a:ext>
+              </a:extLst>
+            </p:cNvPr>
+            <p:cNvSpPr/>
+            <p:nvPr/>
+          </p:nvSpPr>
+          <p:spPr>
+            <a:xfrm>
+              <a:off x="5447924" y="3151100"/>
+              <a:ext cx="1929653" cy="2127624"/>
+            </a:xfrm>
+            <a:prstGeom prst="rect">
+              <a:avLst/>
+            </a:prstGeom>
+          </p:spPr>
+          <p:style>
+            <a:lnRef idx="2">
+              <a:schemeClr val="accent1">
+                <a:shade val="50000"/>
+              </a:schemeClr>
+            </a:lnRef>
+            <a:fillRef idx="1">
+              <a:schemeClr val="accent1"/>
+            </a:fillRef>
+            <a:effectRef idx="0">
+              <a:schemeClr val="accent1"/>
+            </a:effectRef>
+            <a:fontRef idx="minor">
+              <a:schemeClr val="lt1"/>
+            </a:fontRef>
+          </p:style>
+          <p:txBody>
+            <a:bodyPr rtlCol="0" anchor="ctr"/>
+            <a:lstStyle/>
+            <a:p>
+              <a:pPr algn="ctr"/>
+              <a:endParaRPr lang="en-US"/>
+            </a:p>
+          </p:txBody>
+        </p:sp>
+        <p:sp>
+          <p:nvSpPr>
+            <p:cNvPr id="7" name="Oval 6">
+              <a:extLst>
+                <a:ext uri="{FF2B5EF4-FFF2-40B4-BE49-F238E27FC236}">
+                  <a16:creationId xmlns:a16="http://schemas.microsoft.com/office/drawing/2014/main" id="{F36B273B-2E6F-401B-8BE9-DE0E8CD8080A}"/>
+                </a:ext>
+              </a:extLst>
+            </p:cNvPr>
+            <p:cNvSpPr/>
+            <p:nvPr/>
+          </p:nvSpPr>
+          <p:spPr>
+            <a:xfrm>
+              <a:off x="5794410" y="3421888"/>
+              <a:ext cx="394447" cy="376517"/>
+            </a:xfrm>
+            <a:prstGeom prst="ellipse">
+              <a:avLst/>
+            </a:prstGeom>
+            <a:solidFill>
+              <a:schemeClr val="accent4">
+                <a:lumMod val="60000"/>
+                <a:lumOff val="40000"/>
+              </a:schemeClr>
+            </a:solidFill>
+          </p:spPr>
+          <p:style>
+            <a:lnRef idx="2">
+              <a:schemeClr val="accent1">
+                <a:shade val="50000"/>
+              </a:schemeClr>
+            </a:lnRef>
+            <a:fillRef idx="1">
+              <a:schemeClr val="accent1"/>
+            </a:fillRef>
+            <a:effectRef idx="0">
+              <a:schemeClr val="accent1"/>
+            </a:effectRef>
+            <a:fontRef idx="minor">
+              <a:schemeClr val="lt1"/>
+            </a:fontRef>
+          </p:style>
+          <p:txBody>
+            <a:bodyPr rtlCol="0" anchor="ctr"/>
+            <a:lstStyle/>
+            <a:p>
+              <a:pPr algn="ctr"/>
+              <a:r>
+                <a:rPr lang="en-US" dirty="0">
+                  <a:solidFill>
+                    <a:schemeClr val="accent4">
+                      <a:lumMod val="50000"/>
+                    </a:schemeClr>
+                  </a:solidFill>
+                </a:rPr>
+                <a:t>1</a:t>
+              </a:r>
+            </a:p>
+          </p:txBody>
+        </p:sp>
+        <p:sp>
+          <p:nvSpPr>
+            <p:cNvPr id="8" name="Oval 7">
+              <a:extLst>
+                <a:ext uri="{FF2B5EF4-FFF2-40B4-BE49-F238E27FC236}">
+                  <a16:creationId xmlns:a16="http://schemas.microsoft.com/office/drawing/2014/main" id="{A5926C6F-5BC4-49AB-90C0-BF086DF37BD3}"/>
+                </a:ext>
+              </a:extLst>
+            </p:cNvPr>
+            <p:cNvSpPr/>
+            <p:nvPr/>
+          </p:nvSpPr>
+          <p:spPr>
+            <a:xfrm>
+              <a:off x="6613186" y="3421888"/>
+              <a:ext cx="394447" cy="376517"/>
+            </a:xfrm>
+            <a:prstGeom prst="ellipse">
+              <a:avLst/>
+            </a:prstGeom>
+            <a:solidFill>
+              <a:schemeClr val="accent4">
+                <a:lumMod val="60000"/>
+                <a:lumOff val="40000"/>
+              </a:schemeClr>
+            </a:solidFill>
+          </p:spPr>
+          <p:style>
+            <a:lnRef idx="2">
+              <a:schemeClr val="accent1">
+                <a:shade val="50000"/>
+              </a:schemeClr>
+            </a:lnRef>
+            <a:fillRef idx="1">
+              <a:schemeClr val="accent1"/>
+            </a:fillRef>
+            <a:effectRef idx="0">
+              <a:schemeClr val="accent1"/>
+            </a:effectRef>
+            <a:fontRef idx="minor">
+              <a:schemeClr val="lt1"/>
+            </a:fontRef>
+          </p:style>
+          <p:txBody>
+            <a:bodyPr rtlCol="0" anchor="ctr"/>
+            <a:lstStyle/>
+            <a:p>
+              <a:pPr algn="ctr"/>
+              <a:r>
+                <a:rPr lang="en-US" dirty="0">
+                  <a:solidFill>
+                    <a:schemeClr val="accent4">
+                      <a:lumMod val="50000"/>
+                    </a:schemeClr>
+                  </a:solidFill>
+                </a:rPr>
+                <a:t>2</a:t>
+              </a:r>
+            </a:p>
+          </p:txBody>
+        </p:sp>
+        <p:sp>
+          <p:nvSpPr>
+            <p:cNvPr id="9" name="Oval 8">
+              <a:extLst>
+                <a:ext uri="{FF2B5EF4-FFF2-40B4-BE49-F238E27FC236}">
+                  <a16:creationId xmlns:a16="http://schemas.microsoft.com/office/drawing/2014/main" id="{2C0142C4-6548-4751-A216-D79C7FE96BDE}"/>
+                </a:ext>
+              </a:extLst>
+            </p:cNvPr>
+            <p:cNvSpPr/>
+            <p:nvPr/>
+          </p:nvSpPr>
+          <p:spPr>
+            <a:xfrm>
+              <a:off x="5794408" y="4022522"/>
+              <a:ext cx="394447" cy="376517"/>
+            </a:xfrm>
+            <a:prstGeom prst="ellipse">
+              <a:avLst/>
+            </a:prstGeom>
+            <a:solidFill>
+              <a:schemeClr val="accent4">
+                <a:lumMod val="60000"/>
+                <a:lumOff val="40000"/>
+              </a:schemeClr>
+            </a:solidFill>
+          </p:spPr>
+          <p:style>
+            <a:lnRef idx="2">
+              <a:schemeClr val="accent1">
+                <a:shade val="50000"/>
+              </a:schemeClr>
+            </a:lnRef>
+            <a:fillRef idx="1">
+              <a:schemeClr val="accent1"/>
+            </a:fillRef>
+            <a:effectRef idx="0">
+              <a:schemeClr val="accent1"/>
+            </a:effectRef>
+            <a:fontRef idx="minor">
+              <a:schemeClr val="lt1"/>
+            </a:fontRef>
+          </p:style>
+          <p:txBody>
+            <a:bodyPr rtlCol="0" anchor="ctr"/>
+            <a:lstStyle/>
+            <a:p>
+              <a:pPr algn="ctr"/>
+              <a:r>
+                <a:rPr lang="en-US" dirty="0">
+                  <a:solidFill>
+                    <a:schemeClr val="accent4">
+                      <a:lumMod val="50000"/>
+                    </a:schemeClr>
+                  </a:solidFill>
+                </a:rPr>
+                <a:t>3</a:t>
+              </a:r>
+            </a:p>
+          </p:txBody>
+        </p:sp>
+        <p:sp>
+          <p:nvSpPr>
+            <p:cNvPr id="10" name="Oval 9">
+              <a:extLst>
+                <a:ext uri="{FF2B5EF4-FFF2-40B4-BE49-F238E27FC236}">
+                  <a16:creationId xmlns:a16="http://schemas.microsoft.com/office/drawing/2014/main" id="{57028D69-760A-4400-9D4A-B9D5D4A475A9}"/>
+                </a:ext>
+              </a:extLst>
+            </p:cNvPr>
+            <p:cNvSpPr/>
+            <p:nvPr/>
+          </p:nvSpPr>
+          <p:spPr>
+            <a:xfrm>
+              <a:off x="6613185" y="4022522"/>
+              <a:ext cx="394447" cy="376517"/>
+            </a:xfrm>
+            <a:prstGeom prst="ellipse">
+              <a:avLst/>
+            </a:prstGeom>
+            <a:solidFill>
+              <a:schemeClr val="accent4">
+                <a:lumMod val="60000"/>
+                <a:lumOff val="40000"/>
+              </a:schemeClr>
+            </a:solidFill>
+          </p:spPr>
+          <p:style>
+            <a:lnRef idx="2">
+              <a:schemeClr val="accent1">
+                <a:shade val="50000"/>
+              </a:schemeClr>
+            </a:lnRef>
+            <a:fillRef idx="1">
+              <a:schemeClr val="accent1"/>
+            </a:fillRef>
+            <a:effectRef idx="0">
+              <a:schemeClr val="accent1"/>
+            </a:effectRef>
+            <a:fontRef idx="minor">
+              <a:schemeClr val="lt1"/>
+            </a:fontRef>
+          </p:style>
+          <p:txBody>
+            <a:bodyPr rtlCol="0" anchor="ctr"/>
+            <a:lstStyle/>
+            <a:p>
+              <a:pPr algn="ctr"/>
+              <a:r>
+                <a:rPr lang="en-US" dirty="0">
+                  <a:solidFill>
+                    <a:schemeClr val="accent4">
+                      <a:lumMod val="50000"/>
+                    </a:schemeClr>
+                  </a:solidFill>
+                </a:rPr>
+                <a:t>4</a:t>
+              </a:r>
+            </a:p>
+          </p:txBody>
+        </p:sp>
+        <p:sp>
+          <p:nvSpPr>
+            <p:cNvPr id="11" name="Oval 10">
+              <a:extLst>
+                <a:ext uri="{FF2B5EF4-FFF2-40B4-BE49-F238E27FC236}">
+                  <a16:creationId xmlns:a16="http://schemas.microsoft.com/office/drawing/2014/main" id="{88FE90D8-F017-41AD-917C-16F3E0CB31EA}"/>
+                </a:ext>
+              </a:extLst>
+            </p:cNvPr>
+            <p:cNvSpPr/>
+            <p:nvPr/>
+          </p:nvSpPr>
+          <p:spPr>
+            <a:xfrm>
+              <a:off x="5794408" y="4623158"/>
+              <a:ext cx="394447" cy="376517"/>
+            </a:xfrm>
+            <a:prstGeom prst="ellipse">
+              <a:avLst/>
+            </a:prstGeom>
+            <a:solidFill>
+              <a:schemeClr val="accent4">
+                <a:lumMod val="60000"/>
+                <a:lumOff val="40000"/>
+              </a:schemeClr>
+            </a:solidFill>
+          </p:spPr>
+          <p:style>
+            <a:lnRef idx="2">
+              <a:schemeClr val="accent1">
+                <a:shade val="50000"/>
+              </a:schemeClr>
+            </a:lnRef>
+            <a:fillRef idx="1">
+              <a:schemeClr val="accent1"/>
+            </a:fillRef>
+            <a:effectRef idx="0">
+              <a:schemeClr val="accent1"/>
+            </a:effectRef>
+            <a:fontRef idx="minor">
+              <a:schemeClr val="lt1"/>
+            </a:fontRef>
+          </p:style>
+          <p:txBody>
+            <a:bodyPr rtlCol="0" anchor="ctr"/>
+            <a:lstStyle/>
+            <a:p>
+              <a:pPr algn="ctr"/>
+              <a:r>
+                <a:rPr lang="en-US" dirty="0">
+                  <a:solidFill>
+                    <a:schemeClr val="accent4">
+                      <a:lumMod val="50000"/>
+                    </a:schemeClr>
+                  </a:solidFill>
+                </a:rPr>
+                <a:t>5</a:t>
+              </a:r>
+            </a:p>
+          </p:txBody>
+        </p:sp>
+        <p:sp>
+          <p:nvSpPr>
+            <p:cNvPr id="12" name="Oval 11">
+              <a:extLst>
+                <a:ext uri="{FF2B5EF4-FFF2-40B4-BE49-F238E27FC236}">
+                  <a16:creationId xmlns:a16="http://schemas.microsoft.com/office/drawing/2014/main" id="{08012994-CE5C-43CE-9E8A-1F9A35D08D3F}"/>
+                </a:ext>
+              </a:extLst>
+            </p:cNvPr>
+            <p:cNvSpPr/>
+            <p:nvPr/>
+          </p:nvSpPr>
+          <p:spPr>
+            <a:xfrm>
+              <a:off x="6613185" y="4623156"/>
+              <a:ext cx="394447" cy="376517"/>
+            </a:xfrm>
+            <a:prstGeom prst="ellipse">
+              <a:avLst/>
+            </a:prstGeom>
+            <a:solidFill>
+              <a:schemeClr val="accent4">
+                <a:lumMod val="60000"/>
+                <a:lumOff val="40000"/>
+              </a:schemeClr>
+            </a:solidFill>
+          </p:spPr>
+          <p:style>
+            <a:lnRef idx="2">
+              <a:schemeClr val="accent1">
+                <a:shade val="50000"/>
+              </a:schemeClr>
+            </a:lnRef>
+            <a:fillRef idx="1">
+              <a:schemeClr val="accent1"/>
+            </a:fillRef>
+            <a:effectRef idx="0">
+              <a:schemeClr val="accent1"/>
+            </a:effectRef>
+            <a:fontRef idx="minor">
+              <a:schemeClr val="lt1"/>
+            </a:fontRef>
+          </p:style>
+          <p:txBody>
+            <a:bodyPr rtlCol="0" anchor="ctr"/>
+            <a:lstStyle/>
+            <a:p>
+              <a:pPr algn="ctr"/>
+              <a:r>
+                <a:rPr lang="en-US" dirty="0">
+                  <a:solidFill>
+                    <a:schemeClr val="accent4">
+                      <a:lumMod val="50000"/>
+                    </a:schemeClr>
+                  </a:solidFill>
+                </a:rPr>
+                <a:t>6</a:t>
+              </a:r>
+            </a:p>
+          </p:txBody>
+        </p:sp>
+      </p:grpSp>
+      <p:cxnSp>
+        <p:nvCxnSpPr>
+          <p:cNvPr id="32" name="Connector: Curved 31">
+            <a:extLst>
+              <a:ext uri="{FF2B5EF4-FFF2-40B4-BE49-F238E27FC236}">
+                <a16:creationId xmlns:a16="http://schemas.microsoft.com/office/drawing/2014/main" id="{73BDA518-9AF5-4B9E-98D0-0F772F7E34AC}"/>
+              </a:ext>
+            </a:extLst>
+          </p:cNvPr>
+          <p:cNvCxnSpPr>
+            <a:endCxn id="7" idx="1"/>
+          </p:cNvCxnSpPr>
+          <p:nvPr/>
+        </p:nvCxnSpPr>
+        <p:spPr>
+          <a:xfrm flipV="1">
+            <a:off x="4188895" y="3047877"/>
+            <a:ext cx="1153385" cy="214555"/>
+          </a:xfrm>
+          <a:prstGeom prst="curvedConnector4">
+            <a:avLst>
+              <a:gd name="adj1" fmla="val 46633"/>
+              <a:gd name="adj2" fmla="val 239753"/>
+            </a:avLst>
+          </a:prstGeom>
+          <a:ln w="28575">
+            <a:solidFill>
+              <a:schemeClr val="accent2">
+                <a:lumMod val="75000"/>
+              </a:schemeClr>
+            </a:solidFill>
+            <a:tailEnd type="triangle"/>
+          </a:ln>
+        </p:spPr>
+        <p:style>
+          <a:lnRef idx="1">
+            <a:schemeClr val="accent1"/>
+          </a:lnRef>
+          <a:fillRef idx="0">
+            <a:schemeClr val="accent1"/>
+          </a:fillRef>
+          <a:effectRef idx="0">
+            <a:schemeClr val="accent1"/>
+          </a:effectRef>
+          <a:fontRef idx="minor">
+            <a:schemeClr val="tx1"/>
+          </a:fontRef>
+        </p:style>
+      </p:cxnSp>
+      <p:cxnSp>
+        <p:nvCxnSpPr>
+          <p:cNvPr id="33" name="Connector: Curved 32">
+            <a:extLst>
+              <a:ext uri="{FF2B5EF4-FFF2-40B4-BE49-F238E27FC236}">
+                <a16:creationId xmlns:a16="http://schemas.microsoft.com/office/drawing/2014/main" id="{E168ACAA-8100-4AC0-8C37-F1258B82E844}"/>
+              </a:ext>
+            </a:extLst>
+          </p:cNvPr>
+          <p:cNvCxnSpPr>
+            <a:cxnSpLocks/>
+            <a:stCxn id="7" idx="7"/>
+          </p:cNvCxnSpPr>
+          <p:nvPr/>
+        </p:nvCxnSpPr>
+        <p:spPr>
+          <a:xfrm rot="16200000" flipH="1">
+            <a:off x="6939026" y="1826147"/>
+            <a:ext cx="116229" cy="2559688"/>
+          </a:xfrm>
+          <a:prstGeom prst="curvedConnector4">
+            <a:avLst>
+              <a:gd name="adj1" fmla="val -196681"/>
+              <a:gd name="adj2" fmla="val 56005"/>
+            </a:avLst>
+          </a:prstGeom>
+          <a:ln w="28575">
+            <a:solidFill>
+              <a:schemeClr val="accent2">
+                <a:lumMod val="75000"/>
+              </a:schemeClr>
+            </a:solidFill>
+            <a:tailEnd type="triangle"/>
+          </a:ln>
+        </p:spPr>
+        <p:style>
+          <a:lnRef idx="1">
+            <a:schemeClr val="accent1"/>
+          </a:lnRef>
+          <a:fillRef idx="0">
+            <a:schemeClr val="accent1"/>
+          </a:fillRef>
+          <a:effectRef idx="0">
+            <a:schemeClr val="accent1"/>
+          </a:effectRef>
+          <a:fontRef idx="minor">
+            <a:schemeClr val="tx1"/>
+          </a:fontRef>
+        </p:style>
+      </p:cxnSp>
+      <p:graphicFrame>
+        <p:nvGraphicFramePr>
+          <p:cNvPr id="4" name="Table 3">
+            <a:extLst>
+              <a:ext uri="{FF2B5EF4-FFF2-40B4-BE49-F238E27FC236}">
+                <a16:creationId xmlns:a16="http://schemas.microsoft.com/office/drawing/2014/main" id="{A6BEBCD6-0378-4EA6-9E3B-DA13116CA419}"/>
+              </a:ext>
+            </a:extLst>
+          </p:cNvPr>
+          <p:cNvGraphicFramePr>
+            <a:graphicFrameLocks noGrp="1"/>
+          </p:cNvGraphicFramePr>
+          <p:nvPr>
+            <p:extLst>
+              <p:ext uri="{D42A27DB-BD31-4B8C-83A1-F6EECF244321}">
+                <p14:modId xmlns:p14="http://schemas.microsoft.com/office/powerpoint/2010/main" val="1415294936"/>
+              </p:ext>
+            </p:extLst>
+          </p:nvPr>
+        </p:nvGraphicFramePr>
+        <p:xfrm>
+          <a:off x="1545560" y="2974799"/>
+          <a:ext cx="2641600" cy="548640"/>
+        </p:xfrm>
+        <a:graphic>
+          <a:graphicData uri="http://schemas.openxmlformats.org/drawingml/2006/table">
+            <a:tbl>
+              <a:tblPr>
+                <a:tableStyleId>{5C22544A-7EE6-4342-B048-85BDC9FD1C3A}</a:tableStyleId>
+              </a:tblPr>
+              <a:tblGrid>
+                <a:gridCol w="1333500">
+                  <a:extLst>
+                    <a:ext uri="{9D8B030D-6E8A-4147-A177-3AD203B41FA5}">
+                      <a16:colId xmlns:a16="http://schemas.microsoft.com/office/drawing/2014/main" val="4133584765"/>
+                    </a:ext>
+                  </a:extLst>
+                </a:gridCol>
+                <a:gridCol w="1308100">
+                  <a:extLst>
+                    <a:ext uri="{9D8B030D-6E8A-4147-A177-3AD203B41FA5}">
+                      <a16:colId xmlns:a16="http://schemas.microsoft.com/office/drawing/2014/main" val="2562537096"/>
+                    </a:ext>
+                  </a:extLst>
+                </a:gridCol>
+              </a:tblGrid>
+              <a:tr h="182880">
+                <a:tc>
+                  <a:txBody>
+                    <a:bodyPr/>
+                    <a:lstStyle/>
+                    <a:p>
+                      <a:pPr algn="ctr" fontAlgn="b"/>
+                      <a:r>
+                        <a:rPr lang="en-US" sz="1100" u="none" strike="noStrike">
+                          <a:effectLst/>
+                        </a:rPr>
+                        <a:t>Parallel Instructions</a:t>
+                      </a:r>
+                      <a:endParaRPr lang="en-US" sz="1100" b="0" i="0" u="none" strike="noStrike">
+                        <a:solidFill>
+                          <a:srgbClr val="FFFFFF"/>
+                        </a:solidFill>
+                        <a:effectLst/>
+                        <a:latin typeface="Calibri" panose="020F0502020204030204" pitchFamily="34" charset="0"/>
+                      </a:endParaRPr>
+                    </a:p>
+                  </a:txBody>
+                  <a:tcPr marL="3810" marR="3810" marT="3810" marB="0" anchor="b"/>
+                </a:tc>
+                <a:tc>
+                  <a:txBody>
+                    <a:bodyPr/>
+                    <a:lstStyle/>
+                    <a:p>
+                      <a:pPr algn="ctr" fontAlgn="b"/>
+                      <a:r>
+                        <a:rPr lang="en-US" sz="1100" u="none" strike="noStrike">
+                          <a:effectLst/>
+                        </a:rPr>
+                        <a:t>Parallel Instructions</a:t>
+                      </a:r>
+                      <a:endParaRPr lang="en-US" sz="1100" b="0" i="0" u="none" strike="noStrike">
+                        <a:solidFill>
+                          <a:srgbClr val="FFFFFF"/>
+                        </a:solidFill>
+                        <a:effectLst/>
+                        <a:latin typeface="Calibri" panose="020F0502020204030204" pitchFamily="34" charset="0"/>
+                      </a:endParaRPr>
+                    </a:p>
+                  </a:txBody>
+                  <a:tcPr marL="3810" marR="3810" marT="3810" marB="0" anchor="b"/>
+                </a:tc>
+                <a:extLst>
+                  <a:ext uri="{0D108BD9-81ED-4DB2-BD59-A6C34878D82A}">
+                    <a16:rowId xmlns:a16="http://schemas.microsoft.com/office/drawing/2014/main" val="3479211628"/>
+                  </a:ext>
+                </a:extLst>
+              </a:tr>
+              <a:tr h="182880">
+                <a:tc>
+                  <a:txBody>
+                    <a:bodyPr/>
+                    <a:lstStyle/>
+                    <a:p>
+                      <a:pPr algn="ctr" fontAlgn="b"/>
+                      <a:r>
+                        <a:rPr lang="en-US" sz="1100" u="none" strike="noStrike">
+                          <a:effectLst/>
+                        </a:rPr>
+                        <a:t>Multiples of Bunnies =</a:t>
+                      </a:r>
+                      <a:endParaRPr lang="en-US" sz="1100" b="0" i="0" u="none" strike="noStrike">
+                        <a:solidFill>
+                          <a:srgbClr val="FFFFFF"/>
+                        </a:solidFill>
+                        <a:effectLst/>
+                        <a:latin typeface="Calibri" panose="020F0502020204030204" pitchFamily="34" charset="0"/>
+                      </a:endParaRPr>
+                    </a:p>
+                  </a:txBody>
+                  <a:tcPr marL="3810" marR="3810" marT="3810" marB="0" anchor="b"/>
+                </a:tc>
+                <a:tc>
+                  <a:txBody>
+                    <a:bodyPr/>
+                    <a:lstStyle/>
+                    <a:p>
+                      <a:pPr algn="ctr" fontAlgn="b"/>
+                      <a:r>
+                        <a:rPr lang="en-US" sz="1100" u="none" strike="noStrike">
+                          <a:effectLst/>
+                        </a:rPr>
+                        <a:t>2^2=</a:t>
+                      </a:r>
+                      <a:endParaRPr lang="en-US" sz="1100" b="0" i="0" u="none" strike="noStrike">
+                        <a:solidFill>
+                          <a:srgbClr val="FFFFFF"/>
+                        </a:solidFill>
+                        <a:effectLst/>
+                        <a:latin typeface="Calibri" panose="020F0502020204030204" pitchFamily="34" charset="0"/>
+                      </a:endParaRPr>
+                    </a:p>
+                  </a:txBody>
+                  <a:tcPr marL="3810" marR="3810" marT="3810" marB="0" anchor="b"/>
+                </a:tc>
+                <a:extLst>
+                  <a:ext uri="{0D108BD9-81ED-4DB2-BD59-A6C34878D82A}">
+                    <a16:rowId xmlns:a16="http://schemas.microsoft.com/office/drawing/2014/main" val="1681676155"/>
+                  </a:ext>
+                </a:extLst>
+              </a:tr>
+              <a:tr h="182880">
+                <a:tc>
+                  <a:txBody>
+                    <a:bodyPr/>
+                    <a:lstStyle/>
+                    <a:p>
+                      <a:pPr algn="ctr" fontAlgn="b"/>
+                      <a:r>
+                        <a:rPr lang="en-US" sz="1100" u="none" strike="noStrike">
+                          <a:effectLst/>
+                        </a:rPr>
+                        <a:t>Multiples of Bunnies =</a:t>
+                      </a:r>
+                      <a:endParaRPr lang="en-US" sz="1100" b="0" i="0" u="none" strike="noStrike">
+                        <a:solidFill>
+                          <a:srgbClr val="FFFFFF"/>
+                        </a:solidFill>
+                        <a:effectLst/>
+                        <a:latin typeface="Calibri" panose="020F0502020204030204" pitchFamily="34" charset="0"/>
+                      </a:endParaRPr>
+                    </a:p>
+                  </a:txBody>
+                  <a:tcPr marL="3810" marR="3810" marT="3810" marB="0" anchor="b"/>
+                </a:tc>
+                <a:tc>
+                  <a:txBody>
+                    <a:bodyPr/>
+                    <a:lstStyle/>
+                    <a:p>
+                      <a:pPr algn="ctr" fontAlgn="b"/>
+                      <a:r>
+                        <a:rPr lang="en-US" sz="1100" u="none" strike="noStrike" dirty="0">
+                          <a:effectLst/>
+                        </a:rPr>
+                        <a:t>2^4=</a:t>
+                      </a:r>
+                      <a:endParaRPr lang="en-US" sz="1100" b="0" i="0" u="none" strike="noStrike" dirty="0">
+                        <a:solidFill>
+                          <a:srgbClr val="FFFFFF"/>
+                        </a:solidFill>
+                        <a:effectLst/>
+                        <a:latin typeface="Calibri" panose="020F0502020204030204" pitchFamily="34" charset="0"/>
+                      </a:endParaRPr>
+                    </a:p>
+                  </a:txBody>
+                  <a:tcPr marL="3810" marR="3810" marT="3810" marB="0" anchor="b"/>
+                </a:tc>
+                <a:extLst>
+                  <a:ext uri="{0D108BD9-81ED-4DB2-BD59-A6C34878D82A}">
+                    <a16:rowId xmlns:a16="http://schemas.microsoft.com/office/drawing/2014/main" val="728586492"/>
+                  </a:ext>
+                </a:extLst>
+              </a:tr>
+            </a:tbl>
+          </a:graphicData>
+        </a:graphic>
+      </p:graphicFrame>
+      <p:cxnSp>
+        <p:nvCxnSpPr>
+          <p:cNvPr id="17" name="Connector: Curved 16">
+            <a:extLst>
+              <a:ext uri="{FF2B5EF4-FFF2-40B4-BE49-F238E27FC236}">
+                <a16:creationId xmlns:a16="http://schemas.microsoft.com/office/drawing/2014/main" id="{EA5DBE8B-8880-484E-83AB-1BCFE524028B}"/>
+              </a:ext>
+            </a:extLst>
+          </p:cNvPr>
+          <p:cNvCxnSpPr>
+            <a:cxnSpLocks/>
+            <a:endCxn id="9" idx="0"/>
+          </p:cNvCxnSpPr>
+          <p:nvPr/>
+        </p:nvCxnSpPr>
+        <p:spPr>
+          <a:xfrm>
+            <a:off x="4180130" y="3471947"/>
+            <a:ext cx="1349656" cy="280761"/>
+          </a:xfrm>
+          <a:prstGeom prst="curvedConnector2">
+            <a:avLst/>
+          </a:prstGeom>
+          <a:ln w="28575">
+            <a:solidFill>
+              <a:schemeClr val="accent2">
+                <a:lumMod val="75000"/>
+              </a:schemeClr>
+            </a:solidFill>
+            <a:tailEnd type="triangle"/>
+          </a:ln>
+        </p:spPr>
+        <p:style>
+          <a:lnRef idx="1">
+            <a:schemeClr val="accent1"/>
+          </a:lnRef>
+          <a:fillRef idx="0">
+            <a:schemeClr val="accent1"/>
+          </a:fillRef>
+          <a:effectRef idx="0">
+            <a:schemeClr val="accent1"/>
+          </a:effectRef>
+          <a:fontRef idx="minor">
+            <a:schemeClr val="tx1"/>
+          </a:fontRef>
+        </p:style>
+      </p:cxnSp>
+      <p:graphicFrame>
+        <p:nvGraphicFramePr>
+          <p:cNvPr id="19" name="Table 18">
+            <a:extLst>
+              <a:ext uri="{FF2B5EF4-FFF2-40B4-BE49-F238E27FC236}">
+                <a16:creationId xmlns:a16="http://schemas.microsoft.com/office/drawing/2014/main" id="{88772D51-47E9-4568-AF24-2510164EFB69}"/>
+              </a:ext>
+            </a:extLst>
+          </p:cNvPr>
+          <p:cNvGraphicFramePr>
+            <a:graphicFrameLocks noGrp="1"/>
+          </p:cNvGraphicFramePr>
+          <p:nvPr>
+            <p:extLst>
+              <p:ext uri="{D42A27DB-BD31-4B8C-83A1-F6EECF244321}">
+                <p14:modId xmlns:p14="http://schemas.microsoft.com/office/powerpoint/2010/main" val="1438362130"/>
+              </p:ext>
+            </p:extLst>
+          </p:nvPr>
+        </p:nvGraphicFramePr>
+        <p:xfrm>
+          <a:off x="8291519" y="2889786"/>
+          <a:ext cx="876300" cy="548640"/>
+        </p:xfrm>
+        <a:graphic>
+          <a:graphicData uri="http://schemas.openxmlformats.org/drawingml/2006/table">
+            <a:tbl>
+              <a:tblPr>
+                <a:tableStyleId>{5C22544A-7EE6-4342-B048-85BDC9FD1C3A}</a:tableStyleId>
+              </a:tblPr>
+              <a:tblGrid>
+                <a:gridCol w="876300">
+                  <a:extLst>
+                    <a:ext uri="{9D8B030D-6E8A-4147-A177-3AD203B41FA5}">
+                      <a16:colId xmlns:a16="http://schemas.microsoft.com/office/drawing/2014/main" val="1010141086"/>
+                    </a:ext>
+                  </a:extLst>
+                </a:gridCol>
+              </a:tblGrid>
+              <a:tr h="182880">
+                <a:tc>
+                  <a:txBody>
+                    <a:bodyPr/>
+                    <a:lstStyle/>
+                    <a:p>
+                      <a:pPr algn="ctr" fontAlgn="b"/>
+                      <a:r>
+                        <a:rPr lang="en-US" sz="1100" u="none" strike="noStrike" dirty="0">
+                          <a:effectLst/>
+                        </a:rPr>
+                        <a:t>Bunnies</a:t>
+                      </a:r>
+                      <a:endParaRPr lang="en-US" sz="1100" b="0" i="0" u="none" strike="noStrike" dirty="0">
+                        <a:solidFill>
+                          <a:srgbClr val="FFFFFF"/>
+                        </a:solidFill>
+                        <a:effectLst/>
+                        <a:latin typeface="Calibri" panose="020F0502020204030204" pitchFamily="34" charset="0"/>
+                      </a:endParaRPr>
+                    </a:p>
+                  </a:txBody>
+                  <a:tcPr marL="3810" marR="3810" marT="3810" marB="0" anchor="b"/>
+                </a:tc>
+                <a:extLst>
+                  <a:ext uri="{0D108BD9-81ED-4DB2-BD59-A6C34878D82A}">
+                    <a16:rowId xmlns:a16="http://schemas.microsoft.com/office/drawing/2014/main" val="142142984"/>
+                  </a:ext>
+                </a:extLst>
+              </a:tr>
+              <a:tr h="182880">
+                <a:tc>
+                  <a:txBody>
+                    <a:bodyPr/>
+                    <a:lstStyle/>
+                    <a:p>
+                      <a:pPr algn="ctr" fontAlgn="b"/>
+                      <a:r>
+                        <a:rPr lang="en-US" sz="1100" u="none" strike="noStrike">
+                          <a:effectLst/>
+                        </a:rPr>
+                        <a:t>8</a:t>
+                      </a:r>
+                      <a:endParaRPr lang="en-US" sz="1100" b="0" i="0" u="none" strike="noStrike">
+                        <a:solidFill>
+                          <a:srgbClr val="FFFFFF"/>
+                        </a:solidFill>
+                        <a:effectLst/>
+                        <a:latin typeface="Calibri" panose="020F0502020204030204" pitchFamily="34" charset="0"/>
+                      </a:endParaRPr>
+                    </a:p>
+                  </a:txBody>
+                  <a:tcPr marL="3810" marR="3810" marT="3810" marB="0" anchor="b"/>
+                </a:tc>
+                <a:extLst>
+                  <a:ext uri="{0D108BD9-81ED-4DB2-BD59-A6C34878D82A}">
+                    <a16:rowId xmlns:a16="http://schemas.microsoft.com/office/drawing/2014/main" val="504673209"/>
+                  </a:ext>
+                </a:extLst>
+              </a:tr>
+              <a:tr h="182880">
+                <a:tc>
+                  <a:txBody>
+                    <a:bodyPr/>
+                    <a:lstStyle/>
+                    <a:p>
+                      <a:pPr algn="ctr" fontAlgn="b"/>
+                      <a:r>
+                        <a:rPr lang="en-US" sz="1100" u="none" strike="noStrike" dirty="0">
+                          <a:effectLst/>
+                        </a:rPr>
+                        <a:t>16</a:t>
+                      </a:r>
+                      <a:endParaRPr lang="en-US" sz="1100" b="0" i="0" u="none" strike="noStrike" dirty="0">
+                        <a:solidFill>
+                          <a:srgbClr val="FFFFFF"/>
+                        </a:solidFill>
+                        <a:effectLst/>
+                        <a:latin typeface="Calibri" panose="020F0502020204030204" pitchFamily="34" charset="0"/>
+                      </a:endParaRPr>
+                    </a:p>
+                  </a:txBody>
+                  <a:tcPr marL="3810" marR="3810" marT="3810" marB="0" anchor="b"/>
+                </a:tc>
+                <a:extLst>
+                  <a:ext uri="{0D108BD9-81ED-4DB2-BD59-A6C34878D82A}">
+                    <a16:rowId xmlns:a16="http://schemas.microsoft.com/office/drawing/2014/main" val="1910241715"/>
+                  </a:ext>
+                </a:extLst>
+              </a:tr>
+            </a:tbl>
+          </a:graphicData>
+        </a:graphic>
+      </p:graphicFrame>
+      <p:cxnSp>
+        <p:nvCxnSpPr>
+          <p:cNvPr id="22" name="Connector: Curved 21">
+            <a:extLst>
+              <a:ext uri="{FF2B5EF4-FFF2-40B4-BE49-F238E27FC236}">
+                <a16:creationId xmlns:a16="http://schemas.microsoft.com/office/drawing/2014/main" id="{1BB75388-CB6D-4237-9415-BA7792088C13}"/>
+              </a:ext>
+            </a:extLst>
+          </p:cNvPr>
+          <p:cNvCxnSpPr>
+            <a:cxnSpLocks/>
+            <a:stCxn id="9" idx="7"/>
+          </p:cNvCxnSpPr>
+          <p:nvPr/>
+        </p:nvCxnSpPr>
+        <p:spPr>
+          <a:xfrm rot="5400000" flipH="1" flipV="1">
+            <a:off x="6788504" y="2320940"/>
+            <a:ext cx="431805" cy="2574224"/>
+          </a:xfrm>
+          <a:prstGeom prst="curvedConnector2">
+            <a:avLst/>
+          </a:prstGeom>
+          <a:ln w="28575">
+            <a:solidFill>
+              <a:schemeClr val="accent2">
+                <a:lumMod val="75000"/>
+              </a:schemeClr>
+            </a:solidFill>
+            <a:tailEnd type="triangle"/>
+          </a:ln>
+        </p:spPr>
+        <p:style>
+          <a:lnRef idx="1">
+            <a:schemeClr val="accent1"/>
+          </a:lnRef>
+          <a:fillRef idx="0">
+            <a:schemeClr val="accent1"/>
+          </a:fillRef>
+          <a:effectRef idx="0">
+            <a:schemeClr val="accent1"/>
+          </a:effectRef>
+          <a:fontRef idx="minor">
+            <a:schemeClr val="tx1"/>
+          </a:fontRef>
+        </p:style>
+      </p:cxnSp>
+      <p:graphicFrame>
+        <p:nvGraphicFramePr>
+          <p:cNvPr id="25" name="Table 24">
+            <a:extLst>
+              <a:ext uri="{FF2B5EF4-FFF2-40B4-BE49-F238E27FC236}">
+                <a16:creationId xmlns:a16="http://schemas.microsoft.com/office/drawing/2014/main" id="{0813808E-CA99-4283-9692-B02100B4612F}"/>
+              </a:ext>
+            </a:extLst>
+          </p:cNvPr>
+          <p:cNvGraphicFramePr>
+            <a:graphicFrameLocks noGrp="1"/>
+          </p:cNvGraphicFramePr>
+          <p:nvPr>
+            <p:extLst>
+              <p:ext uri="{D42A27DB-BD31-4B8C-83A1-F6EECF244321}">
+                <p14:modId xmlns:p14="http://schemas.microsoft.com/office/powerpoint/2010/main" val="1125239138"/>
+              </p:ext>
+            </p:extLst>
+          </p:nvPr>
+        </p:nvGraphicFramePr>
+        <p:xfrm>
+          <a:off x="7859119" y="4547750"/>
+          <a:ext cx="3517900" cy="365760"/>
+        </p:xfrm>
+        <a:graphic>
+          <a:graphicData uri="http://schemas.openxmlformats.org/drawingml/2006/table">
+            <a:tbl>
+              <a:tblPr>
+                <a:tableStyleId>{5C22544A-7EE6-4342-B048-85BDC9FD1C3A}</a:tableStyleId>
+              </a:tblPr>
+              <a:tblGrid>
+                <a:gridCol w="1333500">
+                  <a:extLst>
+                    <a:ext uri="{9D8B030D-6E8A-4147-A177-3AD203B41FA5}">
+                      <a16:colId xmlns:a16="http://schemas.microsoft.com/office/drawing/2014/main" val="967271238"/>
+                    </a:ext>
+                  </a:extLst>
+                </a:gridCol>
+                <a:gridCol w="1308100">
+                  <a:extLst>
+                    <a:ext uri="{9D8B030D-6E8A-4147-A177-3AD203B41FA5}">
+                      <a16:colId xmlns:a16="http://schemas.microsoft.com/office/drawing/2014/main" val="202140965"/>
+                    </a:ext>
+                  </a:extLst>
+                </a:gridCol>
+                <a:gridCol w="876300">
+                  <a:extLst>
+                    <a:ext uri="{9D8B030D-6E8A-4147-A177-3AD203B41FA5}">
+                      <a16:colId xmlns:a16="http://schemas.microsoft.com/office/drawing/2014/main" val="1047317615"/>
+                    </a:ext>
+                  </a:extLst>
+                </a:gridCol>
+              </a:tblGrid>
+              <a:tr h="182880">
+                <a:tc>
+                  <a:txBody>
+                    <a:bodyPr/>
+                    <a:lstStyle/>
+                    <a:p>
+                      <a:pPr algn="ctr" fontAlgn="b"/>
+                      <a:r>
+                        <a:rPr lang="en-US" sz="1100" b="1" u="none" strike="noStrike">
+                          <a:solidFill>
+                            <a:srgbClr val="FF0000"/>
+                          </a:solidFill>
+                          <a:effectLst/>
+                        </a:rPr>
+                        <a:t>Parallel Instructions</a:t>
+                      </a:r>
+                      <a:endParaRPr lang="en-US" sz="1100" b="1" i="0" u="none" strike="noStrike">
+                        <a:solidFill>
+                          <a:srgbClr val="FF0000"/>
+                        </a:solidFill>
+                        <a:effectLst/>
+                        <a:latin typeface="Calibri" panose="020F0502020204030204" pitchFamily="34" charset="0"/>
+                      </a:endParaRPr>
+                    </a:p>
+                  </a:txBody>
+                  <a:tcPr marL="3810" marR="3810" marT="3810" marB="0" anchor="b"/>
+                </a:tc>
+                <a:tc>
+                  <a:txBody>
+                    <a:bodyPr/>
+                    <a:lstStyle/>
+                    <a:p>
+                      <a:pPr algn="ctr" fontAlgn="b"/>
+                      <a:r>
+                        <a:rPr lang="en-US" sz="1100" b="1" u="none" strike="noStrike">
+                          <a:solidFill>
+                            <a:srgbClr val="FF0000"/>
+                          </a:solidFill>
+                          <a:effectLst/>
+                        </a:rPr>
+                        <a:t>Parallel Instructions</a:t>
+                      </a:r>
+                      <a:endParaRPr lang="en-US" sz="1100" b="1" i="0" u="none" strike="noStrike">
+                        <a:solidFill>
+                          <a:srgbClr val="FF0000"/>
+                        </a:solidFill>
+                        <a:effectLst/>
+                        <a:latin typeface="Calibri" panose="020F0502020204030204" pitchFamily="34" charset="0"/>
+                      </a:endParaRPr>
+                    </a:p>
+                  </a:txBody>
+                  <a:tcPr marL="3810" marR="3810" marT="3810" marB="0" anchor="b"/>
+                </a:tc>
+                <a:tc>
+                  <a:txBody>
+                    <a:bodyPr/>
+                    <a:lstStyle/>
+                    <a:p>
+                      <a:pPr algn="l" fontAlgn="b"/>
+                      <a:r>
+                        <a:rPr lang="en-US" sz="1100" b="1" u="none" strike="noStrike">
+                          <a:solidFill>
+                            <a:srgbClr val="FF0000"/>
+                          </a:solidFill>
+                          <a:effectLst/>
+                        </a:rPr>
+                        <a:t>Bunnies</a:t>
+                      </a:r>
+                      <a:endParaRPr lang="en-US" sz="1100" b="1" i="0" u="none" strike="noStrike">
+                        <a:solidFill>
+                          <a:srgbClr val="FF0000"/>
+                        </a:solidFill>
+                        <a:effectLst/>
+                        <a:latin typeface="Calibri" panose="020F0502020204030204" pitchFamily="34" charset="0"/>
+                      </a:endParaRPr>
+                    </a:p>
+                  </a:txBody>
+                  <a:tcPr marL="3810" marR="3810" marT="3810" marB="0" anchor="b"/>
+                </a:tc>
+                <a:extLst>
+                  <a:ext uri="{0D108BD9-81ED-4DB2-BD59-A6C34878D82A}">
+                    <a16:rowId xmlns:a16="http://schemas.microsoft.com/office/drawing/2014/main" val="570482996"/>
+                  </a:ext>
+                </a:extLst>
+              </a:tr>
+              <a:tr h="182880">
+                <a:tc>
+                  <a:txBody>
+                    <a:bodyPr/>
+                    <a:lstStyle/>
+                    <a:p>
+                      <a:pPr algn="l" fontAlgn="b"/>
+                      <a:r>
+                        <a:rPr lang="en-US" sz="1100" b="1" u="none" strike="noStrike">
+                          <a:solidFill>
+                            <a:srgbClr val="FF0000"/>
+                          </a:solidFill>
+                          <a:effectLst/>
+                        </a:rPr>
+                        <a:t>Mutations of Bunnies?</a:t>
+                      </a:r>
+                      <a:endParaRPr lang="en-US" sz="1100" b="1" i="0" u="none" strike="noStrike">
+                        <a:solidFill>
+                          <a:srgbClr val="FF0000"/>
+                        </a:solidFill>
+                        <a:effectLst/>
+                        <a:latin typeface="Calibri" panose="020F0502020204030204" pitchFamily="34" charset="0"/>
+                      </a:endParaRPr>
+                    </a:p>
+                  </a:txBody>
+                  <a:tcPr marL="3810" marR="3810" marT="3810" marB="0" anchor="b"/>
+                </a:tc>
+                <a:tc>
+                  <a:txBody>
+                    <a:bodyPr/>
+                    <a:lstStyle/>
+                    <a:p>
+                      <a:pPr algn="r" fontAlgn="b"/>
+                      <a:r>
+                        <a:rPr lang="en-US" sz="1100" b="1" u="none" strike="noStrike">
+                          <a:solidFill>
+                            <a:srgbClr val="FF0000"/>
+                          </a:solidFill>
+                          <a:effectLst/>
+                        </a:rPr>
+                        <a:t>8^16=</a:t>
+                      </a:r>
+                      <a:endParaRPr lang="en-US" sz="1100" b="1" i="0" u="none" strike="noStrike">
+                        <a:solidFill>
+                          <a:srgbClr val="FF0000"/>
+                        </a:solidFill>
+                        <a:effectLst/>
+                        <a:latin typeface="Calibri" panose="020F0502020204030204" pitchFamily="34" charset="0"/>
+                      </a:endParaRPr>
+                    </a:p>
+                  </a:txBody>
+                  <a:tcPr marL="3810" marR="3810" marT="3810" marB="0" anchor="b"/>
+                </a:tc>
+                <a:tc>
+                  <a:txBody>
+                    <a:bodyPr/>
+                    <a:lstStyle/>
+                    <a:p>
+                      <a:pPr algn="r" fontAlgn="b"/>
+                      <a:r>
+                        <a:rPr lang="en-US" sz="1100" b="1" u="none" strike="noStrike" dirty="0">
+                          <a:solidFill>
+                            <a:srgbClr val="FF0000"/>
+                          </a:solidFill>
+                          <a:effectLst/>
+                        </a:rPr>
+                        <a:t>4,294,967,296</a:t>
+                      </a:r>
+                      <a:endParaRPr lang="en-US" sz="1100" b="1" i="0" u="none" strike="noStrike" dirty="0">
+                        <a:solidFill>
+                          <a:srgbClr val="FF0000"/>
+                        </a:solidFill>
+                        <a:effectLst/>
+                        <a:latin typeface="Calibri" panose="020F0502020204030204" pitchFamily="34" charset="0"/>
+                      </a:endParaRPr>
+                    </a:p>
+                  </a:txBody>
+                  <a:tcPr marL="3810" marR="3810" marT="3810" marB="0" anchor="b"/>
+                </a:tc>
+                <a:extLst>
+                  <a:ext uri="{0D108BD9-81ED-4DB2-BD59-A6C34878D82A}">
+                    <a16:rowId xmlns:a16="http://schemas.microsoft.com/office/drawing/2014/main" val="4108342957"/>
+                  </a:ext>
+                </a:extLst>
+              </a:tr>
+            </a:tbl>
+          </a:graphicData>
+        </a:graphic>
+      </p:graphicFrame>
+      <p:cxnSp>
+        <p:nvCxnSpPr>
+          <p:cNvPr id="28" name="Connector: Curved 27">
+            <a:extLst>
+              <a:ext uri="{FF2B5EF4-FFF2-40B4-BE49-F238E27FC236}">
+                <a16:creationId xmlns:a16="http://schemas.microsoft.com/office/drawing/2014/main" id="{F5E31A9C-8BAB-4A22-AC79-FCA618663E90}"/>
+              </a:ext>
+            </a:extLst>
+          </p:cNvPr>
+          <p:cNvCxnSpPr>
+            <a:cxnSpLocks/>
+            <a:stCxn id="19" idx="2"/>
+            <a:endCxn id="25" idx="1"/>
+          </p:cNvCxnSpPr>
+          <p:nvPr/>
+        </p:nvCxnSpPr>
+        <p:spPr>
+          <a:xfrm rot="5400000">
+            <a:off x="7648292" y="3649253"/>
+            <a:ext cx="1292204" cy="870550"/>
+          </a:xfrm>
+          <a:prstGeom prst="curvedConnector4">
+            <a:avLst>
+              <a:gd name="adj1" fmla="val 42924"/>
+              <a:gd name="adj2" fmla="val 126259"/>
+            </a:avLst>
+          </a:prstGeom>
+          <a:ln w="28575">
+            <a:solidFill>
+              <a:schemeClr val="accent2">
+                <a:lumMod val="75000"/>
+              </a:schemeClr>
+            </a:solidFill>
+            <a:tailEnd type="triangle"/>
+          </a:ln>
+        </p:spPr>
+        <p:style>
+          <a:lnRef idx="1">
+            <a:schemeClr val="accent1"/>
+          </a:lnRef>
+          <a:fillRef idx="0">
+            <a:schemeClr val="accent1"/>
+          </a:fillRef>
+          <a:effectRef idx="0">
+            <a:schemeClr val="accent1"/>
+          </a:effectRef>
+          <a:fontRef idx="minor">
+            <a:schemeClr val="tx1"/>
+          </a:fontRef>
+        </p:style>
+      </p:cxnSp>
     </p:spTree>
     <p:extLst>
       <p:ext uri="{BB962C8B-B14F-4D97-AF65-F5344CB8AC3E}">
-        <p14:creationId xmlns:p14="http://schemas.microsoft.com/office/powerpoint/2010/main" val="2936290879"/>
+        <p14:creationId xmlns:p14="http://schemas.microsoft.com/office/powerpoint/2010/main" val="1058712770"/>
       </p:ext>
     </p:extLst>
   </p:cSld>
@@ -4733,7 +6520,7 @@
           <p:cNvPr id="2" name="Title 1">
             <a:extLst>
               <a:ext uri="{FF2B5EF4-FFF2-40B4-BE49-F238E27FC236}">
-                <a16:creationId xmlns:a16="http://schemas.microsoft.com/office/drawing/2014/main" id="{C027E961-1C15-4482-B678-00083D9CDA9A}"/>
+                <a16:creationId xmlns:a16="http://schemas.microsoft.com/office/drawing/2014/main" id="{C23EAF31-1BD4-45EE-9B12-BC14F7D54307}"/>
               </a:ext>
             </a:extLst>
           </p:cNvPr>
@@ -4741,7 +6528,7 @@
             <a:spLocks noGrp="1"/>
           </p:cNvSpPr>
           <p:nvPr>
-            <p:ph type="ctrTitle"/>
+            <p:ph type="title"/>
           </p:nvPr>
         </p:nvSpPr>
         <p:spPr/>
@@ -4751,17 +6538,17 @@
           <a:p>
             <a:r>
               <a:rPr lang="en-US" dirty="0"/>
-              <a:t>Recurrent Neural Network</a:t>
+              <a:t>Serial Instruction Processing</a:t>
             </a:r>
           </a:p>
         </p:txBody>
       </p:sp>
       <p:sp>
         <p:nvSpPr>
-          <p:cNvPr id="3" name="Subtitle 2">
-            <a:extLst>
-              <a:ext uri="{FF2B5EF4-FFF2-40B4-BE49-F238E27FC236}">
-                <a16:creationId xmlns:a16="http://schemas.microsoft.com/office/drawing/2014/main" id="{320C6F87-207C-490F-92B4-AA64DBFC4914}"/>
+          <p:cNvPr id="3" name="Content Placeholder 2">
+            <a:extLst>
+              <a:ext uri="{FF2B5EF4-FFF2-40B4-BE49-F238E27FC236}">
+                <a16:creationId xmlns:a16="http://schemas.microsoft.com/office/drawing/2014/main" id="{3A61812F-E008-4811-8823-E7459E60F548}"/>
               </a:ext>
             </a:extLst>
           </p:cNvPr>
@@ -4769,7 +6556,7 @@
             <a:spLocks noGrp="1"/>
           </p:cNvSpPr>
           <p:nvPr>
-            <p:ph type="subTitle" idx="1"/>
+            <p:ph idx="1"/>
           </p:nvPr>
         </p:nvSpPr>
         <p:spPr/>
@@ -4777,14 +6564,811 @@
           <a:bodyPr/>
           <a:lstStyle/>
           <a:p>
-            <a:endParaRPr lang="en-US" dirty="0"/>
+            <a:pPr marL="0" indent="0">
+              <a:buNone/>
+            </a:pPr>
+            <a:r>
+              <a:rPr lang="en-US" dirty="0"/>
+              <a:t>This can easily be parallelized!</a:t>
+            </a:r>
           </a:p>
         </p:txBody>
       </p:sp>
+      <p:grpSp>
+        <p:nvGrpSpPr>
+          <p:cNvPr id="5" name="Group 4">
+            <a:extLst>
+              <a:ext uri="{FF2B5EF4-FFF2-40B4-BE49-F238E27FC236}">
+                <a16:creationId xmlns:a16="http://schemas.microsoft.com/office/drawing/2014/main" id="{C3F210F0-301F-4369-8EC5-3CDB5E98AD25}"/>
+              </a:ext>
+            </a:extLst>
+          </p:cNvPr>
+          <p:cNvGrpSpPr/>
+          <p:nvPr/>
+        </p:nvGrpSpPr>
+        <p:grpSpPr>
+          <a:xfrm>
+            <a:off x="4798745" y="2626747"/>
+            <a:ext cx="2594510" cy="2749094"/>
+            <a:chOff x="5447924" y="3151100"/>
+            <a:chExt cx="1929653" cy="2127624"/>
+          </a:xfrm>
+        </p:grpSpPr>
+        <p:sp>
+          <p:nvSpPr>
+            <p:cNvPr id="6" name="Rectangle 5">
+              <a:extLst>
+                <a:ext uri="{FF2B5EF4-FFF2-40B4-BE49-F238E27FC236}">
+                  <a16:creationId xmlns:a16="http://schemas.microsoft.com/office/drawing/2014/main" id="{E2756E32-F5A5-4306-8AA3-8A33C9D7531F}"/>
+                </a:ext>
+              </a:extLst>
+            </p:cNvPr>
+            <p:cNvSpPr/>
+            <p:nvPr/>
+          </p:nvSpPr>
+          <p:spPr>
+            <a:xfrm>
+              <a:off x="5447924" y="3151100"/>
+              <a:ext cx="1929653" cy="2127624"/>
+            </a:xfrm>
+            <a:prstGeom prst="rect">
+              <a:avLst/>
+            </a:prstGeom>
+          </p:spPr>
+          <p:style>
+            <a:lnRef idx="2">
+              <a:schemeClr val="accent1">
+                <a:shade val="50000"/>
+              </a:schemeClr>
+            </a:lnRef>
+            <a:fillRef idx="1">
+              <a:schemeClr val="accent1"/>
+            </a:fillRef>
+            <a:effectRef idx="0">
+              <a:schemeClr val="accent1"/>
+            </a:effectRef>
+            <a:fontRef idx="minor">
+              <a:schemeClr val="lt1"/>
+            </a:fontRef>
+          </p:style>
+          <p:txBody>
+            <a:bodyPr rtlCol="0" anchor="ctr"/>
+            <a:lstStyle/>
+            <a:p>
+              <a:pPr algn="ctr"/>
+              <a:endParaRPr lang="en-US"/>
+            </a:p>
+          </p:txBody>
+        </p:sp>
+        <p:sp>
+          <p:nvSpPr>
+            <p:cNvPr id="7" name="Oval 6">
+              <a:extLst>
+                <a:ext uri="{FF2B5EF4-FFF2-40B4-BE49-F238E27FC236}">
+                  <a16:creationId xmlns:a16="http://schemas.microsoft.com/office/drawing/2014/main" id="{F36B273B-2E6F-401B-8BE9-DE0E8CD8080A}"/>
+                </a:ext>
+              </a:extLst>
+            </p:cNvPr>
+            <p:cNvSpPr/>
+            <p:nvPr/>
+          </p:nvSpPr>
+          <p:spPr>
+            <a:xfrm>
+              <a:off x="5794410" y="3421888"/>
+              <a:ext cx="394447" cy="376517"/>
+            </a:xfrm>
+            <a:prstGeom prst="ellipse">
+              <a:avLst/>
+            </a:prstGeom>
+            <a:solidFill>
+              <a:schemeClr val="accent4">
+                <a:lumMod val="60000"/>
+                <a:lumOff val="40000"/>
+              </a:schemeClr>
+            </a:solidFill>
+          </p:spPr>
+          <p:style>
+            <a:lnRef idx="2">
+              <a:schemeClr val="accent1">
+                <a:shade val="50000"/>
+              </a:schemeClr>
+            </a:lnRef>
+            <a:fillRef idx="1">
+              <a:schemeClr val="accent1"/>
+            </a:fillRef>
+            <a:effectRef idx="0">
+              <a:schemeClr val="accent1"/>
+            </a:effectRef>
+            <a:fontRef idx="minor">
+              <a:schemeClr val="lt1"/>
+            </a:fontRef>
+          </p:style>
+          <p:txBody>
+            <a:bodyPr rtlCol="0" anchor="ctr"/>
+            <a:lstStyle/>
+            <a:p>
+              <a:pPr algn="ctr"/>
+              <a:r>
+                <a:rPr lang="en-US" dirty="0">
+                  <a:solidFill>
+                    <a:schemeClr val="accent4">
+                      <a:lumMod val="50000"/>
+                    </a:schemeClr>
+                  </a:solidFill>
+                </a:rPr>
+                <a:t>1</a:t>
+              </a:r>
+            </a:p>
+          </p:txBody>
+        </p:sp>
+        <p:sp>
+          <p:nvSpPr>
+            <p:cNvPr id="8" name="Oval 7">
+              <a:extLst>
+                <a:ext uri="{FF2B5EF4-FFF2-40B4-BE49-F238E27FC236}">
+                  <a16:creationId xmlns:a16="http://schemas.microsoft.com/office/drawing/2014/main" id="{A5926C6F-5BC4-49AB-90C0-BF086DF37BD3}"/>
+                </a:ext>
+              </a:extLst>
+            </p:cNvPr>
+            <p:cNvSpPr/>
+            <p:nvPr/>
+          </p:nvSpPr>
+          <p:spPr>
+            <a:xfrm>
+              <a:off x="6613186" y="3421888"/>
+              <a:ext cx="394447" cy="376517"/>
+            </a:xfrm>
+            <a:prstGeom prst="ellipse">
+              <a:avLst/>
+            </a:prstGeom>
+            <a:solidFill>
+              <a:schemeClr val="accent4">
+                <a:lumMod val="60000"/>
+                <a:lumOff val="40000"/>
+              </a:schemeClr>
+            </a:solidFill>
+          </p:spPr>
+          <p:style>
+            <a:lnRef idx="2">
+              <a:schemeClr val="accent1">
+                <a:shade val="50000"/>
+              </a:schemeClr>
+            </a:lnRef>
+            <a:fillRef idx="1">
+              <a:schemeClr val="accent1"/>
+            </a:fillRef>
+            <a:effectRef idx="0">
+              <a:schemeClr val="accent1"/>
+            </a:effectRef>
+            <a:fontRef idx="minor">
+              <a:schemeClr val="lt1"/>
+            </a:fontRef>
+          </p:style>
+          <p:txBody>
+            <a:bodyPr rtlCol="0" anchor="ctr"/>
+            <a:lstStyle/>
+            <a:p>
+              <a:pPr algn="ctr"/>
+              <a:r>
+                <a:rPr lang="en-US" dirty="0">
+                  <a:solidFill>
+                    <a:schemeClr val="accent4">
+                      <a:lumMod val="50000"/>
+                    </a:schemeClr>
+                  </a:solidFill>
+                </a:rPr>
+                <a:t>2</a:t>
+              </a:r>
+            </a:p>
+          </p:txBody>
+        </p:sp>
+        <p:sp>
+          <p:nvSpPr>
+            <p:cNvPr id="9" name="Oval 8">
+              <a:extLst>
+                <a:ext uri="{FF2B5EF4-FFF2-40B4-BE49-F238E27FC236}">
+                  <a16:creationId xmlns:a16="http://schemas.microsoft.com/office/drawing/2014/main" id="{2C0142C4-6548-4751-A216-D79C7FE96BDE}"/>
+                </a:ext>
+              </a:extLst>
+            </p:cNvPr>
+            <p:cNvSpPr/>
+            <p:nvPr/>
+          </p:nvSpPr>
+          <p:spPr>
+            <a:xfrm>
+              <a:off x="5794408" y="4022522"/>
+              <a:ext cx="394447" cy="376517"/>
+            </a:xfrm>
+            <a:prstGeom prst="ellipse">
+              <a:avLst/>
+            </a:prstGeom>
+            <a:solidFill>
+              <a:schemeClr val="accent4">
+                <a:lumMod val="60000"/>
+                <a:lumOff val="40000"/>
+              </a:schemeClr>
+            </a:solidFill>
+          </p:spPr>
+          <p:style>
+            <a:lnRef idx="2">
+              <a:schemeClr val="accent1">
+                <a:shade val="50000"/>
+              </a:schemeClr>
+            </a:lnRef>
+            <a:fillRef idx="1">
+              <a:schemeClr val="accent1"/>
+            </a:fillRef>
+            <a:effectRef idx="0">
+              <a:schemeClr val="accent1"/>
+            </a:effectRef>
+            <a:fontRef idx="minor">
+              <a:schemeClr val="lt1"/>
+            </a:fontRef>
+          </p:style>
+          <p:txBody>
+            <a:bodyPr rtlCol="0" anchor="ctr"/>
+            <a:lstStyle/>
+            <a:p>
+              <a:pPr algn="ctr"/>
+              <a:r>
+                <a:rPr lang="en-US" dirty="0">
+                  <a:solidFill>
+                    <a:schemeClr val="accent4">
+                      <a:lumMod val="50000"/>
+                    </a:schemeClr>
+                  </a:solidFill>
+                </a:rPr>
+                <a:t>3</a:t>
+              </a:r>
+            </a:p>
+          </p:txBody>
+        </p:sp>
+        <p:sp>
+          <p:nvSpPr>
+            <p:cNvPr id="10" name="Oval 9">
+              <a:extLst>
+                <a:ext uri="{FF2B5EF4-FFF2-40B4-BE49-F238E27FC236}">
+                  <a16:creationId xmlns:a16="http://schemas.microsoft.com/office/drawing/2014/main" id="{57028D69-760A-4400-9D4A-B9D5D4A475A9}"/>
+                </a:ext>
+              </a:extLst>
+            </p:cNvPr>
+            <p:cNvSpPr/>
+            <p:nvPr/>
+          </p:nvSpPr>
+          <p:spPr>
+            <a:xfrm>
+              <a:off x="6613185" y="4022522"/>
+              <a:ext cx="394447" cy="376517"/>
+            </a:xfrm>
+            <a:prstGeom prst="ellipse">
+              <a:avLst/>
+            </a:prstGeom>
+            <a:solidFill>
+              <a:schemeClr val="accent4">
+                <a:lumMod val="60000"/>
+                <a:lumOff val="40000"/>
+              </a:schemeClr>
+            </a:solidFill>
+          </p:spPr>
+          <p:style>
+            <a:lnRef idx="2">
+              <a:schemeClr val="accent1">
+                <a:shade val="50000"/>
+              </a:schemeClr>
+            </a:lnRef>
+            <a:fillRef idx="1">
+              <a:schemeClr val="accent1"/>
+            </a:fillRef>
+            <a:effectRef idx="0">
+              <a:schemeClr val="accent1"/>
+            </a:effectRef>
+            <a:fontRef idx="minor">
+              <a:schemeClr val="lt1"/>
+            </a:fontRef>
+          </p:style>
+          <p:txBody>
+            <a:bodyPr rtlCol="0" anchor="ctr"/>
+            <a:lstStyle/>
+            <a:p>
+              <a:pPr algn="ctr"/>
+              <a:r>
+                <a:rPr lang="en-US" dirty="0">
+                  <a:solidFill>
+                    <a:schemeClr val="accent4">
+                      <a:lumMod val="50000"/>
+                    </a:schemeClr>
+                  </a:solidFill>
+                </a:rPr>
+                <a:t>4</a:t>
+              </a:r>
+            </a:p>
+          </p:txBody>
+        </p:sp>
+        <p:sp>
+          <p:nvSpPr>
+            <p:cNvPr id="11" name="Oval 10">
+              <a:extLst>
+                <a:ext uri="{FF2B5EF4-FFF2-40B4-BE49-F238E27FC236}">
+                  <a16:creationId xmlns:a16="http://schemas.microsoft.com/office/drawing/2014/main" id="{88FE90D8-F017-41AD-917C-16F3E0CB31EA}"/>
+                </a:ext>
+              </a:extLst>
+            </p:cNvPr>
+            <p:cNvSpPr/>
+            <p:nvPr/>
+          </p:nvSpPr>
+          <p:spPr>
+            <a:xfrm>
+              <a:off x="5794408" y="4623158"/>
+              <a:ext cx="394447" cy="376517"/>
+            </a:xfrm>
+            <a:prstGeom prst="ellipse">
+              <a:avLst/>
+            </a:prstGeom>
+            <a:solidFill>
+              <a:schemeClr val="accent4">
+                <a:lumMod val="60000"/>
+                <a:lumOff val="40000"/>
+              </a:schemeClr>
+            </a:solidFill>
+          </p:spPr>
+          <p:style>
+            <a:lnRef idx="2">
+              <a:schemeClr val="accent1">
+                <a:shade val="50000"/>
+              </a:schemeClr>
+            </a:lnRef>
+            <a:fillRef idx="1">
+              <a:schemeClr val="accent1"/>
+            </a:fillRef>
+            <a:effectRef idx="0">
+              <a:schemeClr val="accent1"/>
+            </a:effectRef>
+            <a:fontRef idx="minor">
+              <a:schemeClr val="lt1"/>
+            </a:fontRef>
+          </p:style>
+          <p:txBody>
+            <a:bodyPr rtlCol="0" anchor="ctr"/>
+            <a:lstStyle/>
+            <a:p>
+              <a:pPr algn="ctr"/>
+              <a:r>
+                <a:rPr lang="en-US" dirty="0">
+                  <a:solidFill>
+                    <a:schemeClr val="accent4">
+                      <a:lumMod val="50000"/>
+                    </a:schemeClr>
+                  </a:solidFill>
+                </a:rPr>
+                <a:t>5</a:t>
+              </a:r>
+            </a:p>
+          </p:txBody>
+        </p:sp>
+        <p:sp>
+          <p:nvSpPr>
+            <p:cNvPr id="12" name="Oval 11">
+              <a:extLst>
+                <a:ext uri="{FF2B5EF4-FFF2-40B4-BE49-F238E27FC236}">
+                  <a16:creationId xmlns:a16="http://schemas.microsoft.com/office/drawing/2014/main" id="{08012994-CE5C-43CE-9E8A-1F9A35D08D3F}"/>
+                </a:ext>
+              </a:extLst>
+            </p:cNvPr>
+            <p:cNvSpPr/>
+            <p:nvPr/>
+          </p:nvSpPr>
+          <p:spPr>
+            <a:xfrm>
+              <a:off x="6613185" y="4623156"/>
+              <a:ext cx="394447" cy="376517"/>
+            </a:xfrm>
+            <a:prstGeom prst="ellipse">
+              <a:avLst/>
+            </a:prstGeom>
+            <a:solidFill>
+              <a:schemeClr val="accent4">
+                <a:lumMod val="60000"/>
+                <a:lumOff val="40000"/>
+              </a:schemeClr>
+            </a:solidFill>
+          </p:spPr>
+          <p:style>
+            <a:lnRef idx="2">
+              <a:schemeClr val="accent1">
+                <a:shade val="50000"/>
+              </a:schemeClr>
+            </a:lnRef>
+            <a:fillRef idx="1">
+              <a:schemeClr val="accent1"/>
+            </a:fillRef>
+            <a:effectRef idx="0">
+              <a:schemeClr val="accent1"/>
+            </a:effectRef>
+            <a:fontRef idx="minor">
+              <a:schemeClr val="lt1"/>
+            </a:fontRef>
+          </p:style>
+          <p:txBody>
+            <a:bodyPr rtlCol="0" anchor="ctr"/>
+            <a:lstStyle/>
+            <a:p>
+              <a:pPr algn="ctr"/>
+              <a:r>
+                <a:rPr lang="en-US" dirty="0">
+                  <a:solidFill>
+                    <a:schemeClr val="accent4">
+                      <a:lumMod val="50000"/>
+                    </a:schemeClr>
+                  </a:solidFill>
+                </a:rPr>
+                <a:t>6</a:t>
+              </a:r>
+            </a:p>
+          </p:txBody>
+        </p:sp>
+      </p:grpSp>
+      <p:cxnSp>
+        <p:nvCxnSpPr>
+          <p:cNvPr id="32" name="Connector: Curved 31">
+            <a:extLst>
+              <a:ext uri="{FF2B5EF4-FFF2-40B4-BE49-F238E27FC236}">
+                <a16:creationId xmlns:a16="http://schemas.microsoft.com/office/drawing/2014/main" id="{73BDA518-9AF5-4B9E-98D0-0F772F7E34AC}"/>
+              </a:ext>
+            </a:extLst>
+          </p:cNvPr>
+          <p:cNvCxnSpPr>
+            <a:endCxn id="7" idx="1"/>
+          </p:cNvCxnSpPr>
+          <p:nvPr/>
+        </p:nvCxnSpPr>
+        <p:spPr>
+          <a:xfrm flipV="1">
+            <a:off x="4188895" y="3047877"/>
+            <a:ext cx="1153385" cy="214555"/>
+          </a:xfrm>
+          <a:prstGeom prst="curvedConnector4">
+            <a:avLst>
+              <a:gd name="adj1" fmla="val 46633"/>
+              <a:gd name="adj2" fmla="val 239753"/>
+            </a:avLst>
+          </a:prstGeom>
+          <a:ln w="28575">
+            <a:solidFill>
+              <a:schemeClr val="accent2">
+                <a:lumMod val="75000"/>
+              </a:schemeClr>
+            </a:solidFill>
+            <a:tailEnd type="triangle"/>
+          </a:ln>
+        </p:spPr>
+        <p:style>
+          <a:lnRef idx="1">
+            <a:schemeClr val="accent1"/>
+          </a:lnRef>
+          <a:fillRef idx="0">
+            <a:schemeClr val="accent1"/>
+          </a:fillRef>
+          <a:effectRef idx="0">
+            <a:schemeClr val="accent1"/>
+          </a:effectRef>
+          <a:fontRef idx="minor">
+            <a:schemeClr val="tx1"/>
+          </a:fontRef>
+        </p:style>
+      </p:cxnSp>
+      <p:cxnSp>
+        <p:nvCxnSpPr>
+          <p:cNvPr id="33" name="Connector: Curved 32">
+            <a:extLst>
+              <a:ext uri="{FF2B5EF4-FFF2-40B4-BE49-F238E27FC236}">
+                <a16:creationId xmlns:a16="http://schemas.microsoft.com/office/drawing/2014/main" id="{E168ACAA-8100-4AC0-8C37-F1258B82E844}"/>
+              </a:ext>
+            </a:extLst>
+          </p:cNvPr>
+          <p:cNvCxnSpPr>
+            <a:cxnSpLocks/>
+            <a:stCxn id="7" idx="7"/>
+          </p:cNvCxnSpPr>
+          <p:nvPr/>
+        </p:nvCxnSpPr>
+        <p:spPr>
+          <a:xfrm rot="16200000" flipH="1">
+            <a:off x="6939026" y="1826147"/>
+            <a:ext cx="116229" cy="2559688"/>
+          </a:xfrm>
+          <a:prstGeom prst="curvedConnector4">
+            <a:avLst>
+              <a:gd name="adj1" fmla="val -196681"/>
+              <a:gd name="adj2" fmla="val 56005"/>
+            </a:avLst>
+          </a:prstGeom>
+          <a:ln w="28575">
+            <a:solidFill>
+              <a:schemeClr val="accent2">
+                <a:lumMod val="75000"/>
+              </a:schemeClr>
+            </a:solidFill>
+            <a:tailEnd type="triangle"/>
+          </a:ln>
+        </p:spPr>
+        <p:style>
+          <a:lnRef idx="1">
+            <a:schemeClr val="accent1"/>
+          </a:lnRef>
+          <a:fillRef idx="0">
+            <a:schemeClr val="accent1"/>
+          </a:fillRef>
+          <a:effectRef idx="0">
+            <a:schemeClr val="accent1"/>
+          </a:effectRef>
+          <a:fontRef idx="minor">
+            <a:schemeClr val="tx1"/>
+          </a:fontRef>
+        </p:style>
+      </p:cxnSp>
+      <p:graphicFrame>
+        <p:nvGraphicFramePr>
+          <p:cNvPr id="4" name="Table 3">
+            <a:extLst>
+              <a:ext uri="{FF2B5EF4-FFF2-40B4-BE49-F238E27FC236}">
+                <a16:creationId xmlns:a16="http://schemas.microsoft.com/office/drawing/2014/main" id="{E4D7381B-AD13-4EC3-ACAD-977262BCA488}"/>
+              </a:ext>
+            </a:extLst>
+          </p:cNvPr>
+          <p:cNvGraphicFramePr>
+            <a:graphicFrameLocks noGrp="1"/>
+          </p:cNvGraphicFramePr>
+          <p:nvPr>
+            <p:extLst>
+              <p:ext uri="{D42A27DB-BD31-4B8C-83A1-F6EECF244321}">
+                <p14:modId xmlns:p14="http://schemas.microsoft.com/office/powerpoint/2010/main" val="1749047161"/>
+              </p:ext>
+            </p:extLst>
+          </p:nvPr>
+        </p:nvGraphicFramePr>
+        <p:xfrm>
+          <a:off x="1097431" y="2981226"/>
+          <a:ext cx="3086100" cy="365760"/>
+        </p:xfrm>
+        <a:graphic>
+          <a:graphicData uri="http://schemas.openxmlformats.org/drawingml/2006/table">
+            <a:tbl>
+              <a:tblPr>
+                <a:tableStyleId>{5C22544A-7EE6-4342-B048-85BDC9FD1C3A}</a:tableStyleId>
+              </a:tblPr>
+              <a:tblGrid>
+                <a:gridCol w="1333500">
+                  <a:extLst>
+                    <a:ext uri="{9D8B030D-6E8A-4147-A177-3AD203B41FA5}">
+                      <a16:colId xmlns:a16="http://schemas.microsoft.com/office/drawing/2014/main" val="1462700156"/>
+                    </a:ext>
+                  </a:extLst>
+                </a:gridCol>
+                <a:gridCol w="1752600">
+                  <a:extLst>
+                    <a:ext uri="{9D8B030D-6E8A-4147-A177-3AD203B41FA5}">
+                      <a16:colId xmlns:a16="http://schemas.microsoft.com/office/drawing/2014/main" val="3264519394"/>
+                    </a:ext>
+                  </a:extLst>
+                </a:gridCol>
+              </a:tblGrid>
+              <a:tr h="182880">
+                <a:tc>
+                  <a:txBody>
+                    <a:bodyPr/>
+                    <a:lstStyle/>
+                    <a:p>
+                      <a:pPr algn="ctr" fontAlgn="b"/>
+                      <a:r>
+                        <a:rPr lang="en-US" sz="1100" u="none" strike="noStrike">
+                          <a:effectLst/>
+                        </a:rPr>
+                        <a:t>1 Core</a:t>
+                      </a:r>
+                      <a:endParaRPr lang="en-US" sz="1100" b="0" i="0" u="none" strike="noStrike">
+                        <a:solidFill>
+                          <a:srgbClr val="FFFFFF"/>
+                        </a:solidFill>
+                        <a:effectLst/>
+                        <a:latin typeface="Calibri" panose="020F0502020204030204" pitchFamily="34" charset="0"/>
+                      </a:endParaRPr>
+                    </a:p>
+                  </a:txBody>
+                  <a:tcPr marL="3810" marR="3810" marT="3810" marB="0" anchor="b"/>
+                </a:tc>
+                <a:tc>
+                  <a:txBody>
+                    <a:bodyPr/>
+                    <a:lstStyle/>
+                    <a:p>
+                      <a:pPr algn="ctr" fontAlgn="b"/>
+                      <a:r>
+                        <a:rPr lang="en-US" sz="1100" u="none" strike="noStrike">
+                          <a:effectLst/>
+                        </a:rPr>
+                        <a:t>Serial instructions:</a:t>
+                      </a:r>
+                      <a:endParaRPr lang="en-US" sz="1100" b="0" i="0" u="none" strike="noStrike">
+                        <a:solidFill>
+                          <a:srgbClr val="FFFFFF"/>
+                        </a:solidFill>
+                        <a:effectLst/>
+                        <a:latin typeface="Calibri" panose="020F0502020204030204" pitchFamily="34" charset="0"/>
+                      </a:endParaRPr>
+                    </a:p>
+                  </a:txBody>
+                  <a:tcPr marL="3810" marR="3810" marT="3810" marB="0" anchor="b"/>
+                </a:tc>
+                <a:extLst>
+                  <a:ext uri="{0D108BD9-81ED-4DB2-BD59-A6C34878D82A}">
+                    <a16:rowId xmlns:a16="http://schemas.microsoft.com/office/drawing/2014/main" val="1601506200"/>
+                  </a:ext>
+                </a:extLst>
+              </a:tr>
+              <a:tr h="182880">
+                <a:tc>
+                  <a:txBody>
+                    <a:bodyPr/>
+                    <a:lstStyle/>
+                    <a:p>
+                      <a:pPr algn="ctr" fontAlgn="b"/>
+                      <a:r>
+                        <a:rPr lang="en-US" sz="1100" u="none" strike="noStrike">
+                          <a:effectLst/>
+                        </a:rPr>
+                        <a:t>Multiples of Bunnies =</a:t>
+                      </a:r>
+                      <a:endParaRPr lang="en-US" sz="1100" b="0" i="0" u="none" strike="noStrike">
+                        <a:solidFill>
+                          <a:srgbClr val="FFFFFF"/>
+                        </a:solidFill>
+                        <a:effectLst/>
+                        <a:latin typeface="Calibri" panose="020F0502020204030204" pitchFamily="34" charset="0"/>
+                      </a:endParaRPr>
+                    </a:p>
+                  </a:txBody>
+                  <a:tcPr marL="3810" marR="3810" marT="3810" marB="0" anchor="b"/>
+                </a:tc>
+                <a:tc>
+                  <a:txBody>
+                    <a:bodyPr/>
+                    <a:lstStyle/>
+                    <a:p>
+                      <a:pPr algn="ctr" fontAlgn="b"/>
+                      <a:r>
+                        <a:rPr lang="en-US" sz="1100" u="none" strike="noStrike" dirty="0">
+                          <a:effectLst/>
+                        </a:rPr>
+                        <a:t>2*8*6*7*5*7*2*8*6*7*5*7=</a:t>
+                      </a:r>
+                      <a:endParaRPr lang="en-US" sz="1100" b="0" i="0" u="none" strike="noStrike" dirty="0">
+                        <a:solidFill>
+                          <a:srgbClr val="FFFFFF"/>
+                        </a:solidFill>
+                        <a:effectLst/>
+                        <a:latin typeface="Calibri" panose="020F0502020204030204" pitchFamily="34" charset="0"/>
+                      </a:endParaRPr>
+                    </a:p>
+                  </a:txBody>
+                  <a:tcPr marL="3810" marR="3810" marT="3810" marB="0" anchor="b"/>
+                </a:tc>
+                <a:extLst>
+                  <a:ext uri="{0D108BD9-81ED-4DB2-BD59-A6C34878D82A}">
+                    <a16:rowId xmlns:a16="http://schemas.microsoft.com/office/drawing/2014/main" val="3572360309"/>
+                  </a:ext>
+                </a:extLst>
+              </a:tr>
+            </a:tbl>
+          </a:graphicData>
+        </a:graphic>
+      </p:graphicFrame>
+      <p:graphicFrame>
+        <p:nvGraphicFramePr>
+          <p:cNvPr id="13" name="Table 12">
+            <a:extLst>
+              <a:ext uri="{FF2B5EF4-FFF2-40B4-BE49-F238E27FC236}">
+                <a16:creationId xmlns:a16="http://schemas.microsoft.com/office/drawing/2014/main" id="{4FB80C89-576E-44DB-98C5-30466298EAD1}"/>
+              </a:ext>
+            </a:extLst>
+          </p:cNvPr>
+          <p:cNvGraphicFramePr>
+            <a:graphicFrameLocks noGrp="1"/>
+          </p:cNvGraphicFramePr>
+          <p:nvPr>
+            <p:extLst>
+              <p:ext uri="{D42A27DB-BD31-4B8C-83A1-F6EECF244321}">
+                <p14:modId xmlns:p14="http://schemas.microsoft.com/office/powerpoint/2010/main" val="1537869984"/>
+              </p:ext>
+            </p:extLst>
+          </p:nvPr>
+        </p:nvGraphicFramePr>
+        <p:xfrm>
+          <a:off x="8276985" y="2864996"/>
+          <a:ext cx="876300" cy="365760"/>
+        </p:xfrm>
+        <a:graphic>
+          <a:graphicData uri="http://schemas.openxmlformats.org/drawingml/2006/table">
+            <a:tbl>
+              <a:tblPr>
+                <a:tableStyleId>{5C22544A-7EE6-4342-B048-85BDC9FD1C3A}</a:tableStyleId>
+              </a:tblPr>
+              <a:tblGrid>
+                <a:gridCol w="876300">
+                  <a:extLst>
+                    <a:ext uri="{9D8B030D-6E8A-4147-A177-3AD203B41FA5}">
+                      <a16:colId xmlns:a16="http://schemas.microsoft.com/office/drawing/2014/main" val="13533192"/>
+                    </a:ext>
+                  </a:extLst>
+                </a:gridCol>
+              </a:tblGrid>
+              <a:tr h="182880">
+                <a:tc>
+                  <a:txBody>
+                    <a:bodyPr/>
+                    <a:lstStyle/>
+                    <a:p>
+                      <a:pPr algn="ctr" fontAlgn="b"/>
+                      <a:r>
+                        <a:rPr lang="en-US" sz="1100" u="none" strike="noStrike" dirty="0">
+                          <a:effectLst/>
+                        </a:rPr>
+                        <a:t>Bunnies</a:t>
+                      </a:r>
+                      <a:endParaRPr lang="en-US" sz="1100" b="0" i="0" u="none" strike="noStrike" dirty="0">
+                        <a:solidFill>
+                          <a:srgbClr val="FFFFFF"/>
+                        </a:solidFill>
+                        <a:effectLst/>
+                        <a:latin typeface="Calibri" panose="020F0502020204030204" pitchFamily="34" charset="0"/>
+                      </a:endParaRPr>
+                    </a:p>
+                  </a:txBody>
+                  <a:tcPr marL="3810" marR="3810" marT="3810" marB="0" anchor="b"/>
+                </a:tc>
+                <a:extLst>
+                  <a:ext uri="{0D108BD9-81ED-4DB2-BD59-A6C34878D82A}">
+                    <a16:rowId xmlns:a16="http://schemas.microsoft.com/office/drawing/2014/main" val="2547156325"/>
+                  </a:ext>
+                </a:extLst>
+              </a:tr>
+              <a:tr h="182880">
+                <a:tc>
+                  <a:txBody>
+                    <a:bodyPr/>
+                    <a:lstStyle/>
+                    <a:p>
+                      <a:pPr algn="ctr" fontAlgn="b"/>
+                      <a:r>
+                        <a:rPr lang="en-US" sz="1100" u="none" strike="noStrike" dirty="0">
+                          <a:effectLst/>
+                        </a:rPr>
+                        <a:t>553,190,400</a:t>
+                      </a:r>
+                      <a:endParaRPr lang="en-US" sz="1100" b="0" i="0" u="none" strike="noStrike" dirty="0">
+                        <a:solidFill>
+                          <a:srgbClr val="FFFFFF"/>
+                        </a:solidFill>
+                        <a:effectLst/>
+                        <a:latin typeface="Calibri" panose="020F0502020204030204" pitchFamily="34" charset="0"/>
+                      </a:endParaRPr>
+                    </a:p>
+                  </a:txBody>
+                  <a:tcPr marL="3810" marR="3810" marT="3810" marB="0" anchor="b"/>
+                </a:tc>
+                <a:extLst>
+                  <a:ext uri="{0D108BD9-81ED-4DB2-BD59-A6C34878D82A}">
+                    <a16:rowId xmlns:a16="http://schemas.microsoft.com/office/drawing/2014/main" val="2530310997"/>
+                  </a:ext>
+                </a:extLst>
+              </a:tr>
+            </a:tbl>
+          </a:graphicData>
+        </a:graphic>
+      </p:graphicFrame>
     </p:spTree>
     <p:extLst>
       <p:ext uri="{BB962C8B-B14F-4D97-AF65-F5344CB8AC3E}">
-        <p14:creationId xmlns:p14="http://schemas.microsoft.com/office/powerpoint/2010/main" val="1183581911"/>
+        <p14:creationId xmlns:p14="http://schemas.microsoft.com/office/powerpoint/2010/main" val="1755076258"/>
       </p:ext>
     </p:extLst>
   </p:cSld>
@@ -4813,10 +7397,38 @@
       </p:grpSpPr>
       <p:sp>
         <p:nvSpPr>
+          <p:cNvPr id="2" name="Title 1">
+            <a:extLst>
+              <a:ext uri="{FF2B5EF4-FFF2-40B4-BE49-F238E27FC236}">
+                <a16:creationId xmlns:a16="http://schemas.microsoft.com/office/drawing/2014/main" id="{C23EAF31-1BD4-45EE-9B12-BC14F7D54307}"/>
+              </a:ext>
+            </a:extLst>
+          </p:cNvPr>
+          <p:cNvSpPr>
+            <a:spLocks noGrp="1"/>
+          </p:cNvSpPr>
+          <p:nvPr>
+            <p:ph type="title"/>
+          </p:nvPr>
+        </p:nvSpPr>
+        <p:spPr/>
+        <p:txBody>
+          <a:bodyPr/>
+          <a:lstStyle/>
+          <a:p>
+            <a:r>
+              <a:rPr lang="en-US" dirty="0"/>
+              <a:t>Parallel Processing</a:t>
+            </a:r>
+          </a:p>
+        </p:txBody>
+      </p:sp>
+      <p:sp>
+        <p:nvSpPr>
           <p:cNvPr id="3" name="Content Placeholder 2">
             <a:extLst>
               <a:ext uri="{FF2B5EF4-FFF2-40B4-BE49-F238E27FC236}">
-                <a16:creationId xmlns:a16="http://schemas.microsoft.com/office/drawing/2014/main" id="{5DACA907-259E-4B3F-ACA2-F308453BAE13}"/>
+                <a16:creationId xmlns:a16="http://schemas.microsoft.com/office/drawing/2014/main" id="{3A61812F-E008-4811-8823-E7459E60F548}"/>
               </a:ext>
             </a:extLst>
           </p:cNvPr>
@@ -4834,23 +7446,1906 @@
           <a:p>
             <a:r>
               <a:rPr lang="en-US" dirty="0"/>
-              <a:t>Re-useable guide</a:t>
+              <a:t>We can easily parallelize instructions </a:t>
             </a:r>
-          </a:p>
-          <a:p>
             <a:r>
-              <a:rPr lang="en-US" dirty="0"/>
-              <a:t>Be careful with Nvidia driver updates; they do it often and do not auto install</a:t>
+              <a:rPr lang="en-US" u="sng" dirty="0"/>
+              <a:t>that can be processed independently</a:t>
             </a:r>
+          </a:p>
+          <a:p>
+            <a:pPr marL="0" indent="0">
+              <a:buNone/>
+            </a:pPr>
+            <a:endParaRPr lang="en-US" dirty="0"/>
           </a:p>
         </p:txBody>
       </p:sp>
+      <p:grpSp>
+        <p:nvGrpSpPr>
+          <p:cNvPr id="5" name="Group 4">
+            <a:extLst>
+              <a:ext uri="{FF2B5EF4-FFF2-40B4-BE49-F238E27FC236}">
+                <a16:creationId xmlns:a16="http://schemas.microsoft.com/office/drawing/2014/main" id="{C3F210F0-301F-4369-8EC5-3CDB5E98AD25}"/>
+              </a:ext>
+            </a:extLst>
+          </p:cNvPr>
+          <p:cNvGrpSpPr/>
+          <p:nvPr/>
+        </p:nvGrpSpPr>
+        <p:grpSpPr>
+          <a:xfrm>
+            <a:off x="4798745" y="2626747"/>
+            <a:ext cx="2594510" cy="2749094"/>
+            <a:chOff x="5447924" y="3151100"/>
+            <a:chExt cx="1929653" cy="2127624"/>
+          </a:xfrm>
+        </p:grpSpPr>
+        <p:sp>
+          <p:nvSpPr>
+            <p:cNvPr id="6" name="Rectangle 5">
+              <a:extLst>
+                <a:ext uri="{FF2B5EF4-FFF2-40B4-BE49-F238E27FC236}">
+                  <a16:creationId xmlns:a16="http://schemas.microsoft.com/office/drawing/2014/main" id="{E2756E32-F5A5-4306-8AA3-8A33C9D7531F}"/>
+                </a:ext>
+              </a:extLst>
+            </p:cNvPr>
+            <p:cNvSpPr/>
+            <p:nvPr/>
+          </p:nvSpPr>
+          <p:spPr>
+            <a:xfrm>
+              <a:off x="5447924" y="3151100"/>
+              <a:ext cx="1929653" cy="2127624"/>
+            </a:xfrm>
+            <a:prstGeom prst="rect">
+              <a:avLst/>
+            </a:prstGeom>
+          </p:spPr>
+          <p:style>
+            <a:lnRef idx="2">
+              <a:schemeClr val="accent1">
+                <a:shade val="50000"/>
+              </a:schemeClr>
+            </a:lnRef>
+            <a:fillRef idx="1">
+              <a:schemeClr val="accent1"/>
+            </a:fillRef>
+            <a:effectRef idx="0">
+              <a:schemeClr val="accent1"/>
+            </a:effectRef>
+            <a:fontRef idx="minor">
+              <a:schemeClr val="lt1"/>
+            </a:fontRef>
+          </p:style>
+          <p:txBody>
+            <a:bodyPr rtlCol="0" anchor="ctr"/>
+            <a:lstStyle/>
+            <a:p>
+              <a:pPr algn="ctr"/>
+              <a:endParaRPr lang="en-US"/>
+            </a:p>
+          </p:txBody>
+        </p:sp>
+        <p:sp>
+          <p:nvSpPr>
+            <p:cNvPr id="7" name="Oval 6">
+              <a:extLst>
+                <a:ext uri="{FF2B5EF4-FFF2-40B4-BE49-F238E27FC236}">
+                  <a16:creationId xmlns:a16="http://schemas.microsoft.com/office/drawing/2014/main" id="{F36B273B-2E6F-401B-8BE9-DE0E8CD8080A}"/>
+                </a:ext>
+              </a:extLst>
+            </p:cNvPr>
+            <p:cNvSpPr/>
+            <p:nvPr/>
+          </p:nvSpPr>
+          <p:spPr>
+            <a:xfrm>
+              <a:off x="5794410" y="3421888"/>
+              <a:ext cx="394447" cy="376517"/>
+            </a:xfrm>
+            <a:prstGeom prst="ellipse">
+              <a:avLst/>
+            </a:prstGeom>
+            <a:solidFill>
+              <a:schemeClr val="accent4">
+                <a:lumMod val="60000"/>
+                <a:lumOff val="40000"/>
+              </a:schemeClr>
+            </a:solidFill>
+          </p:spPr>
+          <p:style>
+            <a:lnRef idx="2">
+              <a:schemeClr val="accent1">
+                <a:shade val="50000"/>
+              </a:schemeClr>
+            </a:lnRef>
+            <a:fillRef idx="1">
+              <a:schemeClr val="accent1"/>
+            </a:fillRef>
+            <a:effectRef idx="0">
+              <a:schemeClr val="accent1"/>
+            </a:effectRef>
+            <a:fontRef idx="minor">
+              <a:schemeClr val="lt1"/>
+            </a:fontRef>
+          </p:style>
+          <p:txBody>
+            <a:bodyPr rtlCol="0" anchor="ctr"/>
+            <a:lstStyle/>
+            <a:p>
+              <a:pPr algn="ctr"/>
+              <a:r>
+                <a:rPr lang="en-US" dirty="0">
+                  <a:solidFill>
+                    <a:schemeClr val="accent4">
+                      <a:lumMod val="50000"/>
+                    </a:schemeClr>
+                  </a:solidFill>
+                </a:rPr>
+                <a:t>1</a:t>
+              </a:r>
+            </a:p>
+          </p:txBody>
+        </p:sp>
+        <p:sp>
+          <p:nvSpPr>
+            <p:cNvPr id="8" name="Oval 7">
+              <a:extLst>
+                <a:ext uri="{FF2B5EF4-FFF2-40B4-BE49-F238E27FC236}">
+                  <a16:creationId xmlns:a16="http://schemas.microsoft.com/office/drawing/2014/main" id="{A5926C6F-5BC4-49AB-90C0-BF086DF37BD3}"/>
+                </a:ext>
+              </a:extLst>
+            </p:cNvPr>
+            <p:cNvSpPr/>
+            <p:nvPr/>
+          </p:nvSpPr>
+          <p:spPr>
+            <a:xfrm>
+              <a:off x="6613186" y="3421888"/>
+              <a:ext cx="394447" cy="376517"/>
+            </a:xfrm>
+            <a:prstGeom prst="ellipse">
+              <a:avLst/>
+            </a:prstGeom>
+            <a:solidFill>
+              <a:schemeClr val="accent4">
+                <a:lumMod val="60000"/>
+                <a:lumOff val="40000"/>
+              </a:schemeClr>
+            </a:solidFill>
+          </p:spPr>
+          <p:style>
+            <a:lnRef idx="2">
+              <a:schemeClr val="accent1">
+                <a:shade val="50000"/>
+              </a:schemeClr>
+            </a:lnRef>
+            <a:fillRef idx="1">
+              <a:schemeClr val="accent1"/>
+            </a:fillRef>
+            <a:effectRef idx="0">
+              <a:schemeClr val="accent1"/>
+            </a:effectRef>
+            <a:fontRef idx="minor">
+              <a:schemeClr val="lt1"/>
+            </a:fontRef>
+          </p:style>
+          <p:txBody>
+            <a:bodyPr rtlCol="0" anchor="ctr"/>
+            <a:lstStyle/>
+            <a:p>
+              <a:pPr algn="ctr"/>
+              <a:r>
+                <a:rPr lang="en-US" dirty="0">
+                  <a:solidFill>
+                    <a:schemeClr val="accent4">
+                      <a:lumMod val="50000"/>
+                    </a:schemeClr>
+                  </a:solidFill>
+                </a:rPr>
+                <a:t>2</a:t>
+              </a:r>
+            </a:p>
+          </p:txBody>
+        </p:sp>
+        <p:sp>
+          <p:nvSpPr>
+            <p:cNvPr id="9" name="Oval 8">
+              <a:extLst>
+                <a:ext uri="{FF2B5EF4-FFF2-40B4-BE49-F238E27FC236}">
+                  <a16:creationId xmlns:a16="http://schemas.microsoft.com/office/drawing/2014/main" id="{2C0142C4-6548-4751-A216-D79C7FE96BDE}"/>
+                </a:ext>
+              </a:extLst>
+            </p:cNvPr>
+            <p:cNvSpPr/>
+            <p:nvPr/>
+          </p:nvSpPr>
+          <p:spPr>
+            <a:xfrm>
+              <a:off x="5794408" y="4022522"/>
+              <a:ext cx="394447" cy="376517"/>
+            </a:xfrm>
+            <a:prstGeom prst="ellipse">
+              <a:avLst/>
+            </a:prstGeom>
+            <a:solidFill>
+              <a:schemeClr val="accent4">
+                <a:lumMod val="60000"/>
+                <a:lumOff val="40000"/>
+              </a:schemeClr>
+            </a:solidFill>
+          </p:spPr>
+          <p:style>
+            <a:lnRef idx="2">
+              <a:schemeClr val="accent1">
+                <a:shade val="50000"/>
+              </a:schemeClr>
+            </a:lnRef>
+            <a:fillRef idx="1">
+              <a:schemeClr val="accent1"/>
+            </a:fillRef>
+            <a:effectRef idx="0">
+              <a:schemeClr val="accent1"/>
+            </a:effectRef>
+            <a:fontRef idx="minor">
+              <a:schemeClr val="lt1"/>
+            </a:fontRef>
+          </p:style>
+          <p:txBody>
+            <a:bodyPr rtlCol="0" anchor="ctr"/>
+            <a:lstStyle/>
+            <a:p>
+              <a:pPr algn="ctr"/>
+              <a:r>
+                <a:rPr lang="en-US" dirty="0">
+                  <a:solidFill>
+                    <a:schemeClr val="accent4">
+                      <a:lumMod val="50000"/>
+                    </a:schemeClr>
+                  </a:solidFill>
+                </a:rPr>
+                <a:t>3</a:t>
+              </a:r>
+            </a:p>
+          </p:txBody>
+        </p:sp>
+        <p:sp>
+          <p:nvSpPr>
+            <p:cNvPr id="10" name="Oval 9">
+              <a:extLst>
+                <a:ext uri="{FF2B5EF4-FFF2-40B4-BE49-F238E27FC236}">
+                  <a16:creationId xmlns:a16="http://schemas.microsoft.com/office/drawing/2014/main" id="{57028D69-760A-4400-9D4A-B9D5D4A475A9}"/>
+                </a:ext>
+              </a:extLst>
+            </p:cNvPr>
+            <p:cNvSpPr/>
+            <p:nvPr/>
+          </p:nvSpPr>
+          <p:spPr>
+            <a:xfrm>
+              <a:off x="6613185" y="4022522"/>
+              <a:ext cx="394447" cy="376517"/>
+            </a:xfrm>
+            <a:prstGeom prst="ellipse">
+              <a:avLst/>
+            </a:prstGeom>
+            <a:solidFill>
+              <a:schemeClr val="accent4">
+                <a:lumMod val="60000"/>
+                <a:lumOff val="40000"/>
+              </a:schemeClr>
+            </a:solidFill>
+          </p:spPr>
+          <p:style>
+            <a:lnRef idx="2">
+              <a:schemeClr val="accent1">
+                <a:shade val="50000"/>
+              </a:schemeClr>
+            </a:lnRef>
+            <a:fillRef idx="1">
+              <a:schemeClr val="accent1"/>
+            </a:fillRef>
+            <a:effectRef idx="0">
+              <a:schemeClr val="accent1"/>
+            </a:effectRef>
+            <a:fontRef idx="minor">
+              <a:schemeClr val="lt1"/>
+            </a:fontRef>
+          </p:style>
+          <p:txBody>
+            <a:bodyPr rtlCol="0" anchor="ctr"/>
+            <a:lstStyle/>
+            <a:p>
+              <a:pPr algn="ctr"/>
+              <a:r>
+                <a:rPr lang="en-US" dirty="0">
+                  <a:solidFill>
+                    <a:schemeClr val="accent4">
+                      <a:lumMod val="50000"/>
+                    </a:schemeClr>
+                  </a:solidFill>
+                </a:rPr>
+                <a:t>4</a:t>
+              </a:r>
+            </a:p>
+          </p:txBody>
+        </p:sp>
+        <p:sp>
+          <p:nvSpPr>
+            <p:cNvPr id="11" name="Oval 10">
+              <a:extLst>
+                <a:ext uri="{FF2B5EF4-FFF2-40B4-BE49-F238E27FC236}">
+                  <a16:creationId xmlns:a16="http://schemas.microsoft.com/office/drawing/2014/main" id="{88FE90D8-F017-41AD-917C-16F3E0CB31EA}"/>
+                </a:ext>
+              </a:extLst>
+            </p:cNvPr>
+            <p:cNvSpPr/>
+            <p:nvPr/>
+          </p:nvSpPr>
+          <p:spPr>
+            <a:xfrm>
+              <a:off x="5794408" y="4623158"/>
+              <a:ext cx="394447" cy="376517"/>
+            </a:xfrm>
+            <a:prstGeom prst="ellipse">
+              <a:avLst/>
+            </a:prstGeom>
+            <a:solidFill>
+              <a:schemeClr val="accent4">
+                <a:lumMod val="60000"/>
+                <a:lumOff val="40000"/>
+              </a:schemeClr>
+            </a:solidFill>
+          </p:spPr>
+          <p:style>
+            <a:lnRef idx="2">
+              <a:schemeClr val="accent1">
+                <a:shade val="50000"/>
+              </a:schemeClr>
+            </a:lnRef>
+            <a:fillRef idx="1">
+              <a:schemeClr val="accent1"/>
+            </a:fillRef>
+            <a:effectRef idx="0">
+              <a:schemeClr val="accent1"/>
+            </a:effectRef>
+            <a:fontRef idx="minor">
+              <a:schemeClr val="lt1"/>
+            </a:fontRef>
+          </p:style>
+          <p:txBody>
+            <a:bodyPr rtlCol="0" anchor="ctr"/>
+            <a:lstStyle/>
+            <a:p>
+              <a:pPr algn="ctr"/>
+              <a:r>
+                <a:rPr lang="en-US" dirty="0">
+                  <a:solidFill>
+                    <a:schemeClr val="accent4">
+                      <a:lumMod val="50000"/>
+                    </a:schemeClr>
+                  </a:solidFill>
+                </a:rPr>
+                <a:t>5</a:t>
+              </a:r>
+            </a:p>
+          </p:txBody>
+        </p:sp>
+        <p:sp>
+          <p:nvSpPr>
+            <p:cNvPr id="12" name="Oval 11">
+              <a:extLst>
+                <a:ext uri="{FF2B5EF4-FFF2-40B4-BE49-F238E27FC236}">
+                  <a16:creationId xmlns:a16="http://schemas.microsoft.com/office/drawing/2014/main" id="{08012994-CE5C-43CE-9E8A-1F9A35D08D3F}"/>
+                </a:ext>
+              </a:extLst>
+            </p:cNvPr>
+            <p:cNvSpPr/>
+            <p:nvPr/>
+          </p:nvSpPr>
+          <p:spPr>
+            <a:xfrm>
+              <a:off x="6613185" y="4623156"/>
+              <a:ext cx="394447" cy="376517"/>
+            </a:xfrm>
+            <a:prstGeom prst="ellipse">
+              <a:avLst/>
+            </a:prstGeom>
+            <a:solidFill>
+              <a:schemeClr val="accent4">
+                <a:lumMod val="60000"/>
+                <a:lumOff val="40000"/>
+              </a:schemeClr>
+            </a:solidFill>
+          </p:spPr>
+          <p:style>
+            <a:lnRef idx="2">
+              <a:schemeClr val="accent1">
+                <a:shade val="50000"/>
+              </a:schemeClr>
+            </a:lnRef>
+            <a:fillRef idx="1">
+              <a:schemeClr val="accent1"/>
+            </a:fillRef>
+            <a:effectRef idx="0">
+              <a:schemeClr val="accent1"/>
+            </a:effectRef>
+            <a:fontRef idx="minor">
+              <a:schemeClr val="lt1"/>
+            </a:fontRef>
+          </p:style>
+          <p:txBody>
+            <a:bodyPr rtlCol="0" anchor="ctr"/>
+            <a:lstStyle/>
+            <a:p>
+              <a:pPr algn="ctr"/>
+              <a:r>
+                <a:rPr lang="en-US" dirty="0">
+                  <a:solidFill>
+                    <a:schemeClr val="accent4">
+                      <a:lumMod val="50000"/>
+                    </a:schemeClr>
+                  </a:solidFill>
+                </a:rPr>
+                <a:t>6</a:t>
+              </a:r>
+            </a:p>
+          </p:txBody>
+        </p:sp>
+      </p:grpSp>
+      <p:cxnSp>
+        <p:nvCxnSpPr>
+          <p:cNvPr id="33" name="Connector: Curved 32">
+            <a:extLst>
+              <a:ext uri="{FF2B5EF4-FFF2-40B4-BE49-F238E27FC236}">
+                <a16:creationId xmlns:a16="http://schemas.microsoft.com/office/drawing/2014/main" id="{E168ACAA-8100-4AC0-8C37-F1258B82E844}"/>
+              </a:ext>
+            </a:extLst>
+          </p:cNvPr>
+          <p:cNvCxnSpPr>
+            <a:cxnSpLocks/>
+            <a:endCxn id="7" idx="0"/>
+          </p:cNvCxnSpPr>
+          <p:nvPr/>
+        </p:nvCxnSpPr>
+        <p:spPr>
+          <a:xfrm flipV="1">
+            <a:off x="4249939" y="2976631"/>
+            <a:ext cx="1279850" cy="592380"/>
+          </a:xfrm>
+          <a:prstGeom prst="curvedConnector4">
+            <a:avLst>
+              <a:gd name="adj1" fmla="val 39640"/>
+              <a:gd name="adj2" fmla="val 138590"/>
+            </a:avLst>
+          </a:prstGeom>
+          <a:ln w="28575">
+            <a:solidFill>
+              <a:schemeClr val="accent2">
+                <a:lumMod val="75000"/>
+              </a:schemeClr>
+            </a:solidFill>
+            <a:tailEnd type="triangle"/>
+          </a:ln>
+        </p:spPr>
+        <p:style>
+          <a:lnRef idx="1">
+            <a:schemeClr val="accent1"/>
+          </a:lnRef>
+          <a:fillRef idx="0">
+            <a:schemeClr val="accent1"/>
+          </a:fillRef>
+          <a:effectRef idx="0">
+            <a:schemeClr val="accent1"/>
+          </a:effectRef>
+          <a:fontRef idx="minor">
+            <a:schemeClr val="tx1"/>
+          </a:fontRef>
+        </p:style>
+      </p:cxnSp>
+      <p:graphicFrame>
+        <p:nvGraphicFramePr>
+          <p:cNvPr id="37" name="Table 36">
+            <a:extLst>
+              <a:ext uri="{FF2B5EF4-FFF2-40B4-BE49-F238E27FC236}">
+                <a16:creationId xmlns:a16="http://schemas.microsoft.com/office/drawing/2014/main" id="{37ED3728-C4CA-4D70-B979-8033964335D5}"/>
+              </a:ext>
+            </a:extLst>
+          </p:cNvPr>
+          <p:cNvGraphicFramePr>
+            <a:graphicFrameLocks noGrp="1"/>
+          </p:cNvGraphicFramePr>
+          <p:nvPr>
+            <p:extLst>
+              <p:ext uri="{D42A27DB-BD31-4B8C-83A1-F6EECF244321}">
+                <p14:modId xmlns:p14="http://schemas.microsoft.com/office/powerpoint/2010/main" val="4154122824"/>
+              </p:ext>
+            </p:extLst>
+          </p:nvPr>
+        </p:nvGraphicFramePr>
+        <p:xfrm>
+          <a:off x="1142113" y="3286951"/>
+          <a:ext cx="3086100" cy="1280160"/>
+        </p:xfrm>
+        <a:graphic>
+          <a:graphicData uri="http://schemas.openxmlformats.org/drawingml/2006/table">
+            <a:tbl>
+              <a:tblPr>
+                <a:tableStyleId>{5C22544A-7EE6-4342-B048-85BDC9FD1C3A}</a:tableStyleId>
+              </a:tblPr>
+              <a:tblGrid>
+                <a:gridCol w="1333500">
+                  <a:extLst>
+                    <a:ext uri="{9D8B030D-6E8A-4147-A177-3AD203B41FA5}">
+                      <a16:colId xmlns:a16="http://schemas.microsoft.com/office/drawing/2014/main" val="3277071328"/>
+                    </a:ext>
+                  </a:extLst>
+                </a:gridCol>
+                <a:gridCol w="1752600">
+                  <a:extLst>
+                    <a:ext uri="{9D8B030D-6E8A-4147-A177-3AD203B41FA5}">
+                      <a16:colId xmlns:a16="http://schemas.microsoft.com/office/drawing/2014/main" val="56461802"/>
+                    </a:ext>
+                  </a:extLst>
+                </a:gridCol>
+              </a:tblGrid>
+              <a:tr h="182880">
+                <a:tc>
+                  <a:txBody>
+                    <a:bodyPr/>
+                    <a:lstStyle/>
+                    <a:p>
+                      <a:pPr algn="l" fontAlgn="b"/>
+                      <a:r>
+                        <a:rPr lang="en-US" sz="1100" u="none" strike="noStrike">
+                          <a:effectLst/>
+                        </a:rPr>
+                        <a:t>6 Cores</a:t>
+                      </a:r>
+                      <a:endParaRPr lang="en-US" sz="1100" b="0" i="0" u="none" strike="noStrike">
+                        <a:solidFill>
+                          <a:srgbClr val="FFFFFF"/>
+                        </a:solidFill>
+                        <a:effectLst/>
+                        <a:latin typeface="Calibri" panose="020F0502020204030204" pitchFamily="34" charset="0"/>
+                      </a:endParaRPr>
+                    </a:p>
+                  </a:txBody>
+                  <a:tcPr marL="3810" marR="3810" marT="3810" marB="0" anchor="b"/>
+                </a:tc>
+                <a:tc>
+                  <a:txBody>
+                    <a:bodyPr/>
+                    <a:lstStyle/>
+                    <a:p>
+                      <a:pPr algn="l" fontAlgn="b"/>
+                      <a:r>
+                        <a:rPr lang="en-US" sz="1100" u="none" strike="noStrike" dirty="0">
+                          <a:effectLst/>
+                        </a:rPr>
+                        <a:t>Parallel Instructions</a:t>
+                      </a:r>
+                      <a:endParaRPr lang="en-US" sz="1100" b="0" i="0" u="none" strike="noStrike" dirty="0">
+                        <a:solidFill>
+                          <a:srgbClr val="FFFFFF"/>
+                        </a:solidFill>
+                        <a:effectLst/>
+                        <a:latin typeface="Calibri" panose="020F0502020204030204" pitchFamily="34" charset="0"/>
+                      </a:endParaRPr>
+                    </a:p>
+                  </a:txBody>
+                  <a:tcPr marL="3810" marR="3810" marT="3810" marB="0" anchor="b"/>
+                </a:tc>
+                <a:extLst>
+                  <a:ext uri="{0D108BD9-81ED-4DB2-BD59-A6C34878D82A}">
+                    <a16:rowId xmlns:a16="http://schemas.microsoft.com/office/drawing/2014/main" val="464190089"/>
+                  </a:ext>
+                </a:extLst>
+              </a:tr>
+              <a:tr h="182880">
+                <a:tc>
+                  <a:txBody>
+                    <a:bodyPr/>
+                    <a:lstStyle/>
+                    <a:p>
+                      <a:pPr algn="r" fontAlgn="b"/>
+                      <a:r>
+                        <a:rPr lang="en-US" sz="1100" u="none" strike="noStrike">
+                          <a:effectLst/>
+                        </a:rPr>
+                        <a:t>Multiples of Bunnies =</a:t>
+                      </a:r>
+                      <a:endParaRPr lang="en-US" sz="1100" b="0" i="0" u="none" strike="noStrike">
+                        <a:solidFill>
+                          <a:srgbClr val="FFFFFF"/>
+                        </a:solidFill>
+                        <a:effectLst/>
+                        <a:latin typeface="Calibri" panose="020F0502020204030204" pitchFamily="34" charset="0"/>
+                      </a:endParaRPr>
+                    </a:p>
+                  </a:txBody>
+                  <a:tcPr marL="3810" marR="3810" marT="3810" marB="0" anchor="b"/>
+                </a:tc>
+                <a:tc>
+                  <a:txBody>
+                    <a:bodyPr/>
+                    <a:lstStyle/>
+                    <a:p>
+                      <a:pPr algn="r" fontAlgn="b"/>
+                      <a:r>
+                        <a:rPr lang="en-US" sz="1100" u="none" strike="noStrike">
+                          <a:effectLst/>
+                        </a:rPr>
+                        <a:t>5*6=</a:t>
+                      </a:r>
+                      <a:endParaRPr lang="en-US" sz="1100" b="0" i="0" u="none" strike="noStrike">
+                        <a:solidFill>
+                          <a:srgbClr val="FFFFFF"/>
+                        </a:solidFill>
+                        <a:effectLst/>
+                        <a:latin typeface="Calibri" panose="020F0502020204030204" pitchFamily="34" charset="0"/>
+                      </a:endParaRPr>
+                    </a:p>
+                  </a:txBody>
+                  <a:tcPr marL="3810" marR="3810" marT="3810" marB="0" anchor="b"/>
+                </a:tc>
+                <a:extLst>
+                  <a:ext uri="{0D108BD9-81ED-4DB2-BD59-A6C34878D82A}">
+                    <a16:rowId xmlns:a16="http://schemas.microsoft.com/office/drawing/2014/main" val="2557816670"/>
+                  </a:ext>
+                </a:extLst>
+              </a:tr>
+              <a:tr h="182880">
+                <a:tc>
+                  <a:txBody>
+                    <a:bodyPr/>
+                    <a:lstStyle/>
+                    <a:p>
+                      <a:pPr algn="r" fontAlgn="b"/>
+                      <a:r>
+                        <a:rPr lang="en-US" sz="1100" u="none" strike="noStrike">
+                          <a:effectLst/>
+                        </a:rPr>
+                        <a:t>Multiples of Bunnies =</a:t>
+                      </a:r>
+                      <a:endParaRPr lang="en-US" sz="1100" b="0" i="0" u="none" strike="noStrike">
+                        <a:solidFill>
+                          <a:srgbClr val="FFFFFF"/>
+                        </a:solidFill>
+                        <a:effectLst/>
+                        <a:latin typeface="Calibri" panose="020F0502020204030204" pitchFamily="34" charset="0"/>
+                      </a:endParaRPr>
+                    </a:p>
+                  </a:txBody>
+                  <a:tcPr marL="3810" marR="3810" marT="3810" marB="0" anchor="b"/>
+                </a:tc>
+                <a:tc>
+                  <a:txBody>
+                    <a:bodyPr/>
+                    <a:lstStyle/>
+                    <a:p>
+                      <a:pPr algn="r" fontAlgn="b"/>
+                      <a:r>
+                        <a:rPr lang="en-US" sz="1100" u="none" strike="noStrike">
+                          <a:effectLst/>
+                        </a:rPr>
+                        <a:t>8*5=</a:t>
+                      </a:r>
+                      <a:endParaRPr lang="en-US" sz="1100" b="0" i="0" u="none" strike="noStrike">
+                        <a:solidFill>
+                          <a:srgbClr val="FFFFFF"/>
+                        </a:solidFill>
+                        <a:effectLst/>
+                        <a:latin typeface="Calibri" panose="020F0502020204030204" pitchFamily="34" charset="0"/>
+                      </a:endParaRPr>
+                    </a:p>
+                  </a:txBody>
+                  <a:tcPr marL="3810" marR="3810" marT="3810" marB="0" anchor="b"/>
+                </a:tc>
+                <a:extLst>
+                  <a:ext uri="{0D108BD9-81ED-4DB2-BD59-A6C34878D82A}">
+                    <a16:rowId xmlns:a16="http://schemas.microsoft.com/office/drawing/2014/main" val="651029821"/>
+                  </a:ext>
+                </a:extLst>
+              </a:tr>
+              <a:tr h="182880">
+                <a:tc>
+                  <a:txBody>
+                    <a:bodyPr/>
+                    <a:lstStyle/>
+                    <a:p>
+                      <a:pPr algn="r" fontAlgn="b"/>
+                      <a:r>
+                        <a:rPr lang="en-US" sz="1100" u="none" strike="noStrike">
+                          <a:effectLst/>
+                        </a:rPr>
+                        <a:t>Multiples of Bunnies =</a:t>
+                      </a:r>
+                      <a:endParaRPr lang="en-US" sz="1100" b="0" i="0" u="none" strike="noStrike">
+                        <a:solidFill>
+                          <a:srgbClr val="FFFFFF"/>
+                        </a:solidFill>
+                        <a:effectLst/>
+                        <a:latin typeface="Calibri" panose="020F0502020204030204" pitchFamily="34" charset="0"/>
+                      </a:endParaRPr>
+                    </a:p>
+                  </a:txBody>
+                  <a:tcPr marL="3810" marR="3810" marT="3810" marB="0" anchor="b"/>
+                </a:tc>
+                <a:tc>
+                  <a:txBody>
+                    <a:bodyPr/>
+                    <a:lstStyle/>
+                    <a:p>
+                      <a:pPr algn="r" fontAlgn="b"/>
+                      <a:r>
+                        <a:rPr lang="en-US" sz="1100" u="none" strike="noStrike">
+                          <a:effectLst/>
+                        </a:rPr>
+                        <a:t>6*7=</a:t>
+                      </a:r>
+                      <a:endParaRPr lang="en-US" sz="1100" b="0" i="0" u="none" strike="noStrike">
+                        <a:solidFill>
+                          <a:srgbClr val="FFFFFF"/>
+                        </a:solidFill>
+                        <a:effectLst/>
+                        <a:latin typeface="Calibri" panose="020F0502020204030204" pitchFamily="34" charset="0"/>
+                      </a:endParaRPr>
+                    </a:p>
+                  </a:txBody>
+                  <a:tcPr marL="3810" marR="3810" marT="3810" marB="0" anchor="b"/>
+                </a:tc>
+                <a:extLst>
+                  <a:ext uri="{0D108BD9-81ED-4DB2-BD59-A6C34878D82A}">
+                    <a16:rowId xmlns:a16="http://schemas.microsoft.com/office/drawing/2014/main" val="2740896361"/>
+                  </a:ext>
+                </a:extLst>
+              </a:tr>
+              <a:tr h="182880">
+                <a:tc>
+                  <a:txBody>
+                    <a:bodyPr/>
+                    <a:lstStyle/>
+                    <a:p>
+                      <a:pPr algn="r" fontAlgn="b"/>
+                      <a:r>
+                        <a:rPr lang="en-US" sz="1100" u="none" strike="noStrike">
+                          <a:effectLst/>
+                        </a:rPr>
+                        <a:t>Multiples of Bunnies =</a:t>
+                      </a:r>
+                      <a:endParaRPr lang="en-US" sz="1100" b="0" i="0" u="none" strike="noStrike">
+                        <a:solidFill>
+                          <a:srgbClr val="FFFFFF"/>
+                        </a:solidFill>
+                        <a:effectLst/>
+                        <a:latin typeface="Calibri" panose="020F0502020204030204" pitchFamily="34" charset="0"/>
+                      </a:endParaRPr>
+                    </a:p>
+                  </a:txBody>
+                  <a:tcPr marL="3810" marR="3810" marT="3810" marB="0" anchor="b"/>
+                </a:tc>
+                <a:tc>
+                  <a:txBody>
+                    <a:bodyPr/>
+                    <a:lstStyle/>
+                    <a:p>
+                      <a:pPr algn="r" fontAlgn="b"/>
+                      <a:r>
+                        <a:rPr lang="en-US" sz="1100" u="none" strike="noStrike">
+                          <a:effectLst/>
+                        </a:rPr>
+                        <a:t>7*7=</a:t>
+                      </a:r>
+                      <a:endParaRPr lang="en-US" sz="1100" b="0" i="0" u="none" strike="noStrike">
+                        <a:solidFill>
+                          <a:srgbClr val="FFFFFF"/>
+                        </a:solidFill>
+                        <a:effectLst/>
+                        <a:latin typeface="Calibri" panose="020F0502020204030204" pitchFamily="34" charset="0"/>
+                      </a:endParaRPr>
+                    </a:p>
+                  </a:txBody>
+                  <a:tcPr marL="3810" marR="3810" marT="3810" marB="0" anchor="b"/>
+                </a:tc>
+                <a:extLst>
+                  <a:ext uri="{0D108BD9-81ED-4DB2-BD59-A6C34878D82A}">
+                    <a16:rowId xmlns:a16="http://schemas.microsoft.com/office/drawing/2014/main" val="3871528681"/>
+                  </a:ext>
+                </a:extLst>
+              </a:tr>
+              <a:tr h="182880">
+                <a:tc>
+                  <a:txBody>
+                    <a:bodyPr/>
+                    <a:lstStyle/>
+                    <a:p>
+                      <a:pPr algn="r" fontAlgn="b"/>
+                      <a:r>
+                        <a:rPr lang="en-US" sz="1100" u="none" strike="noStrike">
+                          <a:effectLst/>
+                        </a:rPr>
+                        <a:t>Multiples of Bunnies =</a:t>
+                      </a:r>
+                      <a:endParaRPr lang="en-US" sz="1100" b="0" i="0" u="none" strike="noStrike">
+                        <a:solidFill>
+                          <a:srgbClr val="FFFFFF"/>
+                        </a:solidFill>
+                        <a:effectLst/>
+                        <a:latin typeface="Calibri" panose="020F0502020204030204" pitchFamily="34" charset="0"/>
+                      </a:endParaRPr>
+                    </a:p>
+                  </a:txBody>
+                  <a:tcPr marL="3810" marR="3810" marT="3810" marB="0" anchor="b"/>
+                </a:tc>
+                <a:tc>
+                  <a:txBody>
+                    <a:bodyPr/>
+                    <a:lstStyle/>
+                    <a:p>
+                      <a:pPr algn="r" fontAlgn="b"/>
+                      <a:r>
+                        <a:rPr lang="en-US" sz="1100" u="none" strike="noStrike">
+                          <a:effectLst/>
+                        </a:rPr>
+                        <a:t>2*7=</a:t>
+                      </a:r>
+                      <a:endParaRPr lang="en-US" sz="1100" b="0" i="0" u="none" strike="noStrike">
+                        <a:solidFill>
+                          <a:srgbClr val="FFFFFF"/>
+                        </a:solidFill>
+                        <a:effectLst/>
+                        <a:latin typeface="Calibri" panose="020F0502020204030204" pitchFamily="34" charset="0"/>
+                      </a:endParaRPr>
+                    </a:p>
+                  </a:txBody>
+                  <a:tcPr marL="3810" marR="3810" marT="3810" marB="0" anchor="b"/>
+                </a:tc>
+                <a:extLst>
+                  <a:ext uri="{0D108BD9-81ED-4DB2-BD59-A6C34878D82A}">
+                    <a16:rowId xmlns:a16="http://schemas.microsoft.com/office/drawing/2014/main" val="4184849790"/>
+                  </a:ext>
+                </a:extLst>
+              </a:tr>
+              <a:tr h="182880">
+                <a:tc>
+                  <a:txBody>
+                    <a:bodyPr/>
+                    <a:lstStyle/>
+                    <a:p>
+                      <a:pPr algn="r" fontAlgn="b"/>
+                      <a:r>
+                        <a:rPr lang="en-US" sz="1100" u="none" strike="noStrike">
+                          <a:effectLst/>
+                        </a:rPr>
+                        <a:t>Multiples of Bunnies =</a:t>
+                      </a:r>
+                      <a:endParaRPr lang="en-US" sz="1100" b="0" i="0" u="none" strike="noStrike">
+                        <a:solidFill>
+                          <a:srgbClr val="FFFFFF"/>
+                        </a:solidFill>
+                        <a:effectLst/>
+                        <a:latin typeface="Calibri" panose="020F0502020204030204" pitchFamily="34" charset="0"/>
+                      </a:endParaRPr>
+                    </a:p>
+                  </a:txBody>
+                  <a:tcPr marL="3810" marR="3810" marT="3810" marB="0" anchor="b"/>
+                </a:tc>
+                <a:tc>
+                  <a:txBody>
+                    <a:bodyPr/>
+                    <a:lstStyle/>
+                    <a:p>
+                      <a:pPr algn="r" fontAlgn="b"/>
+                      <a:r>
+                        <a:rPr lang="en-US" sz="1100" u="none" strike="noStrike" dirty="0">
+                          <a:effectLst/>
+                        </a:rPr>
+                        <a:t>2*8=</a:t>
+                      </a:r>
+                      <a:endParaRPr lang="en-US" sz="1100" b="0" i="0" u="none" strike="noStrike" dirty="0">
+                        <a:solidFill>
+                          <a:srgbClr val="FFFFFF"/>
+                        </a:solidFill>
+                        <a:effectLst/>
+                        <a:latin typeface="Calibri" panose="020F0502020204030204" pitchFamily="34" charset="0"/>
+                      </a:endParaRPr>
+                    </a:p>
+                  </a:txBody>
+                  <a:tcPr marL="3810" marR="3810" marT="3810" marB="0" anchor="b"/>
+                </a:tc>
+                <a:extLst>
+                  <a:ext uri="{0D108BD9-81ED-4DB2-BD59-A6C34878D82A}">
+                    <a16:rowId xmlns:a16="http://schemas.microsoft.com/office/drawing/2014/main" val="4241232455"/>
+                  </a:ext>
+                </a:extLst>
+              </a:tr>
+            </a:tbl>
+          </a:graphicData>
+        </a:graphic>
+      </p:graphicFrame>
+      <p:cxnSp>
+        <p:nvCxnSpPr>
+          <p:cNvPr id="39" name="Connector: Curved 38">
+            <a:extLst>
+              <a:ext uri="{FF2B5EF4-FFF2-40B4-BE49-F238E27FC236}">
+                <a16:creationId xmlns:a16="http://schemas.microsoft.com/office/drawing/2014/main" id="{E6DFF50B-6778-4669-A029-DCA5D0B41BCE}"/>
+              </a:ext>
+            </a:extLst>
+          </p:cNvPr>
+          <p:cNvCxnSpPr>
+            <a:cxnSpLocks/>
+            <a:endCxn id="8" idx="2"/>
+          </p:cNvCxnSpPr>
+          <p:nvPr/>
+        </p:nvCxnSpPr>
+        <p:spPr>
+          <a:xfrm flipV="1">
+            <a:off x="4228213" y="3219879"/>
+            <a:ext cx="2137282" cy="548570"/>
+          </a:xfrm>
+          <a:prstGeom prst="curvedConnector3">
+            <a:avLst>
+              <a:gd name="adj1" fmla="val 75154"/>
+            </a:avLst>
+          </a:prstGeom>
+          <a:ln w="28575">
+            <a:solidFill>
+              <a:schemeClr val="accent2">
+                <a:lumMod val="75000"/>
+              </a:schemeClr>
+            </a:solidFill>
+            <a:tailEnd type="triangle"/>
+          </a:ln>
+        </p:spPr>
+        <p:style>
+          <a:lnRef idx="1">
+            <a:schemeClr val="accent1"/>
+          </a:lnRef>
+          <a:fillRef idx="0">
+            <a:schemeClr val="accent1"/>
+          </a:fillRef>
+          <a:effectRef idx="0">
+            <a:schemeClr val="accent1"/>
+          </a:effectRef>
+          <a:fontRef idx="minor">
+            <a:schemeClr val="tx1"/>
+          </a:fontRef>
+        </p:style>
+      </p:cxnSp>
+      <p:cxnSp>
+        <p:nvCxnSpPr>
+          <p:cNvPr id="46" name="Connector: Curved 45">
+            <a:extLst>
+              <a:ext uri="{FF2B5EF4-FFF2-40B4-BE49-F238E27FC236}">
+                <a16:creationId xmlns:a16="http://schemas.microsoft.com/office/drawing/2014/main" id="{9DFDC639-68CB-4E2A-91FB-1B6A39FC1775}"/>
+              </a:ext>
+            </a:extLst>
+          </p:cNvPr>
+          <p:cNvCxnSpPr>
+            <a:cxnSpLocks/>
+            <a:endCxn id="9" idx="2"/>
+          </p:cNvCxnSpPr>
+          <p:nvPr/>
+        </p:nvCxnSpPr>
+        <p:spPr>
+          <a:xfrm>
+            <a:off x="4249939" y="3929495"/>
+            <a:ext cx="1014670" cy="66461"/>
+          </a:xfrm>
+          <a:prstGeom prst="curvedConnector3">
+            <a:avLst>
+              <a:gd name="adj1" fmla="val 50000"/>
+            </a:avLst>
+          </a:prstGeom>
+          <a:ln w="28575">
+            <a:solidFill>
+              <a:schemeClr val="accent2">
+                <a:lumMod val="75000"/>
+              </a:schemeClr>
+            </a:solidFill>
+            <a:tailEnd type="triangle"/>
+          </a:ln>
+        </p:spPr>
+        <p:style>
+          <a:lnRef idx="1">
+            <a:schemeClr val="accent1"/>
+          </a:lnRef>
+          <a:fillRef idx="0">
+            <a:schemeClr val="accent1"/>
+          </a:fillRef>
+          <a:effectRef idx="0">
+            <a:schemeClr val="accent1"/>
+          </a:effectRef>
+          <a:fontRef idx="minor">
+            <a:schemeClr val="tx1"/>
+          </a:fontRef>
+        </p:style>
+      </p:cxnSp>
+      <p:cxnSp>
+        <p:nvCxnSpPr>
+          <p:cNvPr id="48" name="Connector: Curved 47">
+            <a:extLst>
+              <a:ext uri="{FF2B5EF4-FFF2-40B4-BE49-F238E27FC236}">
+                <a16:creationId xmlns:a16="http://schemas.microsoft.com/office/drawing/2014/main" id="{6CBEC054-9F8E-4C7C-ACB6-A8B16A7401DA}"/>
+              </a:ext>
+            </a:extLst>
+          </p:cNvPr>
+          <p:cNvCxnSpPr>
+            <a:cxnSpLocks/>
+            <a:endCxn id="10" idx="3"/>
+          </p:cNvCxnSpPr>
+          <p:nvPr/>
+        </p:nvCxnSpPr>
+        <p:spPr>
+          <a:xfrm>
+            <a:off x="4228212" y="4139484"/>
+            <a:ext cx="2214950" cy="28474"/>
+          </a:xfrm>
+          <a:prstGeom prst="curvedConnector4">
+            <a:avLst>
+              <a:gd name="adj1" fmla="val 48869"/>
+              <a:gd name="adj2" fmla="val 693050"/>
+            </a:avLst>
+          </a:prstGeom>
+          <a:ln w="28575">
+            <a:solidFill>
+              <a:schemeClr val="accent2">
+                <a:lumMod val="75000"/>
+              </a:schemeClr>
+            </a:solidFill>
+            <a:tailEnd type="triangle"/>
+          </a:ln>
+        </p:spPr>
+        <p:style>
+          <a:lnRef idx="1">
+            <a:schemeClr val="accent1"/>
+          </a:lnRef>
+          <a:fillRef idx="0">
+            <a:schemeClr val="accent1"/>
+          </a:fillRef>
+          <a:effectRef idx="0">
+            <a:schemeClr val="accent1"/>
+          </a:effectRef>
+          <a:fontRef idx="minor">
+            <a:schemeClr val="tx1"/>
+          </a:fontRef>
+        </p:style>
+      </p:cxnSp>
+      <p:cxnSp>
+        <p:nvCxnSpPr>
+          <p:cNvPr id="59" name="Connector: Curved 58">
+            <a:extLst>
+              <a:ext uri="{FF2B5EF4-FFF2-40B4-BE49-F238E27FC236}">
+                <a16:creationId xmlns:a16="http://schemas.microsoft.com/office/drawing/2014/main" id="{0DBBD852-0D34-407E-B2CF-F31A76C57ECF}"/>
+              </a:ext>
+            </a:extLst>
+          </p:cNvPr>
+          <p:cNvCxnSpPr>
+            <a:cxnSpLocks/>
+            <a:endCxn id="11" idx="0"/>
+          </p:cNvCxnSpPr>
+          <p:nvPr/>
+        </p:nvCxnSpPr>
+        <p:spPr>
+          <a:xfrm>
+            <a:off x="4249939" y="4311486"/>
+            <a:ext cx="1279847" cy="217301"/>
+          </a:xfrm>
+          <a:prstGeom prst="curvedConnector2">
+            <a:avLst/>
+          </a:prstGeom>
+          <a:ln w="28575">
+            <a:solidFill>
+              <a:schemeClr val="accent2">
+                <a:lumMod val="75000"/>
+              </a:schemeClr>
+            </a:solidFill>
+            <a:tailEnd type="triangle"/>
+          </a:ln>
+        </p:spPr>
+        <p:style>
+          <a:lnRef idx="1">
+            <a:schemeClr val="accent1"/>
+          </a:lnRef>
+          <a:fillRef idx="0">
+            <a:schemeClr val="accent1"/>
+          </a:fillRef>
+          <a:effectRef idx="0">
+            <a:schemeClr val="accent1"/>
+          </a:effectRef>
+          <a:fontRef idx="minor">
+            <a:schemeClr val="tx1"/>
+          </a:fontRef>
+        </p:style>
+      </p:cxnSp>
+      <p:cxnSp>
+        <p:nvCxnSpPr>
+          <p:cNvPr id="62" name="Connector: Curved 61">
+            <a:extLst>
+              <a:ext uri="{FF2B5EF4-FFF2-40B4-BE49-F238E27FC236}">
+                <a16:creationId xmlns:a16="http://schemas.microsoft.com/office/drawing/2014/main" id="{986862A4-82D2-41FC-99CD-A01AE6671057}"/>
+              </a:ext>
+            </a:extLst>
+          </p:cNvPr>
+          <p:cNvCxnSpPr>
+            <a:cxnSpLocks/>
+            <a:endCxn id="12" idx="4"/>
+          </p:cNvCxnSpPr>
+          <p:nvPr/>
+        </p:nvCxnSpPr>
+        <p:spPr>
+          <a:xfrm>
+            <a:off x="4228211" y="4492099"/>
+            <a:ext cx="2402460" cy="523181"/>
+          </a:xfrm>
+          <a:prstGeom prst="curvedConnector4">
+            <a:avLst>
+              <a:gd name="adj1" fmla="val 30901"/>
+              <a:gd name="adj2" fmla="val 144572"/>
+            </a:avLst>
+          </a:prstGeom>
+          <a:ln w="28575">
+            <a:solidFill>
+              <a:schemeClr val="accent2">
+                <a:lumMod val="75000"/>
+              </a:schemeClr>
+            </a:solidFill>
+            <a:tailEnd type="triangle"/>
+          </a:ln>
+        </p:spPr>
+        <p:style>
+          <a:lnRef idx="1">
+            <a:schemeClr val="accent1"/>
+          </a:lnRef>
+          <a:fillRef idx="0">
+            <a:schemeClr val="accent1"/>
+          </a:fillRef>
+          <a:effectRef idx="0">
+            <a:schemeClr val="accent1"/>
+          </a:effectRef>
+          <a:fontRef idx="minor">
+            <a:schemeClr val="tx1"/>
+          </a:fontRef>
+        </p:style>
+      </p:cxnSp>
+      <p:graphicFrame>
+        <p:nvGraphicFramePr>
+          <p:cNvPr id="67" name="Table 66">
+            <a:extLst>
+              <a:ext uri="{FF2B5EF4-FFF2-40B4-BE49-F238E27FC236}">
+                <a16:creationId xmlns:a16="http://schemas.microsoft.com/office/drawing/2014/main" id="{3304AE13-E693-4651-B7A2-135EB35565CD}"/>
+              </a:ext>
+            </a:extLst>
+          </p:cNvPr>
+          <p:cNvGraphicFramePr>
+            <a:graphicFrameLocks noGrp="1"/>
+          </p:cNvGraphicFramePr>
+          <p:nvPr>
+            <p:extLst>
+              <p:ext uri="{D42A27DB-BD31-4B8C-83A1-F6EECF244321}">
+                <p14:modId xmlns:p14="http://schemas.microsoft.com/office/powerpoint/2010/main" val="1691199244"/>
+              </p:ext>
+            </p:extLst>
+          </p:nvPr>
+        </p:nvGraphicFramePr>
+        <p:xfrm>
+          <a:off x="8844212" y="3378391"/>
+          <a:ext cx="876300" cy="1097280"/>
+        </p:xfrm>
+        <a:graphic>
+          <a:graphicData uri="http://schemas.openxmlformats.org/drawingml/2006/table">
+            <a:tbl>
+              <a:tblPr>
+                <a:tableStyleId>{5C22544A-7EE6-4342-B048-85BDC9FD1C3A}</a:tableStyleId>
+              </a:tblPr>
+              <a:tblGrid>
+                <a:gridCol w="876300">
+                  <a:extLst>
+                    <a:ext uri="{9D8B030D-6E8A-4147-A177-3AD203B41FA5}">
+                      <a16:colId xmlns:a16="http://schemas.microsoft.com/office/drawing/2014/main" val="3822761311"/>
+                    </a:ext>
+                  </a:extLst>
+                </a:gridCol>
+              </a:tblGrid>
+              <a:tr h="182880">
+                <a:tc>
+                  <a:txBody>
+                    <a:bodyPr/>
+                    <a:lstStyle/>
+                    <a:p>
+                      <a:pPr algn="ctr" fontAlgn="b"/>
+                      <a:r>
+                        <a:rPr lang="en-US" sz="1100" u="none" strike="noStrike">
+                          <a:effectLst/>
+                        </a:rPr>
+                        <a:t>30</a:t>
+                      </a:r>
+                      <a:endParaRPr lang="en-US" sz="1100" b="0" i="0" u="none" strike="noStrike">
+                        <a:solidFill>
+                          <a:srgbClr val="FFFFFF"/>
+                        </a:solidFill>
+                        <a:effectLst/>
+                        <a:latin typeface="Calibri" panose="020F0502020204030204" pitchFamily="34" charset="0"/>
+                      </a:endParaRPr>
+                    </a:p>
+                  </a:txBody>
+                  <a:tcPr marL="3810" marR="3810" marT="3810" marB="0" anchor="b"/>
+                </a:tc>
+                <a:extLst>
+                  <a:ext uri="{0D108BD9-81ED-4DB2-BD59-A6C34878D82A}">
+                    <a16:rowId xmlns:a16="http://schemas.microsoft.com/office/drawing/2014/main" val="1878350491"/>
+                  </a:ext>
+                </a:extLst>
+              </a:tr>
+              <a:tr h="182880">
+                <a:tc>
+                  <a:txBody>
+                    <a:bodyPr/>
+                    <a:lstStyle/>
+                    <a:p>
+                      <a:pPr algn="ctr" fontAlgn="b"/>
+                      <a:r>
+                        <a:rPr lang="en-US" sz="1100" u="none" strike="noStrike">
+                          <a:effectLst/>
+                        </a:rPr>
+                        <a:t>40</a:t>
+                      </a:r>
+                      <a:endParaRPr lang="en-US" sz="1100" b="0" i="0" u="none" strike="noStrike">
+                        <a:solidFill>
+                          <a:srgbClr val="FFFFFF"/>
+                        </a:solidFill>
+                        <a:effectLst/>
+                        <a:latin typeface="Calibri" panose="020F0502020204030204" pitchFamily="34" charset="0"/>
+                      </a:endParaRPr>
+                    </a:p>
+                  </a:txBody>
+                  <a:tcPr marL="3810" marR="3810" marT="3810" marB="0" anchor="b"/>
+                </a:tc>
+                <a:extLst>
+                  <a:ext uri="{0D108BD9-81ED-4DB2-BD59-A6C34878D82A}">
+                    <a16:rowId xmlns:a16="http://schemas.microsoft.com/office/drawing/2014/main" val="146893355"/>
+                  </a:ext>
+                </a:extLst>
+              </a:tr>
+              <a:tr h="182880">
+                <a:tc>
+                  <a:txBody>
+                    <a:bodyPr/>
+                    <a:lstStyle/>
+                    <a:p>
+                      <a:pPr algn="ctr" fontAlgn="b"/>
+                      <a:r>
+                        <a:rPr lang="en-US" sz="1100" u="none" strike="noStrike">
+                          <a:effectLst/>
+                        </a:rPr>
+                        <a:t>42</a:t>
+                      </a:r>
+                      <a:endParaRPr lang="en-US" sz="1100" b="0" i="0" u="none" strike="noStrike">
+                        <a:solidFill>
+                          <a:srgbClr val="FFFFFF"/>
+                        </a:solidFill>
+                        <a:effectLst/>
+                        <a:latin typeface="Calibri" panose="020F0502020204030204" pitchFamily="34" charset="0"/>
+                      </a:endParaRPr>
+                    </a:p>
+                  </a:txBody>
+                  <a:tcPr marL="3810" marR="3810" marT="3810" marB="0" anchor="b"/>
+                </a:tc>
+                <a:extLst>
+                  <a:ext uri="{0D108BD9-81ED-4DB2-BD59-A6C34878D82A}">
+                    <a16:rowId xmlns:a16="http://schemas.microsoft.com/office/drawing/2014/main" val="186110855"/>
+                  </a:ext>
+                </a:extLst>
+              </a:tr>
+              <a:tr h="182880">
+                <a:tc>
+                  <a:txBody>
+                    <a:bodyPr/>
+                    <a:lstStyle/>
+                    <a:p>
+                      <a:pPr algn="ctr" fontAlgn="b"/>
+                      <a:r>
+                        <a:rPr lang="en-US" sz="1100" u="none" strike="noStrike">
+                          <a:effectLst/>
+                        </a:rPr>
+                        <a:t>49</a:t>
+                      </a:r>
+                      <a:endParaRPr lang="en-US" sz="1100" b="0" i="0" u="none" strike="noStrike">
+                        <a:solidFill>
+                          <a:srgbClr val="FFFFFF"/>
+                        </a:solidFill>
+                        <a:effectLst/>
+                        <a:latin typeface="Calibri" panose="020F0502020204030204" pitchFamily="34" charset="0"/>
+                      </a:endParaRPr>
+                    </a:p>
+                  </a:txBody>
+                  <a:tcPr marL="3810" marR="3810" marT="3810" marB="0" anchor="b"/>
+                </a:tc>
+                <a:extLst>
+                  <a:ext uri="{0D108BD9-81ED-4DB2-BD59-A6C34878D82A}">
+                    <a16:rowId xmlns:a16="http://schemas.microsoft.com/office/drawing/2014/main" val="812763657"/>
+                  </a:ext>
+                </a:extLst>
+              </a:tr>
+              <a:tr h="182880">
+                <a:tc>
+                  <a:txBody>
+                    <a:bodyPr/>
+                    <a:lstStyle/>
+                    <a:p>
+                      <a:pPr algn="ctr" fontAlgn="b"/>
+                      <a:r>
+                        <a:rPr lang="en-US" sz="1100" u="none" strike="noStrike">
+                          <a:effectLst/>
+                        </a:rPr>
+                        <a:t>14</a:t>
+                      </a:r>
+                      <a:endParaRPr lang="en-US" sz="1100" b="0" i="0" u="none" strike="noStrike">
+                        <a:solidFill>
+                          <a:srgbClr val="FFFFFF"/>
+                        </a:solidFill>
+                        <a:effectLst/>
+                        <a:latin typeface="Calibri" panose="020F0502020204030204" pitchFamily="34" charset="0"/>
+                      </a:endParaRPr>
+                    </a:p>
+                  </a:txBody>
+                  <a:tcPr marL="3810" marR="3810" marT="3810" marB="0" anchor="b"/>
+                </a:tc>
+                <a:extLst>
+                  <a:ext uri="{0D108BD9-81ED-4DB2-BD59-A6C34878D82A}">
+                    <a16:rowId xmlns:a16="http://schemas.microsoft.com/office/drawing/2014/main" val="1283339956"/>
+                  </a:ext>
+                </a:extLst>
+              </a:tr>
+              <a:tr h="182880">
+                <a:tc>
+                  <a:txBody>
+                    <a:bodyPr/>
+                    <a:lstStyle/>
+                    <a:p>
+                      <a:pPr algn="ctr" fontAlgn="b"/>
+                      <a:r>
+                        <a:rPr lang="en-US" sz="1100" u="none" strike="noStrike" dirty="0">
+                          <a:effectLst/>
+                        </a:rPr>
+                        <a:t>16</a:t>
+                      </a:r>
+                      <a:endParaRPr lang="en-US" sz="1100" b="0" i="0" u="none" strike="noStrike" dirty="0">
+                        <a:solidFill>
+                          <a:srgbClr val="FFFFFF"/>
+                        </a:solidFill>
+                        <a:effectLst/>
+                        <a:latin typeface="Calibri" panose="020F0502020204030204" pitchFamily="34" charset="0"/>
+                      </a:endParaRPr>
+                    </a:p>
+                  </a:txBody>
+                  <a:tcPr marL="3810" marR="3810" marT="3810" marB="0" anchor="b"/>
+                </a:tc>
+                <a:extLst>
+                  <a:ext uri="{0D108BD9-81ED-4DB2-BD59-A6C34878D82A}">
+                    <a16:rowId xmlns:a16="http://schemas.microsoft.com/office/drawing/2014/main" val="146340126"/>
+                  </a:ext>
+                </a:extLst>
+              </a:tr>
+            </a:tbl>
+          </a:graphicData>
+        </a:graphic>
+      </p:graphicFrame>
+      <p:cxnSp>
+        <p:nvCxnSpPr>
+          <p:cNvPr id="68" name="Connector: Curved 67">
+            <a:extLst>
+              <a:ext uri="{FF2B5EF4-FFF2-40B4-BE49-F238E27FC236}">
+                <a16:creationId xmlns:a16="http://schemas.microsoft.com/office/drawing/2014/main" id="{395B4174-1B9F-4378-9069-669B987EED14}"/>
+              </a:ext>
+            </a:extLst>
+          </p:cNvPr>
+          <p:cNvCxnSpPr>
+            <a:cxnSpLocks/>
+          </p:cNvCxnSpPr>
+          <p:nvPr/>
+        </p:nvCxnSpPr>
+        <p:spPr>
+          <a:xfrm rot="16200000" flipH="1">
+            <a:off x="7073130" y="1703002"/>
+            <a:ext cx="415251" cy="3126914"/>
+          </a:xfrm>
+          <a:prstGeom prst="curvedConnector4">
+            <a:avLst>
+              <a:gd name="adj1" fmla="val -55051"/>
+              <a:gd name="adj2" fmla="val 86657"/>
+            </a:avLst>
+          </a:prstGeom>
+          <a:ln w="28575">
+            <a:solidFill>
+              <a:schemeClr val="accent2">
+                <a:lumMod val="75000"/>
+              </a:schemeClr>
+            </a:solidFill>
+            <a:tailEnd type="triangle"/>
+          </a:ln>
+        </p:spPr>
+        <p:style>
+          <a:lnRef idx="1">
+            <a:schemeClr val="accent1"/>
+          </a:lnRef>
+          <a:fillRef idx="0">
+            <a:schemeClr val="accent1"/>
+          </a:fillRef>
+          <a:effectRef idx="0">
+            <a:schemeClr val="accent1"/>
+          </a:effectRef>
+          <a:fontRef idx="minor">
+            <a:schemeClr val="tx1"/>
+          </a:fontRef>
+        </p:style>
+      </p:cxnSp>
+      <p:cxnSp>
+        <p:nvCxnSpPr>
+          <p:cNvPr id="72" name="Connector: Curved 71">
+            <a:extLst>
+              <a:ext uri="{FF2B5EF4-FFF2-40B4-BE49-F238E27FC236}">
+                <a16:creationId xmlns:a16="http://schemas.microsoft.com/office/drawing/2014/main" id="{96FC8003-8BA7-4E44-894F-A392B992E02C}"/>
+              </a:ext>
+            </a:extLst>
+          </p:cNvPr>
+          <p:cNvCxnSpPr>
+            <a:cxnSpLocks/>
+            <a:stCxn id="8" idx="6"/>
+          </p:cNvCxnSpPr>
+          <p:nvPr/>
+        </p:nvCxnSpPr>
+        <p:spPr>
+          <a:xfrm>
+            <a:off x="6895848" y="3219879"/>
+            <a:ext cx="1990833" cy="482627"/>
+          </a:xfrm>
+          <a:prstGeom prst="curvedConnector3">
+            <a:avLst>
+              <a:gd name="adj1" fmla="val 29689"/>
+            </a:avLst>
+          </a:prstGeom>
+          <a:ln w="28575">
+            <a:solidFill>
+              <a:schemeClr val="accent2">
+                <a:lumMod val="75000"/>
+              </a:schemeClr>
+            </a:solidFill>
+            <a:tailEnd type="triangle"/>
+          </a:ln>
+        </p:spPr>
+        <p:style>
+          <a:lnRef idx="1">
+            <a:schemeClr val="accent1"/>
+          </a:lnRef>
+          <a:fillRef idx="0">
+            <a:schemeClr val="accent1"/>
+          </a:fillRef>
+          <a:effectRef idx="0">
+            <a:schemeClr val="accent1"/>
+          </a:effectRef>
+          <a:fontRef idx="minor">
+            <a:schemeClr val="tx1"/>
+          </a:fontRef>
+        </p:style>
+      </p:cxnSp>
+      <p:cxnSp>
+        <p:nvCxnSpPr>
+          <p:cNvPr id="77" name="Connector: Curved 76">
+            <a:extLst>
+              <a:ext uri="{FF2B5EF4-FFF2-40B4-BE49-F238E27FC236}">
+                <a16:creationId xmlns:a16="http://schemas.microsoft.com/office/drawing/2014/main" id="{7D190A56-CB15-41AC-8681-9D770D637188}"/>
+              </a:ext>
+            </a:extLst>
+          </p:cNvPr>
+          <p:cNvCxnSpPr>
+            <a:cxnSpLocks/>
+            <a:stCxn id="9" idx="7"/>
+          </p:cNvCxnSpPr>
+          <p:nvPr/>
+        </p:nvCxnSpPr>
+        <p:spPr>
+          <a:xfrm rot="16200000" flipH="1">
+            <a:off x="7265506" y="2275742"/>
+            <a:ext cx="30494" cy="3126918"/>
+          </a:xfrm>
+          <a:prstGeom prst="curvedConnector4">
+            <a:avLst>
+              <a:gd name="adj1" fmla="val -749656"/>
+              <a:gd name="adj2" fmla="val 51242"/>
+            </a:avLst>
+          </a:prstGeom>
+          <a:ln w="28575">
+            <a:solidFill>
+              <a:schemeClr val="accent2">
+                <a:lumMod val="75000"/>
+              </a:schemeClr>
+            </a:solidFill>
+            <a:tailEnd type="triangle"/>
+          </a:ln>
+        </p:spPr>
+        <p:style>
+          <a:lnRef idx="1">
+            <a:schemeClr val="accent1"/>
+          </a:lnRef>
+          <a:fillRef idx="0">
+            <a:schemeClr val="accent1"/>
+          </a:fillRef>
+          <a:effectRef idx="0">
+            <a:schemeClr val="accent1"/>
+          </a:effectRef>
+          <a:fontRef idx="minor">
+            <a:schemeClr val="tx1"/>
+          </a:fontRef>
+        </p:style>
+      </p:cxnSp>
+      <p:cxnSp>
+        <p:nvCxnSpPr>
+          <p:cNvPr id="79" name="Connector: Curved 78">
+            <a:extLst>
+              <a:ext uri="{FF2B5EF4-FFF2-40B4-BE49-F238E27FC236}">
+                <a16:creationId xmlns:a16="http://schemas.microsoft.com/office/drawing/2014/main" id="{B64AAA1B-D6B2-45BC-9FA3-9C1F08CC7478}"/>
+              </a:ext>
+            </a:extLst>
+          </p:cNvPr>
+          <p:cNvCxnSpPr>
+            <a:cxnSpLocks/>
+            <a:stCxn id="10" idx="6"/>
+          </p:cNvCxnSpPr>
+          <p:nvPr/>
+        </p:nvCxnSpPr>
+        <p:spPr>
+          <a:xfrm>
+            <a:off x="6895847" y="3995956"/>
+            <a:ext cx="1990834" cy="56418"/>
+          </a:xfrm>
+          <a:prstGeom prst="curvedConnector3">
+            <a:avLst>
+              <a:gd name="adj1" fmla="val 50000"/>
+            </a:avLst>
+          </a:prstGeom>
+          <a:ln w="28575">
+            <a:solidFill>
+              <a:schemeClr val="accent2">
+                <a:lumMod val="75000"/>
+              </a:schemeClr>
+            </a:solidFill>
+            <a:tailEnd type="triangle"/>
+          </a:ln>
+        </p:spPr>
+        <p:style>
+          <a:lnRef idx="1">
+            <a:schemeClr val="accent1"/>
+          </a:lnRef>
+          <a:fillRef idx="0">
+            <a:schemeClr val="accent1"/>
+          </a:fillRef>
+          <a:effectRef idx="0">
+            <a:schemeClr val="accent1"/>
+          </a:effectRef>
+          <a:fontRef idx="minor">
+            <a:schemeClr val="tx1"/>
+          </a:fontRef>
+        </p:style>
+      </p:cxnSp>
+      <p:cxnSp>
+        <p:nvCxnSpPr>
+          <p:cNvPr id="82" name="Connector: Curved 81">
+            <a:extLst>
+              <a:ext uri="{FF2B5EF4-FFF2-40B4-BE49-F238E27FC236}">
+                <a16:creationId xmlns:a16="http://schemas.microsoft.com/office/drawing/2014/main" id="{918314CD-5826-496F-8512-96460082F296}"/>
+              </a:ext>
+            </a:extLst>
+          </p:cNvPr>
+          <p:cNvCxnSpPr>
+            <a:cxnSpLocks/>
+          </p:cNvCxnSpPr>
+          <p:nvPr/>
+        </p:nvCxnSpPr>
+        <p:spPr>
+          <a:xfrm flipV="1">
+            <a:off x="5792694" y="4204316"/>
+            <a:ext cx="3084565" cy="429869"/>
+          </a:xfrm>
+          <a:prstGeom prst="curvedConnector3">
+            <a:avLst>
+              <a:gd name="adj1" fmla="val 18419"/>
+            </a:avLst>
+          </a:prstGeom>
+          <a:ln w="28575">
+            <a:solidFill>
+              <a:schemeClr val="accent2">
+                <a:lumMod val="75000"/>
+              </a:schemeClr>
+            </a:solidFill>
+            <a:tailEnd type="triangle"/>
+          </a:ln>
+        </p:spPr>
+        <p:style>
+          <a:lnRef idx="1">
+            <a:schemeClr val="accent1"/>
+          </a:lnRef>
+          <a:fillRef idx="0">
+            <a:schemeClr val="accent1"/>
+          </a:fillRef>
+          <a:effectRef idx="0">
+            <a:schemeClr val="accent1"/>
+          </a:effectRef>
+          <a:fontRef idx="minor">
+            <a:schemeClr val="tx1"/>
+          </a:fontRef>
+        </p:style>
+      </p:cxnSp>
+      <p:cxnSp>
+        <p:nvCxnSpPr>
+          <p:cNvPr id="86" name="Connector: Curved 85">
+            <a:extLst>
+              <a:ext uri="{FF2B5EF4-FFF2-40B4-BE49-F238E27FC236}">
+                <a16:creationId xmlns:a16="http://schemas.microsoft.com/office/drawing/2014/main" id="{9A622E61-23DF-45F1-8649-5B2981405FC9}"/>
+              </a:ext>
+            </a:extLst>
+          </p:cNvPr>
+          <p:cNvCxnSpPr>
+            <a:cxnSpLocks/>
+          </p:cNvCxnSpPr>
+          <p:nvPr/>
+        </p:nvCxnSpPr>
+        <p:spPr>
+          <a:xfrm flipV="1">
+            <a:off x="6893579" y="4391148"/>
+            <a:ext cx="1983682" cy="394979"/>
+          </a:xfrm>
+          <a:prstGeom prst="curvedConnector3">
+            <a:avLst>
+              <a:gd name="adj1" fmla="val 50000"/>
+            </a:avLst>
+          </a:prstGeom>
+          <a:ln w="28575">
+            <a:solidFill>
+              <a:schemeClr val="accent2">
+                <a:lumMod val="75000"/>
+              </a:schemeClr>
+            </a:solidFill>
+            <a:tailEnd type="triangle"/>
+          </a:ln>
+        </p:spPr>
+        <p:style>
+          <a:lnRef idx="1">
+            <a:schemeClr val="accent1"/>
+          </a:lnRef>
+          <a:fillRef idx="0">
+            <a:schemeClr val="accent1"/>
+          </a:fillRef>
+          <a:effectRef idx="0">
+            <a:schemeClr val="accent1"/>
+          </a:effectRef>
+          <a:fontRef idx="minor">
+            <a:schemeClr val="tx1"/>
+          </a:fontRef>
+        </p:style>
+      </p:cxnSp>
+      <p:graphicFrame>
+        <p:nvGraphicFramePr>
+          <p:cNvPr id="89" name="Table 88">
+            <a:extLst>
+              <a:ext uri="{FF2B5EF4-FFF2-40B4-BE49-F238E27FC236}">
+                <a16:creationId xmlns:a16="http://schemas.microsoft.com/office/drawing/2014/main" id="{315CB4C4-D04A-49A8-AD71-C8819EF511CF}"/>
+              </a:ext>
+            </a:extLst>
+          </p:cNvPr>
+          <p:cNvGraphicFramePr>
+            <a:graphicFrameLocks noGrp="1"/>
+          </p:cNvGraphicFramePr>
+          <p:nvPr>
+            <p:extLst>
+              <p:ext uri="{D42A27DB-BD31-4B8C-83A1-F6EECF244321}">
+                <p14:modId xmlns:p14="http://schemas.microsoft.com/office/powerpoint/2010/main" val="501467906"/>
+              </p:ext>
+            </p:extLst>
+          </p:nvPr>
+        </p:nvGraphicFramePr>
+        <p:xfrm>
+          <a:off x="1070085" y="2786254"/>
+          <a:ext cx="3086100" cy="365760"/>
+        </p:xfrm>
+        <a:graphic>
+          <a:graphicData uri="http://schemas.openxmlformats.org/drawingml/2006/table">
+            <a:tbl>
+              <a:tblPr>
+                <a:tableStyleId>{5C22544A-7EE6-4342-B048-85BDC9FD1C3A}</a:tableStyleId>
+              </a:tblPr>
+              <a:tblGrid>
+                <a:gridCol w="1333500">
+                  <a:extLst>
+                    <a:ext uri="{9D8B030D-6E8A-4147-A177-3AD203B41FA5}">
+                      <a16:colId xmlns:a16="http://schemas.microsoft.com/office/drawing/2014/main" val="1462700156"/>
+                    </a:ext>
+                  </a:extLst>
+                </a:gridCol>
+                <a:gridCol w="1752600">
+                  <a:extLst>
+                    <a:ext uri="{9D8B030D-6E8A-4147-A177-3AD203B41FA5}">
+                      <a16:colId xmlns:a16="http://schemas.microsoft.com/office/drawing/2014/main" val="3264519394"/>
+                    </a:ext>
+                  </a:extLst>
+                </a:gridCol>
+              </a:tblGrid>
+              <a:tr h="182880">
+                <a:tc>
+                  <a:txBody>
+                    <a:bodyPr/>
+                    <a:lstStyle/>
+                    <a:p>
+                      <a:pPr algn="ctr" fontAlgn="b"/>
+                      <a:r>
+                        <a:rPr lang="en-US" sz="1100" u="none" strike="sngStrike" baseline="0" dirty="0">
+                          <a:solidFill>
+                            <a:schemeClr val="bg2">
+                              <a:lumMod val="50000"/>
+                            </a:schemeClr>
+                          </a:solidFill>
+                          <a:effectLst/>
+                        </a:rPr>
+                        <a:t>1 Core</a:t>
+                      </a:r>
+                      <a:endParaRPr lang="en-US" sz="1100" b="0" i="0" u="none" strike="sngStrike" baseline="0" dirty="0">
+                        <a:solidFill>
+                          <a:schemeClr val="bg2">
+                            <a:lumMod val="50000"/>
+                          </a:schemeClr>
+                        </a:solidFill>
+                        <a:effectLst/>
+                        <a:latin typeface="Calibri" panose="020F0502020204030204" pitchFamily="34" charset="0"/>
+                      </a:endParaRPr>
+                    </a:p>
+                  </a:txBody>
+                  <a:tcPr marL="3810" marR="3810" marT="3810" marB="0" anchor="b"/>
+                </a:tc>
+                <a:tc>
+                  <a:txBody>
+                    <a:bodyPr/>
+                    <a:lstStyle/>
+                    <a:p>
+                      <a:pPr algn="ctr" fontAlgn="b"/>
+                      <a:r>
+                        <a:rPr lang="en-US" sz="1100" u="none" strike="sngStrike" baseline="0">
+                          <a:solidFill>
+                            <a:schemeClr val="bg2">
+                              <a:lumMod val="50000"/>
+                            </a:schemeClr>
+                          </a:solidFill>
+                          <a:effectLst/>
+                        </a:rPr>
+                        <a:t>Serial instructions:</a:t>
+                      </a:r>
+                      <a:endParaRPr lang="en-US" sz="1100" b="0" i="0" u="none" strike="sngStrike" baseline="0">
+                        <a:solidFill>
+                          <a:schemeClr val="bg2">
+                            <a:lumMod val="50000"/>
+                          </a:schemeClr>
+                        </a:solidFill>
+                        <a:effectLst/>
+                        <a:latin typeface="Calibri" panose="020F0502020204030204" pitchFamily="34" charset="0"/>
+                      </a:endParaRPr>
+                    </a:p>
+                  </a:txBody>
+                  <a:tcPr marL="3810" marR="3810" marT="3810" marB="0" anchor="b"/>
+                </a:tc>
+                <a:extLst>
+                  <a:ext uri="{0D108BD9-81ED-4DB2-BD59-A6C34878D82A}">
+                    <a16:rowId xmlns:a16="http://schemas.microsoft.com/office/drawing/2014/main" val="1601506200"/>
+                  </a:ext>
+                </a:extLst>
+              </a:tr>
+              <a:tr h="182880">
+                <a:tc>
+                  <a:txBody>
+                    <a:bodyPr/>
+                    <a:lstStyle/>
+                    <a:p>
+                      <a:pPr algn="ctr" fontAlgn="b"/>
+                      <a:r>
+                        <a:rPr lang="en-US" sz="1100" u="none" strike="sngStrike" baseline="0" dirty="0">
+                          <a:solidFill>
+                            <a:schemeClr val="bg2">
+                              <a:lumMod val="50000"/>
+                            </a:schemeClr>
+                          </a:solidFill>
+                          <a:effectLst/>
+                        </a:rPr>
+                        <a:t>Multiples of Bunnies =</a:t>
+                      </a:r>
+                      <a:endParaRPr lang="en-US" sz="1100" b="0" i="0" u="none" strike="sngStrike" baseline="0" dirty="0">
+                        <a:solidFill>
+                          <a:schemeClr val="bg2">
+                            <a:lumMod val="50000"/>
+                          </a:schemeClr>
+                        </a:solidFill>
+                        <a:effectLst/>
+                        <a:latin typeface="Calibri" panose="020F0502020204030204" pitchFamily="34" charset="0"/>
+                      </a:endParaRPr>
+                    </a:p>
+                  </a:txBody>
+                  <a:tcPr marL="3810" marR="3810" marT="3810" marB="0" anchor="b"/>
+                </a:tc>
+                <a:tc>
+                  <a:txBody>
+                    <a:bodyPr/>
+                    <a:lstStyle/>
+                    <a:p>
+                      <a:pPr algn="ctr" fontAlgn="b"/>
+                      <a:r>
+                        <a:rPr lang="en-US" sz="1100" u="none" strike="sngStrike" baseline="0" dirty="0">
+                          <a:solidFill>
+                            <a:schemeClr val="bg2">
+                              <a:lumMod val="50000"/>
+                            </a:schemeClr>
+                          </a:solidFill>
+                          <a:effectLst/>
+                        </a:rPr>
+                        <a:t>2*8*6*7*5*7*2*8*6*7*5*7=</a:t>
+                      </a:r>
+                      <a:endParaRPr lang="en-US" sz="1100" b="0" i="0" u="none" strike="sngStrike" baseline="0" dirty="0">
+                        <a:solidFill>
+                          <a:schemeClr val="bg2">
+                            <a:lumMod val="50000"/>
+                          </a:schemeClr>
+                        </a:solidFill>
+                        <a:effectLst/>
+                        <a:latin typeface="Calibri" panose="020F0502020204030204" pitchFamily="34" charset="0"/>
+                      </a:endParaRPr>
+                    </a:p>
+                  </a:txBody>
+                  <a:tcPr marL="3810" marR="3810" marT="3810" marB="0" anchor="b"/>
+                </a:tc>
+                <a:extLst>
+                  <a:ext uri="{0D108BD9-81ED-4DB2-BD59-A6C34878D82A}">
+                    <a16:rowId xmlns:a16="http://schemas.microsoft.com/office/drawing/2014/main" val="3572360309"/>
+                  </a:ext>
+                </a:extLst>
+              </a:tr>
+            </a:tbl>
+          </a:graphicData>
+        </a:graphic>
+      </p:graphicFrame>
+    </p:spTree>
+    <p:extLst>
+      <p:ext uri="{BB962C8B-B14F-4D97-AF65-F5344CB8AC3E}">
+        <p14:creationId xmlns:p14="http://schemas.microsoft.com/office/powerpoint/2010/main" val="3351446282"/>
+      </p:ext>
+    </p:extLst>
+  </p:cSld>
+  <p:clrMapOvr>
+    <a:masterClrMapping/>
+  </p:clrMapOvr>
+</p:sld>
+</file>
+
+<file path=ppt/slides/slide7.xml><?xml version="1.0" encoding="utf-8"?>
+<p:sld xmlns:a="http://schemas.openxmlformats.org/drawingml/2006/main" xmlns:r="http://schemas.openxmlformats.org/officeDocument/2006/relationships" xmlns:p="http://schemas.openxmlformats.org/presentationml/2006/main">
+  <p:cSld>
+    <p:spTree>
+      <p:nvGrpSpPr>
+        <p:cNvPr id="1" name=""/>
+        <p:cNvGrpSpPr/>
+        <p:nvPr/>
+      </p:nvGrpSpPr>
+      <p:grpSpPr>
+        <a:xfrm>
+          <a:off x="0" y="0"/>
+          <a:ext cx="0" cy="0"/>
+          <a:chOff x="0" y="0"/>
+          <a:chExt cx="0" cy="0"/>
+        </a:xfrm>
+      </p:grpSpPr>
       <p:sp>
         <p:nvSpPr>
-          <p:cNvPr id="5" name="Title 4">
-            <a:extLst>
-              <a:ext uri="{FF2B5EF4-FFF2-40B4-BE49-F238E27FC236}">
-                <a16:creationId xmlns:a16="http://schemas.microsoft.com/office/drawing/2014/main" id="{3D305F16-A7E3-4F25-B131-24334747F55B}"/>
+          <p:cNvPr id="2" name="Title 1">
+            <a:extLst>
+              <a:ext uri="{FF2B5EF4-FFF2-40B4-BE49-F238E27FC236}">
+                <a16:creationId xmlns:a16="http://schemas.microsoft.com/office/drawing/2014/main" id="{C23EAF31-1BD4-45EE-9B12-BC14F7D54307}"/>
               </a:ext>
             </a:extLst>
           </p:cNvPr>
@@ -4868,7 +9363,917 @@
           <a:p>
             <a:r>
               <a:rPr lang="en-US" dirty="0"/>
-              <a:t>Setting up Environment</a:t>
+              <a:t>Parallel Processing</a:t>
+            </a:r>
+          </a:p>
+        </p:txBody>
+      </p:sp>
+      <p:sp>
+        <p:nvSpPr>
+          <p:cNvPr id="3" name="Content Placeholder 2">
+            <a:extLst>
+              <a:ext uri="{FF2B5EF4-FFF2-40B4-BE49-F238E27FC236}">
+                <a16:creationId xmlns:a16="http://schemas.microsoft.com/office/drawing/2014/main" id="{3A61812F-E008-4811-8823-E7459E60F548}"/>
+              </a:ext>
+            </a:extLst>
+          </p:cNvPr>
+          <p:cNvSpPr>
+            <a:spLocks noGrp="1"/>
+          </p:cNvSpPr>
+          <p:nvPr>
+            <p:ph idx="1"/>
+          </p:nvPr>
+        </p:nvSpPr>
+        <p:spPr/>
+        <p:txBody>
+          <a:bodyPr/>
+          <a:lstStyle/>
+          <a:p>
+            <a:pPr marL="0" indent="0">
+              <a:buNone/>
+            </a:pPr>
+            <a:r>
+              <a:rPr lang="en-US" dirty="0"/>
+              <a:t>1 More Step</a:t>
+            </a:r>
+          </a:p>
+        </p:txBody>
+      </p:sp>
+      <p:grpSp>
+        <p:nvGrpSpPr>
+          <p:cNvPr id="5" name="Group 4">
+            <a:extLst>
+              <a:ext uri="{FF2B5EF4-FFF2-40B4-BE49-F238E27FC236}">
+                <a16:creationId xmlns:a16="http://schemas.microsoft.com/office/drawing/2014/main" id="{C3F210F0-301F-4369-8EC5-3CDB5E98AD25}"/>
+              </a:ext>
+            </a:extLst>
+          </p:cNvPr>
+          <p:cNvGrpSpPr/>
+          <p:nvPr/>
+        </p:nvGrpSpPr>
+        <p:grpSpPr>
+          <a:xfrm>
+            <a:off x="4798745" y="2626747"/>
+            <a:ext cx="2594510" cy="2749094"/>
+            <a:chOff x="5447924" y="3151100"/>
+            <a:chExt cx="1929653" cy="2127624"/>
+          </a:xfrm>
+        </p:grpSpPr>
+        <p:sp>
+          <p:nvSpPr>
+            <p:cNvPr id="6" name="Rectangle 5">
+              <a:extLst>
+                <a:ext uri="{FF2B5EF4-FFF2-40B4-BE49-F238E27FC236}">
+                  <a16:creationId xmlns:a16="http://schemas.microsoft.com/office/drawing/2014/main" id="{E2756E32-F5A5-4306-8AA3-8A33C9D7531F}"/>
+                </a:ext>
+              </a:extLst>
+            </p:cNvPr>
+            <p:cNvSpPr/>
+            <p:nvPr/>
+          </p:nvSpPr>
+          <p:spPr>
+            <a:xfrm>
+              <a:off x="5447924" y="3151100"/>
+              <a:ext cx="1929653" cy="2127624"/>
+            </a:xfrm>
+            <a:prstGeom prst="rect">
+              <a:avLst/>
+            </a:prstGeom>
+          </p:spPr>
+          <p:style>
+            <a:lnRef idx="2">
+              <a:schemeClr val="accent1">
+                <a:shade val="50000"/>
+              </a:schemeClr>
+            </a:lnRef>
+            <a:fillRef idx="1">
+              <a:schemeClr val="accent1"/>
+            </a:fillRef>
+            <a:effectRef idx="0">
+              <a:schemeClr val="accent1"/>
+            </a:effectRef>
+            <a:fontRef idx="minor">
+              <a:schemeClr val="lt1"/>
+            </a:fontRef>
+          </p:style>
+          <p:txBody>
+            <a:bodyPr rtlCol="0" anchor="ctr"/>
+            <a:lstStyle/>
+            <a:p>
+              <a:pPr algn="ctr"/>
+              <a:endParaRPr lang="en-US"/>
+            </a:p>
+          </p:txBody>
+        </p:sp>
+        <p:sp>
+          <p:nvSpPr>
+            <p:cNvPr id="7" name="Oval 6">
+              <a:extLst>
+                <a:ext uri="{FF2B5EF4-FFF2-40B4-BE49-F238E27FC236}">
+                  <a16:creationId xmlns:a16="http://schemas.microsoft.com/office/drawing/2014/main" id="{F36B273B-2E6F-401B-8BE9-DE0E8CD8080A}"/>
+                </a:ext>
+              </a:extLst>
+            </p:cNvPr>
+            <p:cNvSpPr/>
+            <p:nvPr/>
+          </p:nvSpPr>
+          <p:spPr>
+            <a:xfrm>
+              <a:off x="5794410" y="3421888"/>
+              <a:ext cx="394447" cy="376517"/>
+            </a:xfrm>
+            <a:prstGeom prst="ellipse">
+              <a:avLst/>
+            </a:prstGeom>
+            <a:solidFill>
+              <a:schemeClr val="accent4">
+                <a:lumMod val="60000"/>
+                <a:lumOff val="40000"/>
+              </a:schemeClr>
+            </a:solidFill>
+          </p:spPr>
+          <p:style>
+            <a:lnRef idx="2">
+              <a:schemeClr val="accent1">
+                <a:shade val="50000"/>
+              </a:schemeClr>
+            </a:lnRef>
+            <a:fillRef idx="1">
+              <a:schemeClr val="accent1"/>
+            </a:fillRef>
+            <a:effectRef idx="0">
+              <a:schemeClr val="accent1"/>
+            </a:effectRef>
+            <a:fontRef idx="minor">
+              <a:schemeClr val="lt1"/>
+            </a:fontRef>
+          </p:style>
+          <p:txBody>
+            <a:bodyPr rtlCol="0" anchor="ctr"/>
+            <a:lstStyle/>
+            <a:p>
+              <a:pPr algn="ctr"/>
+              <a:r>
+                <a:rPr lang="en-US" dirty="0">
+                  <a:solidFill>
+                    <a:schemeClr val="accent4">
+                      <a:lumMod val="50000"/>
+                    </a:schemeClr>
+                  </a:solidFill>
+                </a:rPr>
+                <a:t>1</a:t>
+              </a:r>
+            </a:p>
+          </p:txBody>
+        </p:sp>
+        <p:sp>
+          <p:nvSpPr>
+            <p:cNvPr id="8" name="Oval 7">
+              <a:extLst>
+                <a:ext uri="{FF2B5EF4-FFF2-40B4-BE49-F238E27FC236}">
+                  <a16:creationId xmlns:a16="http://schemas.microsoft.com/office/drawing/2014/main" id="{A5926C6F-5BC4-49AB-90C0-BF086DF37BD3}"/>
+                </a:ext>
+              </a:extLst>
+            </p:cNvPr>
+            <p:cNvSpPr/>
+            <p:nvPr/>
+          </p:nvSpPr>
+          <p:spPr>
+            <a:xfrm>
+              <a:off x="6613186" y="3421888"/>
+              <a:ext cx="394447" cy="376517"/>
+            </a:xfrm>
+            <a:prstGeom prst="ellipse">
+              <a:avLst/>
+            </a:prstGeom>
+            <a:solidFill>
+              <a:schemeClr val="accent4">
+                <a:lumMod val="60000"/>
+                <a:lumOff val="40000"/>
+              </a:schemeClr>
+            </a:solidFill>
+          </p:spPr>
+          <p:style>
+            <a:lnRef idx="2">
+              <a:schemeClr val="accent1">
+                <a:shade val="50000"/>
+              </a:schemeClr>
+            </a:lnRef>
+            <a:fillRef idx="1">
+              <a:schemeClr val="accent1"/>
+            </a:fillRef>
+            <a:effectRef idx="0">
+              <a:schemeClr val="accent1"/>
+            </a:effectRef>
+            <a:fontRef idx="minor">
+              <a:schemeClr val="lt1"/>
+            </a:fontRef>
+          </p:style>
+          <p:txBody>
+            <a:bodyPr rtlCol="0" anchor="ctr"/>
+            <a:lstStyle/>
+            <a:p>
+              <a:pPr algn="ctr"/>
+              <a:r>
+                <a:rPr lang="en-US" dirty="0">
+                  <a:solidFill>
+                    <a:schemeClr val="accent4">
+                      <a:lumMod val="50000"/>
+                    </a:schemeClr>
+                  </a:solidFill>
+                </a:rPr>
+                <a:t>2</a:t>
+              </a:r>
+            </a:p>
+          </p:txBody>
+        </p:sp>
+        <p:sp>
+          <p:nvSpPr>
+            <p:cNvPr id="9" name="Oval 8">
+              <a:extLst>
+                <a:ext uri="{FF2B5EF4-FFF2-40B4-BE49-F238E27FC236}">
+                  <a16:creationId xmlns:a16="http://schemas.microsoft.com/office/drawing/2014/main" id="{2C0142C4-6548-4751-A216-D79C7FE96BDE}"/>
+                </a:ext>
+              </a:extLst>
+            </p:cNvPr>
+            <p:cNvSpPr/>
+            <p:nvPr/>
+          </p:nvSpPr>
+          <p:spPr>
+            <a:xfrm>
+              <a:off x="5794408" y="4022522"/>
+              <a:ext cx="394447" cy="376517"/>
+            </a:xfrm>
+            <a:prstGeom prst="ellipse">
+              <a:avLst/>
+            </a:prstGeom>
+            <a:solidFill>
+              <a:schemeClr val="accent4">
+                <a:lumMod val="60000"/>
+                <a:lumOff val="40000"/>
+              </a:schemeClr>
+            </a:solidFill>
+          </p:spPr>
+          <p:style>
+            <a:lnRef idx="2">
+              <a:schemeClr val="accent1">
+                <a:shade val="50000"/>
+              </a:schemeClr>
+            </a:lnRef>
+            <a:fillRef idx="1">
+              <a:schemeClr val="accent1"/>
+            </a:fillRef>
+            <a:effectRef idx="0">
+              <a:schemeClr val="accent1"/>
+            </a:effectRef>
+            <a:fontRef idx="minor">
+              <a:schemeClr val="lt1"/>
+            </a:fontRef>
+          </p:style>
+          <p:txBody>
+            <a:bodyPr rtlCol="0" anchor="ctr"/>
+            <a:lstStyle/>
+            <a:p>
+              <a:pPr algn="ctr"/>
+              <a:r>
+                <a:rPr lang="en-US" dirty="0">
+                  <a:solidFill>
+                    <a:schemeClr val="accent4">
+                      <a:lumMod val="50000"/>
+                    </a:schemeClr>
+                  </a:solidFill>
+                </a:rPr>
+                <a:t>3</a:t>
+              </a:r>
+            </a:p>
+          </p:txBody>
+        </p:sp>
+        <p:sp>
+          <p:nvSpPr>
+            <p:cNvPr id="10" name="Oval 9">
+              <a:extLst>
+                <a:ext uri="{FF2B5EF4-FFF2-40B4-BE49-F238E27FC236}">
+                  <a16:creationId xmlns:a16="http://schemas.microsoft.com/office/drawing/2014/main" id="{57028D69-760A-4400-9D4A-B9D5D4A475A9}"/>
+                </a:ext>
+              </a:extLst>
+            </p:cNvPr>
+            <p:cNvSpPr/>
+            <p:nvPr/>
+          </p:nvSpPr>
+          <p:spPr>
+            <a:xfrm>
+              <a:off x="6613185" y="4022522"/>
+              <a:ext cx="394447" cy="376517"/>
+            </a:xfrm>
+            <a:prstGeom prst="ellipse">
+              <a:avLst/>
+            </a:prstGeom>
+            <a:solidFill>
+              <a:schemeClr val="accent4">
+                <a:lumMod val="60000"/>
+                <a:lumOff val="40000"/>
+              </a:schemeClr>
+            </a:solidFill>
+          </p:spPr>
+          <p:style>
+            <a:lnRef idx="2">
+              <a:schemeClr val="accent1">
+                <a:shade val="50000"/>
+              </a:schemeClr>
+            </a:lnRef>
+            <a:fillRef idx="1">
+              <a:schemeClr val="accent1"/>
+            </a:fillRef>
+            <a:effectRef idx="0">
+              <a:schemeClr val="accent1"/>
+            </a:effectRef>
+            <a:fontRef idx="minor">
+              <a:schemeClr val="lt1"/>
+            </a:fontRef>
+          </p:style>
+          <p:txBody>
+            <a:bodyPr rtlCol="0" anchor="ctr"/>
+            <a:lstStyle/>
+            <a:p>
+              <a:pPr algn="ctr"/>
+              <a:r>
+                <a:rPr lang="en-US" dirty="0">
+                  <a:solidFill>
+                    <a:schemeClr val="accent4">
+                      <a:lumMod val="50000"/>
+                    </a:schemeClr>
+                  </a:solidFill>
+                </a:rPr>
+                <a:t>4</a:t>
+              </a:r>
+            </a:p>
+          </p:txBody>
+        </p:sp>
+        <p:sp>
+          <p:nvSpPr>
+            <p:cNvPr id="11" name="Oval 10">
+              <a:extLst>
+                <a:ext uri="{FF2B5EF4-FFF2-40B4-BE49-F238E27FC236}">
+                  <a16:creationId xmlns:a16="http://schemas.microsoft.com/office/drawing/2014/main" id="{88FE90D8-F017-41AD-917C-16F3E0CB31EA}"/>
+                </a:ext>
+              </a:extLst>
+            </p:cNvPr>
+            <p:cNvSpPr/>
+            <p:nvPr/>
+          </p:nvSpPr>
+          <p:spPr>
+            <a:xfrm>
+              <a:off x="5794408" y="4623158"/>
+              <a:ext cx="394447" cy="376517"/>
+            </a:xfrm>
+            <a:prstGeom prst="ellipse">
+              <a:avLst/>
+            </a:prstGeom>
+            <a:solidFill>
+              <a:schemeClr val="accent4">
+                <a:lumMod val="60000"/>
+                <a:lumOff val="40000"/>
+              </a:schemeClr>
+            </a:solidFill>
+          </p:spPr>
+          <p:style>
+            <a:lnRef idx="2">
+              <a:schemeClr val="accent1">
+                <a:shade val="50000"/>
+              </a:schemeClr>
+            </a:lnRef>
+            <a:fillRef idx="1">
+              <a:schemeClr val="accent1"/>
+            </a:fillRef>
+            <a:effectRef idx="0">
+              <a:schemeClr val="accent1"/>
+            </a:effectRef>
+            <a:fontRef idx="minor">
+              <a:schemeClr val="lt1"/>
+            </a:fontRef>
+          </p:style>
+          <p:txBody>
+            <a:bodyPr rtlCol="0" anchor="ctr"/>
+            <a:lstStyle/>
+            <a:p>
+              <a:pPr algn="ctr"/>
+              <a:r>
+                <a:rPr lang="en-US" dirty="0">
+                  <a:solidFill>
+                    <a:schemeClr val="accent4">
+                      <a:lumMod val="50000"/>
+                    </a:schemeClr>
+                  </a:solidFill>
+                </a:rPr>
+                <a:t>5</a:t>
+              </a:r>
+            </a:p>
+          </p:txBody>
+        </p:sp>
+        <p:sp>
+          <p:nvSpPr>
+            <p:cNvPr id="12" name="Oval 11">
+              <a:extLst>
+                <a:ext uri="{FF2B5EF4-FFF2-40B4-BE49-F238E27FC236}">
+                  <a16:creationId xmlns:a16="http://schemas.microsoft.com/office/drawing/2014/main" id="{08012994-CE5C-43CE-9E8A-1F9A35D08D3F}"/>
+                </a:ext>
+              </a:extLst>
+            </p:cNvPr>
+            <p:cNvSpPr/>
+            <p:nvPr/>
+          </p:nvSpPr>
+          <p:spPr>
+            <a:xfrm>
+              <a:off x="6613185" y="4623156"/>
+              <a:ext cx="394447" cy="376517"/>
+            </a:xfrm>
+            <a:prstGeom prst="ellipse">
+              <a:avLst/>
+            </a:prstGeom>
+            <a:solidFill>
+              <a:schemeClr val="accent4">
+                <a:lumMod val="60000"/>
+                <a:lumOff val="40000"/>
+              </a:schemeClr>
+            </a:solidFill>
+          </p:spPr>
+          <p:style>
+            <a:lnRef idx="2">
+              <a:schemeClr val="accent1">
+                <a:shade val="50000"/>
+              </a:schemeClr>
+            </a:lnRef>
+            <a:fillRef idx="1">
+              <a:schemeClr val="accent1"/>
+            </a:fillRef>
+            <a:effectRef idx="0">
+              <a:schemeClr val="accent1"/>
+            </a:effectRef>
+            <a:fontRef idx="minor">
+              <a:schemeClr val="lt1"/>
+            </a:fontRef>
+          </p:style>
+          <p:txBody>
+            <a:bodyPr rtlCol="0" anchor="ctr"/>
+            <a:lstStyle/>
+            <a:p>
+              <a:pPr algn="ctr"/>
+              <a:r>
+                <a:rPr lang="en-US" dirty="0">
+                  <a:solidFill>
+                    <a:schemeClr val="accent4">
+                      <a:lumMod val="50000"/>
+                    </a:schemeClr>
+                  </a:solidFill>
+                </a:rPr>
+                <a:t>6</a:t>
+              </a:r>
+            </a:p>
+          </p:txBody>
+        </p:sp>
+      </p:grpSp>
+      <p:cxnSp>
+        <p:nvCxnSpPr>
+          <p:cNvPr id="86" name="Connector: Curved 85">
+            <a:extLst>
+              <a:ext uri="{FF2B5EF4-FFF2-40B4-BE49-F238E27FC236}">
+                <a16:creationId xmlns:a16="http://schemas.microsoft.com/office/drawing/2014/main" id="{9A622E61-23DF-45F1-8649-5B2981405FC9}"/>
+              </a:ext>
+            </a:extLst>
+          </p:cNvPr>
+          <p:cNvCxnSpPr>
+            <a:cxnSpLocks/>
+            <a:stCxn id="13" idx="3"/>
+            <a:endCxn id="7" idx="1"/>
+          </p:cNvCxnSpPr>
+          <p:nvPr/>
+        </p:nvCxnSpPr>
+        <p:spPr>
+          <a:xfrm flipV="1">
+            <a:off x="3975507" y="3047877"/>
+            <a:ext cx="1366773" cy="658229"/>
+          </a:xfrm>
+          <a:prstGeom prst="curvedConnector4">
+            <a:avLst>
+              <a:gd name="adj1" fmla="val 47159"/>
+              <a:gd name="adj2" fmla="val 145553"/>
+            </a:avLst>
+          </a:prstGeom>
+          <a:ln w="28575">
+            <a:solidFill>
+              <a:schemeClr val="accent2">
+                <a:lumMod val="75000"/>
+              </a:schemeClr>
+            </a:solidFill>
+            <a:tailEnd type="triangle"/>
+          </a:ln>
+        </p:spPr>
+        <p:style>
+          <a:lnRef idx="1">
+            <a:schemeClr val="accent1"/>
+          </a:lnRef>
+          <a:fillRef idx="0">
+            <a:schemeClr val="accent1"/>
+          </a:fillRef>
+          <a:effectRef idx="0">
+            <a:schemeClr val="accent1"/>
+          </a:effectRef>
+          <a:fontRef idx="minor">
+            <a:schemeClr val="tx1"/>
+          </a:fontRef>
+        </p:style>
+      </p:cxnSp>
+      <p:graphicFrame>
+        <p:nvGraphicFramePr>
+          <p:cNvPr id="13" name="Table 12">
+            <a:extLst>
+              <a:ext uri="{FF2B5EF4-FFF2-40B4-BE49-F238E27FC236}">
+                <a16:creationId xmlns:a16="http://schemas.microsoft.com/office/drawing/2014/main" id="{998CCCED-65D5-4861-ACFF-30EC49C8699E}"/>
+              </a:ext>
+            </a:extLst>
+          </p:cNvPr>
+          <p:cNvGraphicFramePr>
+            <a:graphicFrameLocks noGrp="1"/>
+          </p:cNvGraphicFramePr>
+          <p:nvPr>
+            <p:extLst>
+              <p:ext uri="{D42A27DB-BD31-4B8C-83A1-F6EECF244321}">
+                <p14:modId xmlns:p14="http://schemas.microsoft.com/office/powerpoint/2010/main" val="3877123889"/>
+              </p:ext>
+            </p:extLst>
+          </p:nvPr>
+        </p:nvGraphicFramePr>
+        <p:xfrm>
+          <a:off x="918996" y="3528941"/>
+          <a:ext cx="3056511" cy="354330"/>
+        </p:xfrm>
+        <a:graphic>
+          <a:graphicData uri="http://schemas.openxmlformats.org/drawingml/2006/table">
+            <a:tbl>
+              <a:tblPr>
+                <a:tableStyleId>{5C22544A-7EE6-4342-B048-85BDC9FD1C3A}</a:tableStyleId>
+              </a:tblPr>
+              <a:tblGrid>
+                <a:gridCol w="1303911">
+                  <a:extLst>
+                    <a:ext uri="{9D8B030D-6E8A-4147-A177-3AD203B41FA5}">
+                      <a16:colId xmlns:a16="http://schemas.microsoft.com/office/drawing/2014/main" val="1770756499"/>
+                    </a:ext>
+                  </a:extLst>
+                </a:gridCol>
+                <a:gridCol w="1752600">
+                  <a:extLst>
+                    <a:ext uri="{9D8B030D-6E8A-4147-A177-3AD203B41FA5}">
+                      <a16:colId xmlns:a16="http://schemas.microsoft.com/office/drawing/2014/main" val="1495425505"/>
+                    </a:ext>
+                  </a:extLst>
+                </a:gridCol>
+              </a:tblGrid>
+              <a:tr h="59111">
+                <a:tc>
+                  <a:txBody>
+                    <a:bodyPr/>
+                    <a:lstStyle/>
+                    <a:p>
+                      <a:pPr algn="l" fontAlgn="b"/>
+                      <a:r>
+                        <a:rPr lang="en-US" sz="1100" u="none" strike="noStrike" dirty="0">
+                          <a:effectLst/>
+                        </a:rPr>
+                        <a:t>1 Core</a:t>
+                      </a:r>
+                      <a:endParaRPr lang="en-US" sz="1100" b="0" i="0" u="none" strike="noStrike" dirty="0">
+                        <a:solidFill>
+                          <a:srgbClr val="FFFFFF"/>
+                        </a:solidFill>
+                        <a:effectLst/>
+                        <a:latin typeface="Calibri" panose="020F0502020204030204" pitchFamily="34" charset="0"/>
+                      </a:endParaRPr>
+                    </a:p>
+                  </a:txBody>
+                  <a:tcPr marL="3810" marR="3810" marT="3810" marB="0" anchor="b"/>
+                </a:tc>
+                <a:tc>
+                  <a:txBody>
+                    <a:bodyPr/>
+                    <a:lstStyle/>
+                    <a:p>
+                      <a:pPr algn="l" fontAlgn="b"/>
+                      <a:r>
+                        <a:rPr lang="en-US" sz="1100" u="none" strike="noStrike" dirty="0">
+                          <a:effectLst/>
+                        </a:rPr>
+                        <a:t>Serial Instructions</a:t>
+                      </a:r>
+                      <a:endParaRPr lang="en-US" sz="1100" b="0" i="0" u="none" strike="noStrike" dirty="0">
+                        <a:solidFill>
+                          <a:srgbClr val="FFFFFF"/>
+                        </a:solidFill>
+                        <a:effectLst/>
+                        <a:latin typeface="Calibri" panose="020F0502020204030204" pitchFamily="34" charset="0"/>
+                      </a:endParaRPr>
+                    </a:p>
+                  </a:txBody>
+                  <a:tcPr marL="3810" marR="3810" marT="3810" marB="0" anchor="b"/>
+                </a:tc>
+                <a:extLst>
+                  <a:ext uri="{0D108BD9-81ED-4DB2-BD59-A6C34878D82A}">
+                    <a16:rowId xmlns:a16="http://schemas.microsoft.com/office/drawing/2014/main" val="2160015998"/>
+                  </a:ext>
+                </a:extLst>
+              </a:tr>
+              <a:tr h="182880">
+                <a:tc>
+                  <a:txBody>
+                    <a:bodyPr/>
+                    <a:lstStyle/>
+                    <a:p>
+                      <a:pPr algn="l" fontAlgn="b"/>
+                      <a:r>
+                        <a:rPr lang="en-US" sz="1100" u="none" strike="noStrike">
+                          <a:effectLst/>
+                        </a:rPr>
+                        <a:t>Multiples of Bunnies =</a:t>
+                      </a:r>
+                      <a:endParaRPr lang="en-US" sz="1100" b="0" i="0" u="none" strike="noStrike">
+                        <a:solidFill>
+                          <a:srgbClr val="FFFFFF"/>
+                        </a:solidFill>
+                        <a:effectLst/>
+                        <a:latin typeface="Calibri" panose="020F0502020204030204" pitchFamily="34" charset="0"/>
+                      </a:endParaRPr>
+                    </a:p>
+                  </a:txBody>
+                  <a:tcPr marL="3810" marR="3810" marT="3810" marB="0" anchor="b"/>
+                </a:tc>
+                <a:tc>
+                  <a:txBody>
+                    <a:bodyPr/>
+                    <a:lstStyle/>
+                    <a:p>
+                      <a:pPr algn="r" fontAlgn="b"/>
+                      <a:r>
+                        <a:rPr lang="en-US" sz="1100" u="none" strike="noStrike" dirty="0">
+                          <a:effectLst/>
+                        </a:rPr>
+                        <a:t>40*14*30*42*16*49=</a:t>
+                      </a:r>
+                      <a:endParaRPr lang="en-US" sz="1100" b="0" i="0" u="none" strike="noStrike" dirty="0">
+                        <a:solidFill>
+                          <a:srgbClr val="FFFFFF"/>
+                        </a:solidFill>
+                        <a:effectLst/>
+                        <a:latin typeface="Calibri" panose="020F0502020204030204" pitchFamily="34" charset="0"/>
+                      </a:endParaRPr>
+                    </a:p>
+                  </a:txBody>
+                  <a:tcPr marL="3810" marR="3810" marT="3810" marB="0" anchor="b"/>
+                </a:tc>
+                <a:extLst>
+                  <a:ext uri="{0D108BD9-81ED-4DB2-BD59-A6C34878D82A}">
+                    <a16:rowId xmlns:a16="http://schemas.microsoft.com/office/drawing/2014/main" val="984629218"/>
+                  </a:ext>
+                </a:extLst>
+              </a:tr>
+            </a:tbl>
+          </a:graphicData>
+        </a:graphic>
+      </p:graphicFrame>
+      <p:graphicFrame>
+        <p:nvGraphicFramePr>
+          <p:cNvPr id="30" name="Table 29">
+            <a:extLst>
+              <a:ext uri="{FF2B5EF4-FFF2-40B4-BE49-F238E27FC236}">
+                <a16:creationId xmlns:a16="http://schemas.microsoft.com/office/drawing/2014/main" id="{C4044AB9-E08B-4A4F-8730-83DF9298ADC7}"/>
+              </a:ext>
+            </a:extLst>
+          </p:cNvPr>
+          <p:cNvGraphicFramePr>
+            <a:graphicFrameLocks noGrp="1"/>
+          </p:cNvGraphicFramePr>
+          <p:nvPr/>
+        </p:nvGraphicFramePr>
+        <p:xfrm>
+          <a:off x="8276985" y="2981226"/>
+          <a:ext cx="876300" cy="365760"/>
+        </p:xfrm>
+        <a:graphic>
+          <a:graphicData uri="http://schemas.openxmlformats.org/drawingml/2006/table">
+            <a:tbl>
+              <a:tblPr>
+                <a:tableStyleId>{5C22544A-7EE6-4342-B048-85BDC9FD1C3A}</a:tableStyleId>
+              </a:tblPr>
+              <a:tblGrid>
+                <a:gridCol w="876300">
+                  <a:extLst>
+                    <a:ext uri="{9D8B030D-6E8A-4147-A177-3AD203B41FA5}">
+                      <a16:colId xmlns:a16="http://schemas.microsoft.com/office/drawing/2014/main" val="2029625671"/>
+                    </a:ext>
+                  </a:extLst>
+                </a:gridCol>
+              </a:tblGrid>
+              <a:tr h="182880">
+                <a:tc>
+                  <a:txBody>
+                    <a:bodyPr/>
+                    <a:lstStyle/>
+                    <a:p>
+                      <a:pPr algn="l" fontAlgn="b"/>
+                      <a:r>
+                        <a:rPr lang="en-US" sz="1100" u="none" strike="noStrike" dirty="0">
+                          <a:effectLst/>
+                        </a:rPr>
+                        <a:t> Bunnies</a:t>
+                      </a:r>
+                      <a:endParaRPr lang="en-US" sz="1100" b="0" i="0" u="none" strike="noStrike" dirty="0">
+                        <a:solidFill>
+                          <a:srgbClr val="FFFFFF"/>
+                        </a:solidFill>
+                        <a:effectLst/>
+                        <a:latin typeface="Calibri" panose="020F0502020204030204" pitchFamily="34" charset="0"/>
+                      </a:endParaRPr>
+                    </a:p>
+                  </a:txBody>
+                  <a:tcPr marL="3810" marR="3810" marT="3810" marB="0" anchor="b"/>
+                </a:tc>
+                <a:extLst>
+                  <a:ext uri="{0D108BD9-81ED-4DB2-BD59-A6C34878D82A}">
+                    <a16:rowId xmlns:a16="http://schemas.microsoft.com/office/drawing/2014/main" val="3612197950"/>
+                  </a:ext>
+                </a:extLst>
+              </a:tr>
+              <a:tr h="182880">
+                <a:tc>
+                  <a:txBody>
+                    <a:bodyPr/>
+                    <a:lstStyle/>
+                    <a:p>
+                      <a:pPr algn="ctr" fontAlgn="b"/>
+                      <a:r>
+                        <a:rPr lang="en-US" sz="1100" u="none" strike="noStrike" dirty="0">
+                          <a:effectLst/>
+                        </a:rPr>
+                        <a:t>553,190,400</a:t>
+                      </a:r>
+                      <a:endParaRPr lang="en-US" sz="1100" b="0" i="0" u="none" strike="noStrike" dirty="0">
+                        <a:solidFill>
+                          <a:srgbClr val="FFFFFF"/>
+                        </a:solidFill>
+                        <a:effectLst/>
+                        <a:latin typeface="Calibri" panose="020F0502020204030204" pitchFamily="34" charset="0"/>
+                      </a:endParaRPr>
+                    </a:p>
+                  </a:txBody>
+                  <a:tcPr marL="3810" marR="3810" marT="3810" marB="0" anchor="b"/>
+                </a:tc>
+                <a:extLst>
+                  <a:ext uri="{0D108BD9-81ED-4DB2-BD59-A6C34878D82A}">
+                    <a16:rowId xmlns:a16="http://schemas.microsoft.com/office/drawing/2014/main" val="2641051407"/>
+                  </a:ext>
+                </a:extLst>
+              </a:tr>
+            </a:tbl>
+          </a:graphicData>
+        </a:graphic>
+      </p:graphicFrame>
+      <p:cxnSp>
+        <p:nvCxnSpPr>
+          <p:cNvPr id="31" name="Connector: Curved 30">
+            <a:extLst>
+              <a:ext uri="{FF2B5EF4-FFF2-40B4-BE49-F238E27FC236}">
+                <a16:creationId xmlns:a16="http://schemas.microsoft.com/office/drawing/2014/main" id="{46507FE0-88E1-4087-B1CD-CAC3FA882990}"/>
+              </a:ext>
+            </a:extLst>
+          </p:cNvPr>
+          <p:cNvCxnSpPr>
+            <a:cxnSpLocks/>
+            <a:endCxn id="30" idx="1"/>
+          </p:cNvCxnSpPr>
+          <p:nvPr/>
+        </p:nvCxnSpPr>
+        <p:spPr>
+          <a:xfrm rot="16200000" flipH="1">
+            <a:off x="6939026" y="1826147"/>
+            <a:ext cx="116229" cy="2559688"/>
+          </a:xfrm>
+          <a:prstGeom prst="curvedConnector4">
+            <a:avLst>
+              <a:gd name="adj1" fmla="val -196681"/>
+              <a:gd name="adj2" fmla="val 56005"/>
+            </a:avLst>
+          </a:prstGeom>
+          <a:ln w="28575">
+            <a:solidFill>
+              <a:schemeClr val="accent2">
+                <a:lumMod val="75000"/>
+              </a:schemeClr>
+            </a:solidFill>
+            <a:tailEnd type="triangle"/>
+          </a:ln>
+        </p:spPr>
+        <p:style>
+          <a:lnRef idx="1">
+            <a:schemeClr val="accent1"/>
+          </a:lnRef>
+          <a:fillRef idx="0">
+            <a:schemeClr val="accent1"/>
+          </a:fillRef>
+          <a:effectRef idx="0">
+            <a:schemeClr val="accent1"/>
+          </a:effectRef>
+          <a:fontRef idx="minor">
+            <a:schemeClr val="tx1"/>
+          </a:fontRef>
+        </p:style>
+      </p:cxnSp>
+    </p:spTree>
+    <p:extLst>
+      <p:ext uri="{BB962C8B-B14F-4D97-AF65-F5344CB8AC3E}">
+        <p14:creationId xmlns:p14="http://schemas.microsoft.com/office/powerpoint/2010/main" val="2687048726"/>
+      </p:ext>
+    </p:extLst>
+  </p:cSld>
+  <p:clrMapOvr>
+    <a:masterClrMapping/>
+  </p:clrMapOvr>
+</p:sld>
+</file>
+
+<file path=ppt/slides/slide8.xml><?xml version="1.0" encoding="utf-8"?>
+<p:sld xmlns:a="http://schemas.openxmlformats.org/drawingml/2006/main" xmlns:r="http://schemas.openxmlformats.org/officeDocument/2006/relationships" xmlns:p="http://schemas.openxmlformats.org/presentationml/2006/main">
+  <p:cSld>
+    <p:spTree>
+      <p:nvGrpSpPr>
+        <p:cNvPr id="1" name=""/>
+        <p:cNvGrpSpPr/>
+        <p:nvPr/>
+      </p:nvGrpSpPr>
+      <p:grpSpPr>
+        <a:xfrm>
+          <a:off x="0" y="0"/>
+          <a:ext cx="0" cy="0"/>
+          <a:chOff x="0" y="0"/>
+          <a:chExt cx="0" cy="0"/>
+        </a:xfrm>
+      </p:grpSpPr>
+      <p:sp>
+        <p:nvSpPr>
+          <p:cNvPr id="2" name="Title 1">
+            <a:extLst>
+              <a:ext uri="{FF2B5EF4-FFF2-40B4-BE49-F238E27FC236}">
+                <a16:creationId xmlns:a16="http://schemas.microsoft.com/office/drawing/2014/main" id="{DDDB045C-33B0-47A3-8C52-EFCBAD2F9829}"/>
+              </a:ext>
+            </a:extLst>
+          </p:cNvPr>
+          <p:cNvSpPr>
+            <a:spLocks noGrp="1"/>
+          </p:cNvSpPr>
+          <p:nvPr>
+            <p:ph type="title"/>
+          </p:nvPr>
+        </p:nvSpPr>
+        <p:spPr/>
+        <p:txBody>
+          <a:bodyPr>
+            <a:normAutofit fontScale="90000"/>
+          </a:bodyPr>
+          <a:lstStyle/>
+          <a:p>
+            <a:r>
+              <a:rPr lang="en-US" dirty="0"/>
+              <a:t>Instructions that must be computed in sequence</a:t>
+            </a:r>
+            <a:br>
+              <a:rPr lang="en-US" dirty="0"/>
+            </a:br>
+            <a:endParaRPr lang="en-US" dirty="0"/>
+          </a:p>
+        </p:txBody>
+      </p:sp>
+      <p:sp>
+        <p:nvSpPr>
+          <p:cNvPr id="3" name="Content Placeholder 2">
+            <a:extLst>
+              <a:ext uri="{FF2B5EF4-FFF2-40B4-BE49-F238E27FC236}">
+                <a16:creationId xmlns:a16="http://schemas.microsoft.com/office/drawing/2014/main" id="{6E6F51B9-864B-4528-B1DC-9571AB8ABD74}"/>
+              </a:ext>
+            </a:extLst>
+          </p:cNvPr>
+          <p:cNvSpPr>
+            <a:spLocks noGrp="1"/>
+          </p:cNvSpPr>
+          <p:nvPr>
+            <p:ph idx="1"/>
+          </p:nvPr>
+        </p:nvSpPr>
+        <p:spPr/>
+        <p:txBody>
+          <a:bodyPr/>
+          <a:lstStyle/>
+          <a:p>
+            <a:r>
+              <a:rPr lang="en-US" dirty="0"/>
+              <a:t>()</a:t>
             </a:r>
           </a:p>
         </p:txBody>
@@ -4876,7 +10281,98 @@
     </p:spTree>
     <p:extLst>
       <p:ext uri="{BB962C8B-B14F-4D97-AF65-F5344CB8AC3E}">
-        <p14:creationId xmlns:p14="http://schemas.microsoft.com/office/powerpoint/2010/main" val="981175082"/>
+        <p14:creationId xmlns:p14="http://schemas.microsoft.com/office/powerpoint/2010/main" val="4046427098"/>
+      </p:ext>
+    </p:extLst>
+  </p:cSld>
+  <p:clrMapOvr>
+    <a:masterClrMapping/>
+  </p:clrMapOvr>
+</p:sld>
+</file>
+
+<file path=ppt/slides/slide9.xml><?xml version="1.0" encoding="utf-8"?>
+<p:sld xmlns:a="http://schemas.openxmlformats.org/drawingml/2006/main" xmlns:r="http://schemas.openxmlformats.org/officeDocument/2006/relationships" xmlns:p="http://schemas.openxmlformats.org/presentationml/2006/main">
+  <p:cSld>
+    <p:spTree>
+      <p:nvGrpSpPr>
+        <p:cNvPr id="1" name=""/>
+        <p:cNvGrpSpPr/>
+        <p:nvPr/>
+      </p:nvGrpSpPr>
+      <p:grpSpPr>
+        <a:xfrm>
+          <a:off x="0" y="0"/>
+          <a:ext cx="0" cy="0"/>
+          <a:chOff x="0" y="0"/>
+          <a:chExt cx="0" cy="0"/>
+        </a:xfrm>
+      </p:grpSpPr>
+      <p:sp>
+        <p:nvSpPr>
+          <p:cNvPr id="2" name="Title 1">
+            <a:extLst>
+              <a:ext uri="{FF2B5EF4-FFF2-40B4-BE49-F238E27FC236}">
+                <a16:creationId xmlns:a16="http://schemas.microsoft.com/office/drawing/2014/main" id="{C027E961-1C15-4482-B678-00083D9CDA9A}"/>
+              </a:ext>
+            </a:extLst>
+          </p:cNvPr>
+          <p:cNvSpPr>
+            <a:spLocks noGrp="1"/>
+          </p:cNvSpPr>
+          <p:nvPr>
+            <p:ph type="ctrTitle"/>
+          </p:nvPr>
+        </p:nvSpPr>
+        <p:spPr/>
+        <p:txBody>
+          <a:bodyPr/>
+          <a:lstStyle/>
+          <a:p>
+            <a:r>
+              <a:rPr lang="en-US" dirty="0"/>
+              <a:t>GPU</a:t>
+            </a:r>
+          </a:p>
+        </p:txBody>
+      </p:sp>
+      <p:sp>
+        <p:nvSpPr>
+          <p:cNvPr id="3" name="Subtitle 2">
+            <a:extLst>
+              <a:ext uri="{FF2B5EF4-FFF2-40B4-BE49-F238E27FC236}">
+                <a16:creationId xmlns:a16="http://schemas.microsoft.com/office/drawing/2014/main" id="{320C6F87-207C-490F-92B4-AA64DBFC4914}"/>
+              </a:ext>
+            </a:extLst>
+          </p:cNvPr>
+          <p:cNvSpPr>
+            <a:spLocks noGrp="1"/>
+          </p:cNvSpPr>
+          <p:nvPr>
+            <p:ph type="subTitle" idx="1"/>
+          </p:nvPr>
+        </p:nvSpPr>
+        <p:spPr>
+          <a:xfrm>
+            <a:off x="1524000" y="3509963"/>
+            <a:ext cx="9144000" cy="1655762"/>
+          </a:xfrm>
+        </p:spPr>
+        <p:txBody>
+          <a:bodyPr/>
+          <a:lstStyle/>
+          <a:p>
+            <a:r>
+              <a:rPr lang="en-US" dirty="0"/>
+              <a:t>Don’t have to be expensive</a:t>
+            </a:r>
+          </a:p>
+        </p:txBody>
+      </p:sp>
+    </p:spTree>
+    <p:extLst>
+      <p:ext uri="{BB962C8B-B14F-4D97-AF65-F5344CB8AC3E}">
+        <p14:creationId xmlns:p14="http://schemas.microsoft.com/office/powerpoint/2010/main" val="2936290879"/>
       </p:ext>
     </p:extLst>
   </p:cSld>

--- a/GPU Project/Project.pptx
+++ b/GPU Project/Project.pptx
@@ -10,11 +10,11 @@
   <p:sldIdLst>
     <p:sldId id="258" r:id="rId2"/>
     <p:sldId id="260" r:id="rId3"/>
-    <p:sldId id="268" r:id="rId4"/>
-    <p:sldId id="271" r:id="rId5"/>
-    <p:sldId id="270" r:id="rId6"/>
-    <p:sldId id="267" r:id="rId7"/>
-    <p:sldId id="269" r:id="rId8"/>
+    <p:sldId id="270" r:id="rId4"/>
+    <p:sldId id="267" r:id="rId5"/>
+    <p:sldId id="269" r:id="rId6"/>
+    <p:sldId id="268" r:id="rId7"/>
+    <p:sldId id="271" r:id="rId8"/>
     <p:sldId id="262" r:id="rId9"/>
     <p:sldId id="257" r:id="rId10"/>
     <p:sldId id="256" r:id="rId11"/>
@@ -3829,6 +3829,128 @@
           </a:p>
         </p:txBody>
       </p:sp>
+      <p:sp>
+        <p:nvSpPr>
+          <p:cNvPr id="4" name="Oval 3">
+            <a:extLst>
+              <a:ext uri="{FF2B5EF4-FFF2-40B4-BE49-F238E27FC236}">
+                <a16:creationId xmlns:a16="http://schemas.microsoft.com/office/drawing/2014/main" id="{60B7EC57-CDBE-434D-A8F4-98D6D8F1A949}"/>
+              </a:ext>
+            </a:extLst>
+          </p:cNvPr>
+          <p:cNvSpPr/>
+          <p:nvPr/>
+        </p:nvSpPr>
+        <p:spPr>
+          <a:xfrm>
+            <a:off x="3123354" y="4186671"/>
+            <a:ext cx="530353" cy="486496"/>
+          </a:xfrm>
+          <a:prstGeom prst="ellipse">
+            <a:avLst/>
+          </a:prstGeom>
+          <a:solidFill>
+            <a:schemeClr val="accent4">
+              <a:lumMod val="60000"/>
+              <a:lumOff val="40000"/>
+            </a:schemeClr>
+          </a:solidFill>
+        </p:spPr>
+        <p:style>
+          <a:lnRef idx="2">
+            <a:schemeClr val="accent1">
+              <a:shade val="50000"/>
+            </a:schemeClr>
+          </a:lnRef>
+          <a:fillRef idx="1">
+            <a:schemeClr val="accent1"/>
+          </a:fillRef>
+          <a:effectRef idx="0">
+            <a:schemeClr val="accent1"/>
+          </a:effectRef>
+          <a:fontRef idx="minor">
+            <a:schemeClr val="lt1"/>
+          </a:fontRef>
+        </p:style>
+        <p:txBody>
+          <a:bodyPr rtlCol="0" anchor="ctr"/>
+          <a:lstStyle/>
+          <a:p>
+            <a:pPr algn="ctr"/>
+            <a:r>
+              <a:rPr lang="en-US" dirty="0">
+                <a:solidFill>
+                  <a:schemeClr val="accent4">
+                    <a:lumMod val="50000"/>
+                  </a:schemeClr>
+                </a:solidFill>
+              </a:rPr>
+              <a:t>1</a:t>
+            </a:r>
+          </a:p>
+        </p:txBody>
+      </p:sp>
+      <p:sp>
+        <p:nvSpPr>
+          <p:cNvPr id="6" name="Oval 5">
+            <a:extLst>
+              <a:ext uri="{FF2B5EF4-FFF2-40B4-BE49-F238E27FC236}">
+                <a16:creationId xmlns:a16="http://schemas.microsoft.com/office/drawing/2014/main" id="{795839A2-C982-41B2-9511-51EB97B4CB30}"/>
+              </a:ext>
+            </a:extLst>
+          </p:cNvPr>
+          <p:cNvSpPr/>
+          <p:nvPr/>
+        </p:nvSpPr>
+        <p:spPr>
+          <a:xfrm>
+            <a:off x="3899905" y="4186671"/>
+            <a:ext cx="530353" cy="486496"/>
+          </a:xfrm>
+          <a:prstGeom prst="ellipse">
+            <a:avLst/>
+          </a:prstGeom>
+          <a:solidFill>
+            <a:schemeClr val="accent4">
+              <a:lumMod val="60000"/>
+              <a:lumOff val="40000"/>
+            </a:schemeClr>
+          </a:solidFill>
+        </p:spPr>
+        <p:style>
+          <a:lnRef idx="2">
+            <a:schemeClr val="accent1">
+              <a:shade val="50000"/>
+            </a:schemeClr>
+          </a:lnRef>
+          <a:fillRef idx="1">
+            <a:schemeClr val="accent1"/>
+          </a:fillRef>
+          <a:effectRef idx="0">
+            <a:schemeClr val="accent1"/>
+          </a:effectRef>
+          <a:fontRef idx="minor">
+            <a:schemeClr val="lt1"/>
+          </a:fontRef>
+        </p:style>
+        <p:txBody>
+          <a:bodyPr rtlCol="0" anchor="ctr"/>
+          <a:lstStyle/>
+          <a:p>
+            <a:pPr algn="ctr"/>
+            <a:r>
+              <a:rPr lang="en-US" dirty="0">
+                <a:solidFill>
+                  <a:schemeClr val="accent4">
+                    <a:lumMod val="50000"/>
+                  </a:schemeClr>
+                </a:solidFill>
+              </a:rPr>
+              <a:t>1</a:t>
+            </a:r>
+          </a:p>
+        </p:txBody>
+      </p:sp>
     </p:spTree>
     <p:extLst>
       <p:ext uri="{BB962C8B-B14F-4D97-AF65-F5344CB8AC3E}">
@@ -4253,9 +4375,19 @@
                   </a:schemeClr>
                 </a:solidFill>
               </a:rPr>
-              <a:t>Hyperthreading; Different Discussion</a:t>
+              <a:t>Hyperthreading; </a:t>
             </a:r>
-            <a:endParaRPr lang="en-US" sz="1200" dirty="0">
+            <a:r>
+              <a:rPr lang="en-US" sz="900" i="1" dirty="0">
+                <a:solidFill>
+                  <a:schemeClr val="accent1">
+                    <a:lumMod val="75000"/>
+                  </a:schemeClr>
+                </a:solidFill>
+              </a:rPr>
+              <a:t>Different Discussion</a:t>
+            </a:r>
+            <a:endParaRPr lang="en-US" sz="1200" i="1" dirty="0">
               <a:solidFill>
                 <a:schemeClr val="accent1">
                   <a:lumMod val="75000"/>
@@ -4349,7 +4481,7 @@
             </a:pPr>
             <a:r>
               <a:rPr lang="en-US" dirty="0"/>
-              <a:t>Please Excuse My Dear Aunt Sally</a:t>
+              <a:t>This can easily be parallelized!</a:t>
             </a:r>
           </a:p>
         </p:txBody>
@@ -4888,10 +5020,10 @@
       </p:cxnSp>
       <p:graphicFrame>
         <p:nvGraphicFramePr>
-          <p:cNvPr id="14" name="Table 13">
-            <a:extLst>
-              <a:ext uri="{FF2B5EF4-FFF2-40B4-BE49-F238E27FC236}">
-                <a16:creationId xmlns:a16="http://schemas.microsoft.com/office/drawing/2014/main" id="{26E590C9-A13E-4E23-84F3-1BAC1656F24B}"/>
+          <p:cNvPr id="4" name="Table 3">
+            <a:extLst>
+              <a:ext uri="{FF2B5EF4-FFF2-40B4-BE49-F238E27FC236}">
+                <a16:creationId xmlns:a16="http://schemas.microsoft.com/office/drawing/2014/main" id="{E4D7381B-AD13-4EC3-ACAD-977262BCA488}"/>
               </a:ext>
             </a:extLst>
           </p:cNvPr>
@@ -4901,14 +5033,14 @@
           <p:nvPr>
             <p:extLst>
               <p:ext uri="{D42A27DB-BD31-4B8C-83A1-F6EECF244321}">
-                <p14:modId xmlns:p14="http://schemas.microsoft.com/office/powerpoint/2010/main" val="2083309263"/>
+                <p14:modId xmlns:p14="http://schemas.microsoft.com/office/powerpoint/2010/main" val="1749047161"/>
               </p:ext>
             </p:extLst>
           </p:nvPr>
         </p:nvGraphicFramePr>
         <p:xfrm>
-          <a:off x="8276985" y="2896672"/>
-          <a:ext cx="876300" cy="365760"/>
+          <a:off x="1097431" y="2981226"/>
+          <a:ext cx="3086100" cy="365760"/>
         </p:xfrm>
         <a:graphic>
           <a:graphicData uri="http://schemas.openxmlformats.org/drawingml/2006/table">
@@ -4917,10 +5049,17 @@
                 <a:tableStyleId>{5C22544A-7EE6-4342-B048-85BDC9FD1C3A}</a:tableStyleId>
               </a:tblPr>
               <a:tblGrid>
-                <a:gridCol w="876300">
+                <a:gridCol w="1333500">
                   <a:extLst>
                     <a:ext uri="{9D8B030D-6E8A-4147-A177-3AD203B41FA5}">
-                      <a16:colId xmlns:a16="http://schemas.microsoft.com/office/drawing/2014/main" val="4076298313"/>
+                      <a16:colId xmlns:a16="http://schemas.microsoft.com/office/drawing/2014/main" val="1462700156"/>
+                    </a:ext>
+                  </a:extLst>
+                </a:gridCol>
+                <a:gridCol w="1752600">
+                  <a:extLst>
+                    <a:ext uri="{9D8B030D-6E8A-4147-A177-3AD203B41FA5}">
+                      <a16:colId xmlns:a16="http://schemas.microsoft.com/office/drawing/2014/main" val="3264519394"/>
                     </a:ext>
                   </a:extLst>
                 </a:gridCol>
@@ -4933,122 +5072,12 @@
                     <a:p>
                       <a:pPr algn="ctr" fontAlgn="b"/>
                       <a:r>
-                        <a:rPr lang="en-US" sz="1100" u="none" strike="noStrike" dirty="0">
-                          <a:effectLst/>
-                        </a:rPr>
-                        <a:t> Bunnies</a:t>
-                      </a:r>
-                      <a:endParaRPr lang="en-US" sz="1100" b="0" i="0" u="none" strike="noStrike" dirty="0">
-                        <a:solidFill>
-                          <a:srgbClr val="FFFFFF"/>
-                        </a:solidFill>
-                        <a:effectLst/>
-                        <a:latin typeface="Calibri" panose="020F0502020204030204" pitchFamily="34" charset="0"/>
-                      </a:endParaRPr>
-                    </a:p>
-                  </a:txBody>
-                  <a:tcPr marL="3810" marR="3810" marT="3810" marB="0" anchor="b"/>
-                </a:tc>
-                <a:extLst>
-                  <a:ext uri="{0D108BD9-81ED-4DB2-BD59-A6C34878D82A}">
-                    <a16:rowId xmlns:a16="http://schemas.microsoft.com/office/drawing/2014/main" val="1217616576"/>
-                  </a:ext>
-                </a:extLst>
-              </a:tr>
-              <a:tr h="182880">
-                <a:tc>
-                  <a:txBody>
-                    <a:bodyPr/>
-                    <a:lstStyle/>
-                    <a:p>
-                      <a:pPr algn="ctr" fontAlgn="b"/>
-                      <a:r>
-                        <a:rPr lang="en-US" sz="1100" u="none" strike="noStrike" dirty="0">
-                          <a:effectLst/>
-                        </a:rPr>
-                        <a:t>16,777,216</a:t>
-                      </a:r>
-                      <a:endParaRPr lang="en-US" sz="1100" b="0" i="0" u="none" strike="noStrike" dirty="0">
-                        <a:solidFill>
-                          <a:srgbClr val="FFFFFF"/>
-                        </a:solidFill>
-                        <a:effectLst/>
-                        <a:latin typeface="Calibri" panose="020F0502020204030204" pitchFamily="34" charset="0"/>
-                      </a:endParaRPr>
-                    </a:p>
-                  </a:txBody>
-                  <a:tcPr marL="3810" marR="3810" marT="3810" marB="0" anchor="b"/>
-                </a:tc>
-                <a:extLst>
-                  <a:ext uri="{0D108BD9-81ED-4DB2-BD59-A6C34878D82A}">
-                    <a16:rowId xmlns:a16="http://schemas.microsoft.com/office/drawing/2014/main" val="812119235"/>
-                  </a:ext>
-                </a:extLst>
-              </a:tr>
-            </a:tbl>
-          </a:graphicData>
-        </a:graphic>
-      </p:graphicFrame>
-      <p:graphicFrame>
-        <p:nvGraphicFramePr>
-          <p:cNvPr id="15" name="Table 14">
-            <a:extLst>
-              <a:ext uri="{FF2B5EF4-FFF2-40B4-BE49-F238E27FC236}">
-                <a16:creationId xmlns:a16="http://schemas.microsoft.com/office/drawing/2014/main" id="{61734503-BFC2-4570-B7B9-4B0466189AC9}"/>
-              </a:ext>
-            </a:extLst>
-          </p:cNvPr>
-          <p:cNvGraphicFramePr>
-            <a:graphicFrameLocks noGrp="1"/>
-          </p:cNvGraphicFramePr>
-          <p:nvPr>
-            <p:extLst>
-              <p:ext uri="{D42A27DB-BD31-4B8C-83A1-F6EECF244321}">
-                <p14:modId xmlns:p14="http://schemas.microsoft.com/office/powerpoint/2010/main" val="181222896"/>
-              </p:ext>
-            </p:extLst>
-          </p:nvPr>
-        </p:nvGraphicFramePr>
-        <p:xfrm>
-          <a:off x="1534595" y="2981226"/>
-          <a:ext cx="2654300" cy="365760"/>
-        </p:xfrm>
-        <a:graphic>
-          <a:graphicData uri="http://schemas.openxmlformats.org/drawingml/2006/table">
-            <a:tbl>
-              <a:tblPr>
-                <a:tableStyleId>{5C22544A-7EE6-4342-B048-85BDC9FD1C3A}</a:tableStyleId>
-              </a:tblPr>
-              <a:tblGrid>
-                <a:gridCol w="1333500">
-                  <a:extLst>
-                    <a:ext uri="{9D8B030D-6E8A-4147-A177-3AD203B41FA5}">
-                      <a16:colId xmlns:a16="http://schemas.microsoft.com/office/drawing/2014/main" val="415420212"/>
-                    </a:ext>
-                  </a:extLst>
-                </a:gridCol>
-                <a:gridCol w="1320800">
-                  <a:extLst>
-                    <a:ext uri="{9D8B030D-6E8A-4147-A177-3AD203B41FA5}">
-                      <a16:colId xmlns:a16="http://schemas.microsoft.com/office/drawing/2014/main" val="2697755820"/>
-                    </a:ext>
-                  </a:extLst>
-                </a:gridCol>
-              </a:tblGrid>
-              <a:tr h="182880">
-                <a:tc>
-                  <a:txBody>
-                    <a:bodyPr/>
-                    <a:lstStyle/>
-                    <a:p>
-                      <a:pPr algn="ctr" fontAlgn="b"/>
-                      <a:r>
-                        <a:rPr lang="en-US" sz="1100" u="none" strike="noStrike" dirty="0">
+                        <a:rPr lang="en-US" sz="1100" u="none" strike="noStrike">
                           <a:effectLst/>
                         </a:rPr>
                         <a:t>1 Core</a:t>
                       </a:r>
-                      <a:endParaRPr lang="en-US" sz="1100" b="0" i="0" u="none" strike="noStrike" dirty="0">
+                      <a:endParaRPr lang="en-US" sz="1100" b="0" i="0" u="none" strike="noStrike">
                         <a:solidFill>
                           <a:srgbClr val="FFFFFF"/>
                         </a:solidFill>
@@ -5084,7 +5113,7 @@
                 </a:tc>
                 <a:extLst>
                   <a:ext uri="{0D108BD9-81ED-4DB2-BD59-A6C34878D82A}">
-                    <a16:rowId xmlns:a16="http://schemas.microsoft.com/office/drawing/2014/main" val="842728541"/>
+                    <a16:rowId xmlns:a16="http://schemas.microsoft.com/office/drawing/2014/main" val="1601506200"/>
                   </a:ext>
                 </a:extLst>
               </a:tr>
@@ -5096,12 +5125,12 @@
                     <a:p>
                       <a:pPr algn="ctr" fontAlgn="b"/>
                       <a:r>
-                        <a:rPr lang="en-US" sz="1100" u="none" strike="noStrike" dirty="0">
+                        <a:rPr lang="en-US" sz="1100" u="none" strike="noStrike">
                           <a:effectLst/>
                         </a:rPr>
-                        <a:t>Exponential Bunnies =</a:t>
+                        <a:t>Multiples of Bunnies =</a:t>
                       </a:r>
-                      <a:endParaRPr lang="en-US" sz="1100" b="0" i="0" u="none" strike="noStrike" dirty="0">
+                      <a:endParaRPr lang="en-US" sz="1100" b="0" i="0" u="none" strike="noStrike">
                         <a:solidFill>
                           <a:srgbClr val="FFFFFF"/>
                         </a:solidFill>
@@ -5122,7 +5151,7 @@
                         <a:rPr lang="en-US" sz="1100" u="none" strike="noStrike" dirty="0">
                           <a:effectLst/>
                         </a:rPr>
-                        <a:t>2^3^2^4=</a:t>
+                        <a:t>2*8*6*7*5*7*2*8*6*7*5*7=</a:t>
                       </a:r>
                       <a:endParaRPr lang="en-US" sz="1100" b="0" i="0" u="none" strike="noStrike" dirty="0">
                         <a:solidFill>
@@ -5137,7 +5166,110 @@
                 </a:tc>
                 <a:extLst>
                   <a:ext uri="{0D108BD9-81ED-4DB2-BD59-A6C34878D82A}">
-                    <a16:rowId xmlns:a16="http://schemas.microsoft.com/office/drawing/2014/main" val="3076039267"/>
+                    <a16:rowId xmlns:a16="http://schemas.microsoft.com/office/drawing/2014/main" val="3572360309"/>
+                  </a:ext>
+                </a:extLst>
+              </a:tr>
+            </a:tbl>
+          </a:graphicData>
+        </a:graphic>
+      </p:graphicFrame>
+      <p:graphicFrame>
+        <p:nvGraphicFramePr>
+          <p:cNvPr id="13" name="Table 12">
+            <a:extLst>
+              <a:ext uri="{FF2B5EF4-FFF2-40B4-BE49-F238E27FC236}">
+                <a16:creationId xmlns:a16="http://schemas.microsoft.com/office/drawing/2014/main" id="{4FB80C89-576E-44DB-98C5-30466298EAD1}"/>
+              </a:ext>
+            </a:extLst>
+          </p:cNvPr>
+          <p:cNvGraphicFramePr>
+            <a:graphicFrameLocks noGrp="1"/>
+          </p:cNvGraphicFramePr>
+          <p:nvPr>
+            <p:extLst>
+              <p:ext uri="{D42A27DB-BD31-4B8C-83A1-F6EECF244321}">
+                <p14:modId xmlns:p14="http://schemas.microsoft.com/office/powerpoint/2010/main" val="1537869984"/>
+              </p:ext>
+            </p:extLst>
+          </p:nvPr>
+        </p:nvGraphicFramePr>
+        <p:xfrm>
+          <a:off x="8276985" y="2864996"/>
+          <a:ext cx="876300" cy="365760"/>
+        </p:xfrm>
+        <a:graphic>
+          <a:graphicData uri="http://schemas.openxmlformats.org/drawingml/2006/table">
+            <a:tbl>
+              <a:tblPr>
+                <a:tableStyleId>{5C22544A-7EE6-4342-B048-85BDC9FD1C3A}</a:tableStyleId>
+              </a:tblPr>
+              <a:tblGrid>
+                <a:gridCol w="876300">
+                  <a:extLst>
+                    <a:ext uri="{9D8B030D-6E8A-4147-A177-3AD203B41FA5}">
+                      <a16:colId xmlns:a16="http://schemas.microsoft.com/office/drawing/2014/main" val="13533192"/>
+                    </a:ext>
+                  </a:extLst>
+                </a:gridCol>
+              </a:tblGrid>
+              <a:tr h="182880">
+                <a:tc>
+                  <a:txBody>
+                    <a:bodyPr/>
+                    <a:lstStyle/>
+                    <a:p>
+                      <a:pPr algn="ctr" fontAlgn="b"/>
+                      <a:r>
+                        <a:rPr lang="en-US" sz="1100" u="none" strike="noStrike" dirty="0">
+                          <a:effectLst/>
+                        </a:rPr>
+                        <a:t>Bunnies</a:t>
+                      </a:r>
+                      <a:endParaRPr lang="en-US" sz="1100" b="0" i="0" u="none" strike="noStrike" dirty="0">
+                        <a:solidFill>
+                          <a:srgbClr val="FFFFFF"/>
+                        </a:solidFill>
+                        <a:effectLst/>
+                        <a:latin typeface="Calibri" panose="020F0502020204030204" pitchFamily="34" charset="0"/>
+                      </a:endParaRPr>
+                    </a:p>
+                  </a:txBody>
+                  <a:tcPr marL="3810" marR="3810" marT="3810" marB="0" anchor="b"/>
+                </a:tc>
+                <a:extLst>
+                  <a:ext uri="{0D108BD9-81ED-4DB2-BD59-A6C34878D82A}">
+                    <a16:rowId xmlns:a16="http://schemas.microsoft.com/office/drawing/2014/main" val="2547156325"/>
+                  </a:ext>
+                </a:extLst>
+              </a:tr>
+              <a:tr h="182880">
+                <a:tc>
+                  <a:txBody>
+                    <a:bodyPr/>
+                    <a:lstStyle/>
+                    <a:p>
+                      <a:pPr algn="ctr" fontAlgn="b"/>
+                      <a:r>
+                        <a:rPr lang="en-US" sz="1100" u="none" strike="noStrike" dirty="0">
+                          <a:effectLst/>
+                        </a:rPr>
+                        <a:t>553,190,400</a:t>
+                      </a:r>
+                      <a:endParaRPr lang="en-US" sz="1100" b="0" i="0" u="none" strike="noStrike" dirty="0">
+                        <a:solidFill>
+                          <a:srgbClr val="FFFFFF"/>
+                        </a:solidFill>
+                        <a:effectLst/>
+                        <a:latin typeface="Calibri" panose="020F0502020204030204" pitchFamily="34" charset="0"/>
+                      </a:endParaRPr>
+                    </a:p>
+                  </a:txBody>
+                  <a:tcPr marL="3810" marR="3810" marT="3810" marB="0" anchor="b"/>
+                </a:tc>
+                <a:extLst>
+                  <a:ext uri="{0D108BD9-81ED-4DB2-BD59-A6C34878D82A}">
+                    <a16:rowId xmlns:a16="http://schemas.microsoft.com/office/drawing/2014/main" val="2530310997"/>
                   </a:ext>
                 </a:extLst>
               </a:tr>
@@ -5148,7 +5280,7 @@
     </p:spTree>
     <p:extLst>
       <p:ext uri="{BB962C8B-B14F-4D97-AF65-F5344CB8AC3E}">
-        <p14:creationId xmlns:p14="http://schemas.microsoft.com/office/powerpoint/2010/main" val="3894245546"/>
+        <p14:creationId xmlns:p14="http://schemas.microsoft.com/office/powerpoint/2010/main" val="1755076258"/>
       </p:ext>
     </p:extLst>
   </p:cSld>
@@ -5198,13 +5330,8 @@
           <a:p>
             <a:r>
               <a:rPr lang="en-US" dirty="0"/>
-              <a:t>No </a:t>
+              <a:t>Parallel Processing</a:t>
             </a:r>
-            <a:r>
-              <a:rPr lang="en-US" dirty="0" err="1"/>
-              <a:t>No</a:t>
-            </a:r>
-            <a:endParaRPr lang="en-US" dirty="0"/>
           </a:p>
         </p:txBody>
       </p:sp>
@@ -5229,12 +5356,2833 @@
           <a:bodyPr/>
           <a:lstStyle/>
           <a:p>
+            <a:r>
+              <a:rPr lang="en-US" dirty="0"/>
+              <a:t>We can easily parallelize instructions </a:t>
+            </a:r>
+            <a:r>
+              <a:rPr lang="en-US" u="sng" dirty="0"/>
+              <a:t>that can be processed independently</a:t>
+            </a:r>
+          </a:p>
+          <a:p>
+            <a:pPr marL="0" indent="0">
+              <a:buNone/>
+            </a:pPr>
+            <a:endParaRPr lang="en-US" dirty="0"/>
+          </a:p>
+        </p:txBody>
+      </p:sp>
+      <p:grpSp>
+        <p:nvGrpSpPr>
+          <p:cNvPr id="5" name="Group 4">
+            <a:extLst>
+              <a:ext uri="{FF2B5EF4-FFF2-40B4-BE49-F238E27FC236}">
+                <a16:creationId xmlns:a16="http://schemas.microsoft.com/office/drawing/2014/main" id="{C3F210F0-301F-4369-8EC5-3CDB5E98AD25}"/>
+              </a:ext>
+            </a:extLst>
+          </p:cNvPr>
+          <p:cNvGrpSpPr/>
+          <p:nvPr/>
+        </p:nvGrpSpPr>
+        <p:grpSpPr>
+          <a:xfrm>
+            <a:off x="4798745" y="2626747"/>
+            <a:ext cx="2594510" cy="2749094"/>
+            <a:chOff x="5447924" y="3151100"/>
+            <a:chExt cx="1929653" cy="2127624"/>
+          </a:xfrm>
+        </p:grpSpPr>
+        <p:sp>
+          <p:nvSpPr>
+            <p:cNvPr id="6" name="Rectangle 5">
+              <a:extLst>
+                <a:ext uri="{FF2B5EF4-FFF2-40B4-BE49-F238E27FC236}">
+                  <a16:creationId xmlns:a16="http://schemas.microsoft.com/office/drawing/2014/main" id="{E2756E32-F5A5-4306-8AA3-8A33C9D7531F}"/>
+                </a:ext>
+              </a:extLst>
+            </p:cNvPr>
+            <p:cNvSpPr/>
+            <p:nvPr/>
+          </p:nvSpPr>
+          <p:spPr>
+            <a:xfrm>
+              <a:off x="5447924" y="3151100"/>
+              <a:ext cx="1929653" cy="2127624"/>
+            </a:xfrm>
+            <a:prstGeom prst="rect">
+              <a:avLst/>
+            </a:prstGeom>
+          </p:spPr>
+          <p:style>
+            <a:lnRef idx="2">
+              <a:schemeClr val="accent1">
+                <a:shade val="50000"/>
+              </a:schemeClr>
+            </a:lnRef>
+            <a:fillRef idx="1">
+              <a:schemeClr val="accent1"/>
+            </a:fillRef>
+            <a:effectRef idx="0">
+              <a:schemeClr val="accent1"/>
+            </a:effectRef>
+            <a:fontRef idx="minor">
+              <a:schemeClr val="lt1"/>
+            </a:fontRef>
+          </p:style>
+          <p:txBody>
+            <a:bodyPr rtlCol="0" anchor="ctr"/>
+            <a:lstStyle/>
+            <a:p>
+              <a:pPr algn="ctr"/>
+              <a:endParaRPr lang="en-US"/>
+            </a:p>
+          </p:txBody>
+        </p:sp>
+        <p:sp>
+          <p:nvSpPr>
+            <p:cNvPr id="7" name="Oval 6">
+              <a:extLst>
+                <a:ext uri="{FF2B5EF4-FFF2-40B4-BE49-F238E27FC236}">
+                  <a16:creationId xmlns:a16="http://schemas.microsoft.com/office/drawing/2014/main" id="{F36B273B-2E6F-401B-8BE9-DE0E8CD8080A}"/>
+                </a:ext>
+              </a:extLst>
+            </p:cNvPr>
+            <p:cNvSpPr/>
+            <p:nvPr/>
+          </p:nvSpPr>
+          <p:spPr>
+            <a:xfrm>
+              <a:off x="5794410" y="3421888"/>
+              <a:ext cx="394447" cy="376517"/>
+            </a:xfrm>
+            <a:prstGeom prst="ellipse">
+              <a:avLst/>
+            </a:prstGeom>
+            <a:solidFill>
+              <a:schemeClr val="accent4">
+                <a:lumMod val="60000"/>
+                <a:lumOff val="40000"/>
+              </a:schemeClr>
+            </a:solidFill>
+          </p:spPr>
+          <p:style>
+            <a:lnRef idx="2">
+              <a:schemeClr val="accent1">
+                <a:shade val="50000"/>
+              </a:schemeClr>
+            </a:lnRef>
+            <a:fillRef idx="1">
+              <a:schemeClr val="accent1"/>
+            </a:fillRef>
+            <a:effectRef idx="0">
+              <a:schemeClr val="accent1"/>
+            </a:effectRef>
+            <a:fontRef idx="minor">
+              <a:schemeClr val="lt1"/>
+            </a:fontRef>
+          </p:style>
+          <p:txBody>
+            <a:bodyPr rtlCol="0" anchor="ctr"/>
+            <a:lstStyle/>
+            <a:p>
+              <a:pPr algn="ctr"/>
+              <a:r>
+                <a:rPr lang="en-US" dirty="0">
+                  <a:solidFill>
+                    <a:schemeClr val="accent4">
+                      <a:lumMod val="50000"/>
+                    </a:schemeClr>
+                  </a:solidFill>
+                </a:rPr>
+                <a:t>1</a:t>
+              </a:r>
+            </a:p>
+          </p:txBody>
+        </p:sp>
+        <p:sp>
+          <p:nvSpPr>
+            <p:cNvPr id="8" name="Oval 7">
+              <a:extLst>
+                <a:ext uri="{FF2B5EF4-FFF2-40B4-BE49-F238E27FC236}">
+                  <a16:creationId xmlns:a16="http://schemas.microsoft.com/office/drawing/2014/main" id="{A5926C6F-5BC4-49AB-90C0-BF086DF37BD3}"/>
+                </a:ext>
+              </a:extLst>
+            </p:cNvPr>
+            <p:cNvSpPr/>
+            <p:nvPr/>
+          </p:nvSpPr>
+          <p:spPr>
+            <a:xfrm>
+              <a:off x="6613186" y="3421888"/>
+              <a:ext cx="394447" cy="376517"/>
+            </a:xfrm>
+            <a:prstGeom prst="ellipse">
+              <a:avLst/>
+            </a:prstGeom>
+            <a:solidFill>
+              <a:schemeClr val="accent4">
+                <a:lumMod val="60000"/>
+                <a:lumOff val="40000"/>
+              </a:schemeClr>
+            </a:solidFill>
+          </p:spPr>
+          <p:style>
+            <a:lnRef idx="2">
+              <a:schemeClr val="accent1">
+                <a:shade val="50000"/>
+              </a:schemeClr>
+            </a:lnRef>
+            <a:fillRef idx="1">
+              <a:schemeClr val="accent1"/>
+            </a:fillRef>
+            <a:effectRef idx="0">
+              <a:schemeClr val="accent1"/>
+            </a:effectRef>
+            <a:fontRef idx="minor">
+              <a:schemeClr val="lt1"/>
+            </a:fontRef>
+          </p:style>
+          <p:txBody>
+            <a:bodyPr rtlCol="0" anchor="ctr"/>
+            <a:lstStyle/>
+            <a:p>
+              <a:pPr algn="ctr"/>
+              <a:r>
+                <a:rPr lang="en-US" dirty="0">
+                  <a:solidFill>
+                    <a:schemeClr val="accent4">
+                      <a:lumMod val="50000"/>
+                    </a:schemeClr>
+                  </a:solidFill>
+                </a:rPr>
+                <a:t>2</a:t>
+              </a:r>
+            </a:p>
+          </p:txBody>
+        </p:sp>
+        <p:sp>
+          <p:nvSpPr>
+            <p:cNvPr id="9" name="Oval 8">
+              <a:extLst>
+                <a:ext uri="{FF2B5EF4-FFF2-40B4-BE49-F238E27FC236}">
+                  <a16:creationId xmlns:a16="http://schemas.microsoft.com/office/drawing/2014/main" id="{2C0142C4-6548-4751-A216-D79C7FE96BDE}"/>
+                </a:ext>
+              </a:extLst>
+            </p:cNvPr>
+            <p:cNvSpPr/>
+            <p:nvPr/>
+          </p:nvSpPr>
+          <p:spPr>
+            <a:xfrm>
+              <a:off x="5794408" y="4022522"/>
+              <a:ext cx="394447" cy="376517"/>
+            </a:xfrm>
+            <a:prstGeom prst="ellipse">
+              <a:avLst/>
+            </a:prstGeom>
+            <a:solidFill>
+              <a:schemeClr val="accent4">
+                <a:lumMod val="60000"/>
+                <a:lumOff val="40000"/>
+              </a:schemeClr>
+            </a:solidFill>
+          </p:spPr>
+          <p:style>
+            <a:lnRef idx="2">
+              <a:schemeClr val="accent1">
+                <a:shade val="50000"/>
+              </a:schemeClr>
+            </a:lnRef>
+            <a:fillRef idx="1">
+              <a:schemeClr val="accent1"/>
+            </a:fillRef>
+            <a:effectRef idx="0">
+              <a:schemeClr val="accent1"/>
+            </a:effectRef>
+            <a:fontRef idx="minor">
+              <a:schemeClr val="lt1"/>
+            </a:fontRef>
+          </p:style>
+          <p:txBody>
+            <a:bodyPr rtlCol="0" anchor="ctr"/>
+            <a:lstStyle/>
+            <a:p>
+              <a:pPr algn="ctr"/>
+              <a:r>
+                <a:rPr lang="en-US" dirty="0">
+                  <a:solidFill>
+                    <a:schemeClr val="accent4">
+                      <a:lumMod val="50000"/>
+                    </a:schemeClr>
+                  </a:solidFill>
+                </a:rPr>
+                <a:t>3</a:t>
+              </a:r>
+            </a:p>
+          </p:txBody>
+        </p:sp>
+        <p:sp>
+          <p:nvSpPr>
+            <p:cNvPr id="10" name="Oval 9">
+              <a:extLst>
+                <a:ext uri="{FF2B5EF4-FFF2-40B4-BE49-F238E27FC236}">
+                  <a16:creationId xmlns:a16="http://schemas.microsoft.com/office/drawing/2014/main" id="{57028D69-760A-4400-9D4A-B9D5D4A475A9}"/>
+                </a:ext>
+              </a:extLst>
+            </p:cNvPr>
+            <p:cNvSpPr/>
+            <p:nvPr/>
+          </p:nvSpPr>
+          <p:spPr>
+            <a:xfrm>
+              <a:off x="6613185" y="4022522"/>
+              <a:ext cx="394447" cy="376517"/>
+            </a:xfrm>
+            <a:prstGeom prst="ellipse">
+              <a:avLst/>
+            </a:prstGeom>
+            <a:solidFill>
+              <a:schemeClr val="accent4">
+                <a:lumMod val="60000"/>
+                <a:lumOff val="40000"/>
+              </a:schemeClr>
+            </a:solidFill>
+          </p:spPr>
+          <p:style>
+            <a:lnRef idx="2">
+              <a:schemeClr val="accent1">
+                <a:shade val="50000"/>
+              </a:schemeClr>
+            </a:lnRef>
+            <a:fillRef idx="1">
+              <a:schemeClr val="accent1"/>
+            </a:fillRef>
+            <a:effectRef idx="0">
+              <a:schemeClr val="accent1"/>
+            </a:effectRef>
+            <a:fontRef idx="minor">
+              <a:schemeClr val="lt1"/>
+            </a:fontRef>
+          </p:style>
+          <p:txBody>
+            <a:bodyPr rtlCol="0" anchor="ctr"/>
+            <a:lstStyle/>
+            <a:p>
+              <a:pPr algn="ctr"/>
+              <a:r>
+                <a:rPr lang="en-US" dirty="0">
+                  <a:solidFill>
+                    <a:schemeClr val="accent4">
+                      <a:lumMod val="50000"/>
+                    </a:schemeClr>
+                  </a:solidFill>
+                </a:rPr>
+                <a:t>4</a:t>
+              </a:r>
+            </a:p>
+          </p:txBody>
+        </p:sp>
+        <p:sp>
+          <p:nvSpPr>
+            <p:cNvPr id="11" name="Oval 10">
+              <a:extLst>
+                <a:ext uri="{FF2B5EF4-FFF2-40B4-BE49-F238E27FC236}">
+                  <a16:creationId xmlns:a16="http://schemas.microsoft.com/office/drawing/2014/main" id="{88FE90D8-F017-41AD-917C-16F3E0CB31EA}"/>
+                </a:ext>
+              </a:extLst>
+            </p:cNvPr>
+            <p:cNvSpPr/>
+            <p:nvPr/>
+          </p:nvSpPr>
+          <p:spPr>
+            <a:xfrm>
+              <a:off x="5794408" y="4623158"/>
+              <a:ext cx="394447" cy="376517"/>
+            </a:xfrm>
+            <a:prstGeom prst="ellipse">
+              <a:avLst/>
+            </a:prstGeom>
+            <a:solidFill>
+              <a:schemeClr val="accent4">
+                <a:lumMod val="60000"/>
+                <a:lumOff val="40000"/>
+              </a:schemeClr>
+            </a:solidFill>
+          </p:spPr>
+          <p:style>
+            <a:lnRef idx="2">
+              <a:schemeClr val="accent1">
+                <a:shade val="50000"/>
+              </a:schemeClr>
+            </a:lnRef>
+            <a:fillRef idx="1">
+              <a:schemeClr val="accent1"/>
+            </a:fillRef>
+            <a:effectRef idx="0">
+              <a:schemeClr val="accent1"/>
+            </a:effectRef>
+            <a:fontRef idx="minor">
+              <a:schemeClr val="lt1"/>
+            </a:fontRef>
+          </p:style>
+          <p:txBody>
+            <a:bodyPr rtlCol="0" anchor="ctr"/>
+            <a:lstStyle/>
+            <a:p>
+              <a:pPr algn="ctr"/>
+              <a:r>
+                <a:rPr lang="en-US" dirty="0">
+                  <a:solidFill>
+                    <a:schemeClr val="accent4">
+                      <a:lumMod val="50000"/>
+                    </a:schemeClr>
+                  </a:solidFill>
+                </a:rPr>
+                <a:t>5</a:t>
+              </a:r>
+            </a:p>
+          </p:txBody>
+        </p:sp>
+        <p:sp>
+          <p:nvSpPr>
+            <p:cNvPr id="12" name="Oval 11">
+              <a:extLst>
+                <a:ext uri="{FF2B5EF4-FFF2-40B4-BE49-F238E27FC236}">
+                  <a16:creationId xmlns:a16="http://schemas.microsoft.com/office/drawing/2014/main" id="{08012994-CE5C-43CE-9E8A-1F9A35D08D3F}"/>
+                </a:ext>
+              </a:extLst>
+            </p:cNvPr>
+            <p:cNvSpPr/>
+            <p:nvPr/>
+          </p:nvSpPr>
+          <p:spPr>
+            <a:xfrm>
+              <a:off x="6613185" y="4623156"/>
+              <a:ext cx="394447" cy="376517"/>
+            </a:xfrm>
+            <a:prstGeom prst="ellipse">
+              <a:avLst/>
+            </a:prstGeom>
+            <a:solidFill>
+              <a:schemeClr val="accent4">
+                <a:lumMod val="60000"/>
+                <a:lumOff val="40000"/>
+              </a:schemeClr>
+            </a:solidFill>
+          </p:spPr>
+          <p:style>
+            <a:lnRef idx="2">
+              <a:schemeClr val="accent1">
+                <a:shade val="50000"/>
+              </a:schemeClr>
+            </a:lnRef>
+            <a:fillRef idx="1">
+              <a:schemeClr val="accent1"/>
+            </a:fillRef>
+            <a:effectRef idx="0">
+              <a:schemeClr val="accent1"/>
+            </a:effectRef>
+            <a:fontRef idx="minor">
+              <a:schemeClr val="lt1"/>
+            </a:fontRef>
+          </p:style>
+          <p:txBody>
+            <a:bodyPr rtlCol="0" anchor="ctr"/>
+            <a:lstStyle/>
+            <a:p>
+              <a:pPr algn="ctr"/>
+              <a:r>
+                <a:rPr lang="en-US" dirty="0">
+                  <a:solidFill>
+                    <a:schemeClr val="accent4">
+                      <a:lumMod val="50000"/>
+                    </a:schemeClr>
+                  </a:solidFill>
+                </a:rPr>
+                <a:t>6</a:t>
+              </a:r>
+            </a:p>
+          </p:txBody>
+        </p:sp>
+      </p:grpSp>
+      <p:cxnSp>
+        <p:nvCxnSpPr>
+          <p:cNvPr id="33" name="Connector: Curved 32">
+            <a:extLst>
+              <a:ext uri="{FF2B5EF4-FFF2-40B4-BE49-F238E27FC236}">
+                <a16:creationId xmlns:a16="http://schemas.microsoft.com/office/drawing/2014/main" id="{E168ACAA-8100-4AC0-8C37-F1258B82E844}"/>
+              </a:ext>
+            </a:extLst>
+          </p:cNvPr>
+          <p:cNvCxnSpPr>
+            <a:cxnSpLocks/>
+            <a:endCxn id="7" idx="0"/>
+          </p:cNvCxnSpPr>
+          <p:nvPr/>
+        </p:nvCxnSpPr>
+        <p:spPr>
+          <a:xfrm flipV="1">
+            <a:off x="4249939" y="2976631"/>
+            <a:ext cx="1279850" cy="592380"/>
+          </a:xfrm>
+          <a:prstGeom prst="curvedConnector4">
+            <a:avLst>
+              <a:gd name="adj1" fmla="val 39640"/>
+              <a:gd name="adj2" fmla="val 138590"/>
+            </a:avLst>
+          </a:prstGeom>
+          <a:ln w="28575">
+            <a:solidFill>
+              <a:schemeClr val="accent2">
+                <a:lumMod val="75000"/>
+              </a:schemeClr>
+            </a:solidFill>
+            <a:tailEnd type="triangle"/>
+          </a:ln>
+        </p:spPr>
+        <p:style>
+          <a:lnRef idx="1">
+            <a:schemeClr val="accent1"/>
+          </a:lnRef>
+          <a:fillRef idx="0">
+            <a:schemeClr val="accent1"/>
+          </a:fillRef>
+          <a:effectRef idx="0">
+            <a:schemeClr val="accent1"/>
+          </a:effectRef>
+          <a:fontRef idx="minor">
+            <a:schemeClr val="tx1"/>
+          </a:fontRef>
+        </p:style>
+      </p:cxnSp>
+      <p:graphicFrame>
+        <p:nvGraphicFramePr>
+          <p:cNvPr id="37" name="Table 36">
+            <a:extLst>
+              <a:ext uri="{FF2B5EF4-FFF2-40B4-BE49-F238E27FC236}">
+                <a16:creationId xmlns:a16="http://schemas.microsoft.com/office/drawing/2014/main" id="{37ED3728-C4CA-4D70-B979-8033964335D5}"/>
+              </a:ext>
+            </a:extLst>
+          </p:cNvPr>
+          <p:cNvGraphicFramePr>
+            <a:graphicFrameLocks noGrp="1"/>
+          </p:cNvGraphicFramePr>
+          <p:nvPr>
+            <p:extLst>
+              <p:ext uri="{D42A27DB-BD31-4B8C-83A1-F6EECF244321}">
+                <p14:modId xmlns:p14="http://schemas.microsoft.com/office/powerpoint/2010/main" val="4154122824"/>
+              </p:ext>
+            </p:extLst>
+          </p:nvPr>
+        </p:nvGraphicFramePr>
+        <p:xfrm>
+          <a:off x="1142113" y="3286951"/>
+          <a:ext cx="3086100" cy="1280160"/>
+        </p:xfrm>
+        <a:graphic>
+          <a:graphicData uri="http://schemas.openxmlformats.org/drawingml/2006/table">
+            <a:tbl>
+              <a:tblPr>
+                <a:tableStyleId>{5C22544A-7EE6-4342-B048-85BDC9FD1C3A}</a:tableStyleId>
+              </a:tblPr>
+              <a:tblGrid>
+                <a:gridCol w="1333500">
+                  <a:extLst>
+                    <a:ext uri="{9D8B030D-6E8A-4147-A177-3AD203B41FA5}">
+                      <a16:colId xmlns:a16="http://schemas.microsoft.com/office/drawing/2014/main" val="3277071328"/>
+                    </a:ext>
+                  </a:extLst>
+                </a:gridCol>
+                <a:gridCol w="1752600">
+                  <a:extLst>
+                    <a:ext uri="{9D8B030D-6E8A-4147-A177-3AD203B41FA5}">
+                      <a16:colId xmlns:a16="http://schemas.microsoft.com/office/drawing/2014/main" val="56461802"/>
+                    </a:ext>
+                  </a:extLst>
+                </a:gridCol>
+              </a:tblGrid>
+              <a:tr h="182880">
+                <a:tc>
+                  <a:txBody>
+                    <a:bodyPr/>
+                    <a:lstStyle/>
+                    <a:p>
+                      <a:pPr algn="l" fontAlgn="b"/>
+                      <a:r>
+                        <a:rPr lang="en-US" sz="1100" u="none" strike="noStrike">
+                          <a:effectLst/>
+                        </a:rPr>
+                        <a:t>6 Cores</a:t>
+                      </a:r>
+                      <a:endParaRPr lang="en-US" sz="1100" b="0" i="0" u="none" strike="noStrike">
+                        <a:solidFill>
+                          <a:srgbClr val="FFFFFF"/>
+                        </a:solidFill>
+                        <a:effectLst/>
+                        <a:latin typeface="Calibri" panose="020F0502020204030204" pitchFamily="34" charset="0"/>
+                      </a:endParaRPr>
+                    </a:p>
+                  </a:txBody>
+                  <a:tcPr marL="3810" marR="3810" marT="3810" marB="0" anchor="b"/>
+                </a:tc>
+                <a:tc>
+                  <a:txBody>
+                    <a:bodyPr/>
+                    <a:lstStyle/>
+                    <a:p>
+                      <a:pPr algn="l" fontAlgn="b"/>
+                      <a:r>
+                        <a:rPr lang="en-US" sz="1100" u="none" strike="noStrike" dirty="0">
+                          <a:effectLst/>
+                        </a:rPr>
+                        <a:t>Parallel Instructions</a:t>
+                      </a:r>
+                      <a:endParaRPr lang="en-US" sz="1100" b="0" i="0" u="none" strike="noStrike" dirty="0">
+                        <a:solidFill>
+                          <a:srgbClr val="FFFFFF"/>
+                        </a:solidFill>
+                        <a:effectLst/>
+                        <a:latin typeface="Calibri" panose="020F0502020204030204" pitchFamily="34" charset="0"/>
+                      </a:endParaRPr>
+                    </a:p>
+                  </a:txBody>
+                  <a:tcPr marL="3810" marR="3810" marT="3810" marB="0" anchor="b"/>
+                </a:tc>
+                <a:extLst>
+                  <a:ext uri="{0D108BD9-81ED-4DB2-BD59-A6C34878D82A}">
+                    <a16:rowId xmlns:a16="http://schemas.microsoft.com/office/drawing/2014/main" val="464190089"/>
+                  </a:ext>
+                </a:extLst>
+              </a:tr>
+              <a:tr h="182880">
+                <a:tc>
+                  <a:txBody>
+                    <a:bodyPr/>
+                    <a:lstStyle/>
+                    <a:p>
+                      <a:pPr algn="r" fontAlgn="b"/>
+                      <a:r>
+                        <a:rPr lang="en-US" sz="1100" u="none" strike="noStrike">
+                          <a:effectLst/>
+                        </a:rPr>
+                        <a:t>Multiples of Bunnies =</a:t>
+                      </a:r>
+                      <a:endParaRPr lang="en-US" sz="1100" b="0" i="0" u="none" strike="noStrike">
+                        <a:solidFill>
+                          <a:srgbClr val="FFFFFF"/>
+                        </a:solidFill>
+                        <a:effectLst/>
+                        <a:latin typeface="Calibri" panose="020F0502020204030204" pitchFamily="34" charset="0"/>
+                      </a:endParaRPr>
+                    </a:p>
+                  </a:txBody>
+                  <a:tcPr marL="3810" marR="3810" marT="3810" marB="0" anchor="b"/>
+                </a:tc>
+                <a:tc>
+                  <a:txBody>
+                    <a:bodyPr/>
+                    <a:lstStyle/>
+                    <a:p>
+                      <a:pPr algn="r" fontAlgn="b"/>
+                      <a:r>
+                        <a:rPr lang="en-US" sz="1100" u="none" strike="noStrike">
+                          <a:effectLst/>
+                        </a:rPr>
+                        <a:t>5*6=</a:t>
+                      </a:r>
+                      <a:endParaRPr lang="en-US" sz="1100" b="0" i="0" u="none" strike="noStrike">
+                        <a:solidFill>
+                          <a:srgbClr val="FFFFFF"/>
+                        </a:solidFill>
+                        <a:effectLst/>
+                        <a:latin typeface="Calibri" panose="020F0502020204030204" pitchFamily="34" charset="0"/>
+                      </a:endParaRPr>
+                    </a:p>
+                  </a:txBody>
+                  <a:tcPr marL="3810" marR="3810" marT="3810" marB="0" anchor="b"/>
+                </a:tc>
+                <a:extLst>
+                  <a:ext uri="{0D108BD9-81ED-4DB2-BD59-A6C34878D82A}">
+                    <a16:rowId xmlns:a16="http://schemas.microsoft.com/office/drawing/2014/main" val="2557816670"/>
+                  </a:ext>
+                </a:extLst>
+              </a:tr>
+              <a:tr h="182880">
+                <a:tc>
+                  <a:txBody>
+                    <a:bodyPr/>
+                    <a:lstStyle/>
+                    <a:p>
+                      <a:pPr algn="r" fontAlgn="b"/>
+                      <a:r>
+                        <a:rPr lang="en-US" sz="1100" u="none" strike="noStrike">
+                          <a:effectLst/>
+                        </a:rPr>
+                        <a:t>Multiples of Bunnies =</a:t>
+                      </a:r>
+                      <a:endParaRPr lang="en-US" sz="1100" b="0" i="0" u="none" strike="noStrike">
+                        <a:solidFill>
+                          <a:srgbClr val="FFFFFF"/>
+                        </a:solidFill>
+                        <a:effectLst/>
+                        <a:latin typeface="Calibri" panose="020F0502020204030204" pitchFamily="34" charset="0"/>
+                      </a:endParaRPr>
+                    </a:p>
+                  </a:txBody>
+                  <a:tcPr marL="3810" marR="3810" marT="3810" marB="0" anchor="b"/>
+                </a:tc>
+                <a:tc>
+                  <a:txBody>
+                    <a:bodyPr/>
+                    <a:lstStyle/>
+                    <a:p>
+                      <a:pPr algn="r" fontAlgn="b"/>
+                      <a:r>
+                        <a:rPr lang="en-US" sz="1100" u="none" strike="noStrike">
+                          <a:effectLst/>
+                        </a:rPr>
+                        <a:t>8*5=</a:t>
+                      </a:r>
+                      <a:endParaRPr lang="en-US" sz="1100" b="0" i="0" u="none" strike="noStrike">
+                        <a:solidFill>
+                          <a:srgbClr val="FFFFFF"/>
+                        </a:solidFill>
+                        <a:effectLst/>
+                        <a:latin typeface="Calibri" panose="020F0502020204030204" pitchFamily="34" charset="0"/>
+                      </a:endParaRPr>
+                    </a:p>
+                  </a:txBody>
+                  <a:tcPr marL="3810" marR="3810" marT="3810" marB="0" anchor="b"/>
+                </a:tc>
+                <a:extLst>
+                  <a:ext uri="{0D108BD9-81ED-4DB2-BD59-A6C34878D82A}">
+                    <a16:rowId xmlns:a16="http://schemas.microsoft.com/office/drawing/2014/main" val="651029821"/>
+                  </a:ext>
+                </a:extLst>
+              </a:tr>
+              <a:tr h="182880">
+                <a:tc>
+                  <a:txBody>
+                    <a:bodyPr/>
+                    <a:lstStyle/>
+                    <a:p>
+                      <a:pPr algn="r" fontAlgn="b"/>
+                      <a:r>
+                        <a:rPr lang="en-US" sz="1100" u="none" strike="noStrike">
+                          <a:effectLst/>
+                        </a:rPr>
+                        <a:t>Multiples of Bunnies =</a:t>
+                      </a:r>
+                      <a:endParaRPr lang="en-US" sz="1100" b="0" i="0" u="none" strike="noStrike">
+                        <a:solidFill>
+                          <a:srgbClr val="FFFFFF"/>
+                        </a:solidFill>
+                        <a:effectLst/>
+                        <a:latin typeface="Calibri" panose="020F0502020204030204" pitchFamily="34" charset="0"/>
+                      </a:endParaRPr>
+                    </a:p>
+                  </a:txBody>
+                  <a:tcPr marL="3810" marR="3810" marT="3810" marB="0" anchor="b"/>
+                </a:tc>
+                <a:tc>
+                  <a:txBody>
+                    <a:bodyPr/>
+                    <a:lstStyle/>
+                    <a:p>
+                      <a:pPr algn="r" fontAlgn="b"/>
+                      <a:r>
+                        <a:rPr lang="en-US" sz="1100" u="none" strike="noStrike">
+                          <a:effectLst/>
+                        </a:rPr>
+                        <a:t>6*7=</a:t>
+                      </a:r>
+                      <a:endParaRPr lang="en-US" sz="1100" b="0" i="0" u="none" strike="noStrike">
+                        <a:solidFill>
+                          <a:srgbClr val="FFFFFF"/>
+                        </a:solidFill>
+                        <a:effectLst/>
+                        <a:latin typeface="Calibri" panose="020F0502020204030204" pitchFamily="34" charset="0"/>
+                      </a:endParaRPr>
+                    </a:p>
+                  </a:txBody>
+                  <a:tcPr marL="3810" marR="3810" marT="3810" marB="0" anchor="b"/>
+                </a:tc>
+                <a:extLst>
+                  <a:ext uri="{0D108BD9-81ED-4DB2-BD59-A6C34878D82A}">
+                    <a16:rowId xmlns:a16="http://schemas.microsoft.com/office/drawing/2014/main" val="2740896361"/>
+                  </a:ext>
+                </a:extLst>
+              </a:tr>
+              <a:tr h="182880">
+                <a:tc>
+                  <a:txBody>
+                    <a:bodyPr/>
+                    <a:lstStyle/>
+                    <a:p>
+                      <a:pPr algn="r" fontAlgn="b"/>
+                      <a:r>
+                        <a:rPr lang="en-US" sz="1100" u="none" strike="noStrike">
+                          <a:effectLst/>
+                        </a:rPr>
+                        <a:t>Multiples of Bunnies =</a:t>
+                      </a:r>
+                      <a:endParaRPr lang="en-US" sz="1100" b="0" i="0" u="none" strike="noStrike">
+                        <a:solidFill>
+                          <a:srgbClr val="FFFFFF"/>
+                        </a:solidFill>
+                        <a:effectLst/>
+                        <a:latin typeface="Calibri" panose="020F0502020204030204" pitchFamily="34" charset="0"/>
+                      </a:endParaRPr>
+                    </a:p>
+                  </a:txBody>
+                  <a:tcPr marL="3810" marR="3810" marT="3810" marB="0" anchor="b"/>
+                </a:tc>
+                <a:tc>
+                  <a:txBody>
+                    <a:bodyPr/>
+                    <a:lstStyle/>
+                    <a:p>
+                      <a:pPr algn="r" fontAlgn="b"/>
+                      <a:r>
+                        <a:rPr lang="en-US" sz="1100" u="none" strike="noStrike">
+                          <a:effectLst/>
+                        </a:rPr>
+                        <a:t>7*7=</a:t>
+                      </a:r>
+                      <a:endParaRPr lang="en-US" sz="1100" b="0" i="0" u="none" strike="noStrike">
+                        <a:solidFill>
+                          <a:srgbClr val="FFFFFF"/>
+                        </a:solidFill>
+                        <a:effectLst/>
+                        <a:latin typeface="Calibri" panose="020F0502020204030204" pitchFamily="34" charset="0"/>
+                      </a:endParaRPr>
+                    </a:p>
+                  </a:txBody>
+                  <a:tcPr marL="3810" marR="3810" marT="3810" marB="0" anchor="b"/>
+                </a:tc>
+                <a:extLst>
+                  <a:ext uri="{0D108BD9-81ED-4DB2-BD59-A6C34878D82A}">
+                    <a16:rowId xmlns:a16="http://schemas.microsoft.com/office/drawing/2014/main" val="3871528681"/>
+                  </a:ext>
+                </a:extLst>
+              </a:tr>
+              <a:tr h="182880">
+                <a:tc>
+                  <a:txBody>
+                    <a:bodyPr/>
+                    <a:lstStyle/>
+                    <a:p>
+                      <a:pPr algn="r" fontAlgn="b"/>
+                      <a:r>
+                        <a:rPr lang="en-US" sz="1100" u="none" strike="noStrike">
+                          <a:effectLst/>
+                        </a:rPr>
+                        <a:t>Multiples of Bunnies =</a:t>
+                      </a:r>
+                      <a:endParaRPr lang="en-US" sz="1100" b="0" i="0" u="none" strike="noStrike">
+                        <a:solidFill>
+                          <a:srgbClr val="FFFFFF"/>
+                        </a:solidFill>
+                        <a:effectLst/>
+                        <a:latin typeface="Calibri" panose="020F0502020204030204" pitchFamily="34" charset="0"/>
+                      </a:endParaRPr>
+                    </a:p>
+                  </a:txBody>
+                  <a:tcPr marL="3810" marR="3810" marT="3810" marB="0" anchor="b"/>
+                </a:tc>
+                <a:tc>
+                  <a:txBody>
+                    <a:bodyPr/>
+                    <a:lstStyle/>
+                    <a:p>
+                      <a:pPr algn="r" fontAlgn="b"/>
+                      <a:r>
+                        <a:rPr lang="en-US" sz="1100" u="none" strike="noStrike">
+                          <a:effectLst/>
+                        </a:rPr>
+                        <a:t>2*7=</a:t>
+                      </a:r>
+                      <a:endParaRPr lang="en-US" sz="1100" b="0" i="0" u="none" strike="noStrike">
+                        <a:solidFill>
+                          <a:srgbClr val="FFFFFF"/>
+                        </a:solidFill>
+                        <a:effectLst/>
+                        <a:latin typeface="Calibri" panose="020F0502020204030204" pitchFamily="34" charset="0"/>
+                      </a:endParaRPr>
+                    </a:p>
+                  </a:txBody>
+                  <a:tcPr marL="3810" marR="3810" marT="3810" marB="0" anchor="b"/>
+                </a:tc>
+                <a:extLst>
+                  <a:ext uri="{0D108BD9-81ED-4DB2-BD59-A6C34878D82A}">
+                    <a16:rowId xmlns:a16="http://schemas.microsoft.com/office/drawing/2014/main" val="4184849790"/>
+                  </a:ext>
+                </a:extLst>
+              </a:tr>
+              <a:tr h="182880">
+                <a:tc>
+                  <a:txBody>
+                    <a:bodyPr/>
+                    <a:lstStyle/>
+                    <a:p>
+                      <a:pPr algn="r" fontAlgn="b"/>
+                      <a:r>
+                        <a:rPr lang="en-US" sz="1100" u="none" strike="noStrike">
+                          <a:effectLst/>
+                        </a:rPr>
+                        <a:t>Multiples of Bunnies =</a:t>
+                      </a:r>
+                      <a:endParaRPr lang="en-US" sz="1100" b="0" i="0" u="none" strike="noStrike">
+                        <a:solidFill>
+                          <a:srgbClr val="FFFFFF"/>
+                        </a:solidFill>
+                        <a:effectLst/>
+                        <a:latin typeface="Calibri" panose="020F0502020204030204" pitchFamily="34" charset="0"/>
+                      </a:endParaRPr>
+                    </a:p>
+                  </a:txBody>
+                  <a:tcPr marL="3810" marR="3810" marT="3810" marB="0" anchor="b"/>
+                </a:tc>
+                <a:tc>
+                  <a:txBody>
+                    <a:bodyPr/>
+                    <a:lstStyle/>
+                    <a:p>
+                      <a:pPr algn="r" fontAlgn="b"/>
+                      <a:r>
+                        <a:rPr lang="en-US" sz="1100" u="none" strike="noStrike" dirty="0">
+                          <a:effectLst/>
+                        </a:rPr>
+                        <a:t>2*8=</a:t>
+                      </a:r>
+                      <a:endParaRPr lang="en-US" sz="1100" b="0" i="0" u="none" strike="noStrike" dirty="0">
+                        <a:solidFill>
+                          <a:srgbClr val="FFFFFF"/>
+                        </a:solidFill>
+                        <a:effectLst/>
+                        <a:latin typeface="Calibri" panose="020F0502020204030204" pitchFamily="34" charset="0"/>
+                      </a:endParaRPr>
+                    </a:p>
+                  </a:txBody>
+                  <a:tcPr marL="3810" marR="3810" marT="3810" marB="0" anchor="b"/>
+                </a:tc>
+                <a:extLst>
+                  <a:ext uri="{0D108BD9-81ED-4DB2-BD59-A6C34878D82A}">
+                    <a16:rowId xmlns:a16="http://schemas.microsoft.com/office/drawing/2014/main" val="4241232455"/>
+                  </a:ext>
+                </a:extLst>
+              </a:tr>
+            </a:tbl>
+          </a:graphicData>
+        </a:graphic>
+      </p:graphicFrame>
+      <p:cxnSp>
+        <p:nvCxnSpPr>
+          <p:cNvPr id="39" name="Connector: Curved 38">
+            <a:extLst>
+              <a:ext uri="{FF2B5EF4-FFF2-40B4-BE49-F238E27FC236}">
+                <a16:creationId xmlns:a16="http://schemas.microsoft.com/office/drawing/2014/main" id="{E6DFF50B-6778-4669-A029-DCA5D0B41BCE}"/>
+              </a:ext>
+            </a:extLst>
+          </p:cNvPr>
+          <p:cNvCxnSpPr>
+            <a:cxnSpLocks/>
+            <a:endCxn id="8" idx="2"/>
+          </p:cNvCxnSpPr>
+          <p:nvPr/>
+        </p:nvCxnSpPr>
+        <p:spPr>
+          <a:xfrm flipV="1">
+            <a:off x="4228213" y="3219879"/>
+            <a:ext cx="2137282" cy="548570"/>
+          </a:xfrm>
+          <a:prstGeom prst="curvedConnector3">
+            <a:avLst>
+              <a:gd name="adj1" fmla="val 75154"/>
+            </a:avLst>
+          </a:prstGeom>
+          <a:ln w="28575">
+            <a:solidFill>
+              <a:schemeClr val="accent2">
+                <a:lumMod val="75000"/>
+              </a:schemeClr>
+            </a:solidFill>
+            <a:tailEnd type="triangle"/>
+          </a:ln>
+        </p:spPr>
+        <p:style>
+          <a:lnRef idx="1">
+            <a:schemeClr val="accent1"/>
+          </a:lnRef>
+          <a:fillRef idx="0">
+            <a:schemeClr val="accent1"/>
+          </a:fillRef>
+          <a:effectRef idx="0">
+            <a:schemeClr val="accent1"/>
+          </a:effectRef>
+          <a:fontRef idx="minor">
+            <a:schemeClr val="tx1"/>
+          </a:fontRef>
+        </p:style>
+      </p:cxnSp>
+      <p:cxnSp>
+        <p:nvCxnSpPr>
+          <p:cNvPr id="46" name="Connector: Curved 45">
+            <a:extLst>
+              <a:ext uri="{FF2B5EF4-FFF2-40B4-BE49-F238E27FC236}">
+                <a16:creationId xmlns:a16="http://schemas.microsoft.com/office/drawing/2014/main" id="{9DFDC639-68CB-4E2A-91FB-1B6A39FC1775}"/>
+              </a:ext>
+            </a:extLst>
+          </p:cNvPr>
+          <p:cNvCxnSpPr>
+            <a:cxnSpLocks/>
+            <a:endCxn id="9" idx="2"/>
+          </p:cNvCxnSpPr>
+          <p:nvPr/>
+        </p:nvCxnSpPr>
+        <p:spPr>
+          <a:xfrm>
+            <a:off x="4249939" y="3929495"/>
+            <a:ext cx="1014670" cy="66461"/>
+          </a:xfrm>
+          <a:prstGeom prst="curvedConnector3">
+            <a:avLst>
+              <a:gd name="adj1" fmla="val 50000"/>
+            </a:avLst>
+          </a:prstGeom>
+          <a:ln w="28575">
+            <a:solidFill>
+              <a:schemeClr val="accent2">
+                <a:lumMod val="75000"/>
+              </a:schemeClr>
+            </a:solidFill>
+            <a:tailEnd type="triangle"/>
+          </a:ln>
+        </p:spPr>
+        <p:style>
+          <a:lnRef idx="1">
+            <a:schemeClr val="accent1"/>
+          </a:lnRef>
+          <a:fillRef idx="0">
+            <a:schemeClr val="accent1"/>
+          </a:fillRef>
+          <a:effectRef idx="0">
+            <a:schemeClr val="accent1"/>
+          </a:effectRef>
+          <a:fontRef idx="minor">
+            <a:schemeClr val="tx1"/>
+          </a:fontRef>
+        </p:style>
+      </p:cxnSp>
+      <p:cxnSp>
+        <p:nvCxnSpPr>
+          <p:cNvPr id="48" name="Connector: Curved 47">
+            <a:extLst>
+              <a:ext uri="{FF2B5EF4-FFF2-40B4-BE49-F238E27FC236}">
+                <a16:creationId xmlns:a16="http://schemas.microsoft.com/office/drawing/2014/main" id="{6CBEC054-9F8E-4C7C-ACB6-A8B16A7401DA}"/>
+              </a:ext>
+            </a:extLst>
+          </p:cNvPr>
+          <p:cNvCxnSpPr>
+            <a:cxnSpLocks/>
+            <a:endCxn id="10" idx="3"/>
+          </p:cNvCxnSpPr>
+          <p:nvPr/>
+        </p:nvCxnSpPr>
+        <p:spPr>
+          <a:xfrm>
+            <a:off x="4228212" y="4139484"/>
+            <a:ext cx="2214950" cy="28474"/>
+          </a:xfrm>
+          <a:prstGeom prst="curvedConnector4">
+            <a:avLst>
+              <a:gd name="adj1" fmla="val 48869"/>
+              <a:gd name="adj2" fmla="val 693050"/>
+            </a:avLst>
+          </a:prstGeom>
+          <a:ln w="28575">
+            <a:solidFill>
+              <a:schemeClr val="accent2">
+                <a:lumMod val="75000"/>
+              </a:schemeClr>
+            </a:solidFill>
+            <a:tailEnd type="triangle"/>
+          </a:ln>
+        </p:spPr>
+        <p:style>
+          <a:lnRef idx="1">
+            <a:schemeClr val="accent1"/>
+          </a:lnRef>
+          <a:fillRef idx="0">
+            <a:schemeClr val="accent1"/>
+          </a:fillRef>
+          <a:effectRef idx="0">
+            <a:schemeClr val="accent1"/>
+          </a:effectRef>
+          <a:fontRef idx="minor">
+            <a:schemeClr val="tx1"/>
+          </a:fontRef>
+        </p:style>
+      </p:cxnSp>
+      <p:cxnSp>
+        <p:nvCxnSpPr>
+          <p:cNvPr id="59" name="Connector: Curved 58">
+            <a:extLst>
+              <a:ext uri="{FF2B5EF4-FFF2-40B4-BE49-F238E27FC236}">
+                <a16:creationId xmlns:a16="http://schemas.microsoft.com/office/drawing/2014/main" id="{0DBBD852-0D34-407E-B2CF-F31A76C57ECF}"/>
+              </a:ext>
+            </a:extLst>
+          </p:cNvPr>
+          <p:cNvCxnSpPr>
+            <a:cxnSpLocks/>
+            <a:endCxn id="11" idx="0"/>
+          </p:cNvCxnSpPr>
+          <p:nvPr/>
+        </p:nvCxnSpPr>
+        <p:spPr>
+          <a:xfrm>
+            <a:off x="4249939" y="4311486"/>
+            <a:ext cx="1279847" cy="217301"/>
+          </a:xfrm>
+          <a:prstGeom prst="curvedConnector2">
+            <a:avLst/>
+          </a:prstGeom>
+          <a:ln w="28575">
+            <a:solidFill>
+              <a:schemeClr val="accent2">
+                <a:lumMod val="75000"/>
+              </a:schemeClr>
+            </a:solidFill>
+            <a:tailEnd type="triangle"/>
+          </a:ln>
+        </p:spPr>
+        <p:style>
+          <a:lnRef idx="1">
+            <a:schemeClr val="accent1"/>
+          </a:lnRef>
+          <a:fillRef idx="0">
+            <a:schemeClr val="accent1"/>
+          </a:fillRef>
+          <a:effectRef idx="0">
+            <a:schemeClr val="accent1"/>
+          </a:effectRef>
+          <a:fontRef idx="minor">
+            <a:schemeClr val="tx1"/>
+          </a:fontRef>
+        </p:style>
+      </p:cxnSp>
+      <p:cxnSp>
+        <p:nvCxnSpPr>
+          <p:cNvPr id="62" name="Connector: Curved 61">
+            <a:extLst>
+              <a:ext uri="{FF2B5EF4-FFF2-40B4-BE49-F238E27FC236}">
+                <a16:creationId xmlns:a16="http://schemas.microsoft.com/office/drawing/2014/main" id="{986862A4-82D2-41FC-99CD-A01AE6671057}"/>
+              </a:ext>
+            </a:extLst>
+          </p:cNvPr>
+          <p:cNvCxnSpPr>
+            <a:cxnSpLocks/>
+            <a:endCxn id="12" idx="4"/>
+          </p:cNvCxnSpPr>
+          <p:nvPr/>
+        </p:nvCxnSpPr>
+        <p:spPr>
+          <a:xfrm>
+            <a:off x="4228211" y="4492099"/>
+            <a:ext cx="2402460" cy="523181"/>
+          </a:xfrm>
+          <a:prstGeom prst="curvedConnector4">
+            <a:avLst>
+              <a:gd name="adj1" fmla="val 30901"/>
+              <a:gd name="adj2" fmla="val 144572"/>
+            </a:avLst>
+          </a:prstGeom>
+          <a:ln w="28575">
+            <a:solidFill>
+              <a:schemeClr val="accent2">
+                <a:lumMod val="75000"/>
+              </a:schemeClr>
+            </a:solidFill>
+            <a:tailEnd type="triangle"/>
+          </a:ln>
+        </p:spPr>
+        <p:style>
+          <a:lnRef idx="1">
+            <a:schemeClr val="accent1"/>
+          </a:lnRef>
+          <a:fillRef idx="0">
+            <a:schemeClr val="accent1"/>
+          </a:fillRef>
+          <a:effectRef idx="0">
+            <a:schemeClr val="accent1"/>
+          </a:effectRef>
+          <a:fontRef idx="minor">
+            <a:schemeClr val="tx1"/>
+          </a:fontRef>
+        </p:style>
+      </p:cxnSp>
+      <p:graphicFrame>
+        <p:nvGraphicFramePr>
+          <p:cNvPr id="67" name="Table 66">
+            <a:extLst>
+              <a:ext uri="{FF2B5EF4-FFF2-40B4-BE49-F238E27FC236}">
+                <a16:creationId xmlns:a16="http://schemas.microsoft.com/office/drawing/2014/main" id="{3304AE13-E693-4651-B7A2-135EB35565CD}"/>
+              </a:ext>
+            </a:extLst>
+          </p:cNvPr>
+          <p:cNvGraphicFramePr>
+            <a:graphicFrameLocks noGrp="1"/>
+          </p:cNvGraphicFramePr>
+          <p:nvPr>
+            <p:extLst>
+              <p:ext uri="{D42A27DB-BD31-4B8C-83A1-F6EECF244321}">
+                <p14:modId xmlns:p14="http://schemas.microsoft.com/office/powerpoint/2010/main" val="1691199244"/>
+              </p:ext>
+            </p:extLst>
+          </p:nvPr>
+        </p:nvGraphicFramePr>
+        <p:xfrm>
+          <a:off x="8844212" y="3378391"/>
+          <a:ext cx="876300" cy="1097280"/>
+        </p:xfrm>
+        <a:graphic>
+          <a:graphicData uri="http://schemas.openxmlformats.org/drawingml/2006/table">
+            <a:tbl>
+              <a:tblPr>
+                <a:tableStyleId>{5C22544A-7EE6-4342-B048-85BDC9FD1C3A}</a:tableStyleId>
+              </a:tblPr>
+              <a:tblGrid>
+                <a:gridCol w="876300">
+                  <a:extLst>
+                    <a:ext uri="{9D8B030D-6E8A-4147-A177-3AD203B41FA5}">
+                      <a16:colId xmlns:a16="http://schemas.microsoft.com/office/drawing/2014/main" val="3822761311"/>
+                    </a:ext>
+                  </a:extLst>
+                </a:gridCol>
+              </a:tblGrid>
+              <a:tr h="182880">
+                <a:tc>
+                  <a:txBody>
+                    <a:bodyPr/>
+                    <a:lstStyle/>
+                    <a:p>
+                      <a:pPr algn="ctr" fontAlgn="b"/>
+                      <a:r>
+                        <a:rPr lang="en-US" sz="1100" u="none" strike="noStrike">
+                          <a:effectLst/>
+                        </a:rPr>
+                        <a:t>30</a:t>
+                      </a:r>
+                      <a:endParaRPr lang="en-US" sz="1100" b="0" i="0" u="none" strike="noStrike">
+                        <a:solidFill>
+                          <a:srgbClr val="FFFFFF"/>
+                        </a:solidFill>
+                        <a:effectLst/>
+                        <a:latin typeface="Calibri" panose="020F0502020204030204" pitchFamily="34" charset="0"/>
+                      </a:endParaRPr>
+                    </a:p>
+                  </a:txBody>
+                  <a:tcPr marL="3810" marR="3810" marT="3810" marB="0" anchor="b"/>
+                </a:tc>
+                <a:extLst>
+                  <a:ext uri="{0D108BD9-81ED-4DB2-BD59-A6C34878D82A}">
+                    <a16:rowId xmlns:a16="http://schemas.microsoft.com/office/drawing/2014/main" val="1878350491"/>
+                  </a:ext>
+                </a:extLst>
+              </a:tr>
+              <a:tr h="182880">
+                <a:tc>
+                  <a:txBody>
+                    <a:bodyPr/>
+                    <a:lstStyle/>
+                    <a:p>
+                      <a:pPr algn="ctr" fontAlgn="b"/>
+                      <a:r>
+                        <a:rPr lang="en-US" sz="1100" u="none" strike="noStrike">
+                          <a:effectLst/>
+                        </a:rPr>
+                        <a:t>40</a:t>
+                      </a:r>
+                      <a:endParaRPr lang="en-US" sz="1100" b="0" i="0" u="none" strike="noStrike">
+                        <a:solidFill>
+                          <a:srgbClr val="FFFFFF"/>
+                        </a:solidFill>
+                        <a:effectLst/>
+                        <a:latin typeface="Calibri" panose="020F0502020204030204" pitchFamily="34" charset="0"/>
+                      </a:endParaRPr>
+                    </a:p>
+                  </a:txBody>
+                  <a:tcPr marL="3810" marR="3810" marT="3810" marB="0" anchor="b"/>
+                </a:tc>
+                <a:extLst>
+                  <a:ext uri="{0D108BD9-81ED-4DB2-BD59-A6C34878D82A}">
+                    <a16:rowId xmlns:a16="http://schemas.microsoft.com/office/drawing/2014/main" val="146893355"/>
+                  </a:ext>
+                </a:extLst>
+              </a:tr>
+              <a:tr h="182880">
+                <a:tc>
+                  <a:txBody>
+                    <a:bodyPr/>
+                    <a:lstStyle/>
+                    <a:p>
+                      <a:pPr algn="ctr" fontAlgn="b"/>
+                      <a:r>
+                        <a:rPr lang="en-US" sz="1100" u="none" strike="noStrike">
+                          <a:effectLst/>
+                        </a:rPr>
+                        <a:t>42</a:t>
+                      </a:r>
+                      <a:endParaRPr lang="en-US" sz="1100" b="0" i="0" u="none" strike="noStrike">
+                        <a:solidFill>
+                          <a:srgbClr val="FFFFFF"/>
+                        </a:solidFill>
+                        <a:effectLst/>
+                        <a:latin typeface="Calibri" panose="020F0502020204030204" pitchFamily="34" charset="0"/>
+                      </a:endParaRPr>
+                    </a:p>
+                  </a:txBody>
+                  <a:tcPr marL="3810" marR="3810" marT="3810" marB="0" anchor="b"/>
+                </a:tc>
+                <a:extLst>
+                  <a:ext uri="{0D108BD9-81ED-4DB2-BD59-A6C34878D82A}">
+                    <a16:rowId xmlns:a16="http://schemas.microsoft.com/office/drawing/2014/main" val="186110855"/>
+                  </a:ext>
+                </a:extLst>
+              </a:tr>
+              <a:tr h="182880">
+                <a:tc>
+                  <a:txBody>
+                    <a:bodyPr/>
+                    <a:lstStyle/>
+                    <a:p>
+                      <a:pPr algn="ctr" fontAlgn="b"/>
+                      <a:r>
+                        <a:rPr lang="en-US" sz="1100" u="none" strike="noStrike">
+                          <a:effectLst/>
+                        </a:rPr>
+                        <a:t>49</a:t>
+                      </a:r>
+                      <a:endParaRPr lang="en-US" sz="1100" b="0" i="0" u="none" strike="noStrike">
+                        <a:solidFill>
+                          <a:srgbClr val="FFFFFF"/>
+                        </a:solidFill>
+                        <a:effectLst/>
+                        <a:latin typeface="Calibri" panose="020F0502020204030204" pitchFamily="34" charset="0"/>
+                      </a:endParaRPr>
+                    </a:p>
+                  </a:txBody>
+                  <a:tcPr marL="3810" marR="3810" marT="3810" marB="0" anchor="b"/>
+                </a:tc>
+                <a:extLst>
+                  <a:ext uri="{0D108BD9-81ED-4DB2-BD59-A6C34878D82A}">
+                    <a16:rowId xmlns:a16="http://schemas.microsoft.com/office/drawing/2014/main" val="812763657"/>
+                  </a:ext>
+                </a:extLst>
+              </a:tr>
+              <a:tr h="182880">
+                <a:tc>
+                  <a:txBody>
+                    <a:bodyPr/>
+                    <a:lstStyle/>
+                    <a:p>
+                      <a:pPr algn="ctr" fontAlgn="b"/>
+                      <a:r>
+                        <a:rPr lang="en-US" sz="1100" u="none" strike="noStrike">
+                          <a:effectLst/>
+                        </a:rPr>
+                        <a:t>14</a:t>
+                      </a:r>
+                      <a:endParaRPr lang="en-US" sz="1100" b="0" i="0" u="none" strike="noStrike">
+                        <a:solidFill>
+                          <a:srgbClr val="FFFFFF"/>
+                        </a:solidFill>
+                        <a:effectLst/>
+                        <a:latin typeface="Calibri" panose="020F0502020204030204" pitchFamily="34" charset="0"/>
+                      </a:endParaRPr>
+                    </a:p>
+                  </a:txBody>
+                  <a:tcPr marL="3810" marR="3810" marT="3810" marB="0" anchor="b"/>
+                </a:tc>
+                <a:extLst>
+                  <a:ext uri="{0D108BD9-81ED-4DB2-BD59-A6C34878D82A}">
+                    <a16:rowId xmlns:a16="http://schemas.microsoft.com/office/drawing/2014/main" val="1283339956"/>
+                  </a:ext>
+                </a:extLst>
+              </a:tr>
+              <a:tr h="182880">
+                <a:tc>
+                  <a:txBody>
+                    <a:bodyPr/>
+                    <a:lstStyle/>
+                    <a:p>
+                      <a:pPr algn="ctr" fontAlgn="b"/>
+                      <a:r>
+                        <a:rPr lang="en-US" sz="1100" u="none" strike="noStrike" dirty="0">
+                          <a:effectLst/>
+                        </a:rPr>
+                        <a:t>16</a:t>
+                      </a:r>
+                      <a:endParaRPr lang="en-US" sz="1100" b="0" i="0" u="none" strike="noStrike" dirty="0">
+                        <a:solidFill>
+                          <a:srgbClr val="FFFFFF"/>
+                        </a:solidFill>
+                        <a:effectLst/>
+                        <a:latin typeface="Calibri" panose="020F0502020204030204" pitchFamily="34" charset="0"/>
+                      </a:endParaRPr>
+                    </a:p>
+                  </a:txBody>
+                  <a:tcPr marL="3810" marR="3810" marT="3810" marB="0" anchor="b"/>
+                </a:tc>
+                <a:extLst>
+                  <a:ext uri="{0D108BD9-81ED-4DB2-BD59-A6C34878D82A}">
+                    <a16:rowId xmlns:a16="http://schemas.microsoft.com/office/drawing/2014/main" val="146340126"/>
+                  </a:ext>
+                </a:extLst>
+              </a:tr>
+            </a:tbl>
+          </a:graphicData>
+        </a:graphic>
+      </p:graphicFrame>
+      <p:cxnSp>
+        <p:nvCxnSpPr>
+          <p:cNvPr id="68" name="Connector: Curved 67">
+            <a:extLst>
+              <a:ext uri="{FF2B5EF4-FFF2-40B4-BE49-F238E27FC236}">
+                <a16:creationId xmlns:a16="http://schemas.microsoft.com/office/drawing/2014/main" id="{395B4174-1B9F-4378-9069-669B987EED14}"/>
+              </a:ext>
+            </a:extLst>
+          </p:cNvPr>
+          <p:cNvCxnSpPr>
+            <a:cxnSpLocks/>
+          </p:cNvCxnSpPr>
+          <p:nvPr/>
+        </p:nvCxnSpPr>
+        <p:spPr>
+          <a:xfrm rot="16200000" flipH="1">
+            <a:off x="7073130" y="1703002"/>
+            <a:ext cx="415251" cy="3126914"/>
+          </a:xfrm>
+          <a:prstGeom prst="curvedConnector4">
+            <a:avLst>
+              <a:gd name="adj1" fmla="val -55051"/>
+              <a:gd name="adj2" fmla="val 86657"/>
+            </a:avLst>
+          </a:prstGeom>
+          <a:ln w="28575">
+            <a:solidFill>
+              <a:schemeClr val="accent2">
+                <a:lumMod val="75000"/>
+              </a:schemeClr>
+            </a:solidFill>
+            <a:tailEnd type="triangle"/>
+          </a:ln>
+        </p:spPr>
+        <p:style>
+          <a:lnRef idx="1">
+            <a:schemeClr val="accent1"/>
+          </a:lnRef>
+          <a:fillRef idx="0">
+            <a:schemeClr val="accent1"/>
+          </a:fillRef>
+          <a:effectRef idx="0">
+            <a:schemeClr val="accent1"/>
+          </a:effectRef>
+          <a:fontRef idx="minor">
+            <a:schemeClr val="tx1"/>
+          </a:fontRef>
+        </p:style>
+      </p:cxnSp>
+      <p:cxnSp>
+        <p:nvCxnSpPr>
+          <p:cNvPr id="72" name="Connector: Curved 71">
+            <a:extLst>
+              <a:ext uri="{FF2B5EF4-FFF2-40B4-BE49-F238E27FC236}">
+                <a16:creationId xmlns:a16="http://schemas.microsoft.com/office/drawing/2014/main" id="{96FC8003-8BA7-4E44-894F-A392B992E02C}"/>
+              </a:ext>
+            </a:extLst>
+          </p:cNvPr>
+          <p:cNvCxnSpPr>
+            <a:cxnSpLocks/>
+            <a:stCxn id="8" idx="6"/>
+          </p:cNvCxnSpPr>
+          <p:nvPr/>
+        </p:nvCxnSpPr>
+        <p:spPr>
+          <a:xfrm>
+            <a:off x="6895848" y="3219879"/>
+            <a:ext cx="1990833" cy="482627"/>
+          </a:xfrm>
+          <a:prstGeom prst="curvedConnector3">
+            <a:avLst>
+              <a:gd name="adj1" fmla="val 29689"/>
+            </a:avLst>
+          </a:prstGeom>
+          <a:ln w="28575">
+            <a:solidFill>
+              <a:schemeClr val="accent2">
+                <a:lumMod val="75000"/>
+              </a:schemeClr>
+            </a:solidFill>
+            <a:tailEnd type="triangle"/>
+          </a:ln>
+        </p:spPr>
+        <p:style>
+          <a:lnRef idx="1">
+            <a:schemeClr val="accent1"/>
+          </a:lnRef>
+          <a:fillRef idx="0">
+            <a:schemeClr val="accent1"/>
+          </a:fillRef>
+          <a:effectRef idx="0">
+            <a:schemeClr val="accent1"/>
+          </a:effectRef>
+          <a:fontRef idx="minor">
+            <a:schemeClr val="tx1"/>
+          </a:fontRef>
+        </p:style>
+      </p:cxnSp>
+      <p:cxnSp>
+        <p:nvCxnSpPr>
+          <p:cNvPr id="77" name="Connector: Curved 76">
+            <a:extLst>
+              <a:ext uri="{FF2B5EF4-FFF2-40B4-BE49-F238E27FC236}">
+                <a16:creationId xmlns:a16="http://schemas.microsoft.com/office/drawing/2014/main" id="{7D190A56-CB15-41AC-8681-9D770D637188}"/>
+              </a:ext>
+            </a:extLst>
+          </p:cNvPr>
+          <p:cNvCxnSpPr>
+            <a:cxnSpLocks/>
+            <a:stCxn id="9" idx="7"/>
+          </p:cNvCxnSpPr>
+          <p:nvPr/>
+        </p:nvCxnSpPr>
+        <p:spPr>
+          <a:xfrm rot="16200000" flipH="1">
+            <a:off x="7265506" y="2275742"/>
+            <a:ext cx="30494" cy="3126918"/>
+          </a:xfrm>
+          <a:prstGeom prst="curvedConnector4">
+            <a:avLst>
+              <a:gd name="adj1" fmla="val -749656"/>
+              <a:gd name="adj2" fmla="val 51242"/>
+            </a:avLst>
+          </a:prstGeom>
+          <a:ln w="28575">
+            <a:solidFill>
+              <a:schemeClr val="accent2">
+                <a:lumMod val="75000"/>
+              </a:schemeClr>
+            </a:solidFill>
+            <a:tailEnd type="triangle"/>
+          </a:ln>
+        </p:spPr>
+        <p:style>
+          <a:lnRef idx="1">
+            <a:schemeClr val="accent1"/>
+          </a:lnRef>
+          <a:fillRef idx="0">
+            <a:schemeClr val="accent1"/>
+          </a:fillRef>
+          <a:effectRef idx="0">
+            <a:schemeClr val="accent1"/>
+          </a:effectRef>
+          <a:fontRef idx="minor">
+            <a:schemeClr val="tx1"/>
+          </a:fontRef>
+        </p:style>
+      </p:cxnSp>
+      <p:cxnSp>
+        <p:nvCxnSpPr>
+          <p:cNvPr id="79" name="Connector: Curved 78">
+            <a:extLst>
+              <a:ext uri="{FF2B5EF4-FFF2-40B4-BE49-F238E27FC236}">
+                <a16:creationId xmlns:a16="http://schemas.microsoft.com/office/drawing/2014/main" id="{B64AAA1B-D6B2-45BC-9FA3-9C1F08CC7478}"/>
+              </a:ext>
+            </a:extLst>
+          </p:cNvPr>
+          <p:cNvCxnSpPr>
+            <a:cxnSpLocks/>
+            <a:stCxn id="10" idx="6"/>
+          </p:cNvCxnSpPr>
+          <p:nvPr/>
+        </p:nvCxnSpPr>
+        <p:spPr>
+          <a:xfrm>
+            <a:off x="6895847" y="3995956"/>
+            <a:ext cx="1990834" cy="56418"/>
+          </a:xfrm>
+          <a:prstGeom prst="curvedConnector3">
+            <a:avLst>
+              <a:gd name="adj1" fmla="val 50000"/>
+            </a:avLst>
+          </a:prstGeom>
+          <a:ln w="28575">
+            <a:solidFill>
+              <a:schemeClr val="accent2">
+                <a:lumMod val="75000"/>
+              </a:schemeClr>
+            </a:solidFill>
+            <a:tailEnd type="triangle"/>
+          </a:ln>
+        </p:spPr>
+        <p:style>
+          <a:lnRef idx="1">
+            <a:schemeClr val="accent1"/>
+          </a:lnRef>
+          <a:fillRef idx="0">
+            <a:schemeClr val="accent1"/>
+          </a:fillRef>
+          <a:effectRef idx="0">
+            <a:schemeClr val="accent1"/>
+          </a:effectRef>
+          <a:fontRef idx="minor">
+            <a:schemeClr val="tx1"/>
+          </a:fontRef>
+        </p:style>
+      </p:cxnSp>
+      <p:cxnSp>
+        <p:nvCxnSpPr>
+          <p:cNvPr id="82" name="Connector: Curved 81">
+            <a:extLst>
+              <a:ext uri="{FF2B5EF4-FFF2-40B4-BE49-F238E27FC236}">
+                <a16:creationId xmlns:a16="http://schemas.microsoft.com/office/drawing/2014/main" id="{918314CD-5826-496F-8512-96460082F296}"/>
+              </a:ext>
+            </a:extLst>
+          </p:cNvPr>
+          <p:cNvCxnSpPr>
+            <a:cxnSpLocks/>
+          </p:cNvCxnSpPr>
+          <p:nvPr/>
+        </p:nvCxnSpPr>
+        <p:spPr>
+          <a:xfrm flipV="1">
+            <a:off x="5792694" y="4204316"/>
+            <a:ext cx="3084565" cy="429869"/>
+          </a:xfrm>
+          <a:prstGeom prst="curvedConnector3">
+            <a:avLst>
+              <a:gd name="adj1" fmla="val 18419"/>
+            </a:avLst>
+          </a:prstGeom>
+          <a:ln w="28575">
+            <a:solidFill>
+              <a:schemeClr val="accent2">
+                <a:lumMod val="75000"/>
+              </a:schemeClr>
+            </a:solidFill>
+            <a:tailEnd type="triangle"/>
+          </a:ln>
+        </p:spPr>
+        <p:style>
+          <a:lnRef idx="1">
+            <a:schemeClr val="accent1"/>
+          </a:lnRef>
+          <a:fillRef idx="0">
+            <a:schemeClr val="accent1"/>
+          </a:fillRef>
+          <a:effectRef idx="0">
+            <a:schemeClr val="accent1"/>
+          </a:effectRef>
+          <a:fontRef idx="minor">
+            <a:schemeClr val="tx1"/>
+          </a:fontRef>
+        </p:style>
+      </p:cxnSp>
+      <p:cxnSp>
+        <p:nvCxnSpPr>
+          <p:cNvPr id="86" name="Connector: Curved 85">
+            <a:extLst>
+              <a:ext uri="{FF2B5EF4-FFF2-40B4-BE49-F238E27FC236}">
+                <a16:creationId xmlns:a16="http://schemas.microsoft.com/office/drawing/2014/main" id="{9A622E61-23DF-45F1-8649-5B2981405FC9}"/>
+              </a:ext>
+            </a:extLst>
+          </p:cNvPr>
+          <p:cNvCxnSpPr>
+            <a:cxnSpLocks/>
+          </p:cNvCxnSpPr>
+          <p:nvPr/>
+        </p:nvCxnSpPr>
+        <p:spPr>
+          <a:xfrm flipV="1">
+            <a:off x="6893579" y="4391148"/>
+            <a:ext cx="1983682" cy="394979"/>
+          </a:xfrm>
+          <a:prstGeom prst="curvedConnector3">
+            <a:avLst>
+              <a:gd name="adj1" fmla="val 50000"/>
+            </a:avLst>
+          </a:prstGeom>
+          <a:ln w="28575">
+            <a:solidFill>
+              <a:schemeClr val="accent2">
+                <a:lumMod val="75000"/>
+              </a:schemeClr>
+            </a:solidFill>
+            <a:tailEnd type="triangle"/>
+          </a:ln>
+        </p:spPr>
+        <p:style>
+          <a:lnRef idx="1">
+            <a:schemeClr val="accent1"/>
+          </a:lnRef>
+          <a:fillRef idx="0">
+            <a:schemeClr val="accent1"/>
+          </a:fillRef>
+          <a:effectRef idx="0">
+            <a:schemeClr val="accent1"/>
+          </a:effectRef>
+          <a:fontRef idx="minor">
+            <a:schemeClr val="tx1"/>
+          </a:fontRef>
+        </p:style>
+      </p:cxnSp>
+      <p:graphicFrame>
+        <p:nvGraphicFramePr>
+          <p:cNvPr id="89" name="Table 88">
+            <a:extLst>
+              <a:ext uri="{FF2B5EF4-FFF2-40B4-BE49-F238E27FC236}">
+                <a16:creationId xmlns:a16="http://schemas.microsoft.com/office/drawing/2014/main" id="{315CB4C4-D04A-49A8-AD71-C8819EF511CF}"/>
+              </a:ext>
+            </a:extLst>
+          </p:cNvPr>
+          <p:cNvGraphicFramePr>
+            <a:graphicFrameLocks noGrp="1"/>
+          </p:cNvGraphicFramePr>
+          <p:nvPr>
+            <p:extLst>
+              <p:ext uri="{D42A27DB-BD31-4B8C-83A1-F6EECF244321}">
+                <p14:modId xmlns:p14="http://schemas.microsoft.com/office/powerpoint/2010/main" val="501467906"/>
+              </p:ext>
+            </p:extLst>
+          </p:nvPr>
+        </p:nvGraphicFramePr>
+        <p:xfrm>
+          <a:off x="1070085" y="2786254"/>
+          <a:ext cx="3086100" cy="365760"/>
+        </p:xfrm>
+        <a:graphic>
+          <a:graphicData uri="http://schemas.openxmlformats.org/drawingml/2006/table">
+            <a:tbl>
+              <a:tblPr>
+                <a:tableStyleId>{5C22544A-7EE6-4342-B048-85BDC9FD1C3A}</a:tableStyleId>
+              </a:tblPr>
+              <a:tblGrid>
+                <a:gridCol w="1333500">
+                  <a:extLst>
+                    <a:ext uri="{9D8B030D-6E8A-4147-A177-3AD203B41FA5}">
+                      <a16:colId xmlns:a16="http://schemas.microsoft.com/office/drawing/2014/main" val="1462700156"/>
+                    </a:ext>
+                  </a:extLst>
+                </a:gridCol>
+                <a:gridCol w="1752600">
+                  <a:extLst>
+                    <a:ext uri="{9D8B030D-6E8A-4147-A177-3AD203B41FA5}">
+                      <a16:colId xmlns:a16="http://schemas.microsoft.com/office/drawing/2014/main" val="3264519394"/>
+                    </a:ext>
+                  </a:extLst>
+                </a:gridCol>
+              </a:tblGrid>
+              <a:tr h="182880">
+                <a:tc>
+                  <a:txBody>
+                    <a:bodyPr/>
+                    <a:lstStyle/>
+                    <a:p>
+                      <a:pPr algn="ctr" fontAlgn="b"/>
+                      <a:r>
+                        <a:rPr lang="en-US" sz="1100" u="none" strike="sngStrike" baseline="0" dirty="0">
+                          <a:solidFill>
+                            <a:schemeClr val="bg2">
+                              <a:lumMod val="50000"/>
+                            </a:schemeClr>
+                          </a:solidFill>
+                          <a:effectLst/>
+                        </a:rPr>
+                        <a:t>1 Core</a:t>
+                      </a:r>
+                      <a:endParaRPr lang="en-US" sz="1100" b="0" i="0" u="none" strike="sngStrike" baseline="0" dirty="0">
+                        <a:solidFill>
+                          <a:schemeClr val="bg2">
+                            <a:lumMod val="50000"/>
+                          </a:schemeClr>
+                        </a:solidFill>
+                        <a:effectLst/>
+                        <a:latin typeface="Calibri" panose="020F0502020204030204" pitchFamily="34" charset="0"/>
+                      </a:endParaRPr>
+                    </a:p>
+                  </a:txBody>
+                  <a:tcPr marL="3810" marR="3810" marT="3810" marB="0" anchor="b"/>
+                </a:tc>
+                <a:tc>
+                  <a:txBody>
+                    <a:bodyPr/>
+                    <a:lstStyle/>
+                    <a:p>
+                      <a:pPr algn="ctr" fontAlgn="b"/>
+                      <a:r>
+                        <a:rPr lang="en-US" sz="1100" u="none" strike="sngStrike" baseline="0">
+                          <a:solidFill>
+                            <a:schemeClr val="bg2">
+                              <a:lumMod val="50000"/>
+                            </a:schemeClr>
+                          </a:solidFill>
+                          <a:effectLst/>
+                        </a:rPr>
+                        <a:t>Serial instructions:</a:t>
+                      </a:r>
+                      <a:endParaRPr lang="en-US" sz="1100" b="0" i="0" u="none" strike="sngStrike" baseline="0">
+                        <a:solidFill>
+                          <a:schemeClr val="bg2">
+                            <a:lumMod val="50000"/>
+                          </a:schemeClr>
+                        </a:solidFill>
+                        <a:effectLst/>
+                        <a:latin typeface="Calibri" panose="020F0502020204030204" pitchFamily="34" charset="0"/>
+                      </a:endParaRPr>
+                    </a:p>
+                  </a:txBody>
+                  <a:tcPr marL="3810" marR="3810" marT="3810" marB="0" anchor="b"/>
+                </a:tc>
+                <a:extLst>
+                  <a:ext uri="{0D108BD9-81ED-4DB2-BD59-A6C34878D82A}">
+                    <a16:rowId xmlns:a16="http://schemas.microsoft.com/office/drawing/2014/main" val="1601506200"/>
+                  </a:ext>
+                </a:extLst>
+              </a:tr>
+              <a:tr h="182880">
+                <a:tc>
+                  <a:txBody>
+                    <a:bodyPr/>
+                    <a:lstStyle/>
+                    <a:p>
+                      <a:pPr algn="ctr" fontAlgn="b"/>
+                      <a:r>
+                        <a:rPr lang="en-US" sz="1100" u="none" strike="sngStrike" baseline="0" dirty="0">
+                          <a:solidFill>
+                            <a:schemeClr val="bg2">
+                              <a:lumMod val="50000"/>
+                            </a:schemeClr>
+                          </a:solidFill>
+                          <a:effectLst/>
+                        </a:rPr>
+                        <a:t>Multiples of Bunnies =</a:t>
+                      </a:r>
+                      <a:endParaRPr lang="en-US" sz="1100" b="0" i="0" u="none" strike="sngStrike" baseline="0" dirty="0">
+                        <a:solidFill>
+                          <a:schemeClr val="bg2">
+                            <a:lumMod val="50000"/>
+                          </a:schemeClr>
+                        </a:solidFill>
+                        <a:effectLst/>
+                        <a:latin typeface="Calibri" panose="020F0502020204030204" pitchFamily="34" charset="0"/>
+                      </a:endParaRPr>
+                    </a:p>
+                  </a:txBody>
+                  <a:tcPr marL="3810" marR="3810" marT="3810" marB="0" anchor="b"/>
+                </a:tc>
+                <a:tc>
+                  <a:txBody>
+                    <a:bodyPr/>
+                    <a:lstStyle/>
+                    <a:p>
+                      <a:pPr algn="ctr" fontAlgn="b"/>
+                      <a:r>
+                        <a:rPr lang="en-US" sz="1100" u="none" strike="sngStrike" baseline="0" dirty="0">
+                          <a:solidFill>
+                            <a:schemeClr val="bg2">
+                              <a:lumMod val="50000"/>
+                            </a:schemeClr>
+                          </a:solidFill>
+                          <a:effectLst/>
+                        </a:rPr>
+                        <a:t>2*8*6*7*5*7*2*8*6*7*5*7=</a:t>
+                      </a:r>
+                      <a:endParaRPr lang="en-US" sz="1100" b="0" i="0" u="none" strike="sngStrike" baseline="0" dirty="0">
+                        <a:solidFill>
+                          <a:schemeClr val="bg2">
+                            <a:lumMod val="50000"/>
+                          </a:schemeClr>
+                        </a:solidFill>
+                        <a:effectLst/>
+                        <a:latin typeface="Calibri" panose="020F0502020204030204" pitchFamily="34" charset="0"/>
+                      </a:endParaRPr>
+                    </a:p>
+                  </a:txBody>
+                  <a:tcPr marL="3810" marR="3810" marT="3810" marB="0" anchor="b"/>
+                </a:tc>
+                <a:extLst>
+                  <a:ext uri="{0D108BD9-81ED-4DB2-BD59-A6C34878D82A}">
+                    <a16:rowId xmlns:a16="http://schemas.microsoft.com/office/drawing/2014/main" val="3572360309"/>
+                  </a:ext>
+                </a:extLst>
+              </a:tr>
+            </a:tbl>
+          </a:graphicData>
+        </a:graphic>
+      </p:graphicFrame>
+    </p:spTree>
+    <p:extLst>
+      <p:ext uri="{BB962C8B-B14F-4D97-AF65-F5344CB8AC3E}">
+        <p14:creationId xmlns:p14="http://schemas.microsoft.com/office/powerpoint/2010/main" val="3351446282"/>
+      </p:ext>
+    </p:extLst>
+  </p:cSld>
+  <p:clrMapOvr>
+    <a:masterClrMapping/>
+  </p:clrMapOvr>
+</p:sld>
+</file>
+
+<file path=ppt/slides/slide5.xml><?xml version="1.0" encoding="utf-8"?>
+<p:sld xmlns:a="http://schemas.openxmlformats.org/drawingml/2006/main" xmlns:r="http://schemas.openxmlformats.org/officeDocument/2006/relationships" xmlns:p="http://schemas.openxmlformats.org/presentationml/2006/main">
+  <p:cSld>
+    <p:spTree>
+      <p:nvGrpSpPr>
+        <p:cNvPr id="1" name=""/>
+        <p:cNvGrpSpPr/>
+        <p:nvPr/>
+      </p:nvGrpSpPr>
+      <p:grpSpPr>
+        <a:xfrm>
+          <a:off x="0" y="0"/>
+          <a:ext cx="0" cy="0"/>
+          <a:chOff x="0" y="0"/>
+          <a:chExt cx="0" cy="0"/>
+        </a:xfrm>
+      </p:grpSpPr>
+      <p:sp>
+        <p:nvSpPr>
+          <p:cNvPr id="2" name="Title 1">
+            <a:extLst>
+              <a:ext uri="{FF2B5EF4-FFF2-40B4-BE49-F238E27FC236}">
+                <a16:creationId xmlns:a16="http://schemas.microsoft.com/office/drawing/2014/main" id="{C23EAF31-1BD4-45EE-9B12-BC14F7D54307}"/>
+              </a:ext>
+            </a:extLst>
+          </p:cNvPr>
+          <p:cNvSpPr>
+            <a:spLocks noGrp="1"/>
+          </p:cNvSpPr>
+          <p:nvPr>
+            <p:ph type="title"/>
+          </p:nvPr>
+        </p:nvSpPr>
+        <p:spPr/>
+        <p:txBody>
+          <a:bodyPr/>
+          <a:lstStyle/>
+          <a:p>
+            <a:r>
+              <a:rPr lang="en-US" dirty="0"/>
+              <a:t>Parallel Processing</a:t>
+            </a:r>
+          </a:p>
+        </p:txBody>
+      </p:sp>
+      <p:sp>
+        <p:nvSpPr>
+          <p:cNvPr id="3" name="Content Placeholder 2">
+            <a:extLst>
+              <a:ext uri="{FF2B5EF4-FFF2-40B4-BE49-F238E27FC236}">
+                <a16:creationId xmlns:a16="http://schemas.microsoft.com/office/drawing/2014/main" id="{3A61812F-E008-4811-8823-E7459E60F548}"/>
+              </a:ext>
+            </a:extLst>
+          </p:cNvPr>
+          <p:cNvSpPr>
+            <a:spLocks noGrp="1"/>
+          </p:cNvSpPr>
+          <p:nvPr>
+            <p:ph idx="1"/>
+          </p:nvPr>
+        </p:nvSpPr>
+        <p:spPr/>
+        <p:txBody>
+          <a:bodyPr/>
+          <a:lstStyle/>
+          <a:p>
             <a:pPr marL="0" indent="0">
               <a:buNone/>
             </a:pPr>
             <a:r>
               <a:rPr lang="en-US" dirty="0"/>
-              <a:t>Wrong..</a:t>
+              <a:t>1 More Step</a:t>
+            </a:r>
+          </a:p>
+        </p:txBody>
+      </p:sp>
+      <p:grpSp>
+        <p:nvGrpSpPr>
+          <p:cNvPr id="5" name="Group 4">
+            <a:extLst>
+              <a:ext uri="{FF2B5EF4-FFF2-40B4-BE49-F238E27FC236}">
+                <a16:creationId xmlns:a16="http://schemas.microsoft.com/office/drawing/2014/main" id="{C3F210F0-301F-4369-8EC5-3CDB5E98AD25}"/>
+              </a:ext>
+            </a:extLst>
+          </p:cNvPr>
+          <p:cNvGrpSpPr/>
+          <p:nvPr/>
+        </p:nvGrpSpPr>
+        <p:grpSpPr>
+          <a:xfrm>
+            <a:off x="4798745" y="2626747"/>
+            <a:ext cx="2594510" cy="2749094"/>
+            <a:chOff x="5447924" y="3151100"/>
+            <a:chExt cx="1929653" cy="2127624"/>
+          </a:xfrm>
+        </p:grpSpPr>
+        <p:sp>
+          <p:nvSpPr>
+            <p:cNvPr id="6" name="Rectangle 5">
+              <a:extLst>
+                <a:ext uri="{FF2B5EF4-FFF2-40B4-BE49-F238E27FC236}">
+                  <a16:creationId xmlns:a16="http://schemas.microsoft.com/office/drawing/2014/main" id="{E2756E32-F5A5-4306-8AA3-8A33C9D7531F}"/>
+                </a:ext>
+              </a:extLst>
+            </p:cNvPr>
+            <p:cNvSpPr/>
+            <p:nvPr/>
+          </p:nvSpPr>
+          <p:spPr>
+            <a:xfrm>
+              <a:off x="5447924" y="3151100"/>
+              <a:ext cx="1929653" cy="2127624"/>
+            </a:xfrm>
+            <a:prstGeom prst="rect">
+              <a:avLst/>
+            </a:prstGeom>
+          </p:spPr>
+          <p:style>
+            <a:lnRef idx="2">
+              <a:schemeClr val="accent1">
+                <a:shade val="50000"/>
+              </a:schemeClr>
+            </a:lnRef>
+            <a:fillRef idx="1">
+              <a:schemeClr val="accent1"/>
+            </a:fillRef>
+            <a:effectRef idx="0">
+              <a:schemeClr val="accent1"/>
+            </a:effectRef>
+            <a:fontRef idx="minor">
+              <a:schemeClr val="lt1"/>
+            </a:fontRef>
+          </p:style>
+          <p:txBody>
+            <a:bodyPr rtlCol="0" anchor="ctr"/>
+            <a:lstStyle/>
+            <a:p>
+              <a:pPr algn="ctr"/>
+              <a:endParaRPr lang="en-US"/>
+            </a:p>
+          </p:txBody>
+        </p:sp>
+        <p:sp>
+          <p:nvSpPr>
+            <p:cNvPr id="7" name="Oval 6">
+              <a:extLst>
+                <a:ext uri="{FF2B5EF4-FFF2-40B4-BE49-F238E27FC236}">
+                  <a16:creationId xmlns:a16="http://schemas.microsoft.com/office/drawing/2014/main" id="{F36B273B-2E6F-401B-8BE9-DE0E8CD8080A}"/>
+                </a:ext>
+              </a:extLst>
+            </p:cNvPr>
+            <p:cNvSpPr/>
+            <p:nvPr/>
+          </p:nvSpPr>
+          <p:spPr>
+            <a:xfrm>
+              <a:off x="5794410" y="3421888"/>
+              <a:ext cx="394447" cy="376517"/>
+            </a:xfrm>
+            <a:prstGeom prst="ellipse">
+              <a:avLst/>
+            </a:prstGeom>
+            <a:solidFill>
+              <a:schemeClr val="accent4">
+                <a:lumMod val="60000"/>
+                <a:lumOff val="40000"/>
+              </a:schemeClr>
+            </a:solidFill>
+          </p:spPr>
+          <p:style>
+            <a:lnRef idx="2">
+              <a:schemeClr val="accent1">
+                <a:shade val="50000"/>
+              </a:schemeClr>
+            </a:lnRef>
+            <a:fillRef idx="1">
+              <a:schemeClr val="accent1"/>
+            </a:fillRef>
+            <a:effectRef idx="0">
+              <a:schemeClr val="accent1"/>
+            </a:effectRef>
+            <a:fontRef idx="minor">
+              <a:schemeClr val="lt1"/>
+            </a:fontRef>
+          </p:style>
+          <p:txBody>
+            <a:bodyPr rtlCol="0" anchor="ctr"/>
+            <a:lstStyle/>
+            <a:p>
+              <a:pPr algn="ctr"/>
+              <a:r>
+                <a:rPr lang="en-US" dirty="0">
+                  <a:solidFill>
+                    <a:schemeClr val="accent4">
+                      <a:lumMod val="50000"/>
+                    </a:schemeClr>
+                  </a:solidFill>
+                </a:rPr>
+                <a:t>1</a:t>
+              </a:r>
+            </a:p>
+          </p:txBody>
+        </p:sp>
+        <p:sp>
+          <p:nvSpPr>
+            <p:cNvPr id="8" name="Oval 7">
+              <a:extLst>
+                <a:ext uri="{FF2B5EF4-FFF2-40B4-BE49-F238E27FC236}">
+                  <a16:creationId xmlns:a16="http://schemas.microsoft.com/office/drawing/2014/main" id="{A5926C6F-5BC4-49AB-90C0-BF086DF37BD3}"/>
+                </a:ext>
+              </a:extLst>
+            </p:cNvPr>
+            <p:cNvSpPr/>
+            <p:nvPr/>
+          </p:nvSpPr>
+          <p:spPr>
+            <a:xfrm>
+              <a:off x="6613186" y="3421888"/>
+              <a:ext cx="394447" cy="376517"/>
+            </a:xfrm>
+            <a:prstGeom prst="ellipse">
+              <a:avLst/>
+            </a:prstGeom>
+            <a:solidFill>
+              <a:schemeClr val="accent4">
+                <a:lumMod val="60000"/>
+                <a:lumOff val="40000"/>
+              </a:schemeClr>
+            </a:solidFill>
+          </p:spPr>
+          <p:style>
+            <a:lnRef idx="2">
+              <a:schemeClr val="accent1">
+                <a:shade val="50000"/>
+              </a:schemeClr>
+            </a:lnRef>
+            <a:fillRef idx="1">
+              <a:schemeClr val="accent1"/>
+            </a:fillRef>
+            <a:effectRef idx="0">
+              <a:schemeClr val="accent1"/>
+            </a:effectRef>
+            <a:fontRef idx="minor">
+              <a:schemeClr val="lt1"/>
+            </a:fontRef>
+          </p:style>
+          <p:txBody>
+            <a:bodyPr rtlCol="0" anchor="ctr"/>
+            <a:lstStyle/>
+            <a:p>
+              <a:pPr algn="ctr"/>
+              <a:r>
+                <a:rPr lang="en-US" dirty="0">
+                  <a:solidFill>
+                    <a:schemeClr val="accent4">
+                      <a:lumMod val="50000"/>
+                    </a:schemeClr>
+                  </a:solidFill>
+                </a:rPr>
+                <a:t>2</a:t>
+              </a:r>
+            </a:p>
+          </p:txBody>
+        </p:sp>
+        <p:sp>
+          <p:nvSpPr>
+            <p:cNvPr id="9" name="Oval 8">
+              <a:extLst>
+                <a:ext uri="{FF2B5EF4-FFF2-40B4-BE49-F238E27FC236}">
+                  <a16:creationId xmlns:a16="http://schemas.microsoft.com/office/drawing/2014/main" id="{2C0142C4-6548-4751-A216-D79C7FE96BDE}"/>
+                </a:ext>
+              </a:extLst>
+            </p:cNvPr>
+            <p:cNvSpPr/>
+            <p:nvPr/>
+          </p:nvSpPr>
+          <p:spPr>
+            <a:xfrm>
+              <a:off x="5794408" y="4022522"/>
+              <a:ext cx="394447" cy="376517"/>
+            </a:xfrm>
+            <a:prstGeom prst="ellipse">
+              <a:avLst/>
+            </a:prstGeom>
+            <a:solidFill>
+              <a:schemeClr val="accent4">
+                <a:lumMod val="60000"/>
+                <a:lumOff val="40000"/>
+              </a:schemeClr>
+            </a:solidFill>
+          </p:spPr>
+          <p:style>
+            <a:lnRef idx="2">
+              <a:schemeClr val="accent1">
+                <a:shade val="50000"/>
+              </a:schemeClr>
+            </a:lnRef>
+            <a:fillRef idx="1">
+              <a:schemeClr val="accent1"/>
+            </a:fillRef>
+            <a:effectRef idx="0">
+              <a:schemeClr val="accent1"/>
+            </a:effectRef>
+            <a:fontRef idx="minor">
+              <a:schemeClr val="lt1"/>
+            </a:fontRef>
+          </p:style>
+          <p:txBody>
+            <a:bodyPr rtlCol="0" anchor="ctr"/>
+            <a:lstStyle/>
+            <a:p>
+              <a:pPr algn="ctr"/>
+              <a:r>
+                <a:rPr lang="en-US" dirty="0">
+                  <a:solidFill>
+                    <a:schemeClr val="accent4">
+                      <a:lumMod val="50000"/>
+                    </a:schemeClr>
+                  </a:solidFill>
+                </a:rPr>
+                <a:t>3</a:t>
+              </a:r>
+            </a:p>
+          </p:txBody>
+        </p:sp>
+        <p:sp>
+          <p:nvSpPr>
+            <p:cNvPr id="10" name="Oval 9">
+              <a:extLst>
+                <a:ext uri="{FF2B5EF4-FFF2-40B4-BE49-F238E27FC236}">
+                  <a16:creationId xmlns:a16="http://schemas.microsoft.com/office/drawing/2014/main" id="{57028D69-760A-4400-9D4A-B9D5D4A475A9}"/>
+                </a:ext>
+              </a:extLst>
+            </p:cNvPr>
+            <p:cNvSpPr/>
+            <p:nvPr/>
+          </p:nvSpPr>
+          <p:spPr>
+            <a:xfrm>
+              <a:off x="6613185" y="4022522"/>
+              <a:ext cx="394447" cy="376517"/>
+            </a:xfrm>
+            <a:prstGeom prst="ellipse">
+              <a:avLst/>
+            </a:prstGeom>
+            <a:solidFill>
+              <a:schemeClr val="accent4">
+                <a:lumMod val="60000"/>
+                <a:lumOff val="40000"/>
+              </a:schemeClr>
+            </a:solidFill>
+          </p:spPr>
+          <p:style>
+            <a:lnRef idx="2">
+              <a:schemeClr val="accent1">
+                <a:shade val="50000"/>
+              </a:schemeClr>
+            </a:lnRef>
+            <a:fillRef idx="1">
+              <a:schemeClr val="accent1"/>
+            </a:fillRef>
+            <a:effectRef idx="0">
+              <a:schemeClr val="accent1"/>
+            </a:effectRef>
+            <a:fontRef idx="minor">
+              <a:schemeClr val="lt1"/>
+            </a:fontRef>
+          </p:style>
+          <p:txBody>
+            <a:bodyPr rtlCol="0" anchor="ctr"/>
+            <a:lstStyle/>
+            <a:p>
+              <a:pPr algn="ctr"/>
+              <a:r>
+                <a:rPr lang="en-US" dirty="0">
+                  <a:solidFill>
+                    <a:schemeClr val="accent4">
+                      <a:lumMod val="50000"/>
+                    </a:schemeClr>
+                  </a:solidFill>
+                </a:rPr>
+                <a:t>4</a:t>
+              </a:r>
+            </a:p>
+          </p:txBody>
+        </p:sp>
+        <p:sp>
+          <p:nvSpPr>
+            <p:cNvPr id="11" name="Oval 10">
+              <a:extLst>
+                <a:ext uri="{FF2B5EF4-FFF2-40B4-BE49-F238E27FC236}">
+                  <a16:creationId xmlns:a16="http://schemas.microsoft.com/office/drawing/2014/main" id="{88FE90D8-F017-41AD-917C-16F3E0CB31EA}"/>
+                </a:ext>
+              </a:extLst>
+            </p:cNvPr>
+            <p:cNvSpPr/>
+            <p:nvPr/>
+          </p:nvSpPr>
+          <p:spPr>
+            <a:xfrm>
+              <a:off x="5794408" y="4623158"/>
+              <a:ext cx="394447" cy="376517"/>
+            </a:xfrm>
+            <a:prstGeom prst="ellipse">
+              <a:avLst/>
+            </a:prstGeom>
+            <a:solidFill>
+              <a:schemeClr val="accent4">
+                <a:lumMod val="60000"/>
+                <a:lumOff val="40000"/>
+              </a:schemeClr>
+            </a:solidFill>
+          </p:spPr>
+          <p:style>
+            <a:lnRef idx="2">
+              <a:schemeClr val="accent1">
+                <a:shade val="50000"/>
+              </a:schemeClr>
+            </a:lnRef>
+            <a:fillRef idx="1">
+              <a:schemeClr val="accent1"/>
+            </a:fillRef>
+            <a:effectRef idx="0">
+              <a:schemeClr val="accent1"/>
+            </a:effectRef>
+            <a:fontRef idx="minor">
+              <a:schemeClr val="lt1"/>
+            </a:fontRef>
+          </p:style>
+          <p:txBody>
+            <a:bodyPr rtlCol="0" anchor="ctr"/>
+            <a:lstStyle/>
+            <a:p>
+              <a:pPr algn="ctr"/>
+              <a:r>
+                <a:rPr lang="en-US" dirty="0">
+                  <a:solidFill>
+                    <a:schemeClr val="accent4">
+                      <a:lumMod val="50000"/>
+                    </a:schemeClr>
+                  </a:solidFill>
+                </a:rPr>
+                <a:t>5</a:t>
+              </a:r>
+            </a:p>
+          </p:txBody>
+        </p:sp>
+        <p:sp>
+          <p:nvSpPr>
+            <p:cNvPr id="12" name="Oval 11">
+              <a:extLst>
+                <a:ext uri="{FF2B5EF4-FFF2-40B4-BE49-F238E27FC236}">
+                  <a16:creationId xmlns:a16="http://schemas.microsoft.com/office/drawing/2014/main" id="{08012994-CE5C-43CE-9E8A-1F9A35D08D3F}"/>
+                </a:ext>
+              </a:extLst>
+            </p:cNvPr>
+            <p:cNvSpPr/>
+            <p:nvPr/>
+          </p:nvSpPr>
+          <p:spPr>
+            <a:xfrm>
+              <a:off x="6613185" y="4623156"/>
+              <a:ext cx="394447" cy="376517"/>
+            </a:xfrm>
+            <a:prstGeom prst="ellipse">
+              <a:avLst/>
+            </a:prstGeom>
+            <a:solidFill>
+              <a:schemeClr val="accent4">
+                <a:lumMod val="60000"/>
+                <a:lumOff val="40000"/>
+              </a:schemeClr>
+            </a:solidFill>
+          </p:spPr>
+          <p:style>
+            <a:lnRef idx="2">
+              <a:schemeClr val="accent1">
+                <a:shade val="50000"/>
+              </a:schemeClr>
+            </a:lnRef>
+            <a:fillRef idx="1">
+              <a:schemeClr val="accent1"/>
+            </a:fillRef>
+            <a:effectRef idx="0">
+              <a:schemeClr val="accent1"/>
+            </a:effectRef>
+            <a:fontRef idx="minor">
+              <a:schemeClr val="lt1"/>
+            </a:fontRef>
+          </p:style>
+          <p:txBody>
+            <a:bodyPr rtlCol="0" anchor="ctr"/>
+            <a:lstStyle/>
+            <a:p>
+              <a:pPr algn="ctr"/>
+              <a:r>
+                <a:rPr lang="en-US" dirty="0">
+                  <a:solidFill>
+                    <a:schemeClr val="accent4">
+                      <a:lumMod val="50000"/>
+                    </a:schemeClr>
+                  </a:solidFill>
+                </a:rPr>
+                <a:t>6</a:t>
+              </a:r>
+            </a:p>
+          </p:txBody>
+        </p:sp>
+      </p:grpSp>
+      <p:cxnSp>
+        <p:nvCxnSpPr>
+          <p:cNvPr id="86" name="Connector: Curved 85">
+            <a:extLst>
+              <a:ext uri="{FF2B5EF4-FFF2-40B4-BE49-F238E27FC236}">
+                <a16:creationId xmlns:a16="http://schemas.microsoft.com/office/drawing/2014/main" id="{9A622E61-23DF-45F1-8649-5B2981405FC9}"/>
+              </a:ext>
+            </a:extLst>
+          </p:cNvPr>
+          <p:cNvCxnSpPr>
+            <a:cxnSpLocks/>
+            <a:stCxn id="13" idx="3"/>
+            <a:endCxn id="7" idx="1"/>
+          </p:cNvCxnSpPr>
+          <p:nvPr/>
+        </p:nvCxnSpPr>
+        <p:spPr>
+          <a:xfrm flipV="1">
+            <a:off x="3975507" y="3047877"/>
+            <a:ext cx="1366773" cy="658229"/>
+          </a:xfrm>
+          <a:prstGeom prst="curvedConnector4">
+            <a:avLst>
+              <a:gd name="adj1" fmla="val 47159"/>
+              <a:gd name="adj2" fmla="val 145553"/>
+            </a:avLst>
+          </a:prstGeom>
+          <a:ln w="28575">
+            <a:solidFill>
+              <a:schemeClr val="accent2">
+                <a:lumMod val="75000"/>
+              </a:schemeClr>
+            </a:solidFill>
+            <a:tailEnd type="triangle"/>
+          </a:ln>
+        </p:spPr>
+        <p:style>
+          <a:lnRef idx="1">
+            <a:schemeClr val="accent1"/>
+          </a:lnRef>
+          <a:fillRef idx="0">
+            <a:schemeClr val="accent1"/>
+          </a:fillRef>
+          <a:effectRef idx="0">
+            <a:schemeClr val="accent1"/>
+          </a:effectRef>
+          <a:fontRef idx="minor">
+            <a:schemeClr val="tx1"/>
+          </a:fontRef>
+        </p:style>
+      </p:cxnSp>
+      <p:graphicFrame>
+        <p:nvGraphicFramePr>
+          <p:cNvPr id="13" name="Table 12">
+            <a:extLst>
+              <a:ext uri="{FF2B5EF4-FFF2-40B4-BE49-F238E27FC236}">
+                <a16:creationId xmlns:a16="http://schemas.microsoft.com/office/drawing/2014/main" id="{998CCCED-65D5-4861-ACFF-30EC49C8699E}"/>
+              </a:ext>
+            </a:extLst>
+          </p:cNvPr>
+          <p:cNvGraphicFramePr>
+            <a:graphicFrameLocks noGrp="1"/>
+          </p:cNvGraphicFramePr>
+          <p:nvPr>
+            <p:extLst>
+              <p:ext uri="{D42A27DB-BD31-4B8C-83A1-F6EECF244321}">
+                <p14:modId xmlns:p14="http://schemas.microsoft.com/office/powerpoint/2010/main" val="3877123889"/>
+              </p:ext>
+            </p:extLst>
+          </p:nvPr>
+        </p:nvGraphicFramePr>
+        <p:xfrm>
+          <a:off x="918996" y="3528941"/>
+          <a:ext cx="3056511" cy="354330"/>
+        </p:xfrm>
+        <a:graphic>
+          <a:graphicData uri="http://schemas.openxmlformats.org/drawingml/2006/table">
+            <a:tbl>
+              <a:tblPr>
+                <a:tableStyleId>{5C22544A-7EE6-4342-B048-85BDC9FD1C3A}</a:tableStyleId>
+              </a:tblPr>
+              <a:tblGrid>
+                <a:gridCol w="1303911">
+                  <a:extLst>
+                    <a:ext uri="{9D8B030D-6E8A-4147-A177-3AD203B41FA5}">
+                      <a16:colId xmlns:a16="http://schemas.microsoft.com/office/drawing/2014/main" val="1770756499"/>
+                    </a:ext>
+                  </a:extLst>
+                </a:gridCol>
+                <a:gridCol w="1752600">
+                  <a:extLst>
+                    <a:ext uri="{9D8B030D-6E8A-4147-A177-3AD203B41FA5}">
+                      <a16:colId xmlns:a16="http://schemas.microsoft.com/office/drawing/2014/main" val="1495425505"/>
+                    </a:ext>
+                  </a:extLst>
+                </a:gridCol>
+              </a:tblGrid>
+              <a:tr h="59111">
+                <a:tc>
+                  <a:txBody>
+                    <a:bodyPr/>
+                    <a:lstStyle/>
+                    <a:p>
+                      <a:pPr algn="l" fontAlgn="b"/>
+                      <a:r>
+                        <a:rPr lang="en-US" sz="1100" u="none" strike="noStrike" dirty="0">
+                          <a:effectLst/>
+                        </a:rPr>
+                        <a:t>1 Core</a:t>
+                      </a:r>
+                      <a:endParaRPr lang="en-US" sz="1100" b="0" i="0" u="none" strike="noStrike" dirty="0">
+                        <a:solidFill>
+                          <a:srgbClr val="FFFFFF"/>
+                        </a:solidFill>
+                        <a:effectLst/>
+                        <a:latin typeface="Calibri" panose="020F0502020204030204" pitchFamily="34" charset="0"/>
+                      </a:endParaRPr>
+                    </a:p>
+                  </a:txBody>
+                  <a:tcPr marL="3810" marR="3810" marT="3810" marB="0" anchor="b"/>
+                </a:tc>
+                <a:tc>
+                  <a:txBody>
+                    <a:bodyPr/>
+                    <a:lstStyle/>
+                    <a:p>
+                      <a:pPr algn="l" fontAlgn="b"/>
+                      <a:r>
+                        <a:rPr lang="en-US" sz="1100" u="none" strike="noStrike" dirty="0">
+                          <a:effectLst/>
+                        </a:rPr>
+                        <a:t>Serial Instructions</a:t>
+                      </a:r>
+                      <a:endParaRPr lang="en-US" sz="1100" b="0" i="0" u="none" strike="noStrike" dirty="0">
+                        <a:solidFill>
+                          <a:srgbClr val="FFFFFF"/>
+                        </a:solidFill>
+                        <a:effectLst/>
+                        <a:latin typeface="Calibri" panose="020F0502020204030204" pitchFamily="34" charset="0"/>
+                      </a:endParaRPr>
+                    </a:p>
+                  </a:txBody>
+                  <a:tcPr marL="3810" marR="3810" marT="3810" marB="0" anchor="b"/>
+                </a:tc>
+                <a:extLst>
+                  <a:ext uri="{0D108BD9-81ED-4DB2-BD59-A6C34878D82A}">
+                    <a16:rowId xmlns:a16="http://schemas.microsoft.com/office/drawing/2014/main" val="2160015998"/>
+                  </a:ext>
+                </a:extLst>
+              </a:tr>
+              <a:tr h="182880">
+                <a:tc>
+                  <a:txBody>
+                    <a:bodyPr/>
+                    <a:lstStyle/>
+                    <a:p>
+                      <a:pPr algn="l" fontAlgn="b"/>
+                      <a:r>
+                        <a:rPr lang="en-US" sz="1100" u="none" strike="noStrike">
+                          <a:effectLst/>
+                        </a:rPr>
+                        <a:t>Multiples of Bunnies =</a:t>
+                      </a:r>
+                      <a:endParaRPr lang="en-US" sz="1100" b="0" i="0" u="none" strike="noStrike">
+                        <a:solidFill>
+                          <a:srgbClr val="FFFFFF"/>
+                        </a:solidFill>
+                        <a:effectLst/>
+                        <a:latin typeface="Calibri" panose="020F0502020204030204" pitchFamily="34" charset="0"/>
+                      </a:endParaRPr>
+                    </a:p>
+                  </a:txBody>
+                  <a:tcPr marL="3810" marR="3810" marT="3810" marB="0" anchor="b"/>
+                </a:tc>
+                <a:tc>
+                  <a:txBody>
+                    <a:bodyPr/>
+                    <a:lstStyle/>
+                    <a:p>
+                      <a:pPr algn="r" fontAlgn="b"/>
+                      <a:r>
+                        <a:rPr lang="en-US" sz="1100" u="none" strike="noStrike" dirty="0">
+                          <a:effectLst/>
+                        </a:rPr>
+                        <a:t>40*14*30*42*16*49=</a:t>
+                      </a:r>
+                      <a:endParaRPr lang="en-US" sz="1100" b="0" i="0" u="none" strike="noStrike" dirty="0">
+                        <a:solidFill>
+                          <a:srgbClr val="FFFFFF"/>
+                        </a:solidFill>
+                        <a:effectLst/>
+                        <a:latin typeface="Calibri" panose="020F0502020204030204" pitchFamily="34" charset="0"/>
+                      </a:endParaRPr>
+                    </a:p>
+                  </a:txBody>
+                  <a:tcPr marL="3810" marR="3810" marT="3810" marB="0" anchor="b"/>
+                </a:tc>
+                <a:extLst>
+                  <a:ext uri="{0D108BD9-81ED-4DB2-BD59-A6C34878D82A}">
+                    <a16:rowId xmlns:a16="http://schemas.microsoft.com/office/drawing/2014/main" val="984629218"/>
+                  </a:ext>
+                </a:extLst>
+              </a:tr>
+            </a:tbl>
+          </a:graphicData>
+        </a:graphic>
+      </p:graphicFrame>
+      <p:graphicFrame>
+        <p:nvGraphicFramePr>
+          <p:cNvPr id="30" name="Table 29">
+            <a:extLst>
+              <a:ext uri="{FF2B5EF4-FFF2-40B4-BE49-F238E27FC236}">
+                <a16:creationId xmlns:a16="http://schemas.microsoft.com/office/drawing/2014/main" id="{C4044AB9-E08B-4A4F-8730-83DF9298ADC7}"/>
+              </a:ext>
+            </a:extLst>
+          </p:cNvPr>
+          <p:cNvGraphicFramePr>
+            <a:graphicFrameLocks noGrp="1"/>
+          </p:cNvGraphicFramePr>
+          <p:nvPr/>
+        </p:nvGraphicFramePr>
+        <p:xfrm>
+          <a:off x="8276985" y="2981226"/>
+          <a:ext cx="876300" cy="365760"/>
+        </p:xfrm>
+        <a:graphic>
+          <a:graphicData uri="http://schemas.openxmlformats.org/drawingml/2006/table">
+            <a:tbl>
+              <a:tblPr>
+                <a:tableStyleId>{5C22544A-7EE6-4342-B048-85BDC9FD1C3A}</a:tableStyleId>
+              </a:tblPr>
+              <a:tblGrid>
+                <a:gridCol w="876300">
+                  <a:extLst>
+                    <a:ext uri="{9D8B030D-6E8A-4147-A177-3AD203B41FA5}">
+                      <a16:colId xmlns:a16="http://schemas.microsoft.com/office/drawing/2014/main" val="2029625671"/>
+                    </a:ext>
+                  </a:extLst>
+                </a:gridCol>
+              </a:tblGrid>
+              <a:tr h="182880">
+                <a:tc>
+                  <a:txBody>
+                    <a:bodyPr/>
+                    <a:lstStyle/>
+                    <a:p>
+                      <a:pPr algn="l" fontAlgn="b"/>
+                      <a:r>
+                        <a:rPr lang="en-US" sz="1100" u="none" strike="noStrike" dirty="0">
+                          <a:effectLst/>
+                        </a:rPr>
+                        <a:t> Bunnies</a:t>
+                      </a:r>
+                      <a:endParaRPr lang="en-US" sz="1100" b="0" i="0" u="none" strike="noStrike" dirty="0">
+                        <a:solidFill>
+                          <a:srgbClr val="FFFFFF"/>
+                        </a:solidFill>
+                        <a:effectLst/>
+                        <a:latin typeface="Calibri" panose="020F0502020204030204" pitchFamily="34" charset="0"/>
+                      </a:endParaRPr>
+                    </a:p>
+                  </a:txBody>
+                  <a:tcPr marL="3810" marR="3810" marT="3810" marB="0" anchor="b"/>
+                </a:tc>
+                <a:extLst>
+                  <a:ext uri="{0D108BD9-81ED-4DB2-BD59-A6C34878D82A}">
+                    <a16:rowId xmlns:a16="http://schemas.microsoft.com/office/drawing/2014/main" val="3612197950"/>
+                  </a:ext>
+                </a:extLst>
+              </a:tr>
+              <a:tr h="182880">
+                <a:tc>
+                  <a:txBody>
+                    <a:bodyPr/>
+                    <a:lstStyle/>
+                    <a:p>
+                      <a:pPr algn="ctr" fontAlgn="b"/>
+                      <a:r>
+                        <a:rPr lang="en-US" sz="1100" u="none" strike="noStrike" dirty="0">
+                          <a:effectLst/>
+                        </a:rPr>
+                        <a:t>553,190,400</a:t>
+                      </a:r>
+                      <a:endParaRPr lang="en-US" sz="1100" b="0" i="0" u="none" strike="noStrike" dirty="0">
+                        <a:solidFill>
+                          <a:srgbClr val="FFFFFF"/>
+                        </a:solidFill>
+                        <a:effectLst/>
+                        <a:latin typeface="Calibri" panose="020F0502020204030204" pitchFamily="34" charset="0"/>
+                      </a:endParaRPr>
+                    </a:p>
+                  </a:txBody>
+                  <a:tcPr marL="3810" marR="3810" marT="3810" marB="0" anchor="b"/>
+                </a:tc>
+                <a:extLst>
+                  <a:ext uri="{0D108BD9-81ED-4DB2-BD59-A6C34878D82A}">
+                    <a16:rowId xmlns:a16="http://schemas.microsoft.com/office/drawing/2014/main" val="2641051407"/>
+                  </a:ext>
+                </a:extLst>
+              </a:tr>
+            </a:tbl>
+          </a:graphicData>
+        </a:graphic>
+      </p:graphicFrame>
+      <p:cxnSp>
+        <p:nvCxnSpPr>
+          <p:cNvPr id="31" name="Connector: Curved 30">
+            <a:extLst>
+              <a:ext uri="{FF2B5EF4-FFF2-40B4-BE49-F238E27FC236}">
+                <a16:creationId xmlns:a16="http://schemas.microsoft.com/office/drawing/2014/main" id="{46507FE0-88E1-4087-B1CD-CAC3FA882990}"/>
+              </a:ext>
+            </a:extLst>
+          </p:cNvPr>
+          <p:cNvCxnSpPr>
+            <a:cxnSpLocks/>
+            <a:endCxn id="30" idx="1"/>
+          </p:cNvCxnSpPr>
+          <p:nvPr/>
+        </p:nvCxnSpPr>
+        <p:spPr>
+          <a:xfrm rot="16200000" flipH="1">
+            <a:off x="6939026" y="1826147"/>
+            <a:ext cx="116229" cy="2559688"/>
+          </a:xfrm>
+          <a:prstGeom prst="curvedConnector4">
+            <a:avLst>
+              <a:gd name="adj1" fmla="val -196681"/>
+              <a:gd name="adj2" fmla="val 56005"/>
+            </a:avLst>
+          </a:prstGeom>
+          <a:ln w="28575">
+            <a:solidFill>
+              <a:schemeClr val="accent2">
+                <a:lumMod val="75000"/>
+              </a:schemeClr>
+            </a:solidFill>
+            <a:tailEnd type="triangle"/>
+          </a:ln>
+        </p:spPr>
+        <p:style>
+          <a:lnRef idx="1">
+            <a:schemeClr val="accent1"/>
+          </a:lnRef>
+          <a:fillRef idx="0">
+            <a:schemeClr val="accent1"/>
+          </a:fillRef>
+          <a:effectRef idx="0">
+            <a:schemeClr val="accent1"/>
+          </a:effectRef>
+          <a:fontRef idx="minor">
+            <a:schemeClr val="tx1"/>
+          </a:fontRef>
+        </p:style>
+      </p:cxnSp>
+    </p:spTree>
+    <p:extLst>
+      <p:ext uri="{BB962C8B-B14F-4D97-AF65-F5344CB8AC3E}">
+        <p14:creationId xmlns:p14="http://schemas.microsoft.com/office/powerpoint/2010/main" val="2687048726"/>
+      </p:ext>
+    </p:extLst>
+  </p:cSld>
+  <p:clrMapOvr>
+    <a:masterClrMapping/>
+  </p:clrMapOvr>
+</p:sld>
+</file>
+
+<file path=ppt/slides/slide6.xml><?xml version="1.0" encoding="utf-8"?>
+<p:sld xmlns:a="http://schemas.openxmlformats.org/drawingml/2006/main" xmlns:r="http://schemas.openxmlformats.org/officeDocument/2006/relationships" xmlns:p="http://schemas.openxmlformats.org/presentationml/2006/main">
+  <p:cSld>
+    <p:spTree>
+      <p:nvGrpSpPr>
+        <p:cNvPr id="1" name=""/>
+        <p:cNvGrpSpPr/>
+        <p:nvPr/>
+      </p:nvGrpSpPr>
+      <p:grpSpPr>
+        <a:xfrm>
+          <a:off x="0" y="0"/>
+          <a:ext cx="0" cy="0"/>
+          <a:chOff x="0" y="0"/>
+          <a:chExt cx="0" cy="0"/>
+        </a:xfrm>
+      </p:grpSpPr>
+      <p:sp>
+        <p:nvSpPr>
+          <p:cNvPr id="2" name="Title 1">
+            <a:extLst>
+              <a:ext uri="{FF2B5EF4-FFF2-40B4-BE49-F238E27FC236}">
+                <a16:creationId xmlns:a16="http://schemas.microsoft.com/office/drawing/2014/main" id="{C23EAF31-1BD4-45EE-9B12-BC14F7D54307}"/>
+              </a:ext>
+            </a:extLst>
+          </p:cNvPr>
+          <p:cNvSpPr>
+            <a:spLocks noGrp="1"/>
+          </p:cNvSpPr>
+          <p:nvPr>
+            <p:ph type="title"/>
+          </p:nvPr>
+        </p:nvSpPr>
+        <p:spPr/>
+        <p:txBody>
+          <a:bodyPr/>
+          <a:lstStyle/>
+          <a:p>
+            <a:r>
+              <a:rPr lang="en-US" dirty="0"/>
+              <a:t>Serial Instruction Processing</a:t>
+            </a:r>
+          </a:p>
+        </p:txBody>
+      </p:sp>
+      <p:sp>
+        <p:nvSpPr>
+          <p:cNvPr id="3" name="Content Placeholder 2">
+            <a:extLst>
+              <a:ext uri="{FF2B5EF4-FFF2-40B4-BE49-F238E27FC236}">
+                <a16:creationId xmlns:a16="http://schemas.microsoft.com/office/drawing/2014/main" id="{3A61812F-E008-4811-8823-E7459E60F548}"/>
+              </a:ext>
+            </a:extLst>
+          </p:cNvPr>
+          <p:cNvSpPr>
+            <a:spLocks noGrp="1"/>
+          </p:cNvSpPr>
+          <p:nvPr>
+            <p:ph idx="1"/>
+          </p:nvPr>
+        </p:nvSpPr>
+        <p:spPr/>
+        <p:txBody>
+          <a:bodyPr/>
+          <a:lstStyle/>
+          <a:p>
+            <a:pPr marL="0" indent="0">
+              <a:buNone/>
+            </a:pPr>
+            <a:r>
+              <a:rPr lang="en-US" dirty="0"/>
+              <a:t>Please Excuse My Dear Aunt Sally</a:t>
             </a:r>
           </a:p>
         </p:txBody>
@@ -5773,10 +8721,10 @@
       </p:cxnSp>
       <p:graphicFrame>
         <p:nvGraphicFramePr>
-          <p:cNvPr id="4" name="Table 3">
-            <a:extLst>
-              <a:ext uri="{FF2B5EF4-FFF2-40B4-BE49-F238E27FC236}">
-                <a16:creationId xmlns:a16="http://schemas.microsoft.com/office/drawing/2014/main" id="{A6BEBCD6-0378-4EA6-9E3B-DA13116CA419}"/>
+          <p:cNvPr id="14" name="Table 13">
+            <a:extLst>
+              <a:ext uri="{FF2B5EF4-FFF2-40B4-BE49-F238E27FC236}">
+                <a16:creationId xmlns:a16="http://schemas.microsoft.com/office/drawing/2014/main" id="{26E590C9-A13E-4E23-84F3-1BAC1656F24B}"/>
               </a:ext>
             </a:extLst>
           </p:cNvPr>
@@ -5786,14 +8734,14 @@
           <p:nvPr>
             <p:extLst>
               <p:ext uri="{D42A27DB-BD31-4B8C-83A1-F6EECF244321}">
-                <p14:modId xmlns:p14="http://schemas.microsoft.com/office/powerpoint/2010/main" val="1415294936"/>
+                <p14:modId xmlns:p14="http://schemas.microsoft.com/office/powerpoint/2010/main" val="2083309263"/>
               </p:ext>
             </p:extLst>
           </p:nvPr>
         </p:nvGraphicFramePr>
         <p:xfrm>
-          <a:off x="1545560" y="2974799"/>
-          <a:ext cx="2641600" cy="548640"/>
+          <a:off x="8276985" y="2896672"/>
+          <a:ext cx="876300" cy="365760"/>
         </p:xfrm>
         <a:graphic>
           <a:graphicData uri="http://schemas.openxmlformats.org/drawingml/2006/table">
@@ -5802,17 +8750,10 @@
                 <a:tableStyleId>{5C22544A-7EE6-4342-B048-85BDC9FD1C3A}</a:tableStyleId>
               </a:tblPr>
               <a:tblGrid>
-                <a:gridCol w="1333500">
+                <a:gridCol w="876300">
                   <a:extLst>
                     <a:ext uri="{9D8B030D-6E8A-4147-A177-3AD203B41FA5}">
-                      <a16:colId xmlns:a16="http://schemas.microsoft.com/office/drawing/2014/main" val="4133584765"/>
-                    </a:ext>
-                  </a:extLst>
-                </a:gridCol>
-                <a:gridCol w="1308100">
-                  <a:extLst>
-                    <a:ext uri="{9D8B030D-6E8A-4147-A177-3AD203B41FA5}">
-                      <a16:colId xmlns:a16="http://schemas.microsoft.com/office/drawing/2014/main" val="2562537096"/>
+                      <a16:colId xmlns:a16="http://schemas.microsoft.com/office/drawing/2014/main" val="4076298313"/>
                     </a:ext>
                   </a:extLst>
                 </a:gridCol>
@@ -5825,12 +8766,122 @@
                     <a:p>
                       <a:pPr algn="ctr" fontAlgn="b"/>
                       <a:r>
-                        <a:rPr lang="en-US" sz="1100" u="none" strike="noStrike">
+                        <a:rPr lang="en-US" sz="1100" u="none" strike="noStrike" dirty="0">
                           <a:effectLst/>
                         </a:rPr>
-                        <a:t>Parallel Instructions</a:t>
+                        <a:t> Bunnies</a:t>
                       </a:r>
-                      <a:endParaRPr lang="en-US" sz="1100" b="0" i="0" u="none" strike="noStrike">
+                      <a:endParaRPr lang="en-US" sz="1100" b="0" i="0" u="none" strike="noStrike" dirty="0">
+                        <a:solidFill>
+                          <a:srgbClr val="FFFFFF"/>
+                        </a:solidFill>
+                        <a:effectLst/>
+                        <a:latin typeface="Calibri" panose="020F0502020204030204" pitchFamily="34" charset="0"/>
+                      </a:endParaRPr>
+                    </a:p>
+                  </a:txBody>
+                  <a:tcPr marL="3810" marR="3810" marT="3810" marB="0" anchor="b"/>
+                </a:tc>
+                <a:extLst>
+                  <a:ext uri="{0D108BD9-81ED-4DB2-BD59-A6C34878D82A}">
+                    <a16:rowId xmlns:a16="http://schemas.microsoft.com/office/drawing/2014/main" val="1217616576"/>
+                  </a:ext>
+                </a:extLst>
+              </a:tr>
+              <a:tr h="182880">
+                <a:tc>
+                  <a:txBody>
+                    <a:bodyPr/>
+                    <a:lstStyle/>
+                    <a:p>
+                      <a:pPr algn="ctr" fontAlgn="b"/>
+                      <a:r>
+                        <a:rPr lang="en-US" sz="1100" u="none" strike="noStrike" dirty="0">
+                          <a:effectLst/>
+                        </a:rPr>
+                        <a:t>16,777,216</a:t>
+                      </a:r>
+                      <a:endParaRPr lang="en-US" sz="1100" b="0" i="0" u="none" strike="noStrike" dirty="0">
+                        <a:solidFill>
+                          <a:srgbClr val="FFFFFF"/>
+                        </a:solidFill>
+                        <a:effectLst/>
+                        <a:latin typeface="Calibri" panose="020F0502020204030204" pitchFamily="34" charset="0"/>
+                      </a:endParaRPr>
+                    </a:p>
+                  </a:txBody>
+                  <a:tcPr marL="3810" marR="3810" marT="3810" marB="0" anchor="b"/>
+                </a:tc>
+                <a:extLst>
+                  <a:ext uri="{0D108BD9-81ED-4DB2-BD59-A6C34878D82A}">
+                    <a16:rowId xmlns:a16="http://schemas.microsoft.com/office/drawing/2014/main" val="812119235"/>
+                  </a:ext>
+                </a:extLst>
+              </a:tr>
+            </a:tbl>
+          </a:graphicData>
+        </a:graphic>
+      </p:graphicFrame>
+      <p:graphicFrame>
+        <p:nvGraphicFramePr>
+          <p:cNvPr id="15" name="Table 14">
+            <a:extLst>
+              <a:ext uri="{FF2B5EF4-FFF2-40B4-BE49-F238E27FC236}">
+                <a16:creationId xmlns:a16="http://schemas.microsoft.com/office/drawing/2014/main" id="{61734503-BFC2-4570-B7B9-4B0466189AC9}"/>
+              </a:ext>
+            </a:extLst>
+          </p:cNvPr>
+          <p:cNvGraphicFramePr>
+            <a:graphicFrameLocks noGrp="1"/>
+          </p:cNvGraphicFramePr>
+          <p:nvPr>
+            <p:extLst>
+              <p:ext uri="{D42A27DB-BD31-4B8C-83A1-F6EECF244321}">
+                <p14:modId xmlns:p14="http://schemas.microsoft.com/office/powerpoint/2010/main" val="181222896"/>
+              </p:ext>
+            </p:extLst>
+          </p:nvPr>
+        </p:nvGraphicFramePr>
+        <p:xfrm>
+          <a:off x="1534595" y="2981226"/>
+          <a:ext cx="2654300" cy="365760"/>
+        </p:xfrm>
+        <a:graphic>
+          <a:graphicData uri="http://schemas.openxmlformats.org/drawingml/2006/table">
+            <a:tbl>
+              <a:tblPr>
+                <a:tableStyleId>{5C22544A-7EE6-4342-B048-85BDC9FD1C3A}</a:tableStyleId>
+              </a:tblPr>
+              <a:tblGrid>
+                <a:gridCol w="1333500">
+                  <a:extLst>
+                    <a:ext uri="{9D8B030D-6E8A-4147-A177-3AD203B41FA5}">
+                      <a16:colId xmlns:a16="http://schemas.microsoft.com/office/drawing/2014/main" val="415420212"/>
+                    </a:ext>
+                  </a:extLst>
+                </a:gridCol>
+                <a:gridCol w="1320800">
+                  <a:extLst>
+                    <a:ext uri="{9D8B030D-6E8A-4147-A177-3AD203B41FA5}">
+                      <a16:colId xmlns:a16="http://schemas.microsoft.com/office/drawing/2014/main" val="2697755820"/>
+                    </a:ext>
+                  </a:extLst>
+                </a:gridCol>
+              </a:tblGrid>
+              <a:tr h="182880">
+                <a:tc>
+                  <a:txBody>
+                    <a:bodyPr/>
+                    <a:lstStyle/>
+                    <a:p>
+                      <a:pPr algn="ctr" fontAlgn="b"/>
+                      <a:r>
+                        <a:rPr lang="en-US" sz="1100" u="none" strike="noStrike" dirty="0">
+                          <a:effectLst/>
+                        </a:rPr>
+                        <a:t>1 Core</a:t>
+                      </a:r>
+                      <a:endParaRPr lang="en-US" sz="1100" b="0" i="0" u="none" strike="noStrike" dirty="0">
                         <a:solidFill>
                           <a:srgbClr val="FFFFFF"/>
                         </a:solidFill>
@@ -5851,7 +8902,7 @@
                         <a:rPr lang="en-US" sz="1100" u="none" strike="noStrike">
                           <a:effectLst/>
                         </a:rPr>
-                        <a:t>Parallel Instructions</a:t>
+                        <a:t>Serial instructions:</a:t>
                       </a:r>
                       <a:endParaRPr lang="en-US" sz="1100" b="0" i="0" u="none" strike="noStrike">
                         <a:solidFill>
@@ -5866,7 +8917,7 @@
                 </a:tc>
                 <a:extLst>
                   <a:ext uri="{0D108BD9-81ED-4DB2-BD59-A6C34878D82A}">
-                    <a16:rowId xmlns:a16="http://schemas.microsoft.com/office/drawing/2014/main" val="3479211628"/>
+                    <a16:rowId xmlns:a16="http://schemas.microsoft.com/office/drawing/2014/main" val="842728541"/>
                   </a:ext>
                 </a:extLst>
               </a:tr>
@@ -5878,65 +8929,12 @@
                     <a:p>
                       <a:pPr algn="ctr" fontAlgn="b"/>
                       <a:r>
-                        <a:rPr lang="en-US" sz="1100" u="none" strike="noStrike">
+                        <a:rPr lang="en-US" sz="1100" u="none" strike="noStrike" dirty="0">
                           <a:effectLst/>
                         </a:rPr>
-                        <a:t>Multiples of Bunnies =</a:t>
+                        <a:t>Exponential Bunnies =</a:t>
                       </a:r>
-                      <a:endParaRPr lang="en-US" sz="1100" b="0" i="0" u="none" strike="noStrike">
-                        <a:solidFill>
-                          <a:srgbClr val="FFFFFF"/>
-                        </a:solidFill>
-                        <a:effectLst/>
-                        <a:latin typeface="Calibri" panose="020F0502020204030204" pitchFamily="34" charset="0"/>
-                      </a:endParaRPr>
-                    </a:p>
-                  </a:txBody>
-                  <a:tcPr marL="3810" marR="3810" marT="3810" marB="0" anchor="b"/>
-                </a:tc>
-                <a:tc>
-                  <a:txBody>
-                    <a:bodyPr/>
-                    <a:lstStyle/>
-                    <a:p>
-                      <a:pPr algn="ctr" fontAlgn="b"/>
-                      <a:r>
-                        <a:rPr lang="en-US" sz="1100" u="none" strike="noStrike">
-                          <a:effectLst/>
-                        </a:rPr>
-                        <a:t>2^2=</a:t>
-                      </a:r>
-                      <a:endParaRPr lang="en-US" sz="1100" b="0" i="0" u="none" strike="noStrike">
-                        <a:solidFill>
-                          <a:srgbClr val="FFFFFF"/>
-                        </a:solidFill>
-                        <a:effectLst/>
-                        <a:latin typeface="Calibri" panose="020F0502020204030204" pitchFamily="34" charset="0"/>
-                      </a:endParaRPr>
-                    </a:p>
-                  </a:txBody>
-                  <a:tcPr marL="3810" marR="3810" marT="3810" marB="0" anchor="b"/>
-                </a:tc>
-                <a:extLst>
-                  <a:ext uri="{0D108BD9-81ED-4DB2-BD59-A6C34878D82A}">
-                    <a16:rowId xmlns:a16="http://schemas.microsoft.com/office/drawing/2014/main" val="1681676155"/>
-                  </a:ext>
-                </a:extLst>
-              </a:tr>
-              <a:tr h="182880">
-                <a:tc>
-                  <a:txBody>
-                    <a:bodyPr/>
-                    <a:lstStyle/>
-                    <a:p>
-                      <a:pPr algn="ctr" fontAlgn="b"/>
-                      <a:r>
-                        <a:rPr lang="en-US" sz="1100" u="none" strike="noStrike">
-                          <a:effectLst/>
-                        </a:rPr>
-                        <a:t>Multiples of Bunnies =</a:t>
-                      </a:r>
-                      <a:endParaRPr lang="en-US" sz="1100" b="0" i="0" u="none" strike="noStrike">
+                      <a:endParaRPr lang="en-US" sz="1100" b="0" i="0" u="none" strike="noStrike" dirty="0">
                         <a:solidFill>
                           <a:srgbClr val="FFFFFF"/>
                         </a:solidFill>
@@ -5957,7 +8955,7 @@
                         <a:rPr lang="en-US" sz="1100" u="none" strike="noStrike" dirty="0">
                           <a:effectLst/>
                         </a:rPr>
-                        <a:t>2^4=</a:t>
+                        <a:t>2^3^2^4=</a:t>
                       </a:r>
                       <a:endParaRPr lang="en-US" sz="1100" b="0" i="0" u="none" strike="noStrike" dirty="0">
                         <a:solidFill>
@@ -5972,7 +8970,7 @@
                 </a:tc>
                 <a:extLst>
                   <a:ext uri="{0D108BD9-81ED-4DB2-BD59-A6C34878D82A}">
-                    <a16:rowId xmlns:a16="http://schemas.microsoft.com/office/drawing/2014/main" val="728586492"/>
+                    <a16:rowId xmlns:a16="http://schemas.microsoft.com/office/drawing/2014/main" val="3076039267"/>
                   </a:ext>
                 </a:extLst>
               </a:tr>
@@ -5980,515 +8978,10 @@
           </a:graphicData>
         </a:graphic>
       </p:graphicFrame>
-      <p:cxnSp>
-        <p:nvCxnSpPr>
-          <p:cNvPr id="17" name="Connector: Curved 16">
-            <a:extLst>
-              <a:ext uri="{FF2B5EF4-FFF2-40B4-BE49-F238E27FC236}">
-                <a16:creationId xmlns:a16="http://schemas.microsoft.com/office/drawing/2014/main" id="{EA5DBE8B-8880-484E-83AB-1BCFE524028B}"/>
-              </a:ext>
-            </a:extLst>
-          </p:cNvPr>
-          <p:cNvCxnSpPr>
-            <a:cxnSpLocks/>
-            <a:endCxn id="9" idx="0"/>
-          </p:cNvCxnSpPr>
-          <p:nvPr/>
-        </p:nvCxnSpPr>
-        <p:spPr>
-          <a:xfrm>
-            <a:off x="4180130" y="3471947"/>
-            <a:ext cx="1349656" cy="280761"/>
-          </a:xfrm>
-          <a:prstGeom prst="curvedConnector2">
-            <a:avLst/>
-          </a:prstGeom>
-          <a:ln w="28575">
-            <a:solidFill>
-              <a:schemeClr val="accent2">
-                <a:lumMod val="75000"/>
-              </a:schemeClr>
-            </a:solidFill>
-            <a:tailEnd type="triangle"/>
-          </a:ln>
-        </p:spPr>
-        <p:style>
-          <a:lnRef idx="1">
-            <a:schemeClr val="accent1"/>
-          </a:lnRef>
-          <a:fillRef idx="0">
-            <a:schemeClr val="accent1"/>
-          </a:fillRef>
-          <a:effectRef idx="0">
-            <a:schemeClr val="accent1"/>
-          </a:effectRef>
-          <a:fontRef idx="minor">
-            <a:schemeClr val="tx1"/>
-          </a:fontRef>
-        </p:style>
-      </p:cxnSp>
-      <p:graphicFrame>
-        <p:nvGraphicFramePr>
-          <p:cNvPr id="19" name="Table 18">
-            <a:extLst>
-              <a:ext uri="{FF2B5EF4-FFF2-40B4-BE49-F238E27FC236}">
-                <a16:creationId xmlns:a16="http://schemas.microsoft.com/office/drawing/2014/main" id="{88772D51-47E9-4568-AF24-2510164EFB69}"/>
-              </a:ext>
-            </a:extLst>
-          </p:cNvPr>
-          <p:cNvGraphicFramePr>
-            <a:graphicFrameLocks noGrp="1"/>
-          </p:cNvGraphicFramePr>
-          <p:nvPr>
-            <p:extLst>
-              <p:ext uri="{D42A27DB-BD31-4B8C-83A1-F6EECF244321}">
-                <p14:modId xmlns:p14="http://schemas.microsoft.com/office/powerpoint/2010/main" val="1438362130"/>
-              </p:ext>
-            </p:extLst>
-          </p:nvPr>
-        </p:nvGraphicFramePr>
-        <p:xfrm>
-          <a:off x="8291519" y="2889786"/>
-          <a:ext cx="876300" cy="548640"/>
-        </p:xfrm>
-        <a:graphic>
-          <a:graphicData uri="http://schemas.openxmlformats.org/drawingml/2006/table">
-            <a:tbl>
-              <a:tblPr>
-                <a:tableStyleId>{5C22544A-7EE6-4342-B048-85BDC9FD1C3A}</a:tableStyleId>
-              </a:tblPr>
-              <a:tblGrid>
-                <a:gridCol w="876300">
-                  <a:extLst>
-                    <a:ext uri="{9D8B030D-6E8A-4147-A177-3AD203B41FA5}">
-                      <a16:colId xmlns:a16="http://schemas.microsoft.com/office/drawing/2014/main" val="1010141086"/>
-                    </a:ext>
-                  </a:extLst>
-                </a:gridCol>
-              </a:tblGrid>
-              <a:tr h="182880">
-                <a:tc>
-                  <a:txBody>
-                    <a:bodyPr/>
-                    <a:lstStyle/>
-                    <a:p>
-                      <a:pPr algn="ctr" fontAlgn="b"/>
-                      <a:r>
-                        <a:rPr lang="en-US" sz="1100" u="none" strike="noStrike" dirty="0">
-                          <a:effectLst/>
-                        </a:rPr>
-                        <a:t>Bunnies</a:t>
-                      </a:r>
-                      <a:endParaRPr lang="en-US" sz="1100" b="0" i="0" u="none" strike="noStrike" dirty="0">
-                        <a:solidFill>
-                          <a:srgbClr val="FFFFFF"/>
-                        </a:solidFill>
-                        <a:effectLst/>
-                        <a:latin typeface="Calibri" panose="020F0502020204030204" pitchFamily="34" charset="0"/>
-                      </a:endParaRPr>
-                    </a:p>
-                  </a:txBody>
-                  <a:tcPr marL="3810" marR="3810" marT="3810" marB="0" anchor="b"/>
-                </a:tc>
-                <a:extLst>
-                  <a:ext uri="{0D108BD9-81ED-4DB2-BD59-A6C34878D82A}">
-                    <a16:rowId xmlns:a16="http://schemas.microsoft.com/office/drawing/2014/main" val="142142984"/>
-                  </a:ext>
-                </a:extLst>
-              </a:tr>
-              <a:tr h="182880">
-                <a:tc>
-                  <a:txBody>
-                    <a:bodyPr/>
-                    <a:lstStyle/>
-                    <a:p>
-                      <a:pPr algn="ctr" fontAlgn="b"/>
-                      <a:r>
-                        <a:rPr lang="en-US" sz="1100" u="none" strike="noStrike">
-                          <a:effectLst/>
-                        </a:rPr>
-                        <a:t>8</a:t>
-                      </a:r>
-                      <a:endParaRPr lang="en-US" sz="1100" b="0" i="0" u="none" strike="noStrike">
-                        <a:solidFill>
-                          <a:srgbClr val="FFFFFF"/>
-                        </a:solidFill>
-                        <a:effectLst/>
-                        <a:latin typeface="Calibri" panose="020F0502020204030204" pitchFamily="34" charset="0"/>
-                      </a:endParaRPr>
-                    </a:p>
-                  </a:txBody>
-                  <a:tcPr marL="3810" marR="3810" marT="3810" marB="0" anchor="b"/>
-                </a:tc>
-                <a:extLst>
-                  <a:ext uri="{0D108BD9-81ED-4DB2-BD59-A6C34878D82A}">
-                    <a16:rowId xmlns:a16="http://schemas.microsoft.com/office/drawing/2014/main" val="504673209"/>
-                  </a:ext>
-                </a:extLst>
-              </a:tr>
-              <a:tr h="182880">
-                <a:tc>
-                  <a:txBody>
-                    <a:bodyPr/>
-                    <a:lstStyle/>
-                    <a:p>
-                      <a:pPr algn="ctr" fontAlgn="b"/>
-                      <a:r>
-                        <a:rPr lang="en-US" sz="1100" u="none" strike="noStrike" dirty="0">
-                          <a:effectLst/>
-                        </a:rPr>
-                        <a:t>16</a:t>
-                      </a:r>
-                      <a:endParaRPr lang="en-US" sz="1100" b="0" i="0" u="none" strike="noStrike" dirty="0">
-                        <a:solidFill>
-                          <a:srgbClr val="FFFFFF"/>
-                        </a:solidFill>
-                        <a:effectLst/>
-                        <a:latin typeface="Calibri" panose="020F0502020204030204" pitchFamily="34" charset="0"/>
-                      </a:endParaRPr>
-                    </a:p>
-                  </a:txBody>
-                  <a:tcPr marL="3810" marR="3810" marT="3810" marB="0" anchor="b"/>
-                </a:tc>
-                <a:extLst>
-                  <a:ext uri="{0D108BD9-81ED-4DB2-BD59-A6C34878D82A}">
-                    <a16:rowId xmlns:a16="http://schemas.microsoft.com/office/drawing/2014/main" val="1910241715"/>
-                  </a:ext>
-                </a:extLst>
-              </a:tr>
-            </a:tbl>
-          </a:graphicData>
-        </a:graphic>
-      </p:graphicFrame>
-      <p:cxnSp>
-        <p:nvCxnSpPr>
-          <p:cNvPr id="22" name="Connector: Curved 21">
-            <a:extLst>
-              <a:ext uri="{FF2B5EF4-FFF2-40B4-BE49-F238E27FC236}">
-                <a16:creationId xmlns:a16="http://schemas.microsoft.com/office/drawing/2014/main" id="{1BB75388-CB6D-4237-9415-BA7792088C13}"/>
-              </a:ext>
-            </a:extLst>
-          </p:cNvPr>
-          <p:cNvCxnSpPr>
-            <a:cxnSpLocks/>
-            <a:stCxn id="9" idx="7"/>
-          </p:cNvCxnSpPr>
-          <p:nvPr/>
-        </p:nvCxnSpPr>
-        <p:spPr>
-          <a:xfrm rot="5400000" flipH="1" flipV="1">
-            <a:off x="6788504" y="2320940"/>
-            <a:ext cx="431805" cy="2574224"/>
-          </a:xfrm>
-          <a:prstGeom prst="curvedConnector2">
-            <a:avLst/>
-          </a:prstGeom>
-          <a:ln w="28575">
-            <a:solidFill>
-              <a:schemeClr val="accent2">
-                <a:lumMod val="75000"/>
-              </a:schemeClr>
-            </a:solidFill>
-            <a:tailEnd type="triangle"/>
-          </a:ln>
-        </p:spPr>
-        <p:style>
-          <a:lnRef idx="1">
-            <a:schemeClr val="accent1"/>
-          </a:lnRef>
-          <a:fillRef idx="0">
-            <a:schemeClr val="accent1"/>
-          </a:fillRef>
-          <a:effectRef idx="0">
-            <a:schemeClr val="accent1"/>
-          </a:effectRef>
-          <a:fontRef idx="minor">
-            <a:schemeClr val="tx1"/>
-          </a:fontRef>
-        </p:style>
-      </p:cxnSp>
-      <p:graphicFrame>
-        <p:nvGraphicFramePr>
-          <p:cNvPr id="25" name="Table 24">
-            <a:extLst>
-              <a:ext uri="{FF2B5EF4-FFF2-40B4-BE49-F238E27FC236}">
-                <a16:creationId xmlns:a16="http://schemas.microsoft.com/office/drawing/2014/main" id="{0813808E-CA99-4283-9692-B02100B4612F}"/>
-              </a:ext>
-            </a:extLst>
-          </p:cNvPr>
-          <p:cNvGraphicFramePr>
-            <a:graphicFrameLocks noGrp="1"/>
-          </p:cNvGraphicFramePr>
-          <p:nvPr>
-            <p:extLst>
-              <p:ext uri="{D42A27DB-BD31-4B8C-83A1-F6EECF244321}">
-                <p14:modId xmlns:p14="http://schemas.microsoft.com/office/powerpoint/2010/main" val="1125239138"/>
-              </p:ext>
-            </p:extLst>
-          </p:nvPr>
-        </p:nvGraphicFramePr>
-        <p:xfrm>
-          <a:off x="7859119" y="4547750"/>
-          <a:ext cx="3517900" cy="365760"/>
-        </p:xfrm>
-        <a:graphic>
-          <a:graphicData uri="http://schemas.openxmlformats.org/drawingml/2006/table">
-            <a:tbl>
-              <a:tblPr>
-                <a:tableStyleId>{5C22544A-7EE6-4342-B048-85BDC9FD1C3A}</a:tableStyleId>
-              </a:tblPr>
-              <a:tblGrid>
-                <a:gridCol w="1333500">
-                  <a:extLst>
-                    <a:ext uri="{9D8B030D-6E8A-4147-A177-3AD203B41FA5}">
-                      <a16:colId xmlns:a16="http://schemas.microsoft.com/office/drawing/2014/main" val="967271238"/>
-                    </a:ext>
-                  </a:extLst>
-                </a:gridCol>
-                <a:gridCol w="1308100">
-                  <a:extLst>
-                    <a:ext uri="{9D8B030D-6E8A-4147-A177-3AD203B41FA5}">
-                      <a16:colId xmlns:a16="http://schemas.microsoft.com/office/drawing/2014/main" val="202140965"/>
-                    </a:ext>
-                  </a:extLst>
-                </a:gridCol>
-                <a:gridCol w="876300">
-                  <a:extLst>
-                    <a:ext uri="{9D8B030D-6E8A-4147-A177-3AD203B41FA5}">
-                      <a16:colId xmlns:a16="http://schemas.microsoft.com/office/drawing/2014/main" val="1047317615"/>
-                    </a:ext>
-                  </a:extLst>
-                </a:gridCol>
-              </a:tblGrid>
-              <a:tr h="182880">
-                <a:tc>
-                  <a:txBody>
-                    <a:bodyPr/>
-                    <a:lstStyle/>
-                    <a:p>
-                      <a:pPr algn="ctr" fontAlgn="b"/>
-                      <a:r>
-                        <a:rPr lang="en-US" sz="1100" b="1" u="none" strike="noStrike">
-                          <a:solidFill>
-                            <a:srgbClr val="FF0000"/>
-                          </a:solidFill>
-                          <a:effectLst/>
-                        </a:rPr>
-                        <a:t>Parallel Instructions</a:t>
-                      </a:r>
-                      <a:endParaRPr lang="en-US" sz="1100" b="1" i="0" u="none" strike="noStrike">
-                        <a:solidFill>
-                          <a:srgbClr val="FF0000"/>
-                        </a:solidFill>
-                        <a:effectLst/>
-                        <a:latin typeface="Calibri" panose="020F0502020204030204" pitchFamily="34" charset="0"/>
-                      </a:endParaRPr>
-                    </a:p>
-                  </a:txBody>
-                  <a:tcPr marL="3810" marR="3810" marT="3810" marB="0" anchor="b"/>
-                </a:tc>
-                <a:tc>
-                  <a:txBody>
-                    <a:bodyPr/>
-                    <a:lstStyle/>
-                    <a:p>
-                      <a:pPr algn="ctr" fontAlgn="b"/>
-                      <a:r>
-                        <a:rPr lang="en-US" sz="1100" b="1" u="none" strike="noStrike">
-                          <a:solidFill>
-                            <a:srgbClr val="FF0000"/>
-                          </a:solidFill>
-                          <a:effectLst/>
-                        </a:rPr>
-                        <a:t>Parallel Instructions</a:t>
-                      </a:r>
-                      <a:endParaRPr lang="en-US" sz="1100" b="1" i="0" u="none" strike="noStrike">
-                        <a:solidFill>
-                          <a:srgbClr val="FF0000"/>
-                        </a:solidFill>
-                        <a:effectLst/>
-                        <a:latin typeface="Calibri" panose="020F0502020204030204" pitchFamily="34" charset="0"/>
-                      </a:endParaRPr>
-                    </a:p>
-                  </a:txBody>
-                  <a:tcPr marL="3810" marR="3810" marT="3810" marB="0" anchor="b"/>
-                </a:tc>
-                <a:tc>
-                  <a:txBody>
-                    <a:bodyPr/>
-                    <a:lstStyle/>
-                    <a:p>
-                      <a:pPr algn="l" fontAlgn="b"/>
-                      <a:r>
-                        <a:rPr lang="en-US" sz="1100" b="1" u="none" strike="noStrike">
-                          <a:solidFill>
-                            <a:srgbClr val="FF0000"/>
-                          </a:solidFill>
-                          <a:effectLst/>
-                        </a:rPr>
-                        <a:t>Bunnies</a:t>
-                      </a:r>
-                      <a:endParaRPr lang="en-US" sz="1100" b="1" i="0" u="none" strike="noStrike">
-                        <a:solidFill>
-                          <a:srgbClr val="FF0000"/>
-                        </a:solidFill>
-                        <a:effectLst/>
-                        <a:latin typeface="Calibri" panose="020F0502020204030204" pitchFamily="34" charset="0"/>
-                      </a:endParaRPr>
-                    </a:p>
-                  </a:txBody>
-                  <a:tcPr marL="3810" marR="3810" marT="3810" marB="0" anchor="b"/>
-                </a:tc>
-                <a:extLst>
-                  <a:ext uri="{0D108BD9-81ED-4DB2-BD59-A6C34878D82A}">
-                    <a16:rowId xmlns:a16="http://schemas.microsoft.com/office/drawing/2014/main" val="570482996"/>
-                  </a:ext>
-                </a:extLst>
-              </a:tr>
-              <a:tr h="182880">
-                <a:tc>
-                  <a:txBody>
-                    <a:bodyPr/>
-                    <a:lstStyle/>
-                    <a:p>
-                      <a:pPr algn="l" fontAlgn="b"/>
-                      <a:r>
-                        <a:rPr lang="en-US" sz="1100" b="1" u="none" strike="noStrike">
-                          <a:solidFill>
-                            <a:srgbClr val="FF0000"/>
-                          </a:solidFill>
-                          <a:effectLst/>
-                        </a:rPr>
-                        <a:t>Mutations of Bunnies?</a:t>
-                      </a:r>
-                      <a:endParaRPr lang="en-US" sz="1100" b="1" i="0" u="none" strike="noStrike">
-                        <a:solidFill>
-                          <a:srgbClr val="FF0000"/>
-                        </a:solidFill>
-                        <a:effectLst/>
-                        <a:latin typeface="Calibri" panose="020F0502020204030204" pitchFamily="34" charset="0"/>
-                      </a:endParaRPr>
-                    </a:p>
-                  </a:txBody>
-                  <a:tcPr marL="3810" marR="3810" marT="3810" marB="0" anchor="b"/>
-                </a:tc>
-                <a:tc>
-                  <a:txBody>
-                    <a:bodyPr/>
-                    <a:lstStyle/>
-                    <a:p>
-                      <a:pPr algn="r" fontAlgn="b"/>
-                      <a:r>
-                        <a:rPr lang="en-US" sz="1100" b="1" u="none" strike="noStrike">
-                          <a:solidFill>
-                            <a:srgbClr val="FF0000"/>
-                          </a:solidFill>
-                          <a:effectLst/>
-                        </a:rPr>
-                        <a:t>8^16=</a:t>
-                      </a:r>
-                      <a:endParaRPr lang="en-US" sz="1100" b="1" i="0" u="none" strike="noStrike">
-                        <a:solidFill>
-                          <a:srgbClr val="FF0000"/>
-                        </a:solidFill>
-                        <a:effectLst/>
-                        <a:latin typeface="Calibri" panose="020F0502020204030204" pitchFamily="34" charset="0"/>
-                      </a:endParaRPr>
-                    </a:p>
-                  </a:txBody>
-                  <a:tcPr marL="3810" marR="3810" marT="3810" marB="0" anchor="b"/>
-                </a:tc>
-                <a:tc>
-                  <a:txBody>
-                    <a:bodyPr/>
-                    <a:lstStyle/>
-                    <a:p>
-                      <a:pPr algn="r" fontAlgn="b"/>
-                      <a:r>
-                        <a:rPr lang="en-US" sz="1100" b="1" u="none" strike="noStrike" dirty="0">
-                          <a:solidFill>
-                            <a:srgbClr val="FF0000"/>
-                          </a:solidFill>
-                          <a:effectLst/>
-                        </a:rPr>
-                        <a:t>4,294,967,296</a:t>
-                      </a:r>
-                      <a:endParaRPr lang="en-US" sz="1100" b="1" i="0" u="none" strike="noStrike" dirty="0">
-                        <a:solidFill>
-                          <a:srgbClr val="FF0000"/>
-                        </a:solidFill>
-                        <a:effectLst/>
-                        <a:latin typeface="Calibri" panose="020F0502020204030204" pitchFamily="34" charset="0"/>
-                      </a:endParaRPr>
-                    </a:p>
-                  </a:txBody>
-                  <a:tcPr marL="3810" marR="3810" marT="3810" marB="0" anchor="b"/>
-                </a:tc>
-                <a:extLst>
-                  <a:ext uri="{0D108BD9-81ED-4DB2-BD59-A6C34878D82A}">
-                    <a16:rowId xmlns:a16="http://schemas.microsoft.com/office/drawing/2014/main" val="4108342957"/>
-                  </a:ext>
-                </a:extLst>
-              </a:tr>
-            </a:tbl>
-          </a:graphicData>
-        </a:graphic>
-      </p:graphicFrame>
-      <p:cxnSp>
-        <p:nvCxnSpPr>
-          <p:cNvPr id="28" name="Connector: Curved 27">
-            <a:extLst>
-              <a:ext uri="{FF2B5EF4-FFF2-40B4-BE49-F238E27FC236}">
-                <a16:creationId xmlns:a16="http://schemas.microsoft.com/office/drawing/2014/main" id="{F5E31A9C-8BAB-4A22-AC79-FCA618663E90}"/>
-              </a:ext>
-            </a:extLst>
-          </p:cNvPr>
-          <p:cNvCxnSpPr>
-            <a:cxnSpLocks/>
-            <a:stCxn id="19" idx="2"/>
-            <a:endCxn id="25" idx="1"/>
-          </p:cNvCxnSpPr>
-          <p:nvPr/>
-        </p:nvCxnSpPr>
-        <p:spPr>
-          <a:xfrm rot="5400000">
-            <a:off x="7648292" y="3649253"/>
-            <a:ext cx="1292204" cy="870550"/>
-          </a:xfrm>
-          <a:prstGeom prst="curvedConnector4">
-            <a:avLst>
-              <a:gd name="adj1" fmla="val 42924"/>
-              <a:gd name="adj2" fmla="val 126259"/>
-            </a:avLst>
-          </a:prstGeom>
-          <a:ln w="28575">
-            <a:solidFill>
-              <a:schemeClr val="accent2">
-                <a:lumMod val="75000"/>
-              </a:schemeClr>
-            </a:solidFill>
-            <a:tailEnd type="triangle"/>
-          </a:ln>
-        </p:spPr>
-        <p:style>
-          <a:lnRef idx="1">
-            <a:schemeClr val="accent1"/>
-          </a:lnRef>
-          <a:fillRef idx="0">
-            <a:schemeClr val="accent1"/>
-          </a:fillRef>
-          <a:effectRef idx="0">
-            <a:schemeClr val="accent1"/>
-          </a:effectRef>
-          <a:fontRef idx="minor">
-            <a:schemeClr val="tx1"/>
-          </a:fontRef>
-        </p:style>
-      </p:cxnSp>
     </p:spTree>
     <p:extLst>
       <p:ext uri="{BB962C8B-B14F-4D97-AF65-F5344CB8AC3E}">
-        <p14:creationId xmlns:p14="http://schemas.microsoft.com/office/powerpoint/2010/main" val="1058712770"/>
+        <p14:creationId xmlns:p14="http://schemas.microsoft.com/office/powerpoint/2010/main" val="3894245546"/>
       </p:ext>
     </p:extLst>
   </p:cSld>
@@ -6498,7 +8991,7 @@
 </p:sld>
 </file>
 
-<file path=ppt/slides/slide5.xml><?xml version="1.0" encoding="utf-8"?>
+<file path=ppt/slides/slide7.xml><?xml version="1.0" encoding="utf-8"?>
 <p:sld xmlns:a="http://schemas.openxmlformats.org/drawingml/2006/main" xmlns:r="http://schemas.openxmlformats.org/officeDocument/2006/relationships" xmlns:p="http://schemas.openxmlformats.org/presentationml/2006/main">
   <p:cSld>
     <p:spTree>
@@ -6538,8 +9031,13 @@
           <a:p>
             <a:r>
               <a:rPr lang="en-US" dirty="0"/>
-              <a:t>Serial Instruction Processing</a:t>
+              <a:t>No </a:t>
             </a:r>
+            <a:r>
+              <a:rPr lang="en-US" dirty="0" err="1"/>
+              <a:t>No</a:t>
+            </a:r>
+            <a:endParaRPr lang="en-US" dirty="0"/>
           </a:p>
         </p:txBody>
       </p:sp>
@@ -6569,7 +9067,7 @@
             </a:pPr>
             <a:r>
               <a:rPr lang="en-US" dirty="0"/>
-              <a:t>This can easily be parallelized!</a:t>
+              <a:t>Wrong..</a:t>
             </a:r>
           </a:p>
         </p:txBody>
@@ -7111,7 +9609,7 @@
           <p:cNvPr id="4" name="Table 3">
             <a:extLst>
               <a:ext uri="{FF2B5EF4-FFF2-40B4-BE49-F238E27FC236}">
-                <a16:creationId xmlns:a16="http://schemas.microsoft.com/office/drawing/2014/main" id="{E4D7381B-AD13-4EC3-ACAD-977262BCA488}"/>
+                <a16:creationId xmlns:a16="http://schemas.microsoft.com/office/drawing/2014/main" id="{A6BEBCD6-0378-4EA6-9E3B-DA13116CA419}"/>
               </a:ext>
             </a:extLst>
           </p:cNvPr>
@@ -7121,14 +9619,14 @@
           <p:nvPr>
             <p:extLst>
               <p:ext uri="{D42A27DB-BD31-4B8C-83A1-F6EECF244321}">
-                <p14:modId xmlns:p14="http://schemas.microsoft.com/office/powerpoint/2010/main" val="1749047161"/>
+                <p14:modId xmlns:p14="http://schemas.microsoft.com/office/powerpoint/2010/main" val="1415294936"/>
               </p:ext>
             </p:extLst>
           </p:nvPr>
         </p:nvGraphicFramePr>
         <p:xfrm>
-          <a:off x="1097431" y="2981226"/>
-          <a:ext cx="3086100" cy="365760"/>
+          <a:off x="1545560" y="2974799"/>
+          <a:ext cx="2641600" cy="548640"/>
         </p:xfrm>
         <a:graphic>
           <a:graphicData uri="http://schemas.openxmlformats.org/drawingml/2006/table">
@@ -7140,14 +9638,14 @@
                 <a:gridCol w="1333500">
                   <a:extLst>
                     <a:ext uri="{9D8B030D-6E8A-4147-A177-3AD203B41FA5}">
-                      <a16:colId xmlns:a16="http://schemas.microsoft.com/office/drawing/2014/main" val="1462700156"/>
+                      <a16:colId xmlns:a16="http://schemas.microsoft.com/office/drawing/2014/main" val="4133584765"/>
                     </a:ext>
                   </a:extLst>
                 </a:gridCol>
-                <a:gridCol w="1752600">
+                <a:gridCol w="1308100">
                   <a:extLst>
                     <a:ext uri="{9D8B030D-6E8A-4147-A177-3AD203B41FA5}">
-                      <a16:colId xmlns:a16="http://schemas.microsoft.com/office/drawing/2014/main" val="3264519394"/>
+                      <a16:colId xmlns:a16="http://schemas.microsoft.com/office/drawing/2014/main" val="2562537096"/>
                     </a:ext>
                   </a:extLst>
                 </a:gridCol>
@@ -7163,7 +9661,7 @@
                         <a:rPr lang="en-US" sz="1100" u="none" strike="noStrike">
                           <a:effectLst/>
                         </a:rPr>
-                        <a:t>1 Core</a:t>
+                        <a:t>Parallel Instructions</a:t>
                       </a:r>
                       <a:endParaRPr lang="en-US" sz="1100" b="0" i="0" u="none" strike="noStrike">
                         <a:solidFill>
@@ -7186,7 +9684,7 @@
                         <a:rPr lang="en-US" sz="1100" u="none" strike="noStrike">
                           <a:effectLst/>
                         </a:rPr>
-                        <a:t>Serial instructions:</a:t>
+                        <a:t>Parallel Instructions</a:t>
                       </a:r>
                       <a:endParaRPr lang="en-US" sz="1100" b="0" i="0" u="none" strike="noStrike">
                         <a:solidFill>
@@ -7201,7 +9699,60 @@
                 </a:tc>
                 <a:extLst>
                   <a:ext uri="{0D108BD9-81ED-4DB2-BD59-A6C34878D82A}">
-                    <a16:rowId xmlns:a16="http://schemas.microsoft.com/office/drawing/2014/main" val="1601506200"/>
+                    <a16:rowId xmlns:a16="http://schemas.microsoft.com/office/drawing/2014/main" val="3479211628"/>
+                  </a:ext>
+                </a:extLst>
+              </a:tr>
+              <a:tr h="182880">
+                <a:tc>
+                  <a:txBody>
+                    <a:bodyPr/>
+                    <a:lstStyle/>
+                    <a:p>
+                      <a:pPr algn="ctr" fontAlgn="b"/>
+                      <a:r>
+                        <a:rPr lang="en-US" sz="1100" u="none" strike="noStrike">
+                          <a:effectLst/>
+                        </a:rPr>
+                        <a:t>Multiples of Bunnies =</a:t>
+                      </a:r>
+                      <a:endParaRPr lang="en-US" sz="1100" b="0" i="0" u="none" strike="noStrike">
+                        <a:solidFill>
+                          <a:srgbClr val="FFFFFF"/>
+                        </a:solidFill>
+                        <a:effectLst/>
+                        <a:latin typeface="Calibri" panose="020F0502020204030204" pitchFamily="34" charset="0"/>
+                      </a:endParaRPr>
+                    </a:p>
+                  </a:txBody>
+                  <a:tcPr marL="3810" marR="3810" marT="3810" marB="0" anchor="b"/>
+                </a:tc>
+                <a:tc>
+                  <a:txBody>
+                    <a:bodyPr/>
+                    <a:lstStyle/>
+                    <a:p>
+                      <a:pPr algn="ctr" fontAlgn="b"/>
+                      <a:r>
+                        <a:rPr lang="en-US" sz="1100" u="none" strike="noStrike">
+                          <a:effectLst/>
+                        </a:rPr>
+                        <a:t>2^2=</a:t>
+                      </a:r>
+                      <a:endParaRPr lang="en-US" sz="1100" b="0" i="0" u="none" strike="noStrike">
+                        <a:solidFill>
+                          <a:srgbClr val="FFFFFF"/>
+                        </a:solidFill>
+                        <a:effectLst/>
+                        <a:latin typeface="Calibri" panose="020F0502020204030204" pitchFamily="34" charset="0"/>
+                      </a:endParaRPr>
+                    </a:p>
+                  </a:txBody>
+                  <a:tcPr marL="3810" marR="3810" marT="3810" marB="0" anchor="b"/>
+                </a:tc>
+                <a:extLst>
+                  <a:ext uri="{0D108BD9-81ED-4DB2-BD59-A6C34878D82A}">
+                    <a16:rowId xmlns:a16="http://schemas.microsoft.com/office/drawing/2014/main" val="1681676155"/>
                   </a:ext>
                 </a:extLst>
               </a:tr>
@@ -7239,7 +9790,7 @@
                         <a:rPr lang="en-US" sz="1100" u="none" strike="noStrike" dirty="0">
                           <a:effectLst/>
                         </a:rPr>
-                        <a:t>2*8*6*7*5*7*2*8*6*7*5*7=</a:t>
+                        <a:t>2^4=</a:t>
                       </a:r>
                       <a:endParaRPr lang="en-US" sz="1100" b="0" i="0" u="none" strike="noStrike" dirty="0">
                         <a:solidFill>
@@ -7254,7 +9805,7 @@
                 </a:tc>
                 <a:extLst>
                   <a:ext uri="{0D108BD9-81ED-4DB2-BD59-A6C34878D82A}">
-                    <a16:rowId xmlns:a16="http://schemas.microsoft.com/office/drawing/2014/main" val="3572360309"/>
+                    <a16:rowId xmlns:a16="http://schemas.microsoft.com/office/drawing/2014/main" val="728586492"/>
                   </a:ext>
                 </a:extLst>
               </a:tr>
@@ -7262,12 +9813,59 @@
           </a:graphicData>
         </a:graphic>
       </p:graphicFrame>
+      <p:cxnSp>
+        <p:nvCxnSpPr>
+          <p:cNvPr id="17" name="Connector: Curved 16">
+            <a:extLst>
+              <a:ext uri="{FF2B5EF4-FFF2-40B4-BE49-F238E27FC236}">
+                <a16:creationId xmlns:a16="http://schemas.microsoft.com/office/drawing/2014/main" id="{EA5DBE8B-8880-484E-83AB-1BCFE524028B}"/>
+              </a:ext>
+            </a:extLst>
+          </p:cNvPr>
+          <p:cNvCxnSpPr>
+            <a:cxnSpLocks/>
+            <a:endCxn id="9" idx="0"/>
+          </p:cNvCxnSpPr>
+          <p:nvPr/>
+        </p:nvCxnSpPr>
+        <p:spPr>
+          <a:xfrm>
+            <a:off x="4180130" y="3471947"/>
+            <a:ext cx="1349656" cy="280761"/>
+          </a:xfrm>
+          <a:prstGeom prst="curvedConnector2">
+            <a:avLst/>
+          </a:prstGeom>
+          <a:ln w="28575">
+            <a:solidFill>
+              <a:schemeClr val="accent2">
+                <a:lumMod val="75000"/>
+              </a:schemeClr>
+            </a:solidFill>
+            <a:tailEnd type="triangle"/>
+          </a:ln>
+        </p:spPr>
+        <p:style>
+          <a:lnRef idx="1">
+            <a:schemeClr val="accent1"/>
+          </a:lnRef>
+          <a:fillRef idx="0">
+            <a:schemeClr val="accent1"/>
+          </a:fillRef>
+          <a:effectRef idx="0">
+            <a:schemeClr val="accent1"/>
+          </a:effectRef>
+          <a:fontRef idx="minor">
+            <a:schemeClr val="tx1"/>
+          </a:fontRef>
+        </p:style>
+      </p:cxnSp>
       <p:graphicFrame>
         <p:nvGraphicFramePr>
-          <p:cNvPr id="13" name="Table 12">
-            <a:extLst>
-              <a:ext uri="{FF2B5EF4-FFF2-40B4-BE49-F238E27FC236}">
-                <a16:creationId xmlns:a16="http://schemas.microsoft.com/office/drawing/2014/main" id="{4FB80C89-576E-44DB-98C5-30466298EAD1}"/>
+          <p:cNvPr id="19" name="Table 18">
+            <a:extLst>
+              <a:ext uri="{FF2B5EF4-FFF2-40B4-BE49-F238E27FC236}">
+                <a16:creationId xmlns:a16="http://schemas.microsoft.com/office/drawing/2014/main" id="{88772D51-47E9-4568-AF24-2510164EFB69}"/>
               </a:ext>
             </a:extLst>
           </p:cNvPr>
@@ -7277,14 +9875,14 @@
           <p:nvPr>
             <p:extLst>
               <p:ext uri="{D42A27DB-BD31-4B8C-83A1-F6EECF244321}">
-                <p14:modId xmlns:p14="http://schemas.microsoft.com/office/powerpoint/2010/main" val="1537869984"/>
+                <p14:modId xmlns:p14="http://schemas.microsoft.com/office/powerpoint/2010/main" val="1438362130"/>
               </p:ext>
             </p:extLst>
           </p:nvPr>
         </p:nvGraphicFramePr>
         <p:xfrm>
-          <a:off x="8276985" y="2864996"/>
-          <a:ext cx="876300" cy="365760"/>
+          <a:off x="8291519" y="2889786"/>
+          <a:ext cx="876300" cy="548640"/>
         </p:xfrm>
         <a:graphic>
           <a:graphicData uri="http://schemas.openxmlformats.org/drawingml/2006/table">
@@ -7296,7 +9894,7 @@
                 <a:gridCol w="876300">
                   <a:extLst>
                     <a:ext uri="{9D8B030D-6E8A-4147-A177-3AD203B41FA5}">
-                      <a16:colId xmlns:a16="http://schemas.microsoft.com/office/drawing/2014/main" val="13533192"/>
+                      <a16:colId xmlns:a16="http://schemas.microsoft.com/office/drawing/2014/main" val="1010141086"/>
                     </a:ext>
                   </a:extLst>
                 </a:gridCol>
@@ -7327,7 +9925,7 @@
                 </a:tc>
                 <a:extLst>
                   <a:ext uri="{0D108BD9-81ED-4DB2-BD59-A6C34878D82A}">
-                    <a16:rowId xmlns:a16="http://schemas.microsoft.com/office/drawing/2014/main" val="2547156325"/>
+                    <a16:rowId xmlns:a16="http://schemas.microsoft.com/office/drawing/2014/main" val="142142984"/>
                   </a:ext>
                 </a:extLst>
               </a:tr>
@@ -7339,745 +9937,10 @@
                     <a:p>
                       <a:pPr algn="ctr" fontAlgn="b"/>
                       <a:r>
-                        <a:rPr lang="en-US" sz="1100" u="none" strike="noStrike" dirty="0">
-                          <a:effectLst/>
-                        </a:rPr>
-                        <a:t>553,190,400</a:t>
-                      </a:r>
-                      <a:endParaRPr lang="en-US" sz="1100" b="0" i="0" u="none" strike="noStrike" dirty="0">
-                        <a:solidFill>
-                          <a:srgbClr val="FFFFFF"/>
-                        </a:solidFill>
-                        <a:effectLst/>
-                        <a:latin typeface="Calibri" panose="020F0502020204030204" pitchFamily="34" charset="0"/>
-                      </a:endParaRPr>
-                    </a:p>
-                  </a:txBody>
-                  <a:tcPr marL="3810" marR="3810" marT="3810" marB="0" anchor="b"/>
-                </a:tc>
-                <a:extLst>
-                  <a:ext uri="{0D108BD9-81ED-4DB2-BD59-A6C34878D82A}">
-                    <a16:rowId xmlns:a16="http://schemas.microsoft.com/office/drawing/2014/main" val="2530310997"/>
-                  </a:ext>
-                </a:extLst>
-              </a:tr>
-            </a:tbl>
-          </a:graphicData>
-        </a:graphic>
-      </p:graphicFrame>
-    </p:spTree>
-    <p:extLst>
-      <p:ext uri="{BB962C8B-B14F-4D97-AF65-F5344CB8AC3E}">
-        <p14:creationId xmlns:p14="http://schemas.microsoft.com/office/powerpoint/2010/main" val="1755076258"/>
-      </p:ext>
-    </p:extLst>
-  </p:cSld>
-  <p:clrMapOvr>
-    <a:masterClrMapping/>
-  </p:clrMapOvr>
-</p:sld>
-</file>
-
-<file path=ppt/slides/slide6.xml><?xml version="1.0" encoding="utf-8"?>
-<p:sld xmlns:a="http://schemas.openxmlformats.org/drawingml/2006/main" xmlns:r="http://schemas.openxmlformats.org/officeDocument/2006/relationships" xmlns:p="http://schemas.openxmlformats.org/presentationml/2006/main">
-  <p:cSld>
-    <p:spTree>
-      <p:nvGrpSpPr>
-        <p:cNvPr id="1" name=""/>
-        <p:cNvGrpSpPr/>
-        <p:nvPr/>
-      </p:nvGrpSpPr>
-      <p:grpSpPr>
-        <a:xfrm>
-          <a:off x="0" y="0"/>
-          <a:ext cx="0" cy="0"/>
-          <a:chOff x="0" y="0"/>
-          <a:chExt cx="0" cy="0"/>
-        </a:xfrm>
-      </p:grpSpPr>
-      <p:sp>
-        <p:nvSpPr>
-          <p:cNvPr id="2" name="Title 1">
-            <a:extLst>
-              <a:ext uri="{FF2B5EF4-FFF2-40B4-BE49-F238E27FC236}">
-                <a16:creationId xmlns:a16="http://schemas.microsoft.com/office/drawing/2014/main" id="{C23EAF31-1BD4-45EE-9B12-BC14F7D54307}"/>
-              </a:ext>
-            </a:extLst>
-          </p:cNvPr>
-          <p:cNvSpPr>
-            <a:spLocks noGrp="1"/>
-          </p:cNvSpPr>
-          <p:nvPr>
-            <p:ph type="title"/>
-          </p:nvPr>
-        </p:nvSpPr>
-        <p:spPr/>
-        <p:txBody>
-          <a:bodyPr/>
-          <a:lstStyle/>
-          <a:p>
-            <a:r>
-              <a:rPr lang="en-US" dirty="0"/>
-              <a:t>Parallel Processing</a:t>
-            </a:r>
-          </a:p>
-        </p:txBody>
-      </p:sp>
-      <p:sp>
-        <p:nvSpPr>
-          <p:cNvPr id="3" name="Content Placeholder 2">
-            <a:extLst>
-              <a:ext uri="{FF2B5EF4-FFF2-40B4-BE49-F238E27FC236}">
-                <a16:creationId xmlns:a16="http://schemas.microsoft.com/office/drawing/2014/main" id="{3A61812F-E008-4811-8823-E7459E60F548}"/>
-              </a:ext>
-            </a:extLst>
-          </p:cNvPr>
-          <p:cNvSpPr>
-            <a:spLocks noGrp="1"/>
-          </p:cNvSpPr>
-          <p:nvPr>
-            <p:ph idx="1"/>
-          </p:nvPr>
-        </p:nvSpPr>
-        <p:spPr/>
-        <p:txBody>
-          <a:bodyPr/>
-          <a:lstStyle/>
-          <a:p>
-            <a:r>
-              <a:rPr lang="en-US" dirty="0"/>
-              <a:t>We can easily parallelize instructions </a:t>
-            </a:r>
-            <a:r>
-              <a:rPr lang="en-US" u="sng" dirty="0"/>
-              <a:t>that can be processed independently</a:t>
-            </a:r>
-          </a:p>
-          <a:p>
-            <a:pPr marL="0" indent="0">
-              <a:buNone/>
-            </a:pPr>
-            <a:endParaRPr lang="en-US" dirty="0"/>
-          </a:p>
-        </p:txBody>
-      </p:sp>
-      <p:grpSp>
-        <p:nvGrpSpPr>
-          <p:cNvPr id="5" name="Group 4">
-            <a:extLst>
-              <a:ext uri="{FF2B5EF4-FFF2-40B4-BE49-F238E27FC236}">
-                <a16:creationId xmlns:a16="http://schemas.microsoft.com/office/drawing/2014/main" id="{C3F210F0-301F-4369-8EC5-3CDB5E98AD25}"/>
-              </a:ext>
-            </a:extLst>
-          </p:cNvPr>
-          <p:cNvGrpSpPr/>
-          <p:nvPr/>
-        </p:nvGrpSpPr>
-        <p:grpSpPr>
-          <a:xfrm>
-            <a:off x="4798745" y="2626747"/>
-            <a:ext cx="2594510" cy="2749094"/>
-            <a:chOff x="5447924" y="3151100"/>
-            <a:chExt cx="1929653" cy="2127624"/>
-          </a:xfrm>
-        </p:grpSpPr>
-        <p:sp>
-          <p:nvSpPr>
-            <p:cNvPr id="6" name="Rectangle 5">
-              <a:extLst>
-                <a:ext uri="{FF2B5EF4-FFF2-40B4-BE49-F238E27FC236}">
-                  <a16:creationId xmlns:a16="http://schemas.microsoft.com/office/drawing/2014/main" id="{E2756E32-F5A5-4306-8AA3-8A33C9D7531F}"/>
-                </a:ext>
-              </a:extLst>
-            </p:cNvPr>
-            <p:cNvSpPr/>
-            <p:nvPr/>
-          </p:nvSpPr>
-          <p:spPr>
-            <a:xfrm>
-              <a:off x="5447924" y="3151100"/>
-              <a:ext cx="1929653" cy="2127624"/>
-            </a:xfrm>
-            <a:prstGeom prst="rect">
-              <a:avLst/>
-            </a:prstGeom>
-          </p:spPr>
-          <p:style>
-            <a:lnRef idx="2">
-              <a:schemeClr val="accent1">
-                <a:shade val="50000"/>
-              </a:schemeClr>
-            </a:lnRef>
-            <a:fillRef idx="1">
-              <a:schemeClr val="accent1"/>
-            </a:fillRef>
-            <a:effectRef idx="0">
-              <a:schemeClr val="accent1"/>
-            </a:effectRef>
-            <a:fontRef idx="minor">
-              <a:schemeClr val="lt1"/>
-            </a:fontRef>
-          </p:style>
-          <p:txBody>
-            <a:bodyPr rtlCol="0" anchor="ctr"/>
-            <a:lstStyle/>
-            <a:p>
-              <a:pPr algn="ctr"/>
-              <a:endParaRPr lang="en-US"/>
-            </a:p>
-          </p:txBody>
-        </p:sp>
-        <p:sp>
-          <p:nvSpPr>
-            <p:cNvPr id="7" name="Oval 6">
-              <a:extLst>
-                <a:ext uri="{FF2B5EF4-FFF2-40B4-BE49-F238E27FC236}">
-                  <a16:creationId xmlns:a16="http://schemas.microsoft.com/office/drawing/2014/main" id="{F36B273B-2E6F-401B-8BE9-DE0E8CD8080A}"/>
-                </a:ext>
-              </a:extLst>
-            </p:cNvPr>
-            <p:cNvSpPr/>
-            <p:nvPr/>
-          </p:nvSpPr>
-          <p:spPr>
-            <a:xfrm>
-              <a:off x="5794410" y="3421888"/>
-              <a:ext cx="394447" cy="376517"/>
-            </a:xfrm>
-            <a:prstGeom prst="ellipse">
-              <a:avLst/>
-            </a:prstGeom>
-            <a:solidFill>
-              <a:schemeClr val="accent4">
-                <a:lumMod val="60000"/>
-                <a:lumOff val="40000"/>
-              </a:schemeClr>
-            </a:solidFill>
-          </p:spPr>
-          <p:style>
-            <a:lnRef idx="2">
-              <a:schemeClr val="accent1">
-                <a:shade val="50000"/>
-              </a:schemeClr>
-            </a:lnRef>
-            <a:fillRef idx="1">
-              <a:schemeClr val="accent1"/>
-            </a:fillRef>
-            <a:effectRef idx="0">
-              <a:schemeClr val="accent1"/>
-            </a:effectRef>
-            <a:fontRef idx="minor">
-              <a:schemeClr val="lt1"/>
-            </a:fontRef>
-          </p:style>
-          <p:txBody>
-            <a:bodyPr rtlCol="0" anchor="ctr"/>
-            <a:lstStyle/>
-            <a:p>
-              <a:pPr algn="ctr"/>
-              <a:r>
-                <a:rPr lang="en-US" dirty="0">
-                  <a:solidFill>
-                    <a:schemeClr val="accent4">
-                      <a:lumMod val="50000"/>
-                    </a:schemeClr>
-                  </a:solidFill>
-                </a:rPr>
-                <a:t>1</a:t>
-              </a:r>
-            </a:p>
-          </p:txBody>
-        </p:sp>
-        <p:sp>
-          <p:nvSpPr>
-            <p:cNvPr id="8" name="Oval 7">
-              <a:extLst>
-                <a:ext uri="{FF2B5EF4-FFF2-40B4-BE49-F238E27FC236}">
-                  <a16:creationId xmlns:a16="http://schemas.microsoft.com/office/drawing/2014/main" id="{A5926C6F-5BC4-49AB-90C0-BF086DF37BD3}"/>
-                </a:ext>
-              </a:extLst>
-            </p:cNvPr>
-            <p:cNvSpPr/>
-            <p:nvPr/>
-          </p:nvSpPr>
-          <p:spPr>
-            <a:xfrm>
-              <a:off x="6613186" y="3421888"/>
-              <a:ext cx="394447" cy="376517"/>
-            </a:xfrm>
-            <a:prstGeom prst="ellipse">
-              <a:avLst/>
-            </a:prstGeom>
-            <a:solidFill>
-              <a:schemeClr val="accent4">
-                <a:lumMod val="60000"/>
-                <a:lumOff val="40000"/>
-              </a:schemeClr>
-            </a:solidFill>
-          </p:spPr>
-          <p:style>
-            <a:lnRef idx="2">
-              <a:schemeClr val="accent1">
-                <a:shade val="50000"/>
-              </a:schemeClr>
-            </a:lnRef>
-            <a:fillRef idx="1">
-              <a:schemeClr val="accent1"/>
-            </a:fillRef>
-            <a:effectRef idx="0">
-              <a:schemeClr val="accent1"/>
-            </a:effectRef>
-            <a:fontRef idx="minor">
-              <a:schemeClr val="lt1"/>
-            </a:fontRef>
-          </p:style>
-          <p:txBody>
-            <a:bodyPr rtlCol="0" anchor="ctr"/>
-            <a:lstStyle/>
-            <a:p>
-              <a:pPr algn="ctr"/>
-              <a:r>
-                <a:rPr lang="en-US" dirty="0">
-                  <a:solidFill>
-                    <a:schemeClr val="accent4">
-                      <a:lumMod val="50000"/>
-                    </a:schemeClr>
-                  </a:solidFill>
-                </a:rPr>
-                <a:t>2</a:t>
-              </a:r>
-            </a:p>
-          </p:txBody>
-        </p:sp>
-        <p:sp>
-          <p:nvSpPr>
-            <p:cNvPr id="9" name="Oval 8">
-              <a:extLst>
-                <a:ext uri="{FF2B5EF4-FFF2-40B4-BE49-F238E27FC236}">
-                  <a16:creationId xmlns:a16="http://schemas.microsoft.com/office/drawing/2014/main" id="{2C0142C4-6548-4751-A216-D79C7FE96BDE}"/>
-                </a:ext>
-              </a:extLst>
-            </p:cNvPr>
-            <p:cNvSpPr/>
-            <p:nvPr/>
-          </p:nvSpPr>
-          <p:spPr>
-            <a:xfrm>
-              <a:off x="5794408" y="4022522"/>
-              <a:ext cx="394447" cy="376517"/>
-            </a:xfrm>
-            <a:prstGeom prst="ellipse">
-              <a:avLst/>
-            </a:prstGeom>
-            <a:solidFill>
-              <a:schemeClr val="accent4">
-                <a:lumMod val="60000"/>
-                <a:lumOff val="40000"/>
-              </a:schemeClr>
-            </a:solidFill>
-          </p:spPr>
-          <p:style>
-            <a:lnRef idx="2">
-              <a:schemeClr val="accent1">
-                <a:shade val="50000"/>
-              </a:schemeClr>
-            </a:lnRef>
-            <a:fillRef idx="1">
-              <a:schemeClr val="accent1"/>
-            </a:fillRef>
-            <a:effectRef idx="0">
-              <a:schemeClr val="accent1"/>
-            </a:effectRef>
-            <a:fontRef idx="minor">
-              <a:schemeClr val="lt1"/>
-            </a:fontRef>
-          </p:style>
-          <p:txBody>
-            <a:bodyPr rtlCol="0" anchor="ctr"/>
-            <a:lstStyle/>
-            <a:p>
-              <a:pPr algn="ctr"/>
-              <a:r>
-                <a:rPr lang="en-US" dirty="0">
-                  <a:solidFill>
-                    <a:schemeClr val="accent4">
-                      <a:lumMod val="50000"/>
-                    </a:schemeClr>
-                  </a:solidFill>
-                </a:rPr>
-                <a:t>3</a:t>
-              </a:r>
-            </a:p>
-          </p:txBody>
-        </p:sp>
-        <p:sp>
-          <p:nvSpPr>
-            <p:cNvPr id="10" name="Oval 9">
-              <a:extLst>
-                <a:ext uri="{FF2B5EF4-FFF2-40B4-BE49-F238E27FC236}">
-                  <a16:creationId xmlns:a16="http://schemas.microsoft.com/office/drawing/2014/main" id="{57028D69-760A-4400-9D4A-B9D5D4A475A9}"/>
-                </a:ext>
-              </a:extLst>
-            </p:cNvPr>
-            <p:cNvSpPr/>
-            <p:nvPr/>
-          </p:nvSpPr>
-          <p:spPr>
-            <a:xfrm>
-              <a:off x="6613185" y="4022522"/>
-              <a:ext cx="394447" cy="376517"/>
-            </a:xfrm>
-            <a:prstGeom prst="ellipse">
-              <a:avLst/>
-            </a:prstGeom>
-            <a:solidFill>
-              <a:schemeClr val="accent4">
-                <a:lumMod val="60000"/>
-                <a:lumOff val="40000"/>
-              </a:schemeClr>
-            </a:solidFill>
-          </p:spPr>
-          <p:style>
-            <a:lnRef idx="2">
-              <a:schemeClr val="accent1">
-                <a:shade val="50000"/>
-              </a:schemeClr>
-            </a:lnRef>
-            <a:fillRef idx="1">
-              <a:schemeClr val="accent1"/>
-            </a:fillRef>
-            <a:effectRef idx="0">
-              <a:schemeClr val="accent1"/>
-            </a:effectRef>
-            <a:fontRef idx="minor">
-              <a:schemeClr val="lt1"/>
-            </a:fontRef>
-          </p:style>
-          <p:txBody>
-            <a:bodyPr rtlCol="0" anchor="ctr"/>
-            <a:lstStyle/>
-            <a:p>
-              <a:pPr algn="ctr"/>
-              <a:r>
-                <a:rPr lang="en-US" dirty="0">
-                  <a:solidFill>
-                    <a:schemeClr val="accent4">
-                      <a:lumMod val="50000"/>
-                    </a:schemeClr>
-                  </a:solidFill>
-                </a:rPr>
-                <a:t>4</a:t>
-              </a:r>
-            </a:p>
-          </p:txBody>
-        </p:sp>
-        <p:sp>
-          <p:nvSpPr>
-            <p:cNvPr id="11" name="Oval 10">
-              <a:extLst>
-                <a:ext uri="{FF2B5EF4-FFF2-40B4-BE49-F238E27FC236}">
-                  <a16:creationId xmlns:a16="http://schemas.microsoft.com/office/drawing/2014/main" id="{88FE90D8-F017-41AD-917C-16F3E0CB31EA}"/>
-                </a:ext>
-              </a:extLst>
-            </p:cNvPr>
-            <p:cNvSpPr/>
-            <p:nvPr/>
-          </p:nvSpPr>
-          <p:spPr>
-            <a:xfrm>
-              <a:off x="5794408" y="4623158"/>
-              <a:ext cx="394447" cy="376517"/>
-            </a:xfrm>
-            <a:prstGeom prst="ellipse">
-              <a:avLst/>
-            </a:prstGeom>
-            <a:solidFill>
-              <a:schemeClr val="accent4">
-                <a:lumMod val="60000"/>
-                <a:lumOff val="40000"/>
-              </a:schemeClr>
-            </a:solidFill>
-          </p:spPr>
-          <p:style>
-            <a:lnRef idx="2">
-              <a:schemeClr val="accent1">
-                <a:shade val="50000"/>
-              </a:schemeClr>
-            </a:lnRef>
-            <a:fillRef idx="1">
-              <a:schemeClr val="accent1"/>
-            </a:fillRef>
-            <a:effectRef idx="0">
-              <a:schemeClr val="accent1"/>
-            </a:effectRef>
-            <a:fontRef idx="minor">
-              <a:schemeClr val="lt1"/>
-            </a:fontRef>
-          </p:style>
-          <p:txBody>
-            <a:bodyPr rtlCol="0" anchor="ctr"/>
-            <a:lstStyle/>
-            <a:p>
-              <a:pPr algn="ctr"/>
-              <a:r>
-                <a:rPr lang="en-US" dirty="0">
-                  <a:solidFill>
-                    <a:schemeClr val="accent4">
-                      <a:lumMod val="50000"/>
-                    </a:schemeClr>
-                  </a:solidFill>
-                </a:rPr>
-                <a:t>5</a:t>
-              </a:r>
-            </a:p>
-          </p:txBody>
-        </p:sp>
-        <p:sp>
-          <p:nvSpPr>
-            <p:cNvPr id="12" name="Oval 11">
-              <a:extLst>
-                <a:ext uri="{FF2B5EF4-FFF2-40B4-BE49-F238E27FC236}">
-                  <a16:creationId xmlns:a16="http://schemas.microsoft.com/office/drawing/2014/main" id="{08012994-CE5C-43CE-9E8A-1F9A35D08D3F}"/>
-                </a:ext>
-              </a:extLst>
-            </p:cNvPr>
-            <p:cNvSpPr/>
-            <p:nvPr/>
-          </p:nvSpPr>
-          <p:spPr>
-            <a:xfrm>
-              <a:off x="6613185" y="4623156"/>
-              <a:ext cx="394447" cy="376517"/>
-            </a:xfrm>
-            <a:prstGeom prst="ellipse">
-              <a:avLst/>
-            </a:prstGeom>
-            <a:solidFill>
-              <a:schemeClr val="accent4">
-                <a:lumMod val="60000"/>
-                <a:lumOff val="40000"/>
-              </a:schemeClr>
-            </a:solidFill>
-          </p:spPr>
-          <p:style>
-            <a:lnRef idx="2">
-              <a:schemeClr val="accent1">
-                <a:shade val="50000"/>
-              </a:schemeClr>
-            </a:lnRef>
-            <a:fillRef idx="1">
-              <a:schemeClr val="accent1"/>
-            </a:fillRef>
-            <a:effectRef idx="0">
-              <a:schemeClr val="accent1"/>
-            </a:effectRef>
-            <a:fontRef idx="minor">
-              <a:schemeClr val="lt1"/>
-            </a:fontRef>
-          </p:style>
-          <p:txBody>
-            <a:bodyPr rtlCol="0" anchor="ctr"/>
-            <a:lstStyle/>
-            <a:p>
-              <a:pPr algn="ctr"/>
-              <a:r>
-                <a:rPr lang="en-US" dirty="0">
-                  <a:solidFill>
-                    <a:schemeClr val="accent4">
-                      <a:lumMod val="50000"/>
-                    </a:schemeClr>
-                  </a:solidFill>
-                </a:rPr>
-                <a:t>6</a:t>
-              </a:r>
-            </a:p>
-          </p:txBody>
-        </p:sp>
-      </p:grpSp>
-      <p:cxnSp>
-        <p:nvCxnSpPr>
-          <p:cNvPr id="33" name="Connector: Curved 32">
-            <a:extLst>
-              <a:ext uri="{FF2B5EF4-FFF2-40B4-BE49-F238E27FC236}">
-                <a16:creationId xmlns:a16="http://schemas.microsoft.com/office/drawing/2014/main" id="{E168ACAA-8100-4AC0-8C37-F1258B82E844}"/>
-              </a:ext>
-            </a:extLst>
-          </p:cNvPr>
-          <p:cNvCxnSpPr>
-            <a:cxnSpLocks/>
-            <a:endCxn id="7" idx="0"/>
-          </p:cNvCxnSpPr>
-          <p:nvPr/>
-        </p:nvCxnSpPr>
-        <p:spPr>
-          <a:xfrm flipV="1">
-            <a:off x="4249939" y="2976631"/>
-            <a:ext cx="1279850" cy="592380"/>
-          </a:xfrm>
-          <a:prstGeom prst="curvedConnector4">
-            <a:avLst>
-              <a:gd name="adj1" fmla="val 39640"/>
-              <a:gd name="adj2" fmla="val 138590"/>
-            </a:avLst>
-          </a:prstGeom>
-          <a:ln w="28575">
-            <a:solidFill>
-              <a:schemeClr val="accent2">
-                <a:lumMod val="75000"/>
-              </a:schemeClr>
-            </a:solidFill>
-            <a:tailEnd type="triangle"/>
-          </a:ln>
-        </p:spPr>
-        <p:style>
-          <a:lnRef idx="1">
-            <a:schemeClr val="accent1"/>
-          </a:lnRef>
-          <a:fillRef idx="0">
-            <a:schemeClr val="accent1"/>
-          </a:fillRef>
-          <a:effectRef idx="0">
-            <a:schemeClr val="accent1"/>
-          </a:effectRef>
-          <a:fontRef idx="minor">
-            <a:schemeClr val="tx1"/>
-          </a:fontRef>
-        </p:style>
-      </p:cxnSp>
-      <p:graphicFrame>
-        <p:nvGraphicFramePr>
-          <p:cNvPr id="37" name="Table 36">
-            <a:extLst>
-              <a:ext uri="{FF2B5EF4-FFF2-40B4-BE49-F238E27FC236}">
-                <a16:creationId xmlns:a16="http://schemas.microsoft.com/office/drawing/2014/main" id="{37ED3728-C4CA-4D70-B979-8033964335D5}"/>
-              </a:ext>
-            </a:extLst>
-          </p:cNvPr>
-          <p:cNvGraphicFramePr>
-            <a:graphicFrameLocks noGrp="1"/>
-          </p:cNvGraphicFramePr>
-          <p:nvPr>
-            <p:extLst>
-              <p:ext uri="{D42A27DB-BD31-4B8C-83A1-F6EECF244321}">
-                <p14:modId xmlns:p14="http://schemas.microsoft.com/office/powerpoint/2010/main" val="4154122824"/>
-              </p:ext>
-            </p:extLst>
-          </p:nvPr>
-        </p:nvGraphicFramePr>
-        <p:xfrm>
-          <a:off x="1142113" y="3286951"/>
-          <a:ext cx="3086100" cy="1280160"/>
-        </p:xfrm>
-        <a:graphic>
-          <a:graphicData uri="http://schemas.openxmlformats.org/drawingml/2006/table">
-            <a:tbl>
-              <a:tblPr>
-                <a:tableStyleId>{5C22544A-7EE6-4342-B048-85BDC9FD1C3A}</a:tableStyleId>
-              </a:tblPr>
-              <a:tblGrid>
-                <a:gridCol w="1333500">
-                  <a:extLst>
-                    <a:ext uri="{9D8B030D-6E8A-4147-A177-3AD203B41FA5}">
-                      <a16:colId xmlns:a16="http://schemas.microsoft.com/office/drawing/2014/main" val="3277071328"/>
-                    </a:ext>
-                  </a:extLst>
-                </a:gridCol>
-                <a:gridCol w="1752600">
-                  <a:extLst>
-                    <a:ext uri="{9D8B030D-6E8A-4147-A177-3AD203B41FA5}">
-                      <a16:colId xmlns:a16="http://schemas.microsoft.com/office/drawing/2014/main" val="56461802"/>
-                    </a:ext>
-                  </a:extLst>
-                </a:gridCol>
-              </a:tblGrid>
-              <a:tr h="182880">
-                <a:tc>
-                  <a:txBody>
-                    <a:bodyPr/>
-                    <a:lstStyle/>
-                    <a:p>
-                      <a:pPr algn="l" fontAlgn="b"/>
-                      <a:r>
                         <a:rPr lang="en-US" sz="1100" u="none" strike="noStrike">
                           <a:effectLst/>
                         </a:rPr>
-                        <a:t>6 Cores</a:t>
-                      </a:r>
-                      <a:endParaRPr lang="en-US" sz="1100" b="0" i="0" u="none" strike="noStrike">
-                        <a:solidFill>
-                          <a:srgbClr val="FFFFFF"/>
-                        </a:solidFill>
-                        <a:effectLst/>
-                        <a:latin typeface="Calibri" panose="020F0502020204030204" pitchFamily="34" charset="0"/>
-                      </a:endParaRPr>
-                    </a:p>
-                  </a:txBody>
-                  <a:tcPr marL="3810" marR="3810" marT="3810" marB="0" anchor="b"/>
-                </a:tc>
-                <a:tc>
-                  <a:txBody>
-                    <a:bodyPr/>
-                    <a:lstStyle/>
-                    <a:p>
-                      <a:pPr algn="l" fontAlgn="b"/>
-                      <a:r>
-                        <a:rPr lang="en-US" sz="1100" u="none" strike="noStrike" dirty="0">
-                          <a:effectLst/>
-                        </a:rPr>
-                        <a:t>Parallel Instructions</a:t>
-                      </a:r>
-                      <a:endParaRPr lang="en-US" sz="1100" b="0" i="0" u="none" strike="noStrike" dirty="0">
-                        <a:solidFill>
-                          <a:srgbClr val="FFFFFF"/>
-                        </a:solidFill>
-                        <a:effectLst/>
-                        <a:latin typeface="Calibri" panose="020F0502020204030204" pitchFamily="34" charset="0"/>
-                      </a:endParaRPr>
-                    </a:p>
-                  </a:txBody>
-                  <a:tcPr marL="3810" marR="3810" marT="3810" marB="0" anchor="b"/>
-                </a:tc>
-                <a:extLst>
-                  <a:ext uri="{0D108BD9-81ED-4DB2-BD59-A6C34878D82A}">
-                    <a16:rowId xmlns:a16="http://schemas.microsoft.com/office/drawing/2014/main" val="464190089"/>
-                  </a:ext>
-                </a:extLst>
-              </a:tr>
-              <a:tr h="182880">
-                <a:tc>
-                  <a:txBody>
-                    <a:bodyPr/>
-                    <a:lstStyle/>
-                    <a:p>
-                      <a:pPr algn="r" fontAlgn="b"/>
-                      <a:r>
-                        <a:rPr lang="en-US" sz="1100" u="none" strike="noStrike">
-                          <a:effectLst/>
-                        </a:rPr>
-                        <a:t>Multiples of Bunnies =</a:t>
-                      </a:r>
-                      <a:endParaRPr lang="en-US" sz="1100" b="0" i="0" u="none" strike="noStrike">
-                        <a:solidFill>
-                          <a:srgbClr val="FFFFFF"/>
-                        </a:solidFill>
-                        <a:effectLst/>
-                        <a:latin typeface="Calibri" panose="020F0502020204030204" pitchFamily="34" charset="0"/>
-                      </a:endParaRPr>
-                    </a:p>
-                  </a:txBody>
-                  <a:tcPr marL="3810" marR="3810" marT="3810" marB="0" anchor="b"/>
-                </a:tc>
-                <a:tc>
-                  <a:txBody>
-                    <a:bodyPr/>
-                    <a:lstStyle/>
-                    <a:p>
-                      <a:pPr algn="r" fontAlgn="b"/>
-                      <a:r>
-                        <a:rPr lang="en-US" sz="1100" u="none" strike="noStrike">
-                          <a:effectLst/>
-                        </a:rPr>
-                        <a:t>5*6=</a:t>
+                        <a:t>8</a:t>
                       </a:r>
                       <a:endParaRPr lang="en-US" sz="1100" b="0" i="0" u="none" strike="noStrike">
                         <a:solidFill>
@@ -8092,710 +9955,7 @@
                 </a:tc>
                 <a:extLst>
                   <a:ext uri="{0D108BD9-81ED-4DB2-BD59-A6C34878D82A}">
-                    <a16:rowId xmlns:a16="http://schemas.microsoft.com/office/drawing/2014/main" val="2557816670"/>
-                  </a:ext>
-                </a:extLst>
-              </a:tr>
-              <a:tr h="182880">
-                <a:tc>
-                  <a:txBody>
-                    <a:bodyPr/>
-                    <a:lstStyle/>
-                    <a:p>
-                      <a:pPr algn="r" fontAlgn="b"/>
-                      <a:r>
-                        <a:rPr lang="en-US" sz="1100" u="none" strike="noStrike">
-                          <a:effectLst/>
-                        </a:rPr>
-                        <a:t>Multiples of Bunnies =</a:t>
-                      </a:r>
-                      <a:endParaRPr lang="en-US" sz="1100" b="0" i="0" u="none" strike="noStrike">
-                        <a:solidFill>
-                          <a:srgbClr val="FFFFFF"/>
-                        </a:solidFill>
-                        <a:effectLst/>
-                        <a:latin typeface="Calibri" panose="020F0502020204030204" pitchFamily="34" charset="0"/>
-                      </a:endParaRPr>
-                    </a:p>
-                  </a:txBody>
-                  <a:tcPr marL="3810" marR="3810" marT="3810" marB="0" anchor="b"/>
-                </a:tc>
-                <a:tc>
-                  <a:txBody>
-                    <a:bodyPr/>
-                    <a:lstStyle/>
-                    <a:p>
-                      <a:pPr algn="r" fontAlgn="b"/>
-                      <a:r>
-                        <a:rPr lang="en-US" sz="1100" u="none" strike="noStrike">
-                          <a:effectLst/>
-                        </a:rPr>
-                        <a:t>8*5=</a:t>
-                      </a:r>
-                      <a:endParaRPr lang="en-US" sz="1100" b="0" i="0" u="none" strike="noStrike">
-                        <a:solidFill>
-                          <a:srgbClr val="FFFFFF"/>
-                        </a:solidFill>
-                        <a:effectLst/>
-                        <a:latin typeface="Calibri" panose="020F0502020204030204" pitchFamily="34" charset="0"/>
-                      </a:endParaRPr>
-                    </a:p>
-                  </a:txBody>
-                  <a:tcPr marL="3810" marR="3810" marT="3810" marB="0" anchor="b"/>
-                </a:tc>
-                <a:extLst>
-                  <a:ext uri="{0D108BD9-81ED-4DB2-BD59-A6C34878D82A}">
-                    <a16:rowId xmlns:a16="http://schemas.microsoft.com/office/drawing/2014/main" val="651029821"/>
-                  </a:ext>
-                </a:extLst>
-              </a:tr>
-              <a:tr h="182880">
-                <a:tc>
-                  <a:txBody>
-                    <a:bodyPr/>
-                    <a:lstStyle/>
-                    <a:p>
-                      <a:pPr algn="r" fontAlgn="b"/>
-                      <a:r>
-                        <a:rPr lang="en-US" sz="1100" u="none" strike="noStrike">
-                          <a:effectLst/>
-                        </a:rPr>
-                        <a:t>Multiples of Bunnies =</a:t>
-                      </a:r>
-                      <a:endParaRPr lang="en-US" sz="1100" b="0" i="0" u="none" strike="noStrike">
-                        <a:solidFill>
-                          <a:srgbClr val="FFFFFF"/>
-                        </a:solidFill>
-                        <a:effectLst/>
-                        <a:latin typeface="Calibri" panose="020F0502020204030204" pitchFamily="34" charset="0"/>
-                      </a:endParaRPr>
-                    </a:p>
-                  </a:txBody>
-                  <a:tcPr marL="3810" marR="3810" marT="3810" marB="0" anchor="b"/>
-                </a:tc>
-                <a:tc>
-                  <a:txBody>
-                    <a:bodyPr/>
-                    <a:lstStyle/>
-                    <a:p>
-                      <a:pPr algn="r" fontAlgn="b"/>
-                      <a:r>
-                        <a:rPr lang="en-US" sz="1100" u="none" strike="noStrike">
-                          <a:effectLst/>
-                        </a:rPr>
-                        <a:t>6*7=</a:t>
-                      </a:r>
-                      <a:endParaRPr lang="en-US" sz="1100" b="0" i="0" u="none" strike="noStrike">
-                        <a:solidFill>
-                          <a:srgbClr val="FFFFFF"/>
-                        </a:solidFill>
-                        <a:effectLst/>
-                        <a:latin typeface="Calibri" panose="020F0502020204030204" pitchFamily="34" charset="0"/>
-                      </a:endParaRPr>
-                    </a:p>
-                  </a:txBody>
-                  <a:tcPr marL="3810" marR="3810" marT="3810" marB="0" anchor="b"/>
-                </a:tc>
-                <a:extLst>
-                  <a:ext uri="{0D108BD9-81ED-4DB2-BD59-A6C34878D82A}">
-                    <a16:rowId xmlns:a16="http://schemas.microsoft.com/office/drawing/2014/main" val="2740896361"/>
-                  </a:ext>
-                </a:extLst>
-              </a:tr>
-              <a:tr h="182880">
-                <a:tc>
-                  <a:txBody>
-                    <a:bodyPr/>
-                    <a:lstStyle/>
-                    <a:p>
-                      <a:pPr algn="r" fontAlgn="b"/>
-                      <a:r>
-                        <a:rPr lang="en-US" sz="1100" u="none" strike="noStrike">
-                          <a:effectLst/>
-                        </a:rPr>
-                        <a:t>Multiples of Bunnies =</a:t>
-                      </a:r>
-                      <a:endParaRPr lang="en-US" sz="1100" b="0" i="0" u="none" strike="noStrike">
-                        <a:solidFill>
-                          <a:srgbClr val="FFFFFF"/>
-                        </a:solidFill>
-                        <a:effectLst/>
-                        <a:latin typeface="Calibri" panose="020F0502020204030204" pitchFamily="34" charset="0"/>
-                      </a:endParaRPr>
-                    </a:p>
-                  </a:txBody>
-                  <a:tcPr marL="3810" marR="3810" marT="3810" marB="0" anchor="b"/>
-                </a:tc>
-                <a:tc>
-                  <a:txBody>
-                    <a:bodyPr/>
-                    <a:lstStyle/>
-                    <a:p>
-                      <a:pPr algn="r" fontAlgn="b"/>
-                      <a:r>
-                        <a:rPr lang="en-US" sz="1100" u="none" strike="noStrike">
-                          <a:effectLst/>
-                        </a:rPr>
-                        <a:t>7*7=</a:t>
-                      </a:r>
-                      <a:endParaRPr lang="en-US" sz="1100" b="0" i="0" u="none" strike="noStrike">
-                        <a:solidFill>
-                          <a:srgbClr val="FFFFFF"/>
-                        </a:solidFill>
-                        <a:effectLst/>
-                        <a:latin typeface="Calibri" panose="020F0502020204030204" pitchFamily="34" charset="0"/>
-                      </a:endParaRPr>
-                    </a:p>
-                  </a:txBody>
-                  <a:tcPr marL="3810" marR="3810" marT="3810" marB="0" anchor="b"/>
-                </a:tc>
-                <a:extLst>
-                  <a:ext uri="{0D108BD9-81ED-4DB2-BD59-A6C34878D82A}">
-                    <a16:rowId xmlns:a16="http://schemas.microsoft.com/office/drawing/2014/main" val="3871528681"/>
-                  </a:ext>
-                </a:extLst>
-              </a:tr>
-              <a:tr h="182880">
-                <a:tc>
-                  <a:txBody>
-                    <a:bodyPr/>
-                    <a:lstStyle/>
-                    <a:p>
-                      <a:pPr algn="r" fontAlgn="b"/>
-                      <a:r>
-                        <a:rPr lang="en-US" sz="1100" u="none" strike="noStrike">
-                          <a:effectLst/>
-                        </a:rPr>
-                        <a:t>Multiples of Bunnies =</a:t>
-                      </a:r>
-                      <a:endParaRPr lang="en-US" sz="1100" b="0" i="0" u="none" strike="noStrike">
-                        <a:solidFill>
-                          <a:srgbClr val="FFFFFF"/>
-                        </a:solidFill>
-                        <a:effectLst/>
-                        <a:latin typeface="Calibri" panose="020F0502020204030204" pitchFamily="34" charset="0"/>
-                      </a:endParaRPr>
-                    </a:p>
-                  </a:txBody>
-                  <a:tcPr marL="3810" marR="3810" marT="3810" marB="0" anchor="b"/>
-                </a:tc>
-                <a:tc>
-                  <a:txBody>
-                    <a:bodyPr/>
-                    <a:lstStyle/>
-                    <a:p>
-                      <a:pPr algn="r" fontAlgn="b"/>
-                      <a:r>
-                        <a:rPr lang="en-US" sz="1100" u="none" strike="noStrike">
-                          <a:effectLst/>
-                        </a:rPr>
-                        <a:t>2*7=</a:t>
-                      </a:r>
-                      <a:endParaRPr lang="en-US" sz="1100" b="0" i="0" u="none" strike="noStrike">
-                        <a:solidFill>
-                          <a:srgbClr val="FFFFFF"/>
-                        </a:solidFill>
-                        <a:effectLst/>
-                        <a:latin typeface="Calibri" panose="020F0502020204030204" pitchFamily="34" charset="0"/>
-                      </a:endParaRPr>
-                    </a:p>
-                  </a:txBody>
-                  <a:tcPr marL="3810" marR="3810" marT="3810" marB="0" anchor="b"/>
-                </a:tc>
-                <a:extLst>
-                  <a:ext uri="{0D108BD9-81ED-4DB2-BD59-A6C34878D82A}">
-                    <a16:rowId xmlns:a16="http://schemas.microsoft.com/office/drawing/2014/main" val="4184849790"/>
-                  </a:ext>
-                </a:extLst>
-              </a:tr>
-              <a:tr h="182880">
-                <a:tc>
-                  <a:txBody>
-                    <a:bodyPr/>
-                    <a:lstStyle/>
-                    <a:p>
-                      <a:pPr algn="r" fontAlgn="b"/>
-                      <a:r>
-                        <a:rPr lang="en-US" sz="1100" u="none" strike="noStrike">
-                          <a:effectLst/>
-                        </a:rPr>
-                        <a:t>Multiples of Bunnies =</a:t>
-                      </a:r>
-                      <a:endParaRPr lang="en-US" sz="1100" b="0" i="0" u="none" strike="noStrike">
-                        <a:solidFill>
-                          <a:srgbClr val="FFFFFF"/>
-                        </a:solidFill>
-                        <a:effectLst/>
-                        <a:latin typeface="Calibri" panose="020F0502020204030204" pitchFamily="34" charset="0"/>
-                      </a:endParaRPr>
-                    </a:p>
-                  </a:txBody>
-                  <a:tcPr marL="3810" marR="3810" marT="3810" marB="0" anchor="b"/>
-                </a:tc>
-                <a:tc>
-                  <a:txBody>
-                    <a:bodyPr/>
-                    <a:lstStyle/>
-                    <a:p>
-                      <a:pPr algn="r" fontAlgn="b"/>
-                      <a:r>
-                        <a:rPr lang="en-US" sz="1100" u="none" strike="noStrike" dirty="0">
-                          <a:effectLst/>
-                        </a:rPr>
-                        <a:t>2*8=</a:t>
-                      </a:r>
-                      <a:endParaRPr lang="en-US" sz="1100" b="0" i="0" u="none" strike="noStrike" dirty="0">
-                        <a:solidFill>
-                          <a:srgbClr val="FFFFFF"/>
-                        </a:solidFill>
-                        <a:effectLst/>
-                        <a:latin typeface="Calibri" panose="020F0502020204030204" pitchFamily="34" charset="0"/>
-                      </a:endParaRPr>
-                    </a:p>
-                  </a:txBody>
-                  <a:tcPr marL="3810" marR="3810" marT="3810" marB="0" anchor="b"/>
-                </a:tc>
-                <a:extLst>
-                  <a:ext uri="{0D108BD9-81ED-4DB2-BD59-A6C34878D82A}">
-                    <a16:rowId xmlns:a16="http://schemas.microsoft.com/office/drawing/2014/main" val="4241232455"/>
-                  </a:ext>
-                </a:extLst>
-              </a:tr>
-            </a:tbl>
-          </a:graphicData>
-        </a:graphic>
-      </p:graphicFrame>
-      <p:cxnSp>
-        <p:nvCxnSpPr>
-          <p:cNvPr id="39" name="Connector: Curved 38">
-            <a:extLst>
-              <a:ext uri="{FF2B5EF4-FFF2-40B4-BE49-F238E27FC236}">
-                <a16:creationId xmlns:a16="http://schemas.microsoft.com/office/drawing/2014/main" id="{E6DFF50B-6778-4669-A029-DCA5D0B41BCE}"/>
-              </a:ext>
-            </a:extLst>
-          </p:cNvPr>
-          <p:cNvCxnSpPr>
-            <a:cxnSpLocks/>
-            <a:endCxn id="8" idx="2"/>
-          </p:cNvCxnSpPr>
-          <p:nvPr/>
-        </p:nvCxnSpPr>
-        <p:spPr>
-          <a:xfrm flipV="1">
-            <a:off x="4228213" y="3219879"/>
-            <a:ext cx="2137282" cy="548570"/>
-          </a:xfrm>
-          <a:prstGeom prst="curvedConnector3">
-            <a:avLst>
-              <a:gd name="adj1" fmla="val 75154"/>
-            </a:avLst>
-          </a:prstGeom>
-          <a:ln w="28575">
-            <a:solidFill>
-              <a:schemeClr val="accent2">
-                <a:lumMod val="75000"/>
-              </a:schemeClr>
-            </a:solidFill>
-            <a:tailEnd type="triangle"/>
-          </a:ln>
-        </p:spPr>
-        <p:style>
-          <a:lnRef idx="1">
-            <a:schemeClr val="accent1"/>
-          </a:lnRef>
-          <a:fillRef idx="0">
-            <a:schemeClr val="accent1"/>
-          </a:fillRef>
-          <a:effectRef idx="0">
-            <a:schemeClr val="accent1"/>
-          </a:effectRef>
-          <a:fontRef idx="minor">
-            <a:schemeClr val="tx1"/>
-          </a:fontRef>
-        </p:style>
-      </p:cxnSp>
-      <p:cxnSp>
-        <p:nvCxnSpPr>
-          <p:cNvPr id="46" name="Connector: Curved 45">
-            <a:extLst>
-              <a:ext uri="{FF2B5EF4-FFF2-40B4-BE49-F238E27FC236}">
-                <a16:creationId xmlns:a16="http://schemas.microsoft.com/office/drawing/2014/main" id="{9DFDC639-68CB-4E2A-91FB-1B6A39FC1775}"/>
-              </a:ext>
-            </a:extLst>
-          </p:cNvPr>
-          <p:cNvCxnSpPr>
-            <a:cxnSpLocks/>
-            <a:endCxn id="9" idx="2"/>
-          </p:cNvCxnSpPr>
-          <p:nvPr/>
-        </p:nvCxnSpPr>
-        <p:spPr>
-          <a:xfrm>
-            <a:off x="4249939" y="3929495"/>
-            <a:ext cx="1014670" cy="66461"/>
-          </a:xfrm>
-          <a:prstGeom prst="curvedConnector3">
-            <a:avLst>
-              <a:gd name="adj1" fmla="val 50000"/>
-            </a:avLst>
-          </a:prstGeom>
-          <a:ln w="28575">
-            <a:solidFill>
-              <a:schemeClr val="accent2">
-                <a:lumMod val="75000"/>
-              </a:schemeClr>
-            </a:solidFill>
-            <a:tailEnd type="triangle"/>
-          </a:ln>
-        </p:spPr>
-        <p:style>
-          <a:lnRef idx="1">
-            <a:schemeClr val="accent1"/>
-          </a:lnRef>
-          <a:fillRef idx="0">
-            <a:schemeClr val="accent1"/>
-          </a:fillRef>
-          <a:effectRef idx="0">
-            <a:schemeClr val="accent1"/>
-          </a:effectRef>
-          <a:fontRef idx="minor">
-            <a:schemeClr val="tx1"/>
-          </a:fontRef>
-        </p:style>
-      </p:cxnSp>
-      <p:cxnSp>
-        <p:nvCxnSpPr>
-          <p:cNvPr id="48" name="Connector: Curved 47">
-            <a:extLst>
-              <a:ext uri="{FF2B5EF4-FFF2-40B4-BE49-F238E27FC236}">
-                <a16:creationId xmlns:a16="http://schemas.microsoft.com/office/drawing/2014/main" id="{6CBEC054-9F8E-4C7C-ACB6-A8B16A7401DA}"/>
-              </a:ext>
-            </a:extLst>
-          </p:cNvPr>
-          <p:cNvCxnSpPr>
-            <a:cxnSpLocks/>
-            <a:endCxn id="10" idx="3"/>
-          </p:cNvCxnSpPr>
-          <p:nvPr/>
-        </p:nvCxnSpPr>
-        <p:spPr>
-          <a:xfrm>
-            <a:off x="4228212" y="4139484"/>
-            <a:ext cx="2214950" cy="28474"/>
-          </a:xfrm>
-          <a:prstGeom prst="curvedConnector4">
-            <a:avLst>
-              <a:gd name="adj1" fmla="val 48869"/>
-              <a:gd name="adj2" fmla="val 693050"/>
-            </a:avLst>
-          </a:prstGeom>
-          <a:ln w="28575">
-            <a:solidFill>
-              <a:schemeClr val="accent2">
-                <a:lumMod val="75000"/>
-              </a:schemeClr>
-            </a:solidFill>
-            <a:tailEnd type="triangle"/>
-          </a:ln>
-        </p:spPr>
-        <p:style>
-          <a:lnRef idx="1">
-            <a:schemeClr val="accent1"/>
-          </a:lnRef>
-          <a:fillRef idx="0">
-            <a:schemeClr val="accent1"/>
-          </a:fillRef>
-          <a:effectRef idx="0">
-            <a:schemeClr val="accent1"/>
-          </a:effectRef>
-          <a:fontRef idx="minor">
-            <a:schemeClr val="tx1"/>
-          </a:fontRef>
-        </p:style>
-      </p:cxnSp>
-      <p:cxnSp>
-        <p:nvCxnSpPr>
-          <p:cNvPr id="59" name="Connector: Curved 58">
-            <a:extLst>
-              <a:ext uri="{FF2B5EF4-FFF2-40B4-BE49-F238E27FC236}">
-                <a16:creationId xmlns:a16="http://schemas.microsoft.com/office/drawing/2014/main" id="{0DBBD852-0D34-407E-B2CF-F31A76C57ECF}"/>
-              </a:ext>
-            </a:extLst>
-          </p:cNvPr>
-          <p:cNvCxnSpPr>
-            <a:cxnSpLocks/>
-            <a:endCxn id="11" idx="0"/>
-          </p:cNvCxnSpPr>
-          <p:nvPr/>
-        </p:nvCxnSpPr>
-        <p:spPr>
-          <a:xfrm>
-            <a:off x="4249939" y="4311486"/>
-            <a:ext cx="1279847" cy="217301"/>
-          </a:xfrm>
-          <a:prstGeom prst="curvedConnector2">
-            <a:avLst/>
-          </a:prstGeom>
-          <a:ln w="28575">
-            <a:solidFill>
-              <a:schemeClr val="accent2">
-                <a:lumMod val="75000"/>
-              </a:schemeClr>
-            </a:solidFill>
-            <a:tailEnd type="triangle"/>
-          </a:ln>
-        </p:spPr>
-        <p:style>
-          <a:lnRef idx="1">
-            <a:schemeClr val="accent1"/>
-          </a:lnRef>
-          <a:fillRef idx="0">
-            <a:schemeClr val="accent1"/>
-          </a:fillRef>
-          <a:effectRef idx="0">
-            <a:schemeClr val="accent1"/>
-          </a:effectRef>
-          <a:fontRef idx="minor">
-            <a:schemeClr val="tx1"/>
-          </a:fontRef>
-        </p:style>
-      </p:cxnSp>
-      <p:cxnSp>
-        <p:nvCxnSpPr>
-          <p:cNvPr id="62" name="Connector: Curved 61">
-            <a:extLst>
-              <a:ext uri="{FF2B5EF4-FFF2-40B4-BE49-F238E27FC236}">
-                <a16:creationId xmlns:a16="http://schemas.microsoft.com/office/drawing/2014/main" id="{986862A4-82D2-41FC-99CD-A01AE6671057}"/>
-              </a:ext>
-            </a:extLst>
-          </p:cNvPr>
-          <p:cNvCxnSpPr>
-            <a:cxnSpLocks/>
-            <a:endCxn id="12" idx="4"/>
-          </p:cNvCxnSpPr>
-          <p:nvPr/>
-        </p:nvCxnSpPr>
-        <p:spPr>
-          <a:xfrm>
-            <a:off x="4228211" y="4492099"/>
-            <a:ext cx="2402460" cy="523181"/>
-          </a:xfrm>
-          <a:prstGeom prst="curvedConnector4">
-            <a:avLst>
-              <a:gd name="adj1" fmla="val 30901"/>
-              <a:gd name="adj2" fmla="val 144572"/>
-            </a:avLst>
-          </a:prstGeom>
-          <a:ln w="28575">
-            <a:solidFill>
-              <a:schemeClr val="accent2">
-                <a:lumMod val="75000"/>
-              </a:schemeClr>
-            </a:solidFill>
-            <a:tailEnd type="triangle"/>
-          </a:ln>
-        </p:spPr>
-        <p:style>
-          <a:lnRef idx="1">
-            <a:schemeClr val="accent1"/>
-          </a:lnRef>
-          <a:fillRef idx="0">
-            <a:schemeClr val="accent1"/>
-          </a:fillRef>
-          <a:effectRef idx="0">
-            <a:schemeClr val="accent1"/>
-          </a:effectRef>
-          <a:fontRef idx="minor">
-            <a:schemeClr val="tx1"/>
-          </a:fontRef>
-        </p:style>
-      </p:cxnSp>
-      <p:graphicFrame>
-        <p:nvGraphicFramePr>
-          <p:cNvPr id="67" name="Table 66">
-            <a:extLst>
-              <a:ext uri="{FF2B5EF4-FFF2-40B4-BE49-F238E27FC236}">
-                <a16:creationId xmlns:a16="http://schemas.microsoft.com/office/drawing/2014/main" id="{3304AE13-E693-4651-B7A2-135EB35565CD}"/>
-              </a:ext>
-            </a:extLst>
-          </p:cNvPr>
-          <p:cNvGraphicFramePr>
-            <a:graphicFrameLocks noGrp="1"/>
-          </p:cNvGraphicFramePr>
-          <p:nvPr>
-            <p:extLst>
-              <p:ext uri="{D42A27DB-BD31-4B8C-83A1-F6EECF244321}">
-                <p14:modId xmlns:p14="http://schemas.microsoft.com/office/powerpoint/2010/main" val="1691199244"/>
-              </p:ext>
-            </p:extLst>
-          </p:nvPr>
-        </p:nvGraphicFramePr>
-        <p:xfrm>
-          <a:off x="8844212" y="3378391"/>
-          <a:ext cx="876300" cy="1097280"/>
-        </p:xfrm>
-        <a:graphic>
-          <a:graphicData uri="http://schemas.openxmlformats.org/drawingml/2006/table">
-            <a:tbl>
-              <a:tblPr>
-                <a:tableStyleId>{5C22544A-7EE6-4342-B048-85BDC9FD1C3A}</a:tableStyleId>
-              </a:tblPr>
-              <a:tblGrid>
-                <a:gridCol w="876300">
-                  <a:extLst>
-                    <a:ext uri="{9D8B030D-6E8A-4147-A177-3AD203B41FA5}">
-                      <a16:colId xmlns:a16="http://schemas.microsoft.com/office/drawing/2014/main" val="3822761311"/>
-                    </a:ext>
-                  </a:extLst>
-                </a:gridCol>
-              </a:tblGrid>
-              <a:tr h="182880">
-                <a:tc>
-                  <a:txBody>
-                    <a:bodyPr/>
-                    <a:lstStyle/>
-                    <a:p>
-                      <a:pPr algn="ctr" fontAlgn="b"/>
-                      <a:r>
-                        <a:rPr lang="en-US" sz="1100" u="none" strike="noStrike">
-                          <a:effectLst/>
-                        </a:rPr>
-                        <a:t>30</a:t>
-                      </a:r>
-                      <a:endParaRPr lang="en-US" sz="1100" b="0" i="0" u="none" strike="noStrike">
-                        <a:solidFill>
-                          <a:srgbClr val="FFFFFF"/>
-                        </a:solidFill>
-                        <a:effectLst/>
-                        <a:latin typeface="Calibri" panose="020F0502020204030204" pitchFamily="34" charset="0"/>
-                      </a:endParaRPr>
-                    </a:p>
-                  </a:txBody>
-                  <a:tcPr marL="3810" marR="3810" marT="3810" marB="0" anchor="b"/>
-                </a:tc>
-                <a:extLst>
-                  <a:ext uri="{0D108BD9-81ED-4DB2-BD59-A6C34878D82A}">
-                    <a16:rowId xmlns:a16="http://schemas.microsoft.com/office/drawing/2014/main" val="1878350491"/>
-                  </a:ext>
-                </a:extLst>
-              </a:tr>
-              <a:tr h="182880">
-                <a:tc>
-                  <a:txBody>
-                    <a:bodyPr/>
-                    <a:lstStyle/>
-                    <a:p>
-                      <a:pPr algn="ctr" fontAlgn="b"/>
-                      <a:r>
-                        <a:rPr lang="en-US" sz="1100" u="none" strike="noStrike">
-                          <a:effectLst/>
-                        </a:rPr>
-                        <a:t>40</a:t>
-                      </a:r>
-                      <a:endParaRPr lang="en-US" sz="1100" b="0" i="0" u="none" strike="noStrike">
-                        <a:solidFill>
-                          <a:srgbClr val="FFFFFF"/>
-                        </a:solidFill>
-                        <a:effectLst/>
-                        <a:latin typeface="Calibri" panose="020F0502020204030204" pitchFamily="34" charset="0"/>
-                      </a:endParaRPr>
-                    </a:p>
-                  </a:txBody>
-                  <a:tcPr marL="3810" marR="3810" marT="3810" marB="0" anchor="b"/>
-                </a:tc>
-                <a:extLst>
-                  <a:ext uri="{0D108BD9-81ED-4DB2-BD59-A6C34878D82A}">
-                    <a16:rowId xmlns:a16="http://schemas.microsoft.com/office/drawing/2014/main" val="146893355"/>
-                  </a:ext>
-                </a:extLst>
-              </a:tr>
-              <a:tr h="182880">
-                <a:tc>
-                  <a:txBody>
-                    <a:bodyPr/>
-                    <a:lstStyle/>
-                    <a:p>
-                      <a:pPr algn="ctr" fontAlgn="b"/>
-                      <a:r>
-                        <a:rPr lang="en-US" sz="1100" u="none" strike="noStrike">
-                          <a:effectLst/>
-                        </a:rPr>
-                        <a:t>42</a:t>
-                      </a:r>
-                      <a:endParaRPr lang="en-US" sz="1100" b="0" i="0" u="none" strike="noStrike">
-                        <a:solidFill>
-                          <a:srgbClr val="FFFFFF"/>
-                        </a:solidFill>
-                        <a:effectLst/>
-                        <a:latin typeface="Calibri" panose="020F0502020204030204" pitchFamily="34" charset="0"/>
-                      </a:endParaRPr>
-                    </a:p>
-                  </a:txBody>
-                  <a:tcPr marL="3810" marR="3810" marT="3810" marB="0" anchor="b"/>
-                </a:tc>
-                <a:extLst>
-                  <a:ext uri="{0D108BD9-81ED-4DB2-BD59-A6C34878D82A}">
-                    <a16:rowId xmlns:a16="http://schemas.microsoft.com/office/drawing/2014/main" val="186110855"/>
-                  </a:ext>
-                </a:extLst>
-              </a:tr>
-              <a:tr h="182880">
-                <a:tc>
-                  <a:txBody>
-                    <a:bodyPr/>
-                    <a:lstStyle/>
-                    <a:p>
-                      <a:pPr algn="ctr" fontAlgn="b"/>
-                      <a:r>
-                        <a:rPr lang="en-US" sz="1100" u="none" strike="noStrike">
-                          <a:effectLst/>
-                        </a:rPr>
-                        <a:t>49</a:t>
-                      </a:r>
-                      <a:endParaRPr lang="en-US" sz="1100" b="0" i="0" u="none" strike="noStrike">
-                        <a:solidFill>
-                          <a:srgbClr val="FFFFFF"/>
-                        </a:solidFill>
-                        <a:effectLst/>
-                        <a:latin typeface="Calibri" panose="020F0502020204030204" pitchFamily="34" charset="0"/>
-                      </a:endParaRPr>
-                    </a:p>
-                  </a:txBody>
-                  <a:tcPr marL="3810" marR="3810" marT="3810" marB="0" anchor="b"/>
-                </a:tc>
-                <a:extLst>
-                  <a:ext uri="{0D108BD9-81ED-4DB2-BD59-A6C34878D82A}">
-                    <a16:rowId xmlns:a16="http://schemas.microsoft.com/office/drawing/2014/main" val="812763657"/>
-                  </a:ext>
-                </a:extLst>
-              </a:tr>
-              <a:tr h="182880">
-                <a:tc>
-                  <a:txBody>
-                    <a:bodyPr/>
-                    <a:lstStyle/>
-                    <a:p>
-                      <a:pPr algn="ctr" fontAlgn="b"/>
-                      <a:r>
-                        <a:rPr lang="en-US" sz="1100" u="none" strike="noStrike">
-                          <a:effectLst/>
-                        </a:rPr>
-                        <a:t>14</a:t>
-                      </a:r>
-                      <a:endParaRPr lang="en-US" sz="1100" b="0" i="0" u="none" strike="noStrike">
-                        <a:solidFill>
-                          <a:srgbClr val="FFFFFF"/>
-                        </a:solidFill>
-                        <a:effectLst/>
-                        <a:latin typeface="Calibri" panose="020F0502020204030204" pitchFamily="34" charset="0"/>
-                      </a:endParaRPr>
-                    </a:p>
-                  </a:txBody>
-                  <a:tcPr marL="3810" marR="3810" marT="3810" marB="0" anchor="b"/>
-                </a:tc>
-                <a:extLst>
-                  <a:ext uri="{0D108BD9-81ED-4DB2-BD59-A6C34878D82A}">
-                    <a16:rowId xmlns:a16="http://schemas.microsoft.com/office/drawing/2014/main" val="1283339956"/>
+                    <a16:rowId xmlns:a16="http://schemas.microsoft.com/office/drawing/2014/main" val="504673209"/>
                   </a:ext>
                 </a:extLst>
               </a:tr>
@@ -8825,7 +9985,7 @@
                 </a:tc>
                 <a:extLst>
                   <a:ext uri="{0D108BD9-81ED-4DB2-BD59-A6C34878D82A}">
-                    <a16:rowId xmlns:a16="http://schemas.microsoft.com/office/drawing/2014/main" val="146340126"/>
+                    <a16:rowId xmlns:a16="http://schemas.microsoft.com/office/drawing/2014/main" val="1910241715"/>
                   </a:ext>
                 </a:extLst>
               </a:tr>
@@ -8835,108 +9995,10 @@
       </p:graphicFrame>
       <p:cxnSp>
         <p:nvCxnSpPr>
-          <p:cNvPr id="68" name="Connector: Curved 67">
-            <a:extLst>
-              <a:ext uri="{FF2B5EF4-FFF2-40B4-BE49-F238E27FC236}">
-                <a16:creationId xmlns:a16="http://schemas.microsoft.com/office/drawing/2014/main" id="{395B4174-1B9F-4378-9069-669B987EED14}"/>
-              </a:ext>
-            </a:extLst>
-          </p:cNvPr>
-          <p:cNvCxnSpPr>
-            <a:cxnSpLocks/>
-          </p:cNvCxnSpPr>
-          <p:nvPr/>
-        </p:nvCxnSpPr>
-        <p:spPr>
-          <a:xfrm rot="16200000" flipH="1">
-            <a:off x="7073130" y="1703002"/>
-            <a:ext cx="415251" cy="3126914"/>
-          </a:xfrm>
-          <a:prstGeom prst="curvedConnector4">
-            <a:avLst>
-              <a:gd name="adj1" fmla="val -55051"/>
-              <a:gd name="adj2" fmla="val 86657"/>
-            </a:avLst>
-          </a:prstGeom>
-          <a:ln w="28575">
-            <a:solidFill>
-              <a:schemeClr val="accent2">
-                <a:lumMod val="75000"/>
-              </a:schemeClr>
-            </a:solidFill>
-            <a:tailEnd type="triangle"/>
-          </a:ln>
-        </p:spPr>
-        <p:style>
-          <a:lnRef idx="1">
-            <a:schemeClr val="accent1"/>
-          </a:lnRef>
-          <a:fillRef idx="0">
-            <a:schemeClr val="accent1"/>
-          </a:fillRef>
-          <a:effectRef idx="0">
-            <a:schemeClr val="accent1"/>
-          </a:effectRef>
-          <a:fontRef idx="minor">
-            <a:schemeClr val="tx1"/>
-          </a:fontRef>
-        </p:style>
-      </p:cxnSp>
-      <p:cxnSp>
-        <p:nvCxnSpPr>
-          <p:cNvPr id="72" name="Connector: Curved 71">
-            <a:extLst>
-              <a:ext uri="{FF2B5EF4-FFF2-40B4-BE49-F238E27FC236}">
-                <a16:creationId xmlns:a16="http://schemas.microsoft.com/office/drawing/2014/main" id="{96FC8003-8BA7-4E44-894F-A392B992E02C}"/>
-              </a:ext>
-            </a:extLst>
-          </p:cNvPr>
-          <p:cNvCxnSpPr>
-            <a:cxnSpLocks/>
-            <a:stCxn id="8" idx="6"/>
-          </p:cNvCxnSpPr>
-          <p:nvPr/>
-        </p:nvCxnSpPr>
-        <p:spPr>
-          <a:xfrm>
-            <a:off x="6895848" y="3219879"/>
-            <a:ext cx="1990833" cy="482627"/>
-          </a:xfrm>
-          <a:prstGeom prst="curvedConnector3">
-            <a:avLst>
-              <a:gd name="adj1" fmla="val 29689"/>
-            </a:avLst>
-          </a:prstGeom>
-          <a:ln w="28575">
-            <a:solidFill>
-              <a:schemeClr val="accent2">
-                <a:lumMod val="75000"/>
-              </a:schemeClr>
-            </a:solidFill>
-            <a:tailEnd type="triangle"/>
-          </a:ln>
-        </p:spPr>
-        <p:style>
-          <a:lnRef idx="1">
-            <a:schemeClr val="accent1"/>
-          </a:lnRef>
-          <a:fillRef idx="0">
-            <a:schemeClr val="accent1"/>
-          </a:fillRef>
-          <a:effectRef idx="0">
-            <a:schemeClr val="accent1"/>
-          </a:effectRef>
-          <a:fontRef idx="minor">
-            <a:schemeClr val="tx1"/>
-          </a:fontRef>
-        </p:style>
-      </p:cxnSp>
-      <p:cxnSp>
-        <p:nvCxnSpPr>
-          <p:cNvPr id="77" name="Connector: Curved 76">
-            <a:extLst>
-              <a:ext uri="{FF2B5EF4-FFF2-40B4-BE49-F238E27FC236}">
-                <a16:creationId xmlns:a16="http://schemas.microsoft.com/office/drawing/2014/main" id="{7D190A56-CB15-41AC-8681-9D770D637188}"/>
+          <p:cNvPr id="22" name="Connector: Curved 21">
+            <a:extLst>
+              <a:ext uri="{FF2B5EF4-FFF2-40B4-BE49-F238E27FC236}">
+                <a16:creationId xmlns:a16="http://schemas.microsoft.com/office/drawing/2014/main" id="{1BB75388-CB6D-4237-9415-BA7792088C13}"/>
               </a:ext>
             </a:extLst>
           </p:cNvPr>
@@ -8947,160 +10009,12 @@
           <p:nvPr/>
         </p:nvCxnSpPr>
         <p:spPr>
-          <a:xfrm rot="16200000" flipH="1">
-            <a:off x="7265506" y="2275742"/>
-            <a:ext cx="30494" cy="3126918"/>
+          <a:xfrm rot="5400000" flipH="1" flipV="1">
+            <a:off x="6788504" y="2320940"/>
+            <a:ext cx="431805" cy="2574224"/>
           </a:xfrm>
-          <a:prstGeom prst="curvedConnector4">
-            <a:avLst>
-              <a:gd name="adj1" fmla="val -749656"/>
-              <a:gd name="adj2" fmla="val 51242"/>
-            </a:avLst>
-          </a:prstGeom>
-          <a:ln w="28575">
-            <a:solidFill>
-              <a:schemeClr val="accent2">
-                <a:lumMod val="75000"/>
-              </a:schemeClr>
-            </a:solidFill>
-            <a:tailEnd type="triangle"/>
-          </a:ln>
-        </p:spPr>
-        <p:style>
-          <a:lnRef idx="1">
-            <a:schemeClr val="accent1"/>
-          </a:lnRef>
-          <a:fillRef idx="0">
-            <a:schemeClr val="accent1"/>
-          </a:fillRef>
-          <a:effectRef idx="0">
-            <a:schemeClr val="accent1"/>
-          </a:effectRef>
-          <a:fontRef idx="minor">
-            <a:schemeClr val="tx1"/>
-          </a:fontRef>
-        </p:style>
-      </p:cxnSp>
-      <p:cxnSp>
-        <p:nvCxnSpPr>
-          <p:cNvPr id="79" name="Connector: Curved 78">
-            <a:extLst>
-              <a:ext uri="{FF2B5EF4-FFF2-40B4-BE49-F238E27FC236}">
-                <a16:creationId xmlns:a16="http://schemas.microsoft.com/office/drawing/2014/main" id="{B64AAA1B-D6B2-45BC-9FA3-9C1F08CC7478}"/>
-              </a:ext>
-            </a:extLst>
-          </p:cNvPr>
-          <p:cNvCxnSpPr>
-            <a:cxnSpLocks/>
-            <a:stCxn id="10" idx="6"/>
-          </p:cNvCxnSpPr>
-          <p:nvPr/>
-        </p:nvCxnSpPr>
-        <p:spPr>
-          <a:xfrm>
-            <a:off x="6895847" y="3995956"/>
-            <a:ext cx="1990834" cy="56418"/>
-          </a:xfrm>
-          <a:prstGeom prst="curvedConnector3">
-            <a:avLst>
-              <a:gd name="adj1" fmla="val 50000"/>
-            </a:avLst>
-          </a:prstGeom>
-          <a:ln w="28575">
-            <a:solidFill>
-              <a:schemeClr val="accent2">
-                <a:lumMod val="75000"/>
-              </a:schemeClr>
-            </a:solidFill>
-            <a:tailEnd type="triangle"/>
-          </a:ln>
-        </p:spPr>
-        <p:style>
-          <a:lnRef idx="1">
-            <a:schemeClr val="accent1"/>
-          </a:lnRef>
-          <a:fillRef idx="0">
-            <a:schemeClr val="accent1"/>
-          </a:fillRef>
-          <a:effectRef idx="0">
-            <a:schemeClr val="accent1"/>
-          </a:effectRef>
-          <a:fontRef idx="minor">
-            <a:schemeClr val="tx1"/>
-          </a:fontRef>
-        </p:style>
-      </p:cxnSp>
-      <p:cxnSp>
-        <p:nvCxnSpPr>
-          <p:cNvPr id="82" name="Connector: Curved 81">
-            <a:extLst>
-              <a:ext uri="{FF2B5EF4-FFF2-40B4-BE49-F238E27FC236}">
-                <a16:creationId xmlns:a16="http://schemas.microsoft.com/office/drawing/2014/main" id="{918314CD-5826-496F-8512-96460082F296}"/>
-              </a:ext>
-            </a:extLst>
-          </p:cNvPr>
-          <p:cNvCxnSpPr>
-            <a:cxnSpLocks/>
-          </p:cNvCxnSpPr>
-          <p:nvPr/>
-        </p:nvCxnSpPr>
-        <p:spPr>
-          <a:xfrm flipV="1">
-            <a:off x="5792694" y="4204316"/>
-            <a:ext cx="3084565" cy="429869"/>
-          </a:xfrm>
-          <a:prstGeom prst="curvedConnector3">
-            <a:avLst>
-              <a:gd name="adj1" fmla="val 18419"/>
-            </a:avLst>
-          </a:prstGeom>
-          <a:ln w="28575">
-            <a:solidFill>
-              <a:schemeClr val="accent2">
-                <a:lumMod val="75000"/>
-              </a:schemeClr>
-            </a:solidFill>
-            <a:tailEnd type="triangle"/>
-          </a:ln>
-        </p:spPr>
-        <p:style>
-          <a:lnRef idx="1">
-            <a:schemeClr val="accent1"/>
-          </a:lnRef>
-          <a:fillRef idx="0">
-            <a:schemeClr val="accent1"/>
-          </a:fillRef>
-          <a:effectRef idx="0">
-            <a:schemeClr val="accent1"/>
-          </a:effectRef>
-          <a:fontRef idx="minor">
-            <a:schemeClr val="tx1"/>
-          </a:fontRef>
-        </p:style>
-      </p:cxnSp>
-      <p:cxnSp>
-        <p:nvCxnSpPr>
-          <p:cNvPr id="86" name="Connector: Curved 85">
-            <a:extLst>
-              <a:ext uri="{FF2B5EF4-FFF2-40B4-BE49-F238E27FC236}">
-                <a16:creationId xmlns:a16="http://schemas.microsoft.com/office/drawing/2014/main" id="{9A622E61-23DF-45F1-8649-5B2981405FC9}"/>
-              </a:ext>
-            </a:extLst>
-          </p:cNvPr>
-          <p:cNvCxnSpPr>
-            <a:cxnSpLocks/>
-          </p:cNvCxnSpPr>
-          <p:nvPr/>
-        </p:nvCxnSpPr>
-        <p:spPr>
-          <a:xfrm flipV="1">
-            <a:off x="6893579" y="4391148"/>
-            <a:ext cx="1983682" cy="394979"/>
-          </a:xfrm>
-          <a:prstGeom prst="curvedConnector3">
-            <a:avLst>
-              <a:gd name="adj1" fmla="val 50000"/>
-            </a:avLst>
+          <a:prstGeom prst="curvedConnector2">
+            <a:avLst/>
           </a:prstGeom>
           <a:ln w="28575">
             <a:solidFill>
@@ -9128,10 +10042,10 @@
       </p:cxnSp>
       <p:graphicFrame>
         <p:nvGraphicFramePr>
-          <p:cNvPr id="89" name="Table 88">
-            <a:extLst>
-              <a:ext uri="{FF2B5EF4-FFF2-40B4-BE49-F238E27FC236}">
-                <a16:creationId xmlns:a16="http://schemas.microsoft.com/office/drawing/2014/main" id="{315CB4C4-D04A-49A8-AD71-C8819EF511CF}"/>
+          <p:cNvPr id="25" name="Table 24">
+            <a:extLst>
+              <a:ext uri="{FF2B5EF4-FFF2-40B4-BE49-F238E27FC236}">
+                <a16:creationId xmlns:a16="http://schemas.microsoft.com/office/drawing/2014/main" id="{0813808E-CA99-4283-9692-B02100B4612F}"/>
               </a:ext>
             </a:extLst>
           </p:cNvPr>
@@ -9141,14 +10055,14 @@
           <p:nvPr>
             <p:extLst>
               <p:ext uri="{D42A27DB-BD31-4B8C-83A1-F6EECF244321}">
-                <p14:modId xmlns:p14="http://schemas.microsoft.com/office/powerpoint/2010/main" val="501467906"/>
+                <p14:modId xmlns:p14="http://schemas.microsoft.com/office/powerpoint/2010/main" val="1125239138"/>
               </p:ext>
             </p:extLst>
           </p:nvPr>
         </p:nvGraphicFramePr>
         <p:xfrm>
-          <a:off x="1070085" y="2786254"/>
-          <a:ext cx="3086100" cy="365760"/>
+          <a:off x="7859119" y="4547750"/>
+          <a:ext cx="3517900" cy="365760"/>
         </p:xfrm>
         <a:graphic>
           <a:graphicData uri="http://schemas.openxmlformats.org/drawingml/2006/table">
@@ -9160,14 +10074,21 @@
                 <a:gridCol w="1333500">
                   <a:extLst>
                     <a:ext uri="{9D8B030D-6E8A-4147-A177-3AD203B41FA5}">
-                      <a16:colId xmlns:a16="http://schemas.microsoft.com/office/drawing/2014/main" val="1462700156"/>
+                      <a16:colId xmlns:a16="http://schemas.microsoft.com/office/drawing/2014/main" val="967271238"/>
                     </a:ext>
                   </a:extLst>
                 </a:gridCol>
-                <a:gridCol w="1752600">
+                <a:gridCol w="1308100">
                   <a:extLst>
                     <a:ext uri="{9D8B030D-6E8A-4147-A177-3AD203B41FA5}">
-                      <a16:colId xmlns:a16="http://schemas.microsoft.com/office/drawing/2014/main" val="3264519394"/>
+                      <a16:colId xmlns:a16="http://schemas.microsoft.com/office/drawing/2014/main" val="202140965"/>
+                    </a:ext>
+                  </a:extLst>
+                </a:gridCol>
+                <a:gridCol w="876300">
+                  <a:extLst>
+                    <a:ext uri="{9D8B030D-6E8A-4147-A177-3AD203B41FA5}">
+                      <a16:colId xmlns:a16="http://schemas.microsoft.com/office/drawing/2014/main" val="1047317615"/>
                     </a:ext>
                   </a:extLst>
                 </a:gridCol>
@@ -9180,21 +10101,17 @@
                     <a:p>
                       <a:pPr algn="ctr" fontAlgn="b"/>
                       <a:r>
-                        <a:rPr lang="en-US" sz="1100" u="none" strike="sngStrike" baseline="0" dirty="0">
+                        <a:rPr lang="en-US" sz="1100" b="1" u="none" strike="noStrike">
                           <a:solidFill>
-                            <a:schemeClr val="bg2">
-                              <a:lumMod val="50000"/>
-                            </a:schemeClr>
+                            <a:srgbClr val="FF0000"/>
                           </a:solidFill>
                           <a:effectLst/>
                         </a:rPr>
-                        <a:t>1 Core</a:t>
+                        <a:t>Parallel Instructions</a:t>
                       </a:r>
-                      <a:endParaRPr lang="en-US" sz="1100" b="0" i="0" u="none" strike="sngStrike" baseline="0" dirty="0">
+                      <a:endParaRPr lang="en-US" sz="1100" b="1" i="0" u="none" strike="noStrike">
                         <a:solidFill>
-                          <a:schemeClr val="bg2">
-                            <a:lumMod val="50000"/>
-                          </a:schemeClr>
+                          <a:srgbClr val="FF0000"/>
                         </a:solidFill>
                         <a:effectLst/>
                         <a:latin typeface="Calibri" panose="020F0502020204030204" pitchFamily="34" charset="0"/>
@@ -9210,741 +10127,17 @@
                     <a:p>
                       <a:pPr algn="ctr" fontAlgn="b"/>
                       <a:r>
-                        <a:rPr lang="en-US" sz="1100" u="none" strike="sngStrike" baseline="0">
+                        <a:rPr lang="en-US" sz="1100" b="1" u="none" strike="noStrike">
                           <a:solidFill>
-                            <a:schemeClr val="bg2">
-                              <a:lumMod val="50000"/>
-                            </a:schemeClr>
+                            <a:srgbClr val="FF0000"/>
                           </a:solidFill>
                           <a:effectLst/>
                         </a:rPr>
-                        <a:t>Serial instructions:</a:t>
+                        <a:t>Parallel Instructions</a:t>
                       </a:r>
-                      <a:endParaRPr lang="en-US" sz="1100" b="0" i="0" u="none" strike="sngStrike" baseline="0">
+                      <a:endParaRPr lang="en-US" sz="1100" b="1" i="0" u="none" strike="noStrike">
                         <a:solidFill>
-                          <a:schemeClr val="bg2">
-                            <a:lumMod val="50000"/>
-                          </a:schemeClr>
-                        </a:solidFill>
-                        <a:effectLst/>
-                        <a:latin typeface="Calibri" panose="020F0502020204030204" pitchFamily="34" charset="0"/>
-                      </a:endParaRPr>
-                    </a:p>
-                  </a:txBody>
-                  <a:tcPr marL="3810" marR="3810" marT="3810" marB="0" anchor="b"/>
-                </a:tc>
-                <a:extLst>
-                  <a:ext uri="{0D108BD9-81ED-4DB2-BD59-A6C34878D82A}">
-                    <a16:rowId xmlns:a16="http://schemas.microsoft.com/office/drawing/2014/main" val="1601506200"/>
-                  </a:ext>
-                </a:extLst>
-              </a:tr>
-              <a:tr h="182880">
-                <a:tc>
-                  <a:txBody>
-                    <a:bodyPr/>
-                    <a:lstStyle/>
-                    <a:p>
-                      <a:pPr algn="ctr" fontAlgn="b"/>
-                      <a:r>
-                        <a:rPr lang="en-US" sz="1100" u="none" strike="sngStrike" baseline="0" dirty="0">
-                          <a:solidFill>
-                            <a:schemeClr val="bg2">
-                              <a:lumMod val="50000"/>
-                            </a:schemeClr>
-                          </a:solidFill>
-                          <a:effectLst/>
-                        </a:rPr>
-                        <a:t>Multiples of Bunnies =</a:t>
-                      </a:r>
-                      <a:endParaRPr lang="en-US" sz="1100" b="0" i="0" u="none" strike="sngStrike" baseline="0" dirty="0">
-                        <a:solidFill>
-                          <a:schemeClr val="bg2">
-                            <a:lumMod val="50000"/>
-                          </a:schemeClr>
-                        </a:solidFill>
-                        <a:effectLst/>
-                        <a:latin typeface="Calibri" panose="020F0502020204030204" pitchFamily="34" charset="0"/>
-                      </a:endParaRPr>
-                    </a:p>
-                  </a:txBody>
-                  <a:tcPr marL="3810" marR="3810" marT="3810" marB="0" anchor="b"/>
-                </a:tc>
-                <a:tc>
-                  <a:txBody>
-                    <a:bodyPr/>
-                    <a:lstStyle/>
-                    <a:p>
-                      <a:pPr algn="ctr" fontAlgn="b"/>
-                      <a:r>
-                        <a:rPr lang="en-US" sz="1100" u="none" strike="sngStrike" baseline="0" dirty="0">
-                          <a:solidFill>
-                            <a:schemeClr val="bg2">
-                              <a:lumMod val="50000"/>
-                            </a:schemeClr>
-                          </a:solidFill>
-                          <a:effectLst/>
-                        </a:rPr>
-                        <a:t>2*8*6*7*5*7*2*8*6*7*5*7=</a:t>
-                      </a:r>
-                      <a:endParaRPr lang="en-US" sz="1100" b="0" i="0" u="none" strike="sngStrike" baseline="0" dirty="0">
-                        <a:solidFill>
-                          <a:schemeClr val="bg2">
-                            <a:lumMod val="50000"/>
-                          </a:schemeClr>
-                        </a:solidFill>
-                        <a:effectLst/>
-                        <a:latin typeface="Calibri" panose="020F0502020204030204" pitchFamily="34" charset="0"/>
-                      </a:endParaRPr>
-                    </a:p>
-                  </a:txBody>
-                  <a:tcPr marL="3810" marR="3810" marT="3810" marB="0" anchor="b"/>
-                </a:tc>
-                <a:extLst>
-                  <a:ext uri="{0D108BD9-81ED-4DB2-BD59-A6C34878D82A}">
-                    <a16:rowId xmlns:a16="http://schemas.microsoft.com/office/drawing/2014/main" val="3572360309"/>
-                  </a:ext>
-                </a:extLst>
-              </a:tr>
-            </a:tbl>
-          </a:graphicData>
-        </a:graphic>
-      </p:graphicFrame>
-    </p:spTree>
-    <p:extLst>
-      <p:ext uri="{BB962C8B-B14F-4D97-AF65-F5344CB8AC3E}">
-        <p14:creationId xmlns:p14="http://schemas.microsoft.com/office/powerpoint/2010/main" val="3351446282"/>
-      </p:ext>
-    </p:extLst>
-  </p:cSld>
-  <p:clrMapOvr>
-    <a:masterClrMapping/>
-  </p:clrMapOvr>
-</p:sld>
-</file>
-
-<file path=ppt/slides/slide7.xml><?xml version="1.0" encoding="utf-8"?>
-<p:sld xmlns:a="http://schemas.openxmlformats.org/drawingml/2006/main" xmlns:r="http://schemas.openxmlformats.org/officeDocument/2006/relationships" xmlns:p="http://schemas.openxmlformats.org/presentationml/2006/main">
-  <p:cSld>
-    <p:spTree>
-      <p:nvGrpSpPr>
-        <p:cNvPr id="1" name=""/>
-        <p:cNvGrpSpPr/>
-        <p:nvPr/>
-      </p:nvGrpSpPr>
-      <p:grpSpPr>
-        <a:xfrm>
-          <a:off x="0" y="0"/>
-          <a:ext cx="0" cy="0"/>
-          <a:chOff x="0" y="0"/>
-          <a:chExt cx="0" cy="0"/>
-        </a:xfrm>
-      </p:grpSpPr>
-      <p:sp>
-        <p:nvSpPr>
-          <p:cNvPr id="2" name="Title 1">
-            <a:extLst>
-              <a:ext uri="{FF2B5EF4-FFF2-40B4-BE49-F238E27FC236}">
-                <a16:creationId xmlns:a16="http://schemas.microsoft.com/office/drawing/2014/main" id="{C23EAF31-1BD4-45EE-9B12-BC14F7D54307}"/>
-              </a:ext>
-            </a:extLst>
-          </p:cNvPr>
-          <p:cNvSpPr>
-            <a:spLocks noGrp="1"/>
-          </p:cNvSpPr>
-          <p:nvPr>
-            <p:ph type="title"/>
-          </p:nvPr>
-        </p:nvSpPr>
-        <p:spPr/>
-        <p:txBody>
-          <a:bodyPr/>
-          <a:lstStyle/>
-          <a:p>
-            <a:r>
-              <a:rPr lang="en-US" dirty="0"/>
-              <a:t>Parallel Processing</a:t>
-            </a:r>
-          </a:p>
-        </p:txBody>
-      </p:sp>
-      <p:sp>
-        <p:nvSpPr>
-          <p:cNvPr id="3" name="Content Placeholder 2">
-            <a:extLst>
-              <a:ext uri="{FF2B5EF4-FFF2-40B4-BE49-F238E27FC236}">
-                <a16:creationId xmlns:a16="http://schemas.microsoft.com/office/drawing/2014/main" id="{3A61812F-E008-4811-8823-E7459E60F548}"/>
-              </a:ext>
-            </a:extLst>
-          </p:cNvPr>
-          <p:cNvSpPr>
-            <a:spLocks noGrp="1"/>
-          </p:cNvSpPr>
-          <p:nvPr>
-            <p:ph idx="1"/>
-          </p:nvPr>
-        </p:nvSpPr>
-        <p:spPr/>
-        <p:txBody>
-          <a:bodyPr/>
-          <a:lstStyle/>
-          <a:p>
-            <a:pPr marL="0" indent="0">
-              <a:buNone/>
-            </a:pPr>
-            <a:r>
-              <a:rPr lang="en-US" dirty="0"/>
-              <a:t>1 More Step</a:t>
-            </a:r>
-          </a:p>
-        </p:txBody>
-      </p:sp>
-      <p:grpSp>
-        <p:nvGrpSpPr>
-          <p:cNvPr id="5" name="Group 4">
-            <a:extLst>
-              <a:ext uri="{FF2B5EF4-FFF2-40B4-BE49-F238E27FC236}">
-                <a16:creationId xmlns:a16="http://schemas.microsoft.com/office/drawing/2014/main" id="{C3F210F0-301F-4369-8EC5-3CDB5E98AD25}"/>
-              </a:ext>
-            </a:extLst>
-          </p:cNvPr>
-          <p:cNvGrpSpPr/>
-          <p:nvPr/>
-        </p:nvGrpSpPr>
-        <p:grpSpPr>
-          <a:xfrm>
-            <a:off x="4798745" y="2626747"/>
-            <a:ext cx="2594510" cy="2749094"/>
-            <a:chOff x="5447924" y="3151100"/>
-            <a:chExt cx="1929653" cy="2127624"/>
-          </a:xfrm>
-        </p:grpSpPr>
-        <p:sp>
-          <p:nvSpPr>
-            <p:cNvPr id="6" name="Rectangle 5">
-              <a:extLst>
-                <a:ext uri="{FF2B5EF4-FFF2-40B4-BE49-F238E27FC236}">
-                  <a16:creationId xmlns:a16="http://schemas.microsoft.com/office/drawing/2014/main" id="{E2756E32-F5A5-4306-8AA3-8A33C9D7531F}"/>
-                </a:ext>
-              </a:extLst>
-            </p:cNvPr>
-            <p:cNvSpPr/>
-            <p:nvPr/>
-          </p:nvSpPr>
-          <p:spPr>
-            <a:xfrm>
-              <a:off x="5447924" y="3151100"/>
-              <a:ext cx="1929653" cy="2127624"/>
-            </a:xfrm>
-            <a:prstGeom prst="rect">
-              <a:avLst/>
-            </a:prstGeom>
-          </p:spPr>
-          <p:style>
-            <a:lnRef idx="2">
-              <a:schemeClr val="accent1">
-                <a:shade val="50000"/>
-              </a:schemeClr>
-            </a:lnRef>
-            <a:fillRef idx="1">
-              <a:schemeClr val="accent1"/>
-            </a:fillRef>
-            <a:effectRef idx="0">
-              <a:schemeClr val="accent1"/>
-            </a:effectRef>
-            <a:fontRef idx="minor">
-              <a:schemeClr val="lt1"/>
-            </a:fontRef>
-          </p:style>
-          <p:txBody>
-            <a:bodyPr rtlCol="0" anchor="ctr"/>
-            <a:lstStyle/>
-            <a:p>
-              <a:pPr algn="ctr"/>
-              <a:endParaRPr lang="en-US"/>
-            </a:p>
-          </p:txBody>
-        </p:sp>
-        <p:sp>
-          <p:nvSpPr>
-            <p:cNvPr id="7" name="Oval 6">
-              <a:extLst>
-                <a:ext uri="{FF2B5EF4-FFF2-40B4-BE49-F238E27FC236}">
-                  <a16:creationId xmlns:a16="http://schemas.microsoft.com/office/drawing/2014/main" id="{F36B273B-2E6F-401B-8BE9-DE0E8CD8080A}"/>
-                </a:ext>
-              </a:extLst>
-            </p:cNvPr>
-            <p:cNvSpPr/>
-            <p:nvPr/>
-          </p:nvSpPr>
-          <p:spPr>
-            <a:xfrm>
-              <a:off x="5794410" y="3421888"/>
-              <a:ext cx="394447" cy="376517"/>
-            </a:xfrm>
-            <a:prstGeom prst="ellipse">
-              <a:avLst/>
-            </a:prstGeom>
-            <a:solidFill>
-              <a:schemeClr val="accent4">
-                <a:lumMod val="60000"/>
-                <a:lumOff val="40000"/>
-              </a:schemeClr>
-            </a:solidFill>
-          </p:spPr>
-          <p:style>
-            <a:lnRef idx="2">
-              <a:schemeClr val="accent1">
-                <a:shade val="50000"/>
-              </a:schemeClr>
-            </a:lnRef>
-            <a:fillRef idx="1">
-              <a:schemeClr val="accent1"/>
-            </a:fillRef>
-            <a:effectRef idx="0">
-              <a:schemeClr val="accent1"/>
-            </a:effectRef>
-            <a:fontRef idx="minor">
-              <a:schemeClr val="lt1"/>
-            </a:fontRef>
-          </p:style>
-          <p:txBody>
-            <a:bodyPr rtlCol="0" anchor="ctr"/>
-            <a:lstStyle/>
-            <a:p>
-              <a:pPr algn="ctr"/>
-              <a:r>
-                <a:rPr lang="en-US" dirty="0">
-                  <a:solidFill>
-                    <a:schemeClr val="accent4">
-                      <a:lumMod val="50000"/>
-                    </a:schemeClr>
-                  </a:solidFill>
-                </a:rPr>
-                <a:t>1</a:t>
-              </a:r>
-            </a:p>
-          </p:txBody>
-        </p:sp>
-        <p:sp>
-          <p:nvSpPr>
-            <p:cNvPr id="8" name="Oval 7">
-              <a:extLst>
-                <a:ext uri="{FF2B5EF4-FFF2-40B4-BE49-F238E27FC236}">
-                  <a16:creationId xmlns:a16="http://schemas.microsoft.com/office/drawing/2014/main" id="{A5926C6F-5BC4-49AB-90C0-BF086DF37BD3}"/>
-                </a:ext>
-              </a:extLst>
-            </p:cNvPr>
-            <p:cNvSpPr/>
-            <p:nvPr/>
-          </p:nvSpPr>
-          <p:spPr>
-            <a:xfrm>
-              <a:off x="6613186" y="3421888"/>
-              <a:ext cx="394447" cy="376517"/>
-            </a:xfrm>
-            <a:prstGeom prst="ellipse">
-              <a:avLst/>
-            </a:prstGeom>
-            <a:solidFill>
-              <a:schemeClr val="accent4">
-                <a:lumMod val="60000"/>
-                <a:lumOff val="40000"/>
-              </a:schemeClr>
-            </a:solidFill>
-          </p:spPr>
-          <p:style>
-            <a:lnRef idx="2">
-              <a:schemeClr val="accent1">
-                <a:shade val="50000"/>
-              </a:schemeClr>
-            </a:lnRef>
-            <a:fillRef idx="1">
-              <a:schemeClr val="accent1"/>
-            </a:fillRef>
-            <a:effectRef idx="0">
-              <a:schemeClr val="accent1"/>
-            </a:effectRef>
-            <a:fontRef idx="minor">
-              <a:schemeClr val="lt1"/>
-            </a:fontRef>
-          </p:style>
-          <p:txBody>
-            <a:bodyPr rtlCol="0" anchor="ctr"/>
-            <a:lstStyle/>
-            <a:p>
-              <a:pPr algn="ctr"/>
-              <a:r>
-                <a:rPr lang="en-US" dirty="0">
-                  <a:solidFill>
-                    <a:schemeClr val="accent4">
-                      <a:lumMod val="50000"/>
-                    </a:schemeClr>
-                  </a:solidFill>
-                </a:rPr>
-                <a:t>2</a:t>
-              </a:r>
-            </a:p>
-          </p:txBody>
-        </p:sp>
-        <p:sp>
-          <p:nvSpPr>
-            <p:cNvPr id="9" name="Oval 8">
-              <a:extLst>
-                <a:ext uri="{FF2B5EF4-FFF2-40B4-BE49-F238E27FC236}">
-                  <a16:creationId xmlns:a16="http://schemas.microsoft.com/office/drawing/2014/main" id="{2C0142C4-6548-4751-A216-D79C7FE96BDE}"/>
-                </a:ext>
-              </a:extLst>
-            </p:cNvPr>
-            <p:cNvSpPr/>
-            <p:nvPr/>
-          </p:nvSpPr>
-          <p:spPr>
-            <a:xfrm>
-              <a:off x="5794408" y="4022522"/>
-              <a:ext cx="394447" cy="376517"/>
-            </a:xfrm>
-            <a:prstGeom prst="ellipse">
-              <a:avLst/>
-            </a:prstGeom>
-            <a:solidFill>
-              <a:schemeClr val="accent4">
-                <a:lumMod val="60000"/>
-                <a:lumOff val="40000"/>
-              </a:schemeClr>
-            </a:solidFill>
-          </p:spPr>
-          <p:style>
-            <a:lnRef idx="2">
-              <a:schemeClr val="accent1">
-                <a:shade val="50000"/>
-              </a:schemeClr>
-            </a:lnRef>
-            <a:fillRef idx="1">
-              <a:schemeClr val="accent1"/>
-            </a:fillRef>
-            <a:effectRef idx="0">
-              <a:schemeClr val="accent1"/>
-            </a:effectRef>
-            <a:fontRef idx="minor">
-              <a:schemeClr val="lt1"/>
-            </a:fontRef>
-          </p:style>
-          <p:txBody>
-            <a:bodyPr rtlCol="0" anchor="ctr"/>
-            <a:lstStyle/>
-            <a:p>
-              <a:pPr algn="ctr"/>
-              <a:r>
-                <a:rPr lang="en-US" dirty="0">
-                  <a:solidFill>
-                    <a:schemeClr val="accent4">
-                      <a:lumMod val="50000"/>
-                    </a:schemeClr>
-                  </a:solidFill>
-                </a:rPr>
-                <a:t>3</a:t>
-              </a:r>
-            </a:p>
-          </p:txBody>
-        </p:sp>
-        <p:sp>
-          <p:nvSpPr>
-            <p:cNvPr id="10" name="Oval 9">
-              <a:extLst>
-                <a:ext uri="{FF2B5EF4-FFF2-40B4-BE49-F238E27FC236}">
-                  <a16:creationId xmlns:a16="http://schemas.microsoft.com/office/drawing/2014/main" id="{57028D69-760A-4400-9D4A-B9D5D4A475A9}"/>
-                </a:ext>
-              </a:extLst>
-            </p:cNvPr>
-            <p:cNvSpPr/>
-            <p:nvPr/>
-          </p:nvSpPr>
-          <p:spPr>
-            <a:xfrm>
-              <a:off x="6613185" y="4022522"/>
-              <a:ext cx="394447" cy="376517"/>
-            </a:xfrm>
-            <a:prstGeom prst="ellipse">
-              <a:avLst/>
-            </a:prstGeom>
-            <a:solidFill>
-              <a:schemeClr val="accent4">
-                <a:lumMod val="60000"/>
-                <a:lumOff val="40000"/>
-              </a:schemeClr>
-            </a:solidFill>
-          </p:spPr>
-          <p:style>
-            <a:lnRef idx="2">
-              <a:schemeClr val="accent1">
-                <a:shade val="50000"/>
-              </a:schemeClr>
-            </a:lnRef>
-            <a:fillRef idx="1">
-              <a:schemeClr val="accent1"/>
-            </a:fillRef>
-            <a:effectRef idx="0">
-              <a:schemeClr val="accent1"/>
-            </a:effectRef>
-            <a:fontRef idx="minor">
-              <a:schemeClr val="lt1"/>
-            </a:fontRef>
-          </p:style>
-          <p:txBody>
-            <a:bodyPr rtlCol="0" anchor="ctr"/>
-            <a:lstStyle/>
-            <a:p>
-              <a:pPr algn="ctr"/>
-              <a:r>
-                <a:rPr lang="en-US" dirty="0">
-                  <a:solidFill>
-                    <a:schemeClr val="accent4">
-                      <a:lumMod val="50000"/>
-                    </a:schemeClr>
-                  </a:solidFill>
-                </a:rPr>
-                <a:t>4</a:t>
-              </a:r>
-            </a:p>
-          </p:txBody>
-        </p:sp>
-        <p:sp>
-          <p:nvSpPr>
-            <p:cNvPr id="11" name="Oval 10">
-              <a:extLst>
-                <a:ext uri="{FF2B5EF4-FFF2-40B4-BE49-F238E27FC236}">
-                  <a16:creationId xmlns:a16="http://schemas.microsoft.com/office/drawing/2014/main" id="{88FE90D8-F017-41AD-917C-16F3E0CB31EA}"/>
-                </a:ext>
-              </a:extLst>
-            </p:cNvPr>
-            <p:cNvSpPr/>
-            <p:nvPr/>
-          </p:nvSpPr>
-          <p:spPr>
-            <a:xfrm>
-              <a:off x="5794408" y="4623158"/>
-              <a:ext cx="394447" cy="376517"/>
-            </a:xfrm>
-            <a:prstGeom prst="ellipse">
-              <a:avLst/>
-            </a:prstGeom>
-            <a:solidFill>
-              <a:schemeClr val="accent4">
-                <a:lumMod val="60000"/>
-                <a:lumOff val="40000"/>
-              </a:schemeClr>
-            </a:solidFill>
-          </p:spPr>
-          <p:style>
-            <a:lnRef idx="2">
-              <a:schemeClr val="accent1">
-                <a:shade val="50000"/>
-              </a:schemeClr>
-            </a:lnRef>
-            <a:fillRef idx="1">
-              <a:schemeClr val="accent1"/>
-            </a:fillRef>
-            <a:effectRef idx="0">
-              <a:schemeClr val="accent1"/>
-            </a:effectRef>
-            <a:fontRef idx="minor">
-              <a:schemeClr val="lt1"/>
-            </a:fontRef>
-          </p:style>
-          <p:txBody>
-            <a:bodyPr rtlCol="0" anchor="ctr"/>
-            <a:lstStyle/>
-            <a:p>
-              <a:pPr algn="ctr"/>
-              <a:r>
-                <a:rPr lang="en-US" dirty="0">
-                  <a:solidFill>
-                    <a:schemeClr val="accent4">
-                      <a:lumMod val="50000"/>
-                    </a:schemeClr>
-                  </a:solidFill>
-                </a:rPr>
-                <a:t>5</a:t>
-              </a:r>
-            </a:p>
-          </p:txBody>
-        </p:sp>
-        <p:sp>
-          <p:nvSpPr>
-            <p:cNvPr id="12" name="Oval 11">
-              <a:extLst>
-                <a:ext uri="{FF2B5EF4-FFF2-40B4-BE49-F238E27FC236}">
-                  <a16:creationId xmlns:a16="http://schemas.microsoft.com/office/drawing/2014/main" id="{08012994-CE5C-43CE-9E8A-1F9A35D08D3F}"/>
-                </a:ext>
-              </a:extLst>
-            </p:cNvPr>
-            <p:cNvSpPr/>
-            <p:nvPr/>
-          </p:nvSpPr>
-          <p:spPr>
-            <a:xfrm>
-              <a:off x="6613185" y="4623156"/>
-              <a:ext cx="394447" cy="376517"/>
-            </a:xfrm>
-            <a:prstGeom prst="ellipse">
-              <a:avLst/>
-            </a:prstGeom>
-            <a:solidFill>
-              <a:schemeClr val="accent4">
-                <a:lumMod val="60000"/>
-                <a:lumOff val="40000"/>
-              </a:schemeClr>
-            </a:solidFill>
-          </p:spPr>
-          <p:style>
-            <a:lnRef idx="2">
-              <a:schemeClr val="accent1">
-                <a:shade val="50000"/>
-              </a:schemeClr>
-            </a:lnRef>
-            <a:fillRef idx="1">
-              <a:schemeClr val="accent1"/>
-            </a:fillRef>
-            <a:effectRef idx="0">
-              <a:schemeClr val="accent1"/>
-            </a:effectRef>
-            <a:fontRef idx="minor">
-              <a:schemeClr val="lt1"/>
-            </a:fontRef>
-          </p:style>
-          <p:txBody>
-            <a:bodyPr rtlCol="0" anchor="ctr"/>
-            <a:lstStyle/>
-            <a:p>
-              <a:pPr algn="ctr"/>
-              <a:r>
-                <a:rPr lang="en-US" dirty="0">
-                  <a:solidFill>
-                    <a:schemeClr val="accent4">
-                      <a:lumMod val="50000"/>
-                    </a:schemeClr>
-                  </a:solidFill>
-                </a:rPr>
-                <a:t>6</a:t>
-              </a:r>
-            </a:p>
-          </p:txBody>
-        </p:sp>
-      </p:grpSp>
-      <p:cxnSp>
-        <p:nvCxnSpPr>
-          <p:cNvPr id="86" name="Connector: Curved 85">
-            <a:extLst>
-              <a:ext uri="{FF2B5EF4-FFF2-40B4-BE49-F238E27FC236}">
-                <a16:creationId xmlns:a16="http://schemas.microsoft.com/office/drawing/2014/main" id="{9A622E61-23DF-45F1-8649-5B2981405FC9}"/>
-              </a:ext>
-            </a:extLst>
-          </p:cNvPr>
-          <p:cNvCxnSpPr>
-            <a:cxnSpLocks/>
-            <a:stCxn id="13" idx="3"/>
-            <a:endCxn id="7" idx="1"/>
-          </p:cNvCxnSpPr>
-          <p:nvPr/>
-        </p:nvCxnSpPr>
-        <p:spPr>
-          <a:xfrm flipV="1">
-            <a:off x="3975507" y="3047877"/>
-            <a:ext cx="1366773" cy="658229"/>
-          </a:xfrm>
-          <a:prstGeom prst="curvedConnector4">
-            <a:avLst>
-              <a:gd name="adj1" fmla="val 47159"/>
-              <a:gd name="adj2" fmla="val 145553"/>
-            </a:avLst>
-          </a:prstGeom>
-          <a:ln w="28575">
-            <a:solidFill>
-              <a:schemeClr val="accent2">
-                <a:lumMod val="75000"/>
-              </a:schemeClr>
-            </a:solidFill>
-            <a:tailEnd type="triangle"/>
-          </a:ln>
-        </p:spPr>
-        <p:style>
-          <a:lnRef idx="1">
-            <a:schemeClr val="accent1"/>
-          </a:lnRef>
-          <a:fillRef idx="0">
-            <a:schemeClr val="accent1"/>
-          </a:fillRef>
-          <a:effectRef idx="0">
-            <a:schemeClr val="accent1"/>
-          </a:effectRef>
-          <a:fontRef idx="minor">
-            <a:schemeClr val="tx1"/>
-          </a:fontRef>
-        </p:style>
-      </p:cxnSp>
-      <p:graphicFrame>
-        <p:nvGraphicFramePr>
-          <p:cNvPr id="13" name="Table 12">
-            <a:extLst>
-              <a:ext uri="{FF2B5EF4-FFF2-40B4-BE49-F238E27FC236}">
-                <a16:creationId xmlns:a16="http://schemas.microsoft.com/office/drawing/2014/main" id="{998CCCED-65D5-4861-ACFF-30EC49C8699E}"/>
-              </a:ext>
-            </a:extLst>
-          </p:cNvPr>
-          <p:cNvGraphicFramePr>
-            <a:graphicFrameLocks noGrp="1"/>
-          </p:cNvGraphicFramePr>
-          <p:nvPr>
-            <p:extLst>
-              <p:ext uri="{D42A27DB-BD31-4B8C-83A1-F6EECF244321}">
-                <p14:modId xmlns:p14="http://schemas.microsoft.com/office/powerpoint/2010/main" val="3877123889"/>
-              </p:ext>
-            </p:extLst>
-          </p:nvPr>
-        </p:nvGraphicFramePr>
-        <p:xfrm>
-          <a:off x="918996" y="3528941"/>
-          <a:ext cx="3056511" cy="354330"/>
-        </p:xfrm>
-        <a:graphic>
-          <a:graphicData uri="http://schemas.openxmlformats.org/drawingml/2006/table">
-            <a:tbl>
-              <a:tblPr>
-                <a:tableStyleId>{5C22544A-7EE6-4342-B048-85BDC9FD1C3A}</a:tableStyleId>
-              </a:tblPr>
-              <a:tblGrid>
-                <a:gridCol w="1303911">
-                  <a:extLst>
-                    <a:ext uri="{9D8B030D-6E8A-4147-A177-3AD203B41FA5}">
-                      <a16:colId xmlns:a16="http://schemas.microsoft.com/office/drawing/2014/main" val="1770756499"/>
-                    </a:ext>
-                  </a:extLst>
-                </a:gridCol>
-                <a:gridCol w="1752600">
-                  <a:extLst>
-                    <a:ext uri="{9D8B030D-6E8A-4147-A177-3AD203B41FA5}">
-                      <a16:colId xmlns:a16="http://schemas.microsoft.com/office/drawing/2014/main" val="1495425505"/>
-                    </a:ext>
-                  </a:extLst>
-                </a:gridCol>
-              </a:tblGrid>
-              <a:tr h="59111">
-                <a:tc>
-                  <a:txBody>
-                    <a:bodyPr/>
-                    <a:lstStyle/>
-                    <a:p>
-                      <a:pPr algn="l" fontAlgn="b"/>
-                      <a:r>
-                        <a:rPr lang="en-US" sz="1100" u="none" strike="noStrike" dirty="0">
-                          <a:effectLst/>
-                        </a:rPr>
-                        <a:t>1 Core</a:t>
-                      </a:r>
-                      <a:endParaRPr lang="en-US" sz="1100" b="0" i="0" u="none" strike="noStrike" dirty="0">
-                        <a:solidFill>
-                          <a:srgbClr val="FFFFFF"/>
+                          <a:srgbClr val="FF0000"/>
                         </a:solidFill>
                         <a:effectLst/>
                         <a:latin typeface="Calibri" panose="020F0502020204030204" pitchFamily="34" charset="0"/>
@@ -9960,14 +10153,17 @@
                     <a:p>
                       <a:pPr algn="l" fontAlgn="b"/>
                       <a:r>
-                        <a:rPr lang="en-US" sz="1100" u="none" strike="noStrike" dirty="0">
+                        <a:rPr lang="en-US" sz="1100" b="1" u="none" strike="noStrike">
+                          <a:solidFill>
+                            <a:srgbClr val="FF0000"/>
+                          </a:solidFill>
                           <a:effectLst/>
                         </a:rPr>
-                        <a:t>Serial Instructions</a:t>
+                        <a:t>Bunnies</a:t>
                       </a:r>
-                      <a:endParaRPr lang="en-US" sz="1100" b="0" i="0" u="none" strike="noStrike" dirty="0">
+                      <a:endParaRPr lang="en-US" sz="1100" b="1" i="0" u="none" strike="noStrike">
                         <a:solidFill>
-                          <a:srgbClr val="FFFFFF"/>
+                          <a:srgbClr val="FF0000"/>
                         </a:solidFill>
                         <a:effectLst/>
                         <a:latin typeface="Calibri" panose="020F0502020204030204" pitchFamily="34" charset="0"/>
@@ -9978,7 +10174,7 @@
                 </a:tc>
                 <a:extLst>
                   <a:ext uri="{0D108BD9-81ED-4DB2-BD59-A6C34878D82A}">
-                    <a16:rowId xmlns:a16="http://schemas.microsoft.com/office/drawing/2014/main" val="2160015998"/>
+                    <a16:rowId xmlns:a16="http://schemas.microsoft.com/office/drawing/2014/main" val="570482996"/>
                   </a:ext>
                 </a:extLst>
               </a:tr>
@@ -9990,14 +10186,17 @@
                     <a:p>
                       <a:pPr algn="l" fontAlgn="b"/>
                       <a:r>
-                        <a:rPr lang="en-US" sz="1100" u="none" strike="noStrike">
+                        <a:rPr lang="en-US" sz="1100" b="1" u="none" strike="noStrike">
+                          <a:solidFill>
+                            <a:srgbClr val="FF0000"/>
+                          </a:solidFill>
                           <a:effectLst/>
                         </a:rPr>
-                        <a:t>Multiples of Bunnies =</a:t>
+                        <a:t>Mutations of Bunnies?</a:t>
                       </a:r>
-                      <a:endParaRPr lang="en-US" sz="1100" b="0" i="0" u="none" strike="noStrike">
+                      <a:endParaRPr lang="en-US" sz="1100" b="1" i="0" u="none" strike="noStrike">
                         <a:solidFill>
-                          <a:srgbClr val="FFFFFF"/>
+                          <a:srgbClr val="FF0000"/>
                         </a:solidFill>
                         <a:effectLst/>
                         <a:latin typeface="Calibri" panose="020F0502020204030204" pitchFamily="34" charset="0"/>
@@ -10013,14 +10212,43 @@
                     <a:p>
                       <a:pPr algn="r" fontAlgn="b"/>
                       <a:r>
-                        <a:rPr lang="en-US" sz="1100" u="none" strike="noStrike" dirty="0">
+                        <a:rPr lang="en-US" sz="1100" b="1" u="none" strike="noStrike">
+                          <a:solidFill>
+                            <a:srgbClr val="FF0000"/>
+                          </a:solidFill>
                           <a:effectLst/>
                         </a:rPr>
-                        <a:t>40*14*30*42*16*49=</a:t>
+                        <a:t>8^16=</a:t>
                       </a:r>
-                      <a:endParaRPr lang="en-US" sz="1100" b="0" i="0" u="none" strike="noStrike" dirty="0">
+                      <a:endParaRPr lang="en-US" sz="1100" b="1" i="0" u="none" strike="noStrike">
                         <a:solidFill>
-                          <a:srgbClr val="FFFFFF"/>
+                          <a:srgbClr val="FF0000"/>
+                        </a:solidFill>
+                        <a:effectLst/>
+                        <a:latin typeface="Calibri" panose="020F0502020204030204" pitchFamily="34" charset="0"/>
+                      </a:endParaRPr>
+                    </a:p>
+                  </a:txBody>
+                  <a:tcPr marL="3810" marR="3810" marT="3810" marB="0" anchor="b"/>
+                </a:tc>
+                <a:tc>
+                  <a:txBody>
+                    <a:bodyPr/>
+                    <a:lstStyle/>
+                    <a:p>
+                      <a:pPr algn="r" fontAlgn="b"/>
+                      <a:r>
+                        <a:rPr lang="en-US" sz="1100" b="1" u="none" strike="noStrike" dirty="0">
+                          <a:solidFill>
+                            <a:srgbClr val="FF0000"/>
+                          </a:solidFill>
+                          <a:effectLst/>
+                        </a:rPr>
+                        <a:t>4,294,967,296</a:t>
+                      </a:r>
+                      <a:endParaRPr lang="en-US" sz="1100" b="1" i="0" u="none" strike="noStrike" dirty="0">
+                        <a:solidFill>
+                          <a:srgbClr val="FF0000"/>
                         </a:solidFill>
                         <a:effectLst/>
                         <a:latin typeface="Calibri" panose="020F0502020204030204" pitchFamily="34" charset="0"/>
@@ -10031,104 +10259,7 @@
                 </a:tc>
                 <a:extLst>
                   <a:ext uri="{0D108BD9-81ED-4DB2-BD59-A6C34878D82A}">
-                    <a16:rowId xmlns:a16="http://schemas.microsoft.com/office/drawing/2014/main" val="984629218"/>
-                  </a:ext>
-                </a:extLst>
-              </a:tr>
-            </a:tbl>
-          </a:graphicData>
-        </a:graphic>
-      </p:graphicFrame>
-      <p:graphicFrame>
-        <p:nvGraphicFramePr>
-          <p:cNvPr id="30" name="Table 29">
-            <a:extLst>
-              <a:ext uri="{FF2B5EF4-FFF2-40B4-BE49-F238E27FC236}">
-                <a16:creationId xmlns:a16="http://schemas.microsoft.com/office/drawing/2014/main" id="{C4044AB9-E08B-4A4F-8730-83DF9298ADC7}"/>
-              </a:ext>
-            </a:extLst>
-          </p:cNvPr>
-          <p:cNvGraphicFramePr>
-            <a:graphicFrameLocks noGrp="1"/>
-          </p:cNvGraphicFramePr>
-          <p:nvPr/>
-        </p:nvGraphicFramePr>
-        <p:xfrm>
-          <a:off x="8276985" y="2981226"/>
-          <a:ext cx="876300" cy="365760"/>
-        </p:xfrm>
-        <a:graphic>
-          <a:graphicData uri="http://schemas.openxmlformats.org/drawingml/2006/table">
-            <a:tbl>
-              <a:tblPr>
-                <a:tableStyleId>{5C22544A-7EE6-4342-B048-85BDC9FD1C3A}</a:tableStyleId>
-              </a:tblPr>
-              <a:tblGrid>
-                <a:gridCol w="876300">
-                  <a:extLst>
-                    <a:ext uri="{9D8B030D-6E8A-4147-A177-3AD203B41FA5}">
-                      <a16:colId xmlns:a16="http://schemas.microsoft.com/office/drawing/2014/main" val="2029625671"/>
-                    </a:ext>
-                  </a:extLst>
-                </a:gridCol>
-              </a:tblGrid>
-              <a:tr h="182880">
-                <a:tc>
-                  <a:txBody>
-                    <a:bodyPr/>
-                    <a:lstStyle/>
-                    <a:p>
-                      <a:pPr algn="l" fontAlgn="b"/>
-                      <a:r>
-                        <a:rPr lang="en-US" sz="1100" u="none" strike="noStrike" dirty="0">
-                          <a:effectLst/>
-                        </a:rPr>
-                        <a:t> Bunnies</a:t>
-                      </a:r>
-                      <a:endParaRPr lang="en-US" sz="1100" b="0" i="0" u="none" strike="noStrike" dirty="0">
-                        <a:solidFill>
-                          <a:srgbClr val="FFFFFF"/>
-                        </a:solidFill>
-                        <a:effectLst/>
-                        <a:latin typeface="Calibri" panose="020F0502020204030204" pitchFamily="34" charset="0"/>
-                      </a:endParaRPr>
-                    </a:p>
-                  </a:txBody>
-                  <a:tcPr marL="3810" marR="3810" marT="3810" marB="0" anchor="b"/>
-                </a:tc>
-                <a:extLst>
-                  <a:ext uri="{0D108BD9-81ED-4DB2-BD59-A6C34878D82A}">
-                    <a16:rowId xmlns:a16="http://schemas.microsoft.com/office/drawing/2014/main" val="3612197950"/>
-                  </a:ext>
-                </a:extLst>
-              </a:tr>
-              <a:tr h="182880">
-                <a:tc>
-                  <a:txBody>
-                    <a:bodyPr/>
-                    <a:lstStyle/>
-                    <a:p>
-                      <a:pPr algn="ctr" fontAlgn="b"/>
-                      <a:r>
-                        <a:rPr lang="en-US" sz="1100" u="none" strike="noStrike" dirty="0">
-                          <a:effectLst/>
-                        </a:rPr>
-                        <a:t>553,190,400</a:t>
-                      </a:r>
-                      <a:endParaRPr lang="en-US" sz="1100" b="0" i="0" u="none" strike="noStrike" dirty="0">
-                        <a:solidFill>
-                          <a:srgbClr val="FFFFFF"/>
-                        </a:solidFill>
-                        <a:effectLst/>
-                        <a:latin typeface="Calibri" panose="020F0502020204030204" pitchFamily="34" charset="0"/>
-                      </a:endParaRPr>
-                    </a:p>
-                  </a:txBody>
-                  <a:tcPr marL="3810" marR="3810" marT="3810" marB="0" anchor="b"/>
-                </a:tc>
-                <a:extLst>
-                  <a:ext uri="{0D108BD9-81ED-4DB2-BD59-A6C34878D82A}">
-                    <a16:rowId xmlns:a16="http://schemas.microsoft.com/office/drawing/2014/main" val="2641051407"/>
+                    <a16:rowId xmlns:a16="http://schemas.microsoft.com/office/drawing/2014/main" val="4108342957"/>
                   </a:ext>
                 </a:extLst>
               </a:tr>
@@ -10138,28 +10269,29 @@
       </p:graphicFrame>
       <p:cxnSp>
         <p:nvCxnSpPr>
-          <p:cNvPr id="31" name="Connector: Curved 30">
-            <a:extLst>
-              <a:ext uri="{FF2B5EF4-FFF2-40B4-BE49-F238E27FC236}">
-                <a16:creationId xmlns:a16="http://schemas.microsoft.com/office/drawing/2014/main" id="{46507FE0-88E1-4087-B1CD-CAC3FA882990}"/>
+          <p:cNvPr id="28" name="Connector: Curved 27">
+            <a:extLst>
+              <a:ext uri="{FF2B5EF4-FFF2-40B4-BE49-F238E27FC236}">
+                <a16:creationId xmlns:a16="http://schemas.microsoft.com/office/drawing/2014/main" id="{F5E31A9C-8BAB-4A22-AC79-FCA618663E90}"/>
               </a:ext>
             </a:extLst>
           </p:cNvPr>
           <p:cNvCxnSpPr>
             <a:cxnSpLocks/>
-            <a:endCxn id="30" idx="1"/>
+            <a:stCxn id="19" idx="2"/>
+            <a:endCxn id="25" idx="1"/>
           </p:cNvCxnSpPr>
           <p:nvPr/>
         </p:nvCxnSpPr>
         <p:spPr>
-          <a:xfrm rot="16200000" flipH="1">
-            <a:off x="6939026" y="1826147"/>
-            <a:ext cx="116229" cy="2559688"/>
+          <a:xfrm rot="5400000">
+            <a:off x="7648292" y="3649253"/>
+            <a:ext cx="1292204" cy="870550"/>
           </a:xfrm>
           <a:prstGeom prst="curvedConnector4">
             <a:avLst>
-              <a:gd name="adj1" fmla="val -196681"/>
-              <a:gd name="adj2" fmla="val 56005"/>
+              <a:gd name="adj1" fmla="val 42924"/>
+              <a:gd name="adj2" fmla="val 126259"/>
             </a:avLst>
           </a:prstGeom>
           <a:ln w="28575">
@@ -10189,7 +10321,7 @@
     </p:spTree>
     <p:extLst>
       <p:ext uri="{BB962C8B-B14F-4D97-AF65-F5344CB8AC3E}">
-        <p14:creationId xmlns:p14="http://schemas.microsoft.com/office/powerpoint/2010/main" val="2687048726"/>
+        <p14:creationId xmlns:p14="http://schemas.microsoft.com/office/powerpoint/2010/main" val="1058712770"/>
       </p:ext>
     </p:extLst>
   </p:cSld>
@@ -10235,14 +10367,10 @@
         <p:spPr/>
         <p:txBody>
           <a:bodyPr>
-            <a:normAutofit fontScale="90000"/>
+            <a:normAutofit/>
           </a:bodyPr>
           <a:lstStyle/>
           <a:p>
-            <a:r>
-              <a:rPr lang="en-US" dirty="0"/>
-              <a:t>Instructions that must be computed in sequence</a:t>
-            </a:r>
             <a:br>
               <a:rPr lang="en-US" dirty="0"/>
             </a:br>
@@ -10271,10 +10399,7 @@
           <a:bodyPr/>
           <a:lstStyle/>
           <a:p>
-            <a:r>
-              <a:rPr lang="en-US" dirty="0"/>
-              <a:t>()</a:t>
-            </a:r>
+            <a:endParaRPr lang="en-US" dirty="0"/>
           </a:p>
         </p:txBody>
       </p:sp>

--- a/GPU Project/Project.pptx
+++ b/GPU Project/Project.pptx
@@ -5,20 +5,25 @@
     <p:sldMasterId id="2147483648" r:id="rId1"/>
   </p:sldMasterIdLst>
   <p:notesMasterIdLst>
-    <p:notesMasterId r:id="rId13"/>
+    <p:notesMasterId r:id="rId18"/>
   </p:notesMasterIdLst>
   <p:sldIdLst>
-    <p:sldId id="258" r:id="rId2"/>
-    <p:sldId id="260" r:id="rId3"/>
-    <p:sldId id="270" r:id="rId4"/>
-    <p:sldId id="267" r:id="rId5"/>
-    <p:sldId id="269" r:id="rId6"/>
-    <p:sldId id="268" r:id="rId7"/>
-    <p:sldId id="271" r:id="rId8"/>
-    <p:sldId id="262" r:id="rId9"/>
+    <p:sldId id="273" r:id="rId2"/>
+    <p:sldId id="258" r:id="rId3"/>
+    <p:sldId id="260" r:id="rId4"/>
+    <p:sldId id="272" r:id="rId5"/>
+    <p:sldId id="270" r:id="rId6"/>
+    <p:sldId id="267" r:id="rId7"/>
+    <p:sldId id="269" r:id="rId8"/>
+    <p:sldId id="268" r:id="rId9"/>
     <p:sldId id="257" r:id="rId10"/>
-    <p:sldId id="256" r:id="rId11"/>
-    <p:sldId id="259" r:id="rId12"/>
+    <p:sldId id="275" r:id="rId11"/>
+    <p:sldId id="274" r:id="rId12"/>
+    <p:sldId id="279" r:id="rId13"/>
+    <p:sldId id="262" r:id="rId14"/>
+    <p:sldId id="277" r:id="rId15"/>
+    <p:sldId id="278" r:id="rId16"/>
+    <p:sldId id="276" r:id="rId17"/>
   </p:sldIdLst>
   <p:sldSz cx="12192000" cy="6858000"/>
   <p:notesSz cx="6858000" cy="9144000"/>
@@ -207,7 +212,7 @@
           <a:p>
             <a:fld id="{BCA11DD8-66CB-4863-919A-8002C9463111}" type="datetimeFigureOut">
               <a:rPr lang="en-US" smtClean="0"/>
-              <a:t>3/30/2019</a:t>
+              <a:t>3/31/2019</a:t>
             </a:fld>
             <a:endParaRPr lang="en-US"/>
           </a:p>
@@ -621,7 +626,7 @@
           <a:p>
             <a:fld id="{1F02E410-F688-4510-A200-1EE3EC6B1F29}" type="datetimeFigureOut">
               <a:rPr lang="en-US" smtClean="0"/>
-              <a:t>3/30/2019</a:t>
+              <a:t>3/31/2019</a:t>
             </a:fld>
             <a:endParaRPr lang="en-US"/>
           </a:p>
@@ -819,7 +824,7 @@
           <a:p>
             <a:fld id="{1F02E410-F688-4510-A200-1EE3EC6B1F29}" type="datetimeFigureOut">
               <a:rPr lang="en-US" smtClean="0"/>
-              <a:t>3/30/2019</a:t>
+              <a:t>3/31/2019</a:t>
             </a:fld>
             <a:endParaRPr lang="en-US"/>
           </a:p>
@@ -1027,7 +1032,7 @@
           <a:p>
             <a:fld id="{1F02E410-F688-4510-A200-1EE3EC6B1F29}" type="datetimeFigureOut">
               <a:rPr lang="en-US" smtClean="0"/>
-              <a:t>3/30/2019</a:t>
+              <a:t>3/31/2019</a:t>
             </a:fld>
             <a:endParaRPr lang="en-US"/>
           </a:p>
@@ -1225,7 +1230,7 @@
           <a:p>
             <a:fld id="{1F02E410-F688-4510-A200-1EE3EC6B1F29}" type="datetimeFigureOut">
               <a:rPr lang="en-US" smtClean="0"/>
-              <a:t>3/30/2019</a:t>
+              <a:t>3/31/2019</a:t>
             </a:fld>
             <a:endParaRPr lang="en-US"/>
           </a:p>
@@ -1500,7 +1505,7 @@
           <a:p>
             <a:fld id="{1F02E410-F688-4510-A200-1EE3EC6B1F29}" type="datetimeFigureOut">
               <a:rPr lang="en-US" smtClean="0"/>
-              <a:t>3/30/2019</a:t>
+              <a:t>3/31/2019</a:t>
             </a:fld>
             <a:endParaRPr lang="en-US"/>
           </a:p>
@@ -1765,7 +1770,7 @@
           <a:p>
             <a:fld id="{1F02E410-F688-4510-A200-1EE3EC6B1F29}" type="datetimeFigureOut">
               <a:rPr lang="en-US" smtClean="0"/>
-              <a:t>3/30/2019</a:t>
+              <a:t>3/31/2019</a:t>
             </a:fld>
             <a:endParaRPr lang="en-US"/>
           </a:p>
@@ -2177,7 +2182,7 @@
           <a:p>
             <a:fld id="{1F02E410-F688-4510-A200-1EE3EC6B1F29}" type="datetimeFigureOut">
               <a:rPr lang="en-US" smtClean="0"/>
-              <a:t>3/30/2019</a:t>
+              <a:t>3/31/2019</a:t>
             </a:fld>
             <a:endParaRPr lang="en-US"/>
           </a:p>
@@ -2318,7 +2323,7 @@
           <a:p>
             <a:fld id="{1F02E410-F688-4510-A200-1EE3EC6B1F29}" type="datetimeFigureOut">
               <a:rPr lang="en-US" smtClean="0"/>
-              <a:t>3/30/2019</a:t>
+              <a:t>3/31/2019</a:t>
             </a:fld>
             <a:endParaRPr lang="en-US"/>
           </a:p>
@@ -2431,7 +2436,7 @@
           <a:p>
             <a:fld id="{1F02E410-F688-4510-A200-1EE3EC6B1F29}" type="datetimeFigureOut">
               <a:rPr lang="en-US" smtClean="0"/>
-              <a:t>3/30/2019</a:t>
+              <a:t>3/31/2019</a:t>
             </a:fld>
             <a:endParaRPr lang="en-US"/>
           </a:p>
@@ -2742,7 +2747,7 @@
           <a:p>
             <a:fld id="{1F02E410-F688-4510-A200-1EE3EC6B1F29}" type="datetimeFigureOut">
               <a:rPr lang="en-US" smtClean="0"/>
-              <a:t>3/30/2019</a:t>
+              <a:t>3/31/2019</a:t>
             </a:fld>
             <a:endParaRPr lang="en-US"/>
           </a:p>
@@ -3030,7 +3035,7 @@
           <a:p>
             <a:fld id="{1F02E410-F688-4510-A200-1EE3EC6B1F29}" type="datetimeFigureOut">
               <a:rPr lang="en-US" smtClean="0"/>
-              <a:t>3/30/2019</a:t>
+              <a:t>3/31/2019</a:t>
             </a:fld>
             <a:endParaRPr lang="en-US"/>
           </a:p>
@@ -3271,7 +3276,7 @@
           <a:p>
             <a:fld id="{1F02E410-F688-4510-A200-1EE3EC6B1F29}" type="datetimeFigureOut">
               <a:rPr lang="en-US" smtClean="0"/>
-              <a:t>3/30/2019</a:t>
+              <a:t>3/31/2019</a:t>
             </a:fld>
             <a:endParaRPr lang="en-US"/>
           </a:p>
@@ -3693,7 +3698,7 @@
           <p:cNvPr id="2" name="Title 1">
             <a:extLst>
               <a:ext uri="{FF2B5EF4-FFF2-40B4-BE49-F238E27FC236}">
-                <a16:creationId xmlns:a16="http://schemas.microsoft.com/office/drawing/2014/main" id="{C027E961-1C15-4482-B678-00083D9CDA9A}"/>
+                <a16:creationId xmlns:a16="http://schemas.microsoft.com/office/drawing/2014/main" id="{DA71B84B-9BC3-4455-A940-C7B48EB1FF0C}"/>
               </a:ext>
             </a:extLst>
           </p:cNvPr>
@@ -3701,7 +3706,7 @@
             <a:spLocks noGrp="1"/>
           </p:cNvSpPr>
           <p:nvPr>
-            <p:ph type="ctrTitle"/>
+            <p:ph type="title"/>
           </p:nvPr>
         </p:nvSpPr>
         <p:spPr/>
@@ -3711,17 +3716,17 @@
           <a:p>
             <a:r>
               <a:rPr lang="en-US" dirty="0"/>
-              <a:t>CPU</a:t>
+              <a:t>Neural Networks</a:t>
             </a:r>
           </a:p>
         </p:txBody>
       </p:sp>
       <p:sp>
         <p:nvSpPr>
-          <p:cNvPr id="3" name="Subtitle 2">
-            <a:extLst>
-              <a:ext uri="{FF2B5EF4-FFF2-40B4-BE49-F238E27FC236}">
-                <a16:creationId xmlns:a16="http://schemas.microsoft.com/office/drawing/2014/main" id="{320C6F87-207C-490F-92B4-AA64DBFC4914}"/>
+          <p:cNvPr id="3" name="Content Placeholder 2">
+            <a:extLst>
+              <a:ext uri="{FF2B5EF4-FFF2-40B4-BE49-F238E27FC236}">
+                <a16:creationId xmlns:a16="http://schemas.microsoft.com/office/drawing/2014/main" id="{5C5B3BF1-7E0D-4CE4-AEB9-30E2C8D24A46}"/>
               </a:ext>
             </a:extLst>
           </p:cNvPr>
@@ -3729,19 +3734,37 @@
             <a:spLocks noGrp="1"/>
           </p:cNvSpPr>
           <p:nvPr>
-            <p:ph type="subTitle" idx="1"/>
+            <p:ph idx="1"/>
           </p:nvPr>
         </p:nvSpPr>
         <p:spPr/>
         <p:txBody>
-          <a:bodyPr>
-            <a:normAutofit/>
-          </a:bodyPr>
+          <a:bodyPr/>
           <a:lstStyle/>
           <a:p>
+            <a:pPr marL="0" indent="0">
+              <a:buNone/>
+            </a:pPr>
             <a:r>
               <a:rPr lang="en-US" dirty="0"/>
-              <a:t>CPU Good at serial instruction processing; instructions that must be computed in sequence</a:t>
+              <a:t>Why are GPU’s </a:t>
+            </a:r>
+            <a:r>
+              <a:rPr lang="en-US" strike="sngStrike" dirty="0"/>
+              <a:t>better</a:t>
+            </a:r>
+            <a:r>
+              <a:rPr lang="en-US" dirty="0"/>
+              <a:t> than CPUs?</a:t>
+            </a:r>
+          </a:p>
+          <a:p>
+            <a:pPr marL="0" indent="0">
+              <a:buNone/>
+            </a:pPr>
+            <a:r>
+              <a:rPr lang="en-US" dirty="0"/>
+              <a:t>What GPU does vs What CPU Does</a:t>
             </a:r>
           </a:p>
         </p:txBody>
@@ -3749,7 +3772,7 @@
     </p:spTree>
     <p:extLst>
       <p:ext uri="{BB962C8B-B14F-4D97-AF65-F5344CB8AC3E}">
-        <p14:creationId xmlns:p14="http://schemas.microsoft.com/office/powerpoint/2010/main" val="3474469165"/>
+        <p14:creationId xmlns:p14="http://schemas.microsoft.com/office/powerpoint/2010/main" val="930112451"/>
       </p:ext>
     </p:extLst>
   </p:cSld>
@@ -3781,7 +3804,7 @@
           <p:cNvPr id="2" name="Title 1">
             <a:extLst>
               <a:ext uri="{FF2B5EF4-FFF2-40B4-BE49-F238E27FC236}">
-                <a16:creationId xmlns:a16="http://schemas.microsoft.com/office/drawing/2014/main" id="{C027E961-1C15-4482-B678-00083D9CDA9A}"/>
+                <a16:creationId xmlns:a16="http://schemas.microsoft.com/office/drawing/2014/main" id="{DE8A3106-97D0-4E55-A684-60980ADE3545}"/>
               </a:ext>
             </a:extLst>
           </p:cNvPr>
@@ -3789,7 +3812,7 @@
             <a:spLocks noGrp="1"/>
           </p:cNvSpPr>
           <p:nvPr>
-            <p:ph type="ctrTitle"/>
+            <p:ph type="title"/>
           </p:nvPr>
         </p:nvSpPr>
         <p:spPr/>
@@ -3799,162 +3822,47 @@
           <a:p>
             <a:r>
               <a:rPr lang="en-US" dirty="0"/>
-              <a:t>Recurrent Neural Network</a:t>
+              <a:t>Nvidia Specs</a:t>
             </a:r>
           </a:p>
         </p:txBody>
       </p:sp>
-      <p:sp>
-        <p:nvSpPr>
-          <p:cNvPr id="3" name="Subtitle 2">
-            <a:extLst>
-              <a:ext uri="{FF2B5EF4-FFF2-40B4-BE49-F238E27FC236}">
-                <a16:creationId xmlns:a16="http://schemas.microsoft.com/office/drawing/2014/main" id="{320C6F87-207C-490F-92B4-AA64DBFC4914}"/>
-              </a:ext>
-            </a:extLst>
-          </p:cNvPr>
-          <p:cNvSpPr>
-            <a:spLocks noGrp="1"/>
-          </p:cNvSpPr>
-          <p:nvPr>
-            <p:ph type="subTitle" idx="1"/>
-          </p:nvPr>
-        </p:nvSpPr>
-        <p:spPr/>
-        <p:txBody>
-          <a:bodyPr/>
-          <a:lstStyle/>
-          <a:p>
-            <a:endParaRPr lang="en-US" dirty="0"/>
-          </a:p>
-        </p:txBody>
-      </p:sp>
-      <p:sp>
-        <p:nvSpPr>
-          <p:cNvPr id="4" name="Oval 3">
-            <a:extLst>
-              <a:ext uri="{FF2B5EF4-FFF2-40B4-BE49-F238E27FC236}">
-                <a16:creationId xmlns:a16="http://schemas.microsoft.com/office/drawing/2014/main" id="{60B7EC57-CDBE-434D-A8F4-98D6D8F1A949}"/>
-              </a:ext>
-            </a:extLst>
-          </p:cNvPr>
-          <p:cNvSpPr/>
-          <p:nvPr/>
-        </p:nvSpPr>
+      <p:pic>
+        <p:nvPicPr>
+          <p:cNvPr id="5" name="Content Placeholder 4">
+            <a:extLst>
+              <a:ext uri="{FF2B5EF4-FFF2-40B4-BE49-F238E27FC236}">
+                <a16:creationId xmlns:a16="http://schemas.microsoft.com/office/drawing/2014/main" id="{6498CEB1-B134-45A9-A664-58B4E25E2E57}"/>
+              </a:ext>
+            </a:extLst>
+          </p:cNvPr>
+          <p:cNvPicPr>
+            <a:picLocks noGrp="1" noChangeAspect="1"/>
+          </p:cNvPicPr>
+          <p:nvPr>
+            <p:ph idx="1"/>
+          </p:nvPr>
+        </p:nvPicPr>
+        <p:blipFill>
+          <a:blip r:embed="rId2"/>
+          <a:stretch>
+            <a:fillRect/>
+          </a:stretch>
+        </p:blipFill>
         <p:spPr>
           <a:xfrm>
-            <a:off x="3123354" y="4186671"/>
-            <a:ext cx="530353" cy="486496"/>
+            <a:off x="3108049" y="1825625"/>
+            <a:ext cx="5975901" cy="4351338"/>
           </a:xfrm>
-          <a:prstGeom prst="ellipse">
+          <a:prstGeom prst="rect">
             <a:avLst/>
           </a:prstGeom>
-          <a:solidFill>
-            <a:schemeClr val="accent4">
-              <a:lumMod val="60000"/>
-              <a:lumOff val="40000"/>
-            </a:schemeClr>
-          </a:solidFill>
         </p:spPr>
-        <p:style>
-          <a:lnRef idx="2">
-            <a:schemeClr val="accent1">
-              <a:shade val="50000"/>
-            </a:schemeClr>
-          </a:lnRef>
-          <a:fillRef idx="1">
-            <a:schemeClr val="accent1"/>
-          </a:fillRef>
-          <a:effectRef idx="0">
-            <a:schemeClr val="accent1"/>
-          </a:effectRef>
-          <a:fontRef idx="minor">
-            <a:schemeClr val="lt1"/>
-          </a:fontRef>
-        </p:style>
-        <p:txBody>
-          <a:bodyPr rtlCol="0" anchor="ctr"/>
-          <a:lstStyle/>
-          <a:p>
-            <a:pPr algn="ctr"/>
-            <a:r>
-              <a:rPr lang="en-US" dirty="0">
-                <a:solidFill>
-                  <a:schemeClr val="accent4">
-                    <a:lumMod val="50000"/>
-                  </a:schemeClr>
-                </a:solidFill>
-              </a:rPr>
-              <a:t>1</a:t>
-            </a:r>
-          </a:p>
-        </p:txBody>
-      </p:sp>
-      <p:sp>
-        <p:nvSpPr>
-          <p:cNvPr id="6" name="Oval 5">
-            <a:extLst>
-              <a:ext uri="{FF2B5EF4-FFF2-40B4-BE49-F238E27FC236}">
-                <a16:creationId xmlns:a16="http://schemas.microsoft.com/office/drawing/2014/main" id="{795839A2-C982-41B2-9511-51EB97B4CB30}"/>
-              </a:ext>
-            </a:extLst>
-          </p:cNvPr>
-          <p:cNvSpPr/>
-          <p:nvPr/>
-        </p:nvSpPr>
-        <p:spPr>
-          <a:xfrm>
-            <a:off x="3899905" y="4186671"/>
-            <a:ext cx="530353" cy="486496"/>
-          </a:xfrm>
-          <a:prstGeom prst="ellipse">
-            <a:avLst/>
-          </a:prstGeom>
-          <a:solidFill>
-            <a:schemeClr val="accent4">
-              <a:lumMod val="60000"/>
-              <a:lumOff val="40000"/>
-            </a:schemeClr>
-          </a:solidFill>
-        </p:spPr>
-        <p:style>
-          <a:lnRef idx="2">
-            <a:schemeClr val="accent1">
-              <a:shade val="50000"/>
-            </a:schemeClr>
-          </a:lnRef>
-          <a:fillRef idx="1">
-            <a:schemeClr val="accent1"/>
-          </a:fillRef>
-          <a:effectRef idx="0">
-            <a:schemeClr val="accent1"/>
-          </a:effectRef>
-          <a:fontRef idx="minor">
-            <a:schemeClr val="lt1"/>
-          </a:fontRef>
-        </p:style>
-        <p:txBody>
-          <a:bodyPr rtlCol="0" anchor="ctr"/>
-          <a:lstStyle/>
-          <a:p>
-            <a:pPr algn="ctr"/>
-            <a:r>
-              <a:rPr lang="en-US" dirty="0">
-                <a:solidFill>
-                  <a:schemeClr val="accent4">
-                    <a:lumMod val="50000"/>
-                  </a:schemeClr>
-                </a:solidFill>
-              </a:rPr>
-              <a:t>1</a:t>
-            </a:r>
-          </a:p>
-        </p:txBody>
-      </p:sp>
+      </p:pic>
     </p:spTree>
     <p:extLst>
       <p:ext uri="{BB962C8B-B14F-4D97-AF65-F5344CB8AC3E}">
-        <p14:creationId xmlns:p14="http://schemas.microsoft.com/office/powerpoint/2010/main" val="1183581911"/>
+        <p14:creationId xmlns:p14="http://schemas.microsoft.com/office/powerpoint/2010/main" val="3061844677"/>
       </p:ext>
     </p:extLst>
   </p:cSld>
@@ -3983,10 +3891,10 @@
       </p:grpSpPr>
       <p:sp>
         <p:nvSpPr>
-          <p:cNvPr id="3" name="Content Placeholder 2">
-            <a:extLst>
-              <a:ext uri="{FF2B5EF4-FFF2-40B4-BE49-F238E27FC236}">
-                <a16:creationId xmlns:a16="http://schemas.microsoft.com/office/drawing/2014/main" id="{5DACA907-259E-4B3F-ACA2-F308453BAE13}"/>
+          <p:cNvPr id="2" name="Title 1">
+            <a:extLst>
+              <a:ext uri="{FF2B5EF4-FFF2-40B4-BE49-F238E27FC236}">
+                <a16:creationId xmlns:a16="http://schemas.microsoft.com/office/drawing/2014/main" id="{C027E961-1C15-4482-B678-00083D9CDA9A}"/>
               </a:ext>
             </a:extLst>
           </p:cNvPr>
@@ -3994,7 +3902,103 @@
             <a:spLocks noGrp="1"/>
           </p:cNvSpPr>
           <p:nvPr>
-            <p:ph idx="1"/>
+            <p:ph type="ctrTitle"/>
+          </p:nvPr>
+        </p:nvSpPr>
+        <p:spPr>
+          <a:xfrm>
+            <a:off x="1524000" y="1122363"/>
+            <a:ext cx="9144000" cy="2387600"/>
+          </a:xfrm>
+        </p:spPr>
+        <p:txBody>
+          <a:bodyPr/>
+          <a:lstStyle/>
+          <a:p>
+            <a:r>
+              <a:rPr lang="en-US" dirty="0"/>
+              <a:t>GPU</a:t>
+            </a:r>
+          </a:p>
+        </p:txBody>
+      </p:sp>
+      <p:sp>
+        <p:nvSpPr>
+          <p:cNvPr id="3" name="Subtitle 2">
+            <a:extLst>
+              <a:ext uri="{FF2B5EF4-FFF2-40B4-BE49-F238E27FC236}">
+                <a16:creationId xmlns:a16="http://schemas.microsoft.com/office/drawing/2014/main" id="{320C6F87-207C-490F-92B4-AA64DBFC4914}"/>
+              </a:ext>
+            </a:extLst>
+          </p:cNvPr>
+          <p:cNvSpPr>
+            <a:spLocks noGrp="1"/>
+          </p:cNvSpPr>
+          <p:nvPr>
+            <p:ph type="subTitle" idx="1"/>
+          </p:nvPr>
+        </p:nvSpPr>
+        <p:spPr>
+          <a:xfrm>
+            <a:off x="1524000" y="3509963"/>
+            <a:ext cx="9144000" cy="1655762"/>
+          </a:xfrm>
+        </p:spPr>
+        <p:txBody>
+          <a:bodyPr/>
+          <a:lstStyle/>
+          <a:p>
+            <a:r>
+              <a:rPr lang="en-US" dirty="0"/>
+              <a:t>1.515 GHz = 1,515,000,000 Clock Cycles Per Second</a:t>
+            </a:r>
+          </a:p>
+        </p:txBody>
+      </p:sp>
+    </p:spTree>
+    <p:extLst>
+      <p:ext uri="{BB962C8B-B14F-4D97-AF65-F5344CB8AC3E}">
+        <p14:creationId xmlns:p14="http://schemas.microsoft.com/office/powerpoint/2010/main" val="3769771754"/>
+      </p:ext>
+    </p:extLst>
+  </p:cSld>
+  <p:clrMapOvr>
+    <a:masterClrMapping/>
+  </p:clrMapOvr>
+</p:sld>
+</file>
+
+<file path=ppt/slides/slide12.xml><?xml version="1.0" encoding="utf-8"?>
+<p:sld xmlns:a="http://schemas.openxmlformats.org/drawingml/2006/main" xmlns:r="http://schemas.openxmlformats.org/officeDocument/2006/relationships" xmlns:p="http://schemas.openxmlformats.org/presentationml/2006/main">
+  <p:cSld>
+    <p:spTree>
+      <p:nvGrpSpPr>
+        <p:cNvPr id="1" name=""/>
+        <p:cNvGrpSpPr/>
+        <p:nvPr/>
+      </p:nvGrpSpPr>
+      <p:grpSpPr>
+        <a:xfrm>
+          <a:off x="0" y="0"/>
+          <a:ext cx="0" cy="0"/>
+          <a:chOff x="0" y="0"/>
+          <a:chExt cx="0" cy="0"/>
+        </a:xfrm>
+      </p:grpSpPr>
+      <p:sp>
+        <p:nvSpPr>
+          <p:cNvPr id="2" name="Title 1">
+            <a:extLst>
+              <a:ext uri="{FF2B5EF4-FFF2-40B4-BE49-F238E27FC236}">
+                <a16:creationId xmlns:a16="http://schemas.microsoft.com/office/drawing/2014/main" id="{CFA26BD6-16DD-4327-B89E-D3150354897B}"/>
+              </a:ext>
+            </a:extLst>
+          </p:cNvPr>
+          <p:cNvSpPr>
+            <a:spLocks noGrp="1"/>
+          </p:cNvSpPr>
+          <p:nvPr>
+            <p:ph type="title"/>
           </p:nvPr>
         </p:nvSpPr>
         <p:spPr/>
@@ -4004,23 +4008,17 @@
           <a:p>
             <a:r>
               <a:rPr lang="en-US" dirty="0"/>
-              <a:t>Re-useable guide</a:t>
-            </a:r>
-          </a:p>
-          <a:p>
-            <a:r>
-              <a:rPr lang="en-US" dirty="0"/>
-              <a:t>Be careful with Nvidia driver updates; they do it often and do not auto install</a:t>
+              <a:t>Why Not Make GPU 4.67 GHz?</a:t>
             </a:r>
           </a:p>
         </p:txBody>
       </p:sp>
       <p:sp>
         <p:nvSpPr>
-          <p:cNvPr id="5" name="Title 4">
-            <a:extLst>
-              <a:ext uri="{FF2B5EF4-FFF2-40B4-BE49-F238E27FC236}">
-                <a16:creationId xmlns:a16="http://schemas.microsoft.com/office/drawing/2014/main" id="{3D305F16-A7E3-4F25-B131-24334747F55B}"/>
+          <p:cNvPr id="3" name="Content Placeholder 2">
+            <a:extLst>
+              <a:ext uri="{FF2B5EF4-FFF2-40B4-BE49-F238E27FC236}">
+                <a16:creationId xmlns:a16="http://schemas.microsoft.com/office/drawing/2014/main" id="{811F176D-FC96-490D-B427-7B47BF15AF92}"/>
               </a:ext>
             </a:extLst>
           </p:cNvPr>
@@ -4028,7 +4026,7 @@
             <a:spLocks noGrp="1"/>
           </p:cNvSpPr>
           <p:nvPr>
-            <p:ph type="title"/>
+            <p:ph idx="1"/>
           </p:nvPr>
         </p:nvSpPr>
         <p:spPr/>
@@ -4038,7 +4036,13 @@
           <a:p>
             <a:r>
               <a:rPr lang="en-US" dirty="0"/>
-              <a:t>Setting up Environment</a:t>
+              <a:t>Heat</a:t>
+            </a:r>
+          </a:p>
+          <a:p>
+            <a:r>
+              <a:rPr lang="en-US" dirty="0"/>
+              <a:t>Other things</a:t>
             </a:r>
           </a:p>
         </p:txBody>
@@ -4046,7 +4050,392 @@
     </p:spTree>
     <p:extLst>
       <p:ext uri="{BB962C8B-B14F-4D97-AF65-F5344CB8AC3E}">
-        <p14:creationId xmlns:p14="http://schemas.microsoft.com/office/powerpoint/2010/main" val="981175082"/>
+        <p14:creationId xmlns:p14="http://schemas.microsoft.com/office/powerpoint/2010/main" val="1050693666"/>
+      </p:ext>
+    </p:extLst>
+  </p:cSld>
+  <p:clrMapOvr>
+    <a:masterClrMapping/>
+  </p:clrMapOvr>
+</p:sld>
+</file>
+
+<file path=ppt/slides/slide13.xml><?xml version="1.0" encoding="utf-8"?>
+<p:sld xmlns:a="http://schemas.openxmlformats.org/drawingml/2006/main" xmlns:r="http://schemas.openxmlformats.org/officeDocument/2006/relationships" xmlns:p="http://schemas.openxmlformats.org/presentationml/2006/main">
+  <p:cSld>
+    <p:spTree>
+      <p:nvGrpSpPr>
+        <p:cNvPr id="1" name=""/>
+        <p:cNvGrpSpPr/>
+        <p:nvPr/>
+      </p:nvGrpSpPr>
+      <p:grpSpPr>
+        <a:xfrm>
+          <a:off x="0" y="0"/>
+          <a:ext cx="0" cy="0"/>
+          <a:chOff x="0" y="0"/>
+          <a:chExt cx="0" cy="0"/>
+        </a:xfrm>
+      </p:grpSpPr>
+      <p:sp>
+        <p:nvSpPr>
+          <p:cNvPr id="2" name="Title 1">
+            <a:extLst>
+              <a:ext uri="{FF2B5EF4-FFF2-40B4-BE49-F238E27FC236}">
+                <a16:creationId xmlns:a16="http://schemas.microsoft.com/office/drawing/2014/main" id="{DDDB045C-33B0-47A3-8C52-EFCBAD2F9829}"/>
+              </a:ext>
+            </a:extLst>
+          </p:cNvPr>
+          <p:cNvSpPr>
+            <a:spLocks noGrp="1"/>
+          </p:cNvSpPr>
+          <p:nvPr>
+            <p:ph type="title"/>
+          </p:nvPr>
+        </p:nvSpPr>
+        <p:spPr/>
+        <p:txBody>
+          <a:bodyPr>
+            <a:normAutofit/>
+          </a:bodyPr>
+          <a:lstStyle/>
+          <a:p>
+            <a:br>
+              <a:rPr lang="en-US" dirty="0"/>
+            </a:br>
+            <a:r>
+              <a:rPr lang="en-US" dirty="0"/>
+              <a:t>Matrix Math</a:t>
+            </a:r>
+          </a:p>
+        </p:txBody>
+      </p:sp>
+      <p:sp>
+        <p:nvSpPr>
+          <p:cNvPr id="3" name="Content Placeholder 2">
+            <a:extLst>
+              <a:ext uri="{FF2B5EF4-FFF2-40B4-BE49-F238E27FC236}">
+                <a16:creationId xmlns:a16="http://schemas.microsoft.com/office/drawing/2014/main" id="{6E6F51B9-864B-4528-B1DC-9571AB8ABD74}"/>
+              </a:ext>
+            </a:extLst>
+          </p:cNvPr>
+          <p:cNvSpPr>
+            <a:spLocks noGrp="1"/>
+          </p:cNvSpPr>
+          <p:nvPr>
+            <p:ph idx="1"/>
+          </p:nvPr>
+        </p:nvSpPr>
+        <p:spPr/>
+        <p:txBody>
+          <a:bodyPr/>
+          <a:lstStyle/>
+          <a:p>
+            <a:r>
+              <a:rPr lang="en-US" dirty="0"/>
+              <a:t>CPU (1 Core) Math Instructions = 1900 = 1900 Clock Cycles</a:t>
+            </a:r>
+          </a:p>
+          <a:p>
+            <a:r>
+              <a:rPr lang="en-US" dirty="0"/>
+              <a:t>(Our way, This Way) GPU Math Instructions = 1900 = 600 Clock Cycles (And Can Still Be Less if we really Worked at it)</a:t>
+            </a:r>
+          </a:p>
+        </p:txBody>
+      </p:sp>
+    </p:spTree>
+    <p:extLst>
+      <p:ext uri="{BB962C8B-B14F-4D97-AF65-F5344CB8AC3E}">
+        <p14:creationId xmlns:p14="http://schemas.microsoft.com/office/powerpoint/2010/main" val="4046427098"/>
+      </p:ext>
+    </p:extLst>
+  </p:cSld>
+  <p:clrMapOvr>
+    <a:masterClrMapping/>
+  </p:clrMapOvr>
+</p:sld>
+</file>
+
+<file path=ppt/slides/slide14.xml><?xml version="1.0" encoding="utf-8"?>
+<p:sld xmlns:a="http://schemas.openxmlformats.org/drawingml/2006/main" xmlns:r="http://schemas.openxmlformats.org/officeDocument/2006/relationships" xmlns:p="http://schemas.openxmlformats.org/presentationml/2006/main">
+  <p:cSld>
+    <p:spTree>
+      <p:nvGrpSpPr>
+        <p:cNvPr id="1" name=""/>
+        <p:cNvGrpSpPr/>
+        <p:nvPr/>
+      </p:nvGrpSpPr>
+      <p:grpSpPr>
+        <a:xfrm>
+          <a:off x="0" y="0"/>
+          <a:ext cx="0" cy="0"/>
+          <a:chOff x="0" y="0"/>
+          <a:chExt cx="0" cy="0"/>
+        </a:xfrm>
+      </p:grpSpPr>
+      <p:sp>
+        <p:nvSpPr>
+          <p:cNvPr id="2" name="Title 1">
+            <a:extLst>
+              <a:ext uri="{FF2B5EF4-FFF2-40B4-BE49-F238E27FC236}">
+                <a16:creationId xmlns:a16="http://schemas.microsoft.com/office/drawing/2014/main" id="{DDDB045C-33B0-47A3-8C52-EFCBAD2F9829}"/>
+              </a:ext>
+            </a:extLst>
+          </p:cNvPr>
+          <p:cNvSpPr>
+            <a:spLocks noGrp="1"/>
+          </p:cNvSpPr>
+          <p:nvPr>
+            <p:ph type="title"/>
+          </p:nvPr>
+        </p:nvSpPr>
+        <p:spPr/>
+        <p:txBody>
+          <a:bodyPr>
+            <a:normAutofit/>
+          </a:bodyPr>
+          <a:lstStyle/>
+          <a:p>
+            <a:br>
+              <a:rPr lang="en-US" dirty="0"/>
+            </a:br>
+            <a:endParaRPr lang="en-US" dirty="0"/>
+          </a:p>
+        </p:txBody>
+      </p:sp>
+      <p:pic>
+        <p:nvPicPr>
+          <p:cNvPr id="4" name="Picture 3">
+            <a:extLst>
+              <a:ext uri="{FF2B5EF4-FFF2-40B4-BE49-F238E27FC236}">
+                <a16:creationId xmlns:a16="http://schemas.microsoft.com/office/drawing/2014/main" id="{EEEFB328-8CD1-4059-B0E4-2301BD3270E5}"/>
+              </a:ext>
+            </a:extLst>
+          </p:cNvPr>
+          <p:cNvPicPr>
+            <a:picLocks noChangeAspect="1"/>
+          </p:cNvPicPr>
+          <p:nvPr/>
+        </p:nvPicPr>
+        <p:blipFill>
+          <a:blip r:embed="rId2"/>
+          <a:stretch>
+            <a:fillRect/>
+          </a:stretch>
+        </p:blipFill>
+        <p:spPr>
+          <a:xfrm>
+            <a:off x="2466169" y="1462166"/>
+            <a:ext cx="7011208" cy="4748133"/>
+          </a:xfrm>
+          <a:prstGeom prst="rect">
+            <a:avLst/>
+          </a:prstGeom>
+        </p:spPr>
+      </p:pic>
+    </p:spTree>
+    <p:extLst>
+      <p:ext uri="{BB962C8B-B14F-4D97-AF65-F5344CB8AC3E}">
+        <p14:creationId xmlns:p14="http://schemas.microsoft.com/office/powerpoint/2010/main" val="2213982602"/>
+      </p:ext>
+    </p:extLst>
+  </p:cSld>
+  <p:clrMapOvr>
+    <a:masterClrMapping/>
+  </p:clrMapOvr>
+</p:sld>
+</file>
+
+<file path=ppt/slides/slide15.xml><?xml version="1.0" encoding="utf-8"?>
+<p:sld xmlns:a="http://schemas.openxmlformats.org/drawingml/2006/main" xmlns:r="http://schemas.openxmlformats.org/officeDocument/2006/relationships" xmlns:p="http://schemas.openxmlformats.org/presentationml/2006/main">
+  <p:cSld>
+    <p:spTree>
+      <p:nvGrpSpPr>
+        <p:cNvPr id="1" name=""/>
+        <p:cNvGrpSpPr/>
+        <p:nvPr/>
+      </p:nvGrpSpPr>
+      <p:grpSpPr>
+        <a:xfrm>
+          <a:off x="0" y="0"/>
+          <a:ext cx="0" cy="0"/>
+          <a:chOff x="0" y="0"/>
+          <a:chExt cx="0" cy="0"/>
+        </a:xfrm>
+      </p:grpSpPr>
+      <p:sp>
+        <p:nvSpPr>
+          <p:cNvPr id="2" name="Title 1">
+            <a:extLst>
+              <a:ext uri="{FF2B5EF4-FFF2-40B4-BE49-F238E27FC236}">
+                <a16:creationId xmlns:a16="http://schemas.microsoft.com/office/drawing/2014/main" id="{656A0C55-6CFE-45AF-9001-A1998605C2D8}"/>
+              </a:ext>
+            </a:extLst>
+          </p:cNvPr>
+          <p:cNvSpPr>
+            <a:spLocks noGrp="1"/>
+          </p:cNvSpPr>
+          <p:nvPr>
+            <p:ph type="title"/>
+          </p:nvPr>
+        </p:nvSpPr>
+        <p:spPr/>
+        <p:txBody>
+          <a:bodyPr>
+            <a:noAutofit/>
+          </a:bodyPr>
+          <a:lstStyle/>
+          <a:p>
+            <a:r>
+              <a:rPr lang="sv-SE" sz="3200" dirty="0"/>
+              <a:t>Copied from Erik Hallström </a:t>
+            </a:r>
+            <a:br>
+              <a:rPr lang="sv-SE" sz="3200" dirty="0"/>
+            </a:br>
+            <a:r>
+              <a:rPr lang="sv-SE" sz="3200" dirty="0"/>
+              <a:t>https://medium.com/@erikhallstrm/hello-world-tensorflow-649b15aed18c</a:t>
+            </a:r>
+            <a:endParaRPr lang="en-US" sz="3200" dirty="0"/>
+          </a:p>
+        </p:txBody>
+      </p:sp>
+      <p:pic>
+        <p:nvPicPr>
+          <p:cNvPr id="4" name="Content Placeholder 3">
+            <a:extLst>
+              <a:ext uri="{FF2B5EF4-FFF2-40B4-BE49-F238E27FC236}">
+                <a16:creationId xmlns:a16="http://schemas.microsoft.com/office/drawing/2014/main" id="{E3CD32D0-CD83-4338-9638-83F57FAD74C2}"/>
+              </a:ext>
+            </a:extLst>
+          </p:cNvPr>
+          <p:cNvPicPr>
+            <a:picLocks noGrp="1" noChangeAspect="1"/>
+          </p:cNvPicPr>
+          <p:nvPr>
+            <p:ph idx="1"/>
+          </p:nvPr>
+        </p:nvPicPr>
+        <p:blipFill>
+          <a:blip r:embed="rId2"/>
+          <a:stretch>
+            <a:fillRect/>
+          </a:stretch>
+        </p:blipFill>
+        <p:spPr>
+          <a:xfrm>
+            <a:off x="3580827" y="2324056"/>
+            <a:ext cx="5030346" cy="3378970"/>
+          </a:xfrm>
+          <a:prstGeom prst="rect">
+            <a:avLst/>
+          </a:prstGeom>
+        </p:spPr>
+      </p:pic>
+    </p:spTree>
+    <p:extLst>
+      <p:ext uri="{BB962C8B-B14F-4D97-AF65-F5344CB8AC3E}">
+        <p14:creationId xmlns:p14="http://schemas.microsoft.com/office/powerpoint/2010/main" val="3801743298"/>
+      </p:ext>
+    </p:extLst>
+  </p:cSld>
+  <p:clrMapOvr>
+    <a:masterClrMapping/>
+  </p:clrMapOvr>
+</p:sld>
+</file>
+
+<file path=ppt/slides/slide16.xml><?xml version="1.0" encoding="utf-8"?>
+<p:sld xmlns:a="http://schemas.openxmlformats.org/drawingml/2006/main" xmlns:r="http://schemas.openxmlformats.org/officeDocument/2006/relationships" xmlns:p="http://schemas.openxmlformats.org/presentationml/2006/main">
+  <p:cSld>
+    <p:spTree>
+      <p:nvGrpSpPr>
+        <p:cNvPr id="1" name=""/>
+        <p:cNvGrpSpPr/>
+        <p:nvPr/>
+      </p:nvGrpSpPr>
+      <p:grpSpPr>
+        <a:xfrm>
+          <a:off x="0" y="0"/>
+          <a:ext cx="0" cy="0"/>
+          <a:chOff x="0" y="0"/>
+          <a:chExt cx="0" cy="0"/>
+        </a:xfrm>
+      </p:grpSpPr>
+      <p:sp>
+        <p:nvSpPr>
+          <p:cNvPr id="2" name="Title 1">
+            <a:extLst>
+              <a:ext uri="{FF2B5EF4-FFF2-40B4-BE49-F238E27FC236}">
+                <a16:creationId xmlns:a16="http://schemas.microsoft.com/office/drawing/2014/main" id="{1B6B5AD8-2924-409E-AB73-12B64B5EA879}"/>
+              </a:ext>
+            </a:extLst>
+          </p:cNvPr>
+          <p:cNvSpPr>
+            <a:spLocks noGrp="1"/>
+          </p:cNvSpPr>
+          <p:nvPr>
+            <p:ph type="title"/>
+          </p:nvPr>
+        </p:nvSpPr>
+        <p:spPr/>
+        <p:txBody>
+          <a:bodyPr/>
+          <a:lstStyle/>
+          <a:p>
+            <a:r>
+              <a:rPr lang="en-US" dirty="0"/>
+              <a:t>There’s More to It</a:t>
+            </a:r>
+          </a:p>
+        </p:txBody>
+      </p:sp>
+      <p:sp>
+        <p:nvSpPr>
+          <p:cNvPr id="3" name="Content Placeholder 2">
+            <a:extLst>
+              <a:ext uri="{FF2B5EF4-FFF2-40B4-BE49-F238E27FC236}">
+                <a16:creationId xmlns:a16="http://schemas.microsoft.com/office/drawing/2014/main" id="{EE72C82F-7CE3-4F2E-9EB0-70B7ACB8BEEB}"/>
+              </a:ext>
+            </a:extLst>
+          </p:cNvPr>
+          <p:cNvSpPr>
+            <a:spLocks noGrp="1"/>
+          </p:cNvSpPr>
+          <p:nvPr>
+            <p:ph idx="1"/>
+          </p:nvPr>
+        </p:nvSpPr>
+        <p:spPr/>
+        <p:txBody>
+          <a:bodyPr/>
+          <a:lstStyle/>
+          <a:p>
+            <a:r>
+              <a:rPr lang="en-US" dirty="0"/>
+              <a:t>Transfer Data from CPU and System Memory to GPU and GPU Memory</a:t>
+            </a:r>
+          </a:p>
+          <a:p>
+            <a:r>
+              <a:rPr lang="en-US" dirty="0"/>
+              <a:t>Transfer Results Back From GPU To CPU and System Memory/Disk</a:t>
+            </a:r>
+          </a:p>
+          <a:p>
+            <a:r>
+              <a:rPr lang="en-US" dirty="0"/>
+              <a:t>In this discussion we are oversimplifying</a:t>
+            </a:r>
+          </a:p>
+        </p:txBody>
+      </p:sp>
+    </p:spTree>
+    <p:extLst>
+      <p:ext uri="{BB962C8B-B14F-4D97-AF65-F5344CB8AC3E}">
+        <p14:creationId xmlns:p14="http://schemas.microsoft.com/office/powerpoint/2010/main" val="4179606641"/>
       </p:ext>
     </p:extLst>
   </p:cSld>
@@ -4078,7 +4467,7 @@
           <p:cNvPr id="2" name="Title 1">
             <a:extLst>
               <a:ext uri="{FF2B5EF4-FFF2-40B4-BE49-F238E27FC236}">
-                <a16:creationId xmlns:a16="http://schemas.microsoft.com/office/drawing/2014/main" id="{D4BEE9D2-0941-48E0-83F4-8031C0AC2BB9}"/>
+                <a16:creationId xmlns:a16="http://schemas.microsoft.com/office/drawing/2014/main" id="{C027E961-1C15-4482-B678-00083D9CDA9A}"/>
               </a:ext>
             </a:extLst>
           </p:cNvPr>
@@ -4086,7 +4475,7 @@
             <a:spLocks noGrp="1"/>
           </p:cNvSpPr>
           <p:nvPr>
-            <p:ph type="title"/>
+            <p:ph type="ctrTitle"/>
           </p:nvPr>
         </p:nvSpPr>
         <p:spPr/>
@@ -4096,6 +4485,107 @@
           <a:p>
             <a:r>
               <a:rPr lang="en-US" dirty="0"/>
+              <a:t>CPU</a:t>
+            </a:r>
+          </a:p>
+        </p:txBody>
+      </p:sp>
+      <p:sp>
+        <p:nvSpPr>
+          <p:cNvPr id="3" name="Subtitle 2">
+            <a:extLst>
+              <a:ext uri="{FF2B5EF4-FFF2-40B4-BE49-F238E27FC236}">
+                <a16:creationId xmlns:a16="http://schemas.microsoft.com/office/drawing/2014/main" id="{320C6F87-207C-490F-92B4-AA64DBFC4914}"/>
+              </a:ext>
+            </a:extLst>
+          </p:cNvPr>
+          <p:cNvSpPr>
+            <a:spLocks noGrp="1"/>
+          </p:cNvSpPr>
+          <p:nvPr>
+            <p:ph type="subTitle" idx="1"/>
+          </p:nvPr>
+        </p:nvSpPr>
+        <p:spPr/>
+        <p:txBody>
+          <a:bodyPr>
+            <a:normAutofit/>
+          </a:bodyPr>
+          <a:lstStyle/>
+          <a:p>
+            <a:r>
+              <a:rPr lang="en-US" dirty="0"/>
+              <a:t>CPU Good at serial instruction processing; instructions that must be computed </a:t>
+            </a:r>
+            <a:r>
+              <a:rPr lang="en-US" u="sng" dirty="0"/>
+              <a:t>in sequence</a:t>
+            </a:r>
+          </a:p>
+          <a:p>
+            <a:r>
+              <a:rPr lang="en-US" i="1" dirty="0"/>
+              <a:t>Please Excuse My Dear Aunt Sally</a:t>
+            </a:r>
+          </a:p>
+          <a:p>
+            <a:endParaRPr lang="en-US" u="sng" dirty="0"/>
+          </a:p>
+        </p:txBody>
+      </p:sp>
+    </p:spTree>
+    <p:extLst>
+      <p:ext uri="{BB962C8B-B14F-4D97-AF65-F5344CB8AC3E}">
+        <p14:creationId xmlns:p14="http://schemas.microsoft.com/office/powerpoint/2010/main" val="3474469165"/>
+      </p:ext>
+    </p:extLst>
+  </p:cSld>
+  <p:clrMapOvr>
+    <a:masterClrMapping/>
+  </p:clrMapOvr>
+</p:sld>
+</file>
+
+<file path=ppt/slides/slide3.xml><?xml version="1.0" encoding="utf-8"?>
+<p:sld xmlns:a="http://schemas.openxmlformats.org/drawingml/2006/main" xmlns:r="http://schemas.openxmlformats.org/officeDocument/2006/relationships" xmlns:p="http://schemas.openxmlformats.org/presentationml/2006/main">
+  <p:cSld>
+    <p:spTree>
+      <p:nvGrpSpPr>
+        <p:cNvPr id="1" name=""/>
+        <p:cNvGrpSpPr/>
+        <p:nvPr/>
+      </p:nvGrpSpPr>
+      <p:grpSpPr>
+        <a:xfrm>
+          <a:off x="0" y="0"/>
+          <a:ext cx="0" cy="0"/>
+          <a:chOff x="0" y="0"/>
+          <a:chExt cx="0" cy="0"/>
+        </a:xfrm>
+      </p:grpSpPr>
+      <p:sp>
+        <p:nvSpPr>
+          <p:cNvPr id="2" name="Title 1">
+            <a:extLst>
+              <a:ext uri="{FF2B5EF4-FFF2-40B4-BE49-F238E27FC236}">
+                <a16:creationId xmlns:a16="http://schemas.microsoft.com/office/drawing/2014/main" id="{D4BEE9D2-0941-48E0-83F4-8031C0AC2BB9}"/>
+              </a:ext>
+            </a:extLst>
+          </p:cNvPr>
+          <p:cNvSpPr>
+            <a:spLocks noGrp="1"/>
+          </p:cNvSpPr>
+          <p:nvPr>
+            <p:ph type="title"/>
+          </p:nvPr>
+        </p:nvSpPr>
+        <p:spPr/>
+        <p:txBody>
+          <a:bodyPr/>
+          <a:lstStyle/>
+          <a:p>
+            <a:r>
+              <a:rPr lang="en-US" dirty="0"/>
               <a:t>CPU Laymen Overview</a:t>
             </a:r>
           </a:p>
@@ -4119,11 +4609,16 @@
         </p:nvSpPr>
         <p:spPr/>
         <p:txBody>
-          <a:bodyPr/>
+          <a:bodyPr>
+            <a:normAutofit/>
+          </a:bodyPr>
           <a:lstStyle/>
           <a:p>
-            <a:r>
-              <a:rPr lang="en-US" dirty="0"/>
+            <a:pPr marL="0" indent="0">
+              <a:buNone/>
+            </a:pPr>
+            <a:r>
+              <a:rPr lang="en-US" sz="2000" dirty="0"/>
               <a:t>Windows Task Manager:</a:t>
             </a:r>
           </a:p>
@@ -4410,7 +4905,7 @@
 </p:sld>
 </file>
 
-<file path=ppt/slides/slide3.xml><?xml version="1.0" encoding="utf-8"?>
+<file path=ppt/slides/slide4.xml><?xml version="1.0" encoding="utf-8"?>
 <p:sld xmlns:a="http://schemas.openxmlformats.org/drawingml/2006/main" xmlns:r="http://schemas.openxmlformats.org/officeDocument/2006/relationships" xmlns:p="http://schemas.openxmlformats.org/presentationml/2006/main">
   <p:cSld>
     <p:spTree>
@@ -4432,7 +4927,7 @@
           <p:cNvPr id="2" name="Title 1">
             <a:extLst>
               <a:ext uri="{FF2B5EF4-FFF2-40B4-BE49-F238E27FC236}">
-                <a16:creationId xmlns:a16="http://schemas.microsoft.com/office/drawing/2014/main" id="{C23EAF31-1BD4-45EE-9B12-BC14F7D54307}"/>
+                <a16:creationId xmlns:a16="http://schemas.microsoft.com/office/drawing/2014/main" id="{22F5F824-3FD1-466D-9011-D7CEB3E241EB}"/>
               </a:ext>
             </a:extLst>
           </p:cNvPr>
@@ -4450,7 +4945,7 @@
           <a:p>
             <a:r>
               <a:rPr lang="en-US" dirty="0"/>
-              <a:t>Serial Instruction Processing</a:t>
+              <a:t>Clock Cycles</a:t>
             </a:r>
           </a:p>
         </p:txBody>
@@ -4460,7 +4955,7 @@
           <p:cNvPr id="3" name="Content Placeholder 2">
             <a:extLst>
               <a:ext uri="{FF2B5EF4-FFF2-40B4-BE49-F238E27FC236}">
-                <a16:creationId xmlns:a16="http://schemas.microsoft.com/office/drawing/2014/main" id="{3A61812F-E008-4811-8823-E7459E60F548}"/>
+                <a16:creationId xmlns:a16="http://schemas.microsoft.com/office/drawing/2014/main" id="{8271CC97-BAA9-4CDB-AC6D-5897B1CD499F}"/>
               </a:ext>
             </a:extLst>
           </p:cNvPr>
@@ -4481,8 +4976,127 @@
             </a:pPr>
             <a:r>
               <a:rPr lang="en-US" dirty="0"/>
+              <a:t>4.67 GHz = 4,670,000,000 Clock Cycles Per Second</a:t>
+            </a:r>
+          </a:p>
+          <a:p>
+            <a:pPr marL="0" indent="0">
+              <a:buNone/>
+            </a:pPr>
+            <a:r>
+              <a:rPr lang="en-US" i="1" dirty="0"/>
+              <a:t>For this Discussion We Assume 1 Math Operation Executed per Clock Cycle</a:t>
+            </a:r>
+          </a:p>
+          <a:p>
+            <a:pPr marL="0" indent="0">
+              <a:buNone/>
+            </a:pPr>
+            <a:endParaRPr lang="en-US" dirty="0"/>
+          </a:p>
+        </p:txBody>
+      </p:sp>
+    </p:spTree>
+    <p:extLst>
+      <p:ext uri="{BB962C8B-B14F-4D97-AF65-F5344CB8AC3E}">
+        <p14:creationId xmlns:p14="http://schemas.microsoft.com/office/powerpoint/2010/main" val="3511194224"/>
+      </p:ext>
+    </p:extLst>
+  </p:cSld>
+  <p:clrMapOvr>
+    <a:masterClrMapping/>
+  </p:clrMapOvr>
+</p:sld>
+</file>
+
+<file path=ppt/slides/slide5.xml><?xml version="1.0" encoding="utf-8"?>
+<p:sld xmlns:a="http://schemas.openxmlformats.org/drawingml/2006/main" xmlns:r="http://schemas.openxmlformats.org/officeDocument/2006/relationships" xmlns:p="http://schemas.openxmlformats.org/presentationml/2006/main">
+  <p:cSld>
+    <p:spTree>
+      <p:nvGrpSpPr>
+        <p:cNvPr id="1" name=""/>
+        <p:cNvGrpSpPr/>
+        <p:nvPr/>
+      </p:nvGrpSpPr>
+      <p:grpSpPr>
+        <a:xfrm>
+          <a:off x="0" y="0"/>
+          <a:ext cx="0" cy="0"/>
+          <a:chOff x="0" y="0"/>
+          <a:chExt cx="0" cy="0"/>
+        </a:xfrm>
+      </p:grpSpPr>
+      <p:sp>
+        <p:nvSpPr>
+          <p:cNvPr id="2" name="Title 1">
+            <a:extLst>
+              <a:ext uri="{FF2B5EF4-FFF2-40B4-BE49-F238E27FC236}">
+                <a16:creationId xmlns:a16="http://schemas.microsoft.com/office/drawing/2014/main" id="{C23EAF31-1BD4-45EE-9B12-BC14F7D54307}"/>
+              </a:ext>
+            </a:extLst>
+          </p:cNvPr>
+          <p:cNvSpPr>
+            <a:spLocks noGrp="1"/>
+          </p:cNvSpPr>
+          <p:nvPr>
+            <p:ph type="title"/>
+          </p:nvPr>
+        </p:nvSpPr>
+        <p:spPr/>
+        <p:txBody>
+          <a:bodyPr/>
+          <a:lstStyle/>
+          <a:p>
+            <a:r>
+              <a:rPr lang="en-US" dirty="0"/>
+              <a:t>Serial Instruction Processing</a:t>
+            </a:r>
+          </a:p>
+        </p:txBody>
+      </p:sp>
+      <p:sp>
+        <p:nvSpPr>
+          <p:cNvPr id="3" name="Content Placeholder 2">
+            <a:extLst>
+              <a:ext uri="{FF2B5EF4-FFF2-40B4-BE49-F238E27FC236}">
+                <a16:creationId xmlns:a16="http://schemas.microsoft.com/office/drawing/2014/main" id="{3A61812F-E008-4811-8823-E7459E60F548}"/>
+              </a:ext>
+            </a:extLst>
+          </p:cNvPr>
+          <p:cNvSpPr>
+            <a:spLocks noGrp="1"/>
+          </p:cNvSpPr>
+          <p:nvPr>
+            <p:ph idx="1"/>
+          </p:nvPr>
+        </p:nvSpPr>
+        <p:spPr/>
+        <p:txBody>
+          <a:bodyPr/>
+          <a:lstStyle/>
+          <a:p>
+            <a:pPr marL="0" indent="0">
+              <a:buNone/>
+            </a:pPr>
+            <a:r>
+              <a:rPr lang="en-US" sz="2000" dirty="0"/>
               <a:t>This can easily be parallelized!</a:t>
             </a:r>
+          </a:p>
+          <a:p>
+            <a:pPr marL="0" indent="0">
+              <a:buNone/>
+            </a:pPr>
+            <a:r>
+              <a:rPr lang="en-US" sz="2000" dirty="0"/>
+              <a:t>11 Math Operations = 11 CPU Clock Cycles</a:t>
+            </a:r>
+          </a:p>
+          <a:p>
+            <a:pPr marL="0" indent="0">
+              <a:buNone/>
+            </a:pPr>
+            <a:endParaRPr lang="en-US" dirty="0"/>
           </a:p>
         </p:txBody>
       </p:sp>
@@ -5125,12 +5739,12 @@
                     <a:p>
                       <a:pPr algn="ctr" fontAlgn="b"/>
                       <a:r>
-                        <a:rPr lang="en-US" sz="1100" u="none" strike="noStrike">
+                        <a:rPr lang="en-US" sz="1100" u="none" strike="noStrike" dirty="0">
                           <a:effectLst/>
                         </a:rPr>
                         <a:t>Multiples of Bunnies =</a:t>
                       </a:r>
-                      <a:endParaRPr lang="en-US" sz="1100" b="0" i="0" u="none" strike="noStrike">
+                      <a:endParaRPr lang="en-US" sz="1100" b="0" i="0" u="none" strike="noStrike" dirty="0">
                         <a:solidFill>
                           <a:srgbClr val="FFFFFF"/>
                         </a:solidFill>
@@ -5290,7 +5904,7 @@
 </p:sld>
 </file>
 
-<file path=ppt/slides/slide4.xml><?xml version="1.0" encoding="utf-8"?>
+<file path=ppt/slides/slide6.xml><?xml version="1.0" encoding="utf-8"?>
 <p:sld xmlns:a="http://schemas.openxmlformats.org/drawingml/2006/main" xmlns:r="http://schemas.openxmlformats.org/officeDocument/2006/relationships" xmlns:p="http://schemas.openxmlformats.org/presentationml/2006/main">
   <p:cSld>
     <p:spTree>
@@ -5330,7 +5944,7 @@
           <a:p>
             <a:r>
               <a:rPr lang="en-US" dirty="0"/>
-              <a:t>Parallel Processing</a:t>
+              <a:t>Parallel Instruction Processing</a:t>
             </a:r>
           </a:p>
         </p:txBody>
@@ -5356,20 +5970,27 @@
           <a:bodyPr/>
           <a:lstStyle/>
           <a:p>
-            <a:r>
-              <a:rPr lang="en-US" dirty="0"/>
-              <a:t>We can easily parallelize instructions </a:t>
-            </a:r>
-            <a:r>
-              <a:rPr lang="en-US" u="sng" dirty="0"/>
-              <a:t>that can be processed independently</a:t>
-            </a:r>
-          </a:p>
-          <a:p>
             <a:pPr marL="0" indent="0">
               <a:buNone/>
             </a:pPr>
-            <a:endParaRPr lang="en-US" dirty="0"/>
+            <a:r>
+              <a:rPr lang="en-US" sz="2000" dirty="0"/>
+              <a:t>We can easily parallelize instructions </a:t>
+            </a:r>
+            <a:r>
+              <a:rPr lang="en-US" sz="2000" u="sng" dirty="0"/>
+              <a:t>that can be processed independently</a:t>
+            </a:r>
+          </a:p>
+          <a:p>
+            <a:pPr marL="0" indent="0">
+              <a:buNone/>
+            </a:pPr>
+            <a:r>
+              <a:rPr lang="en-US" sz="2000" dirty="0"/>
+              <a:t>Here we use 1 clock Cycle:</a:t>
+            </a:r>
+            <a:endParaRPr lang="en-US" sz="2000" u="sng" dirty="0"/>
           </a:p>
         </p:txBody>
       </p:sp>
@@ -5871,14 +6492,14 @@
           <p:nvPr>
             <p:extLst>
               <p:ext uri="{D42A27DB-BD31-4B8C-83A1-F6EECF244321}">
-                <p14:modId xmlns:p14="http://schemas.microsoft.com/office/powerpoint/2010/main" val="4154122824"/>
+                <p14:modId xmlns:p14="http://schemas.microsoft.com/office/powerpoint/2010/main" val="647560201"/>
               </p:ext>
             </p:extLst>
           </p:nvPr>
         </p:nvGraphicFramePr>
         <p:xfrm>
           <a:off x="1142113" y="3286951"/>
-          <a:ext cx="3086100" cy="1280160"/>
+          <a:ext cx="3086100" cy="1332796"/>
         </p:xfrm>
         <a:graphic>
           <a:graphicData uri="http://schemas.openxmlformats.org/drawingml/2006/table">
@@ -5902,7 +6523,7 @@
                   </a:extLst>
                 </a:gridCol>
               </a:tblGrid>
-              <a:tr h="182880">
+              <a:tr h="235516">
                 <a:tc>
                   <a:txBody>
                     <a:bodyPr/>
@@ -5963,12 +6584,12 @@
                     <a:p>
                       <a:pPr algn="r" fontAlgn="b"/>
                       <a:r>
-                        <a:rPr lang="en-US" sz="1100" u="none" strike="noStrike">
+                        <a:rPr lang="en-US" sz="1100" u="none" strike="noStrike" dirty="0">
                           <a:effectLst/>
                         </a:rPr>
                         <a:t>Multiples of Bunnies =</a:t>
                       </a:r>
-                      <a:endParaRPr lang="en-US" sz="1100" b="0" i="0" u="none" strike="noStrike">
+                      <a:endParaRPr lang="en-US" sz="1100" b="0" i="0" u="none" strike="noStrike" dirty="0">
                         <a:solidFill>
                           <a:srgbClr val="FFFFFF"/>
                         </a:solidFill>
@@ -5986,12 +6607,12 @@
                     <a:p>
                       <a:pPr algn="r" fontAlgn="b"/>
                       <a:r>
-                        <a:rPr lang="en-US" sz="1100" u="none" strike="noStrike">
+                        <a:rPr lang="en-US" sz="1100" u="none" strike="noStrike" dirty="0">
                           <a:effectLst/>
                         </a:rPr>
                         <a:t>5*6=</a:t>
                       </a:r>
-                      <a:endParaRPr lang="en-US" sz="1100" b="0" i="0" u="none" strike="noStrike">
+                      <a:endParaRPr lang="en-US" sz="1100" b="0" i="0" u="none" strike="noStrike" dirty="0">
                         <a:solidFill>
                           <a:srgbClr val="FFFFFF"/>
                         </a:solidFill>
@@ -7235,7 +7856,7 @@
 </p:sld>
 </file>
 
-<file path=ppt/slides/slide5.xml><?xml version="1.0" encoding="utf-8"?>
+<file path=ppt/slides/slide7.xml><?xml version="1.0" encoding="utf-8"?>
 <p:sld xmlns:a="http://schemas.openxmlformats.org/drawingml/2006/main" xmlns:r="http://schemas.openxmlformats.org/officeDocument/2006/relationships" xmlns:p="http://schemas.openxmlformats.org/presentationml/2006/main">
   <p:cSld>
     <p:spTree>
@@ -7298,16 +7919,32 @@
         </p:nvSpPr>
         <p:spPr/>
         <p:txBody>
-          <a:bodyPr/>
+          <a:bodyPr>
+            <a:normAutofit/>
+          </a:bodyPr>
           <a:lstStyle/>
           <a:p>
             <a:pPr marL="0" indent="0">
               <a:buNone/>
             </a:pPr>
             <a:r>
-              <a:rPr lang="en-US" dirty="0"/>
-              <a:t>1 More Step</a:t>
-            </a:r>
+              <a:rPr lang="en-US" sz="2000" dirty="0"/>
+              <a:t>We can easily parallelize instructions </a:t>
+            </a:r>
+            <a:r>
+              <a:rPr lang="en-US" sz="2000" u="sng" dirty="0"/>
+              <a:t>that can be processed independently</a:t>
+            </a:r>
+          </a:p>
+          <a:p>
+            <a:pPr marL="0" indent="0">
+              <a:buNone/>
+            </a:pPr>
+            <a:r>
+              <a:rPr lang="en-US" sz="2000" dirty="0"/>
+              <a:t>Here we use 5 more clock cycles: total = 6</a:t>
+            </a:r>
+            <a:endParaRPr lang="en-US" sz="2000" u="sng" dirty="0"/>
           </a:p>
         </p:txBody>
       </p:sp>
@@ -8111,7 +8748,7 @@
 </p:sld>
 </file>
 
-<file path=ppt/slides/slide6.xml><?xml version="1.0" encoding="utf-8"?>
+<file path=ppt/slides/slide8.xml><?xml version="1.0" encoding="utf-8"?>
 <p:sld xmlns:a="http://schemas.openxmlformats.org/drawingml/2006/main" xmlns:r="http://schemas.openxmlformats.org/officeDocument/2006/relationships" xmlns:p="http://schemas.openxmlformats.org/presentationml/2006/main">
   <p:cSld>
     <p:spTree>
@@ -8151,38 +8788,7 @@
           <a:p>
             <a:r>
               <a:rPr lang="en-US" dirty="0"/>
-              <a:t>Serial Instruction Processing</a:t>
-            </a:r>
-          </a:p>
-        </p:txBody>
-      </p:sp>
-      <p:sp>
-        <p:nvSpPr>
-          <p:cNvPr id="3" name="Content Placeholder 2">
-            <a:extLst>
-              <a:ext uri="{FF2B5EF4-FFF2-40B4-BE49-F238E27FC236}">
-                <a16:creationId xmlns:a16="http://schemas.microsoft.com/office/drawing/2014/main" id="{3A61812F-E008-4811-8823-E7459E60F548}"/>
-              </a:ext>
-            </a:extLst>
-          </p:cNvPr>
-          <p:cNvSpPr>
-            <a:spLocks noGrp="1"/>
-          </p:cNvSpPr>
-          <p:nvPr>
-            <p:ph idx="1"/>
-          </p:nvPr>
-        </p:nvSpPr>
-        <p:spPr/>
-        <p:txBody>
-          <a:bodyPr/>
-          <a:lstStyle/>
-          <a:p>
-            <a:pPr marL="0" indent="0">
-              <a:buNone/>
-            </a:pPr>
-            <a:r>
-              <a:rPr lang="en-US" dirty="0"/>
-              <a:t>Please Excuse My Dear Aunt Sally</a:t>
+              <a:t>Not Always Easy to Parallelize</a:t>
             </a:r>
           </a:p>
         </p:txBody>
@@ -8721,10 +9327,10 @@
       </p:cxnSp>
       <p:graphicFrame>
         <p:nvGraphicFramePr>
-          <p:cNvPr id="14" name="Table 13">
-            <a:extLst>
-              <a:ext uri="{FF2B5EF4-FFF2-40B4-BE49-F238E27FC236}">
-                <a16:creationId xmlns:a16="http://schemas.microsoft.com/office/drawing/2014/main" id="{26E590C9-A13E-4E23-84F3-1BAC1656F24B}"/>
+          <p:cNvPr id="4" name="Table 3">
+            <a:extLst>
+              <a:ext uri="{FF2B5EF4-FFF2-40B4-BE49-F238E27FC236}">
+                <a16:creationId xmlns:a16="http://schemas.microsoft.com/office/drawing/2014/main" id="{AA26B452-9495-4E31-BC7D-B306123579DA}"/>
               </a:ext>
             </a:extLst>
           </p:cNvPr>
@@ -8734,14 +9340,14 @@
           <p:nvPr>
             <p:extLst>
               <p:ext uri="{D42A27DB-BD31-4B8C-83A1-F6EECF244321}">
-                <p14:modId xmlns:p14="http://schemas.microsoft.com/office/powerpoint/2010/main" val="2083309263"/>
+                <p14:modId xmlns:p14="http://schemas.microsoft.com/office/powerpoint/2010/main" val="2705838178"/>
               </p:ext>
             </p:extLst>
           </p:nvPr>
         </p:nvGraphicFramePr>
         <p:xfrm>
-          <a:off x="8276985" y="2896672"/>
-          <a:ext cx="876300" cy="365760"/>
+          <a:off x="1566654" y="2974179"/>
+          <a:ext cx="2616200" cy="365014"/>
         </p:xfrm>
         <a:graphic>
           <a:graphicData uri="http://schemas.openxmlformats.org/drawingml/2006/table">
@@ -8750,15 +9356,22 @@
                 <a:tableStyleId>{5C22544A-7EE6-4342-B048-85BDC9FD1C3A}</a:tableStyleId>
               </a:tblPr>
               <a:tblGrid>
-                <a:gridCol w="876300">
+                <a:gridCol w="1320800">
                   <a:extLst>
                     <a:ext uri="{9D8B030D-6E8A-4147-A177-3AD203B41FA5}">
-                      <a16:colId xmlns:a16="http://schemas.microsoft.com/office/drawing/2014/main" val="4076298313"/>
+                      <a16:colId xmlns:a16="http://schemas.microsoft.com/office/drawing/2014/main" val="267108229"/>
+                    </a:ext>
+                  </a:extLst>
+                </a:gridCol>
+                <a:gridCol w="1295400">
+                  <a:extLst>
+                    <a:ext uri="{9D8B030D-6E8A-4147-A177-3AD203B41FA5}">
+                      <a16:colId xmlns:a16="http://schemas.microsoft.com/office/drawing/2014/main" val="1718873106"/>
                     </a:ext>
                   </a:extLst>
                 </a:gridCol>
               </a:tblGrid>
-              <a:tr h="182880">
+              <a:tr h="180975">
                 <a:tc>
                   <a:txBody>
                     <a:bodyPr/>
@@ -8766,12 +9379,12 @@
                     <a:p>
                       <a:pPr algn="ctr" fontAlgn="b"/>
                       <a:r>
-                        <a:rPr lang="en-US" sz="1100" u="none" strike="noStrike" dirty="0">
+                        <a:rPr lang="en-US" sz="1100" u="none" strike="noStrike">
                           <a:effectLst/>
                         </a:rPr>
-                        <a:t> Bunnies</a:t>
+                        <a:t>1 Core</a:t>
                       </a:r>
-                      <a:endParaRPr lang="en-US" sz="1100" b="0" i="0" u="none" strike="noStrike" dirty="0">
+                      <a:endParaRPr lang="en-US" sz="1100" b="0" i="0" u="none" strike="noStrike">
                         <a:solidFill>
                           <a:srgbClr val="FFFFFF"/>
                         </a:solidFill>
@@ -8780,117 +9393,7 @@
                       </a:endParaRPr>
                     </a:p>
                   </a:txBody>
-                  <a:tcPr marL="3810" marR="3810" marT="3810" marB="0" anchor="b"/>
-                </a:tc>
-                <a:extLst>
-                  <a:ext uri="{0D108BD9-81ED-4DB2-BD59-A6C34878D82A}">
-                    <a16:rowId xmlns:a16="http://schemas.microsoft.com/office/drawing/2014/main" val="1217616576"/>
-                  </a:ext>
-                </a:extLst>
-              </a:tr>
-              <a:tr h="182880">
-                <a:tc>
-                  <a:txBody>
-                    <a:bodyPr/>
-                    <a:lstStyle/>
-                    <a:p>
-                      <a:pPr algn="ctr" fontAlgn="b"/>
-                      <a:r>
-                        <a:rPr lang="en-US" sz="1100" u="none" strike="noStrike" dirty="0">
-                          <a:effectLst/>
-                        </a:rPr>
-                        <a:t>16,777,216</a:t>
-                      </a:r>
-                      <a:endParaRPr lang="en-US" sz="1100" b="0" i="0" u="none" strike="noStrike" dirty="0">
-                        <a:solidFill>
-                          <a:srgbClr val="FFFFFF"/>
-                        </a:solidFill>
-                        <a:effectLst/>
-                        <a:latin typeface="Calibri" panose="020F0502020204030204" pitchFamily="34" charset="0"/>
-                      </a:endParaRPr>
-                    </a:p>
-                  </a:txBody>
-                  <a:tcPr marL="3810" marR="3810" marT="3810" marB="0" anchor="b"/>
-                </a:tc>
-                <a:extLst>
-                  <a:ext uri="{0D108BD9-81ED-4DB2-BD59-A6C34878D82A}">
-                    <a16:rowId xmlns:a16="http://schemas.microsoft.com/office/drawing/2014/main" val="812119235"/>
-                  </a:ext>
-                </a:extLst>
-              </a:tr>
-            </a:tbl>
-          </a:graphicData>
-        </a:graphic>
-      </p:graphicFrame>
-      <p:graphicFrame>
-        <p:nvGraphicFramePr>
-          <p:cNvPr id="15" name="Table 14">
-            <a:extLst>
-              <a:ext uri="{FF2B5EF4-FFF2-40B4-BE49-F238E27FC236}">
-                <a16:creationId xmlns:a16="http://schemas.microsoft.com/office/drawing/2014/main" id="{61734503-BFC2-4570-B7B9-4B0466189AC9}"/>
-              </a:ext>
-            </a:extLst>
-          </p:cNvPr>
-          <p:cNvGraphicFramePr>
-            <a:graphicFrameLocks noGrp="1"/>
-          </p:cNvGraphicFramePr>
-          <p:nvPr>
-            <p:extLst>
-              <p:ext uri="{D42A27DB-BD31-4B8C-83A1-F6EECF244321}">
-                <p14:modId xmlns:p14="http://schemas.microsoft.com/office/powerpoint/2010/main" val="181222896"/>
-              </p:ext>
-            </p:extLst>
-          </p:nvPr>
-        </p:nvGraphicFramePr>
-        <p:xfrm>
-          <a:off x="1534595" y="2981226"/>
-          <a:ext cx="2654300" cy="365760"/>
-        </p:xfrm>
-        <a:graphic>
-          <a:graphicData uri="http://schemas.openxmlformats.org/drawingml/2006/table">
-            <a:tbl>
-              <a:tblPr>
-                <a:tableStyleId>{5C22544A-7EE6-4342-B048-85BDC9FD1C3A}</a:tableStyleId>
-              </a:tblPr>
-              <a:tblGrid>
-                <a:gridCol w="1333500">
-                  <a:extLst>
-                    <a:ext uri="{9D8B030D-6E8A-4147-A177-3AD203B41FA5}">
-                      <a16:colId xmlns:a16="http://schemas.microsoft.com/office/drawing/2014/main" val="415420212"/>
-                    </a:ext>
-                  </a:extLst>
-                </a:gridCol>
-                <a:gridCol w="1320800">
-                  <a:extLst>
-                    <a:ext uri="{9D8B030D-6E8A-4147-A177-3AD203B41FA5}">
-                      <a16:colId xmlns:a16="http://schemas.microsoft.com/office/drawing/2014/main" val="2697755820"/>
-                    </a:ext>
-                  </a:extLst>
-                </a:gridCol>
-              </a:tblGrid>
-              <a:tr h="182880">
-                <a:tc>
-                  <a:txBody>
-                    <a:bodyPr/>
-                    <a:lstStyle/>
-                    <a:p>
-                      <a:pPr algn="ctr" fontAlgn="b"/>
-                      <a:r>
-                        <a:rPr lang="en-US" sz="1100" u="none" strike="noStrike" dirty="0">
-                          <a:effectLst/>
-                        </a:rPr>
-                        <a:t>1 Core</a:t>
-                      </a:r>
-                      <a:endParaRPr lang="en-US" sz="1100" b="0" i="0" u="none" strike="noStrike" dirty="0">
-                        <a:solidFill>
-                          <a:srgbClr val="FFFFFF"/>
-                        </a:solidFill>
-                        <a:effectLst/>
-                        <a:latin typeface="Calibri" panose="020F0502020204030204" pitchFamily="34" charset="0"/>
-                      </a:endParaRPr>
-                    </a:p>
-                  </a:txBody>
-                  <a:tcPr marL="3810" marR="3810" marT="3810" marB="0" anchor="b"/>
+                  <a:tcPr marL="4763" marR="4763" marT="4763" marB="0" anchor="b"/>
                 </a:tc>
                 <a:tc>
                   <a:txBody>
@@ -8913,15 +9416,15 @@
                       </a:endParaRPr>
                     </a:p>
                   </a:txBody>
-                  <a:tcPr marL="3810" marR="3810" marT="3810" marB="0" anchor="b"/>
+                  <a:tcPr marL="4763" marR="4763" marT="4763" marB="0" anchor="b"/>
                 </a:tc>
                 <a:extLst>
                   <a:ext uri="{0D108BD9-81ED-4DB2-BD59-A6C34878D82A}">
-                    <a16:rowId xmlns:a16="http://schemas.microsoft.com/office/drawing/2014/main" val="842728541"/>
+                    <a16:rowId xmlns:a16="http://schemas.microsoft.com/office/drawing/2014/main" val="2592898172"/>
                   </a:ext>
                 </a:extLst>
               </a:tr>
-              <a:tr h="182880">
+              <a:tr h="184039">
                 <a:tc>
                   <a:txBody>
                     <a:bodyPr/>
@@ -8943,7 +9446,7 @@
                       </a:endParaRPr>
                     </a:p>
                   </a:txBody>
-                  <a:tcPr marL="3810" marR="3810" marT="3810" marB="0" anchor="b"/>
+                  <a:tcPr marL="4763" marR="4763" marT="4763" marB="0" anchor="b"/>
                 </a:tc>
                 <a:tc>
                   <a:txBody>
@@ -8955,7 +9458,7 @@
                         <a:rPr lang="en-US" sz="1100" u="none" strike="noStrike" dirty="0">
                           <a:effectLst/>
                         </a:rPr>
-                        <a:t>2^3^2^4=</a:t>
+                        <a:t>2^3*2^4=</a:t>
                       </a:r>
                       <a:endParaRPr lang="en-US" sz="1100" b="0" i="0" u="none" strike="noStrike" dirty="0">
                         <a:solidFill>
@@ -8966,11 +9469,342 @@
                       </a:endParaRPr>
                     </a:p>
                   </a:txBody>
-                  <a:tcPr marL="3810" marR="3810" marT="3810" marB="0" anchor="b"/>
+                  <a:tcPr marL="4763" marR="4763" marT="4763" marB="0" anchor="b"/>
                 </a:tc>
                 <a:extLst>
                   <a:ext uri="{0D108BD9-81ED-4DB2-BD59-A6C34878D82A}">
-                    <a16:rowId xmlns:a16="http://schemas.microsoft.com/office/drawing/2014/main" val="3076039267"/>
+                    <a16:rowId xmlns:a16="http://schemas.microsoft.com/office/drawing/2014/main" val="2437161348"/>
+                  </a:ext>
+                </a:extLst>
+              </a:tr>
+            </a:tbl>
+          </a:graphicData>
+        </a:graphic>
+      </p:graphicFrame>
+      <p:graphicFrame>
+        <p:nvGraphicFramePr>
+          <p:cNvPr id="13" name="Table 12">
+            <a:extLst>
+              <a:ext uri="{FF2B5EF4-FFF2-40B4-BE49-F238E27FC236}">
+                <a16:creationId xmlns:a16="http://schemas.microsoft.com/office/drawing/2014/main" id="{1713356A-4042-44DD-9630-CB93A043E16D}"/>
+              </a:ext>
+            </a:extLst>
+          </p:cNvPr>
+          <p:cNvGraphicFramePr>
+            <a:graphicFrameLocks noGrp="1"/>
+          </p:cNvGraphicFramePr>
+          <p:nvPr>
+            <p:extLst>
+              <p:ext uri="{D42A27DB-BD31-4B8C-83A1-F6EECF244321}">
+                <p14:modId xmlns:p14="http://schemas.microsoft.com/office/powerpoint/2010/main" val="117872006"/>
+              </p:ext>
+            </p:extLst>
+          </p:nvPr>
+        </p:nvGraphicFramePr>
+        <p:xfrm>
+          <a:off x="8297869" y="2905738"/>
+          <a:ext cx="863600" cy="361950"/>
+        </p:xfrm>
+        <a:graphic>
+          <a:graphicData uri="http://schemas.openxmlformats.org/drawingml/2006/table">
+            <a:tbl>
+              <a:tblPr>
+                <a:tableStyleId>{5C22544A-7EE6-4342-B048-85BDC9FD1C3A}</a:tableStyleId>
+              </a:tblPr>
+              <a:tblGrid>
+                <a:gridCol w="863600">
+                  <a:extLst>
+                    <a:ext uri="{9D8B030D-6E8A-4147-A177-3AD203B41FA5}">
+                      <a16:colId xmlns:a16="http://schemas.microsoft.com/office/drawing/2014/main" val="2924919881"/>
+                    </a:ext>
+                  </a:extLst>
+                </a:gridCol>
+              </a:tblGrid>
+              <a:tr h="180975">
+                <a:tc>
+                  <a:txBody>
+                    <a:bodyPr/>
+                    <a:lstStyle/>
+                    <a:p>
+                      <a:pPr algn="l" fontAlgn="b"/>
+                      <a:r>
+                        <a:rPr lang="en-US" sz="1100" u="none" strike="noStrike">
+                          <a:effectLst/>
+                        </a:rPr>
+                        <a:t>Bunnies</a:t>
+                      </a:r>
+                      <a:endParaRPr lang="en-US" sz="1100" b="0" i="0" u="none" strike="noStrike">
+                        <a:solidFill>
+                          <a:srgbClr val="FFFFFF"/>
+                        </a:solidFill>
+                        <a:effectLst/>
+                        <a:latin typeface="Calibri" panose="020F0502020204030204" pitchFamily="34" charset="0"/>
+                      </a:endParaRPr>
+                    </a:p>
+                  </a:txBody>
+                  <a:tcPr marL="4763" marR="4763" marT="4763" marB="0" anchor="b"/>
+                </a:tc>
+                <a:extLst>
+                  <a:ext uri="{0D108BD9-81ED-4DB2-BD59-A6C34878D82A}">
+                    <a16:rowId xmlns:a16="http://schemas.microsoft.com/office/drawing/2014/main" val="1487501242"/>
+                  </a:ext>
+                </a:extLst>
+              </a:tr>
+              <a:tr h="180975">
+                <a:tc>
+                  <a:txBody>
+                    <a:bodyPr/>
+                    <a:lstStyle/>
+                    <a:p>
+                      <a:pPr algn="l" fontAlgn="b"/>
+                      <a:r>
+                        <a:rPr lang="en-US" sz="1100" u="none" strike="noStrike" dirty="0">
+                          <a:effectLst/>
+                        </a:rPr>
+                        <a:t>128</a:t>
+                      </a:r>
+                      <a:endParaRPr lang="en-US" sz="1100" b="0" i="0" u="none" strike="noStrike" dirty="0">
+                        <a:solidFill>
+                          <a:srgbClr val="FFFFFF"/>
+                        </a:solidFill>
+                        <a:effectLst/>
+                        <a:latin typeface="Calibri" panose="020F0502020204030204" pitchFamily="34" charset="0"/>
+                      </a:endParaRPr>
+                    </a:p>
+                  </a:txBody>
+                  <a:tcPr marL="4763" marR="4763" marT="4763" marB="0" anchor="b"/>
+                </a:tc>
+                <a:extLst>
+                  <a:ext uri="{0D108BD9-81ED-4DB2-BD59-A6C34878D82A}">
+                    <a16:rowId xmlns:a16="http://schemas.microsoft.com/office/drawing/2014/main" val="2382362710"/>
+                  </a:ext>
+                </a:extLst>
+              </a:tr>
+            </a:tbl>
+          </a:graphicData>
+        </a:graphic>
+      </p:graphicFrame>
+      <p:graphicFrame>
+        <p:nvGraphicFramePr>
+          <p:cNvPr id="19" name="Content Placeholder 18">
+            <a:extLst>
+              <a:ext uri="{FF2B5EF4-FFF2-40B4-BE49-F238E27FC236}">
+                <a16:creationId xmlns:a16="http://schemas.microsoft.com/office/drawing/2014/main" id="{3810C6BC-4007-4917-81AA-E627C51376BE}"/>
+              </a:ext>
+            </a:extLst>
+          </p:cNvPr>
+          <p:cNvGraphicFramePr>
+            <a:graphicFrameLocks noGrp="1"/>
+          </p:cNvGraphicFramePr>
+          <p:nvPr>
+            <p:ph idx="1"/>
+            <p:extLst>
+              <p:ext uri="{D42A27DB-BD31-4B8C-83A1-F6EECF244321}">
+                <p14:modId xmlns:p14="http://schemas.microsoft.com/office/powerpoint/2010/main" val="3374067396"/>
+              </p:ext>
+            </p:extLst>
+          </p:nvPr>
+        </p:nvGraphicFramePr>
+        <p:xfrm>
+          <a:off x="7708899" y="4482738"/>
+          <a:ext cx="3479800" cy="361950"/>
+        </p:xfrm>
+        <a:graphic>
+          <a:graphicData uri="http://schemas.openxmlformats.org/drawingml/2006/table">
+            <a:tbl>
+              <a:tblPr>
+                <a:tableStyleId>{5C22544A-7EE6-4342-B048-85BDC9FD1C3A}</a:tableStyleId>
+              </a:tblPr>
+              <a:tblGrid>
+                <a:gridCol w="1320800">
+                  <a:extLst>
+                    <a:ext uri="{9D8B030D-6E8A-4147-A177-3AD203B41FA5}">
+                      <a16:colId xmlns:a16="http://schemas.microsoft.com/office/drawing/2014/main" val="2325767586"/>
+                    </a:ext>
+                  </a:extLst>
+                </a:gridCol>
+                <a:gridCol w="1295400">
+                  <a:extLst>
+                    <a:ext uri="{9D8B030D-6E8A-4147-A177-3AD203B41FA5}">
+                      <a16:colId xmlns:a16="http://schemas.microsoft.com/office/drawing/2014/main" val="1175352992"/>
+                    </a:ext>
+                  </a:extLst>
+                </a:gridCol>
+                <a:gridCol w="863600">
+                  <a:extLst>
+                    <a:ext uri="{9D8B030D-6E8A-4147-A177-3AD203B41FA5}">
+                      <a16:colId xmlns:a16="http://schemas.microsoft.com/office/drawing/2014/main" val="1067093926"/>
+                    </a:ext>
+                  </a:extLst>
+                </a:gridCol>
+              </a:tblGrid>
+              <a:tr h="180975">
+                <a:tc>
+                  <a:txBody>
+                    <a:bodyPr/>
+                    <a:lstStyle/>
+                    <a:p>
+                      <a:pPr algn="ctr" fontAlgn="b"/>
+                      <a:r>
+                        <a:rPr lang="en-US" sz="1100" u="none" strike="noStrike" dirty="0">
+                          <a:solidFill>
+                            <a:srgbClr val="FF0000"/>
+                          </a:solidFill>
+                          <a:effectLst/>
+                        </a:rPr>
+                        <a:t> </a:t>
+                      </a:r>
+                      <a:endParaRPr lang="en-US" sz="1100" b="0" i="0" u="none" strike="noStrike" dirty="0">
+                        <a:solidFill>
+                          <a:srgbClr val="FF0000"/>
+                        </a:solidFill>
+                        <a:effectLst/>
+                        <a:latin typeface="Calibri" panose="020F0502020204030204" pitchFamily="34" charset="0"/>
+                      </a:endParaRPr>
+                    </a:p>
+                  </a:txBody>
+                  <a:tcPr marL="4763" marR="4763" marT="4763" marB="0" anchor="b"/>
+                </a:tc>
+                <a:tc>
+                  <a:txBody>
+                    <a:bodyPr/>
+                    <a:lstStyle/>
+                    <a:p>
+                      <a:pPr algn="ctr" fontAlgn="b"/>
+                      <a:r>
+                        <a:rPr lang="en-US" sz="1100" u="none" strike="noStrike">
+                          <a:solidFill>
+                            <a:srgbClr val="FF0000"/>
+                          </a:solidFill>
+                          <a:effectLst/>
+                        </a:rPr>
+                        <a:t>Serial instructions:</a:t>
+                      </a:r>
+                      <a:endParaRPr lang="en-US" sz="1100" b="0" i="0" u="none" strike="noStrike">
+                        <a:solidFill>
+                          <a:srgbClr val="FF0000"/>
+                        </a:solidFill>
+                        <a:effectLst/>
+                        <a:latin typeface="Calibri" panose="020F0502020204030204" pitchFamily="34" charset="0"/>
+                      </a:endParaRPr>
+                    </a:p>
+                  </a:txBody>
+                  <a:tcPr marL="4763" marR="4763" marT="4763" marB="0" anchor="b"/>
+                </a:tc>
+                <a:tc>
+                  <a:txBody>
+                    <a:bodyPr/>
+                    <a:lstStyle/>
+                    <a:p>
+                      <a:pPr algn="l" fontAlgn="b"/>
+                      <a:r>
+                        <a:rPr lang="en-US" sz="1100" u="none" strike="noStrike">
+                          <a:solidFill>
+                            <a:srgbClr val="FF0000"/>
+                          </a:solidFill>
+                          <a:effectLst/>
+                        </a:rPr>
+                        <a:t>Bunnies</a:t>
+                      </a:r>
+                      <a:endParaRPr lang="en-US" sz="1100" b="0" i="0" u="none" strike="noStrike">
+                        <a:solidFill>
+                          <a:srgbClr val="FF0000"/>
+                        </a:solidFill>
+                        <a:effectLst/>
+                        <a:latin typeface="Calibri" panose="020F0502020204030204" pitchFamily="34" charset="0"/>
+                      </a:endParaRPr>
+                    </a:p>
+                  </a:txBody>
+                  <a:tcPr marL="4763" marR="4763" marT="4763" marB="0" anchor="b"/>
+                </a:tc>
+                <a:extLst>
+                  <a:ext uri="{0D108BD9-81ED-4DB2-BD59-A6C34878D82A}">
+                    <a16:rowId xmlns:a16="http://schemas.microsoft.com/office/drawing/2014/main" val="585700375"/>
+                  </a:ext>
+                </a:extLst>
+              </a:tr>
+              <a:tr h="180975">
+                <a:tc>
+                  <a:txBody>
+                    <a:bodyPr/>
+                    <a:lstStyle/>
+                    <a:p>
+                      <a:pPr algn="l" fontAlgn="b"/>
+                      <a:r>
+                        <a:rPr lang="en-US" sz="1100" u="none" strike="noStrike" dirty="0">
+                          <a:solidFill>
+                            <a:srgbClr val="FF0000"/>
+                          </a:solidFill>
+                          <a:effectLst/>
+                        </a:rPr>
+                        <a:t>Mutations of Bunnies?</a:t>
+                      </a:r>
+                      <a:endParaRPr lang="en-US" sz="1100" b="0" i="0" u="none" strike="noStrike" dirty="0">
+                        <a:solidFill>
+                          <a:srgbClr val="FF0000"/>
+                        </a:solidFill>
+                        <a:effectLst/>
+                        <a:latin typeface="Calibri" panose="020F0502020204030204" pitchFamily="34" charset="0"/>
+                      </a:endParaRPr>
+                    </a:p>
+                  </a:txBody>
+                  <a:tcPr marL="4763" marR="4763" marT="4763" marB="0" anchor="b"/>
+                </a:tc>
+                <a:tc>
+                  <a:txBody>
+                    <a:bodyPr/>
+                    <a:lstStyle/>
+                    <a:p>
+                      <a:pPr algn="r" fontAlgn="ctr"/>
+                      <a:r>
+                        <a:rPr lang="en-US" sz="1100" u="none" strike="noStrike" dirty="0">
+                          <a:solidFill>
+                            <a:srgbClr val="FF0000"/>
+                          </a:solidFill>
+                          <a:effectLst/>
+                        </a:rPr>
+                        <a:t>2*3^2^4=</a:t>
+                      </a:r>
+                      <a:endParaRPr lang="en-US" sz="1100" b="0" i="0" u="none" strike="noStrike" dirty="0">
+                        <a:solidFill>
+                          <a:srgbClr val="FF0000"/>
+                        </a:solidFill>
+                        <a:effectLst/>
+                        <a:latin typeface="Calibri" panose="020F0502020204030204" pitchFamily="34" charset="0"/>
+                      </a:endParaRPr>
+                    </a:p>
+                  </a:txBody>
+                  <a:tcPr marL="4763" marR="4763" marT="4763" marB="0" anchor="ctr"/>
+                </a:tc>
+                <a:tc>
+                  <a:txBody>
+                    <a:bodyPr/>
+                    <a:lstStyle/>
+                    <a:p>
+                      <a:pPr algn="l" fontAlgn="b"/>
+                      <a:r>
+                        <a:rPr lang="en-US" sz="1100" u="none" strike="noStrike" dirty="0">
+                          <a:solidFill>
+                            <a:srgbClr val="FF0000"/>
+                          </a:solidFill>
+                          <a:effectLst/>
+                        </a:rPr>
+                        <a:t>13,122</a:t>
+                      </a:r>
+                      <a:endParaRPr lang="en-US" sz="1100" b="0" i="0" u="none" strike="noStrike" dirty="0">
+                        <a:solidFill>
+                          <a:srgbClr val="FF0000"/>
+                        </a:solidFill>
+                        <a:effectLst/>
+                        <a:latin typeface="Calibri" panose="020F0502020204030204" pitchFamily="34" charset="0"/>
+                      </a:endParaRPr>
+                    </a:p>
+                  </a:txBody>
+                  <a:tcPr marL="4763" marR="4763" marT="4763" marB="0" anchor="b"/>
+                </a:tc>
+                <a:extLst>
+                  <a:ext uri="{0D108BD9-81ED-4DB2-BD59-A6C34878D82A}">
+                    <a16:rowId xmlns:a16="http://schemas.microsoft.com/office/drawing/2014/main" val="2986898953"/>
                   </a:ext>
                 </a:extLst>
               </a:tr>
@@ -8982,1431 +9816,6 @@
     <p:extLst>
       <p:ext uri="{BB962C8B-B14F-4D97-AF65-F5344CB8AC3E}">
         <p14:creationId xmlns:p14="http://schemas.microsoft.com/office/powerpoint/2010/main" val="3894245546"/>
-      </p:ext>
-    </p:extLst>
-  </p:cSld>
-  <p:clrMapOvr>
-    <a:masterClrMapping/>
-  </p:clrMapOvr>
-</p:sld>
-</file>
-
-<file path=ppt/slides/slide7.xml><?xml version="1.0" encoding="utf-8"?>
-<p:sld xmlns:a="http://schemas.openxmlformats.org/drawingml/2006/main" xmlns:r="http://schemas.openxmlformats.org/officeDocument/2006/relationships" xmlns:p="http://schemas.openxmlformats.org/presentationml/2006/main">
-  <p:cSld>
-    <p:spTree>
-      <p:nvGrpSpPr>
-        <p:cNvPr id="1" name=""/>
-        <p:cNvGrpSpPr/>
-        <p:nvPr/>
-      </p:nvGrpSpPr>
-      <p:grpSpPr>
-        <a:xfrm>
-          <a:off x="0" y="0"/>
-          <a:ext cx="0" cy="0"/>
-          <a:chOff x="0" y="0"/>
-          <a:chExt cx="0" cy="0"/>
-        </a:xfrm>
-      </p:grpSpPr>
-      <p:sp>
-        <p:nvSpPr>
-          <p:cNvPr id="2" name="Title 1">
-            <a:extLst>
-              <a:ext uri="{FF2B5EF4-FFF2-40B4-BE49-F238E27FC236}">
-                <a16:creationId xmlns:a16="http://schemas.microsoft.com/office/drawing/2014/main" id="{C23EAF31-1BD4-45EE-9B12-BC14F7D54307}"/>
-              </a:ext>
-            </a:extLst>
-          </p:cNvPr>
-          <p:cNvSpPr>
-            <a:spLocks noGrp="1"/>
-          </p:cNvSpPr>
-          <p:nvPr>
-            <p:ph type="title"/>
-          </p:nvPr>
-        </p:nvSpPr>
-        <p:spPr/>
-        <p:txBody>
-          <a:bodyPr/>
-          <a:lstStyle/>
-          <a:p>
-            <a:r>
-              <a:rPr lang="en-US" dirty="0"/>
-              <a:t>No </a:t>
-            </a:r>
-            <a:r>
-              <a:rPr lang="en-US" dirty="0" err="1"/>
-              <a:t>No</a:t>
-            </a:r>
-            <a:endParaRPr lang="en-US" dirty="0"/>
-          </a:p>
-        </p:txBody>
-      </p:sp>
-      <p:sp>
-        <p:nvSpPr>
-          <p:cNvPr id="3" name="Content Placeholder 2">
-            <a:extLst>
-              <a:ext uri="{FF2B5EF4-FFF2-40B4-BE49-F238E27FC236}">
-                <a16:creationId xmlns:a16="http://schemas.microsoft.com/office/drawing/2014/main" id="{3A61812F-E008-4811-8823-E7459E60F548}"/>
-              </a:ext>
-            </a:extLst>
-          </p:cNvPr>
-          <p:cNvSpPr>
-            <a:spLocks noGrp="1"/>
-          </p:cNvSpPr>
-          <p:nvPr>
-            <p:ph idx="1"/>
-          </p:nvPr>
-        </p:nvSpPr>
-        <p:spPr/>
-        <p:txBody>
-          <a:bodyPr/>
-          <a:lstStyle/>
-          <a:p>
-            <a:pPr marL="0" indent="0">
-              <a:buNone/>
-            </a:pPr>
-            <a:r>
-              <a:rPr lang="en-US" dirty="0"/>
-              <a:t>Wrong..</a:t>
-            </a:r>
-          </a:p>
-        </p:txBody>
-      </p:sp>
-      <p:grpSp>
-        <p:nvGrpSpPr>
-          <p:cNvPr id="5" name="Group 4">
-            <a:extLst>
-              <a:ext uri="{FF2B5EF4-FFF2-40B4-BE49-F238E27FC236}">
-                <a16:creationId xmlns:a16="http://schemas.microsoft.com/office/drawing/2014/main" id="{C3F210F0-301F-4369-8EC5-3CDB5E98AD25}"/>
-              </a:ext>
-            </a:extLst>
-          </p:cNvPr>
-          <p:cNvGrpSpPr/>
-          <p:nvPr/>
-        </p:nvGrpSpPr>
-        <p:grpSpPr>
-          <a:xfrm>
-            <a:off x="4798745" y="2626747"/>
-            <a:ext cx="2594510" cy="2749094"/>
-            <a:chOff x="5447924" y="3151100"/>
-            <a:chExt cx="1929653" cy="2127624"/>
-          </a:xfrm>
-        </p:grpSpPr>
-        <p:sp>
-          <p:nvSpPr>
-            <p:cNvPr id="6" name="Rectangle 5">
-              <a:extLst>
-                <a:ext uri="{FF2B5EF4-FFF2-40B4-BE49-F238E27FC236}">
-                  <a16:creationId xmlns:a16="http://schemas.microsoft.com/office/drawing/2014/main" id="{E2756E32-F5A5-4306-8AA3-8A33C9D7531F}"/>
-                </a:ext>
-              </a:extLst>
-            </p:cNvPr>
-            <p:cNvSpPr/>
-            <p:nvPr/>
-          </p:nvSpPr>
-          <p:spPr>
-            <a:xfrm>
-              <a:off x="5447924" y="3151100"/>
-              <a:ext cx="1929653" cy="2127624"/>
-            </a:xfrm>
-            <a:prstGeom prst="rect">
-              <a:avLst/>
-            </a:prstGeom>
-          </p:spPr>
-          <p:style>
-            <a:lnRef idx="2">
-              <a:schemeClr val="accent1">
-                <a:shade val="50000"/>
-              </a:schemeClr>
-            </a:lnRef>
-            <a:fillRef idx="1">
-              <a:schemeClr val="accent1"/>
-            </a:fillRef>
-            <a:effectRef idx="0">
-              <a:schemeClr val="accent1"/>
-            </a:effectRef>
-            <a:fontRef idx="minor">
-              <a:schemeClr val="lt1"/>
-            </a:fontRef>
-          </p:style>
-          <p:txBody>
-            <a:bodyPr rtlCol="0" anchor="ctr"/>
-            <a:lstStyle/>
-            <a:p>
-              <a:pPr algn="ctr"/>
-              <a:endParaRPr lang="en-US"/>
-            </a:p>
-          </p:txBody>
-        </p:sp>
-        <p:sp>
-          <p:nvSpPr>
-            <p:cNvPr id="7" name="Oval 6">
-              <a:extLst>
-                <a:ext uri="{FF2B5EF4-FFF2-40B4-BE49-F238E27FC236}">
-                  <a16:creationId xmlns:a16="http://schemas.microsoft.com/office/drawing/2014/main" id="{F36B273B-2E6F-401B-8BE9-DE0E8CD8080A}"/>
-                </a:ext>
-              </a:extLst>
-            </p:cNvPr>
-            <p:cNvSpPr/>
-            <p:nvPr/>
-          </p:nvSpPr>
-          <p:spPr>
-            <a:xfrm>
-              <a:off x="5794410" y="3421888"/>
-              <a:ext cx="394447" cy="376517"/>
-            </a:xfrm>
-            <a:prstGeom prst="ellipse">
-              <a:avLst/>
-            </a:prstGeom>
-            <a:solidFill>
-              <a:schemeClr val="accent4">
-                <a:lumMod val="60000"/>
-                <a:lumOff val="40000"/>
-              </a:schemeClr>
-            </a:solidFill>
-          </p:spPr>
-          <p:style>
-            <a:lnRef idx="2">
-              <a:schemeClr val="accent1">
-                <a:shade val="50000"/>
-              </a:schemeClr>
-            </a:lnRef>
-            <a:fillRef idx="1">
-              <a:schemeClr val="accent1"/>
-            </a:fillRef>
-            <a:effectRef idx="0">
-              <a:schemeClr val="accent1"/>
-            </a:effectRef>
-            <a:fontRef idx="minor">
-              <a:schemeClr val="lt1"/>
-            </a:fontRef>
-          </p:style>
-          <p:txBody>
-            <a:bodyPr rtlCol="0" anchor="ctr"/>
-            <a:lstStyle/>
-            <a:p>
-              <a:pPr algn="ctr"/>
-              <a:r>
-                <a:rPr lang="en-US" dirty="0">
-                  <a:solidFill>
-                    <a:schemeClr val="accent4">
-                      <a:lumMod val="50000"/>
-                    </a:schemeClr>
-                  </a:solidFill>
-                </a:rPr>
-                <a:t>1</a:t>
-              </a:r>
-            </a:p>
-          </p:txBody>
-        </p:sp>
-        <p:sp>
-          <p:nvSpPr>
-            <p:cNvPr id="8" name="Oval 7">
-              <a:extLst>
-                <a:ext uri="{FF2B5EF4-FFF2-40B4-BE49-F238E27FC236}">
-                  <a16:creationId xmlns:a16="http://schemas.microsoft.com/office/drawing/2014/main" id="{A5926C6F-5BC4-49AB-90C0-BF086DF37BD3}"/>
-                </a:ext>
-              </a:extLst>
-            </p:cNvPr>
-            <p:cNvSpPr/>
-            <p:nvPr/>
-          </p:nvSpPr>
-          <p:spPr>
-            <a:xfrm>
-              <a:off x="6613186" y="3421888"/>
-              <a:ext cx="394447" cy="376517"/>
-            </a:xfrm>
-            <a:prstGeom prst="ellipse">
-              <a:avLst/>
-            </a:prstGeom>
-            <a:solidFill>
-              <a:schemeClr val="accent4">
-                <a:lumMod val="60000"/>
-                <a:lumOff val="40000"/>
-              </a:schemeClr>
-            </a:solidFill>
-          </p:spPr>
-          <p:style>
-            <a:lnRef idx="2">
-              <a:schemeClr val="accent1">
-                <a:shade val="50000"/>
-              </a:schemeClr>
-            </a:lnRef>
-            <a:fillRef idx="1">
-              <a:schemeClr val="accent1"/>
-            </a:fillRef>
-            <a:effectRef idx="0">
-              <a:schemeClr val="accent1"/>
-            </a:effectRef>
-            <a:fontRef idx="minor">
-              <a:schemeClr val="lt1"/>
-            </a:fontRef>
-          </p:style>
-          <p:txBody>
-            <a:bodyPr rtlCol="0" anchor="ctr"/>
-            <a:lstStyle/>
-            <a:p>
-              <a:pPr algn="ctr"/>
-              <a:r>
-                <a:rPr lang="en-US" dirty="0">
-                  <a:solidFill>
-                    <a:schemeClr val="accent4">
-                      <a:lumMod val="50000"/>
-                    </a:schemeClr>
-                  </a:solidFill>
-                </a:rPr>
-                <a:t>2</a:t>
-              </a:r>
-            </a:p>
-          </p:txBody>
-        </p:sp>
-        <p:sp>
-          <p:nvSpPr>
-            <p:cNvPr id="9" name="Oval 8">
-              <a:extLst>
-                <a:ext uri="{FF2B5EF4-FFF2-40B4-BE49-F238E27FC236}">
-                  <a16:creationId xmlns:a16="http://schemas.microsoft.com/office/drawing/2014/main" id="{2C0142C4-6548-4751-A216-D79C7FE96BDE}"/>
-                </a:ext>
-              </a:extLst>
-            </p:cNvPr>
-            <p:cNvSpPr/>
-            <p:nvPr/>
-          </p:nvSpPr>
-          <p:spPr>
-            <a:xfrm>
-              <a:off x="5794408" y="4022522"/>
-              <a:ext cx="394447" cy="376517"/>
-            </a:xfrm>
-            <a:prstGeom prst="ellipse">
-              <a:avLst/>
-            </a:prstGeom>
-            <a:solidFill>
-              <a:schemeClr val="accent4">
-                <a:lumMod val="60000"/>
-                <a:lumOff val="40000"/>
-              </a:schemeClr>
-            </a:solidFill>
-          </p:spPr>
-          <p:style>
-            <a:lnRef idx="2">
-              <a:schemeClr val="accent1">
-                <a:shade val="50000"/>
-              </a:schemeClr>
-            </a:lnRef>
-            <a:fillRef idx="1">
-              <a:schemeClr val="accent1"/>
-            </a:fillRef>
-            <a:effectRef idx="0">
-              <a:schemeClr val="accent1"/>
-            </a:effectRef>
-            <a:fontRef idx="minor">
-              <a:schemeClr val="lt1"/>
-            </a:fontRef>
-          </p:style>
-          <p:txBody>
-            <a:bodyPr rtlCol="0" anchor="ctr"/>
-            <a:lstStyle/>
-            <a:p>
-              <a:pPr algn="ctr"/>
-              <a:r>
-                <a:rPr lang="en-US" dirty="0">
-                  <a:solidFill>
-                    <a:schemeClr val="accent4">
-                      <a:lumMod val="50000"/>
-                    </a:schemeClr>
-                  </a:solidFill>
-                </a:rPr>
-                <a:t>3</a:t>
-              </a:r>
-            </a:p>
-          </p:txBody>
-        </p:sp>
-        <p:sp>
-          <p:nvSpPr>
-            <p:cNvPr id="10" name="Oval 9">
-              <a:extLst>
-                <a:ext uri="{FF2B5EF4-FFF2-40B4-BE49-F238E27FC236}">
-                  <a16:creationId xmlns:a16="http://schemas.microsoft.com/office/drawing/2014/main" id="{57028D69-760A-4400-9D4A-B9D5D4A475A9}"/>
-                </a:ext>
-              </a:extLst>
-            </p:cNvPr>
-            <p:cNvSpPr/>
-            <p:nvPr/>
-          </p:nvSpPr>
-          <p:spPr>
-            <a:xfrm>
-              <a:off x="6613185" y="4022522"/>
-              <a:ext cx="394447" cy="376517"/>
-            </a:xfrm>
-            <a:prstGeom prst="ellipse">
-              <a:avLst/>
-            </a:prstGeom>
-            <a:solidFill>
-              <a:schemeClr val="accent4">
-                <a:lumMod val="60000"/>
-                <a:lumOff val="40000"/>
-              </a:schemeClr>
-            </a:solidFill>
-          </p:spPr>
-          <p:style>
-            <a:lnRef idx="2">
-              <a:schemeClr val="accent1">
-                <a:shade val="50000"/>
-              </a:schemeClr>
-            </a:lnRef>
-            <a:fillRef idx="1">
-              <a:schemeClr val="accent1"/>
-            </a:fillRef>
-            <a:effectRef idx="0">
-              <a:schemeClr val="accent1"/>
-            </a:effectRef>
-            <a:fontRef idx="minor">
-              <a:schemeClr val="lt1"/>
-            </a:fontRef>
-          </p:style>
-          <p:txBody>
-            <a:bodyPr rtlCol="0" anchor="ctr"/>
-            <a:lstStyle/>
-            <a:p>
-              <a:pPr algn="ctr"/>
-              <a:r>
-                <a:rPr lang="en-US" dirty="0">
-                  <a:solidFill>
-                    <a:schemeClr val="accent4">
-                      <a:lumMod val="50000"/>
-                    </a:schemeClr>
-                  </a:solidFill>
-                </a:rPr>
-                <a:t>4</a:t>
-              </a:r>
-            </a:p>
-          </p:txBody>
-        </p:sp>
-        <p:sp>
-          <p:nvSpPr>
-            <p:cNvPr id="11" name="Oval 10">
-              <a:extLst>
-                <a:ext uri="{FF2B5EF4-FFF2-40B4-BE49-F238E27FC236}">
-                  <a16:creationId xmlns:a16="http://schemas.microsoft.com/office/drawing/2014/main" id="{88FE90D8-F017-41AD-917C-16F3E0CB31EA}"/>
-                </a:ext>
-              </a:extLst>
-            </p:cNvPr>
-            <p:cNvSpPr/>
-            <p:nvPr/>
-          </p:nvSpPr>
-          <p:spPr>
-            <a:xfrm>
-              <a:off x="5794408" y="4623158"/>
-              <a:ext cx="394447" cy="376517"/>
-            </a:xfrm>
-            <a:prstGeom prst="ellipse">
-              <a:avLst/>
-            </a:prstGeom>
-            <a:solidFill>
-              <a:schemeClr val="accent4">
-                <a:lumMod val="60000"/>
-                <a:lumOff val="40000"/>
-              </a:schemeClr>
-            </a:solidFill>
-          </p:spPr>
-          <p:style>
-            <a:lnRef idx="2">
-              <a:schemeClr val="accent1">
-                <a:shade val="50000"/>
-              </a:schemeClr>
-            </a:lnRef>
-            <a:fillRef idx="1">
-              <a:schemeClr val="accent1"/>
-            </a:fillRef>
-            <a:effectRef idx="0">
-              <a:schemeClr val="accent1"/>
-            </a:effectRef>
-            <a:fontRef idx="minor">
-              <a:schemeClr val="lt1"/>
-            </a:fontRef>
-          </p:style>
-          <p:txBody>
-            <a:bodyPr rtlCol="0" anchor="ctr"/>
-            <a:lstStyle/>
-            <a:p>
-              <a:pPr algn="ctr"/>
-              <a:r>
-                <a:rPr lang="en-US" dirty="0">
-                  <a:solidFill>
-                    <a:schemeClr val="accent4">
-                      <a:lumMod val="50000"/>
-                    </a:schemeClr>
-                  </a:solidFill>
-                </a:rPr>
-                <a:t>5</a:t>
-              </a:r>
-            </a:p>
-          </p:txBody>
-        </p:sp>
-        <p:sp>
-          <p:nvSpPr>
-            <p:cNvPr id="12" name="Oval 11">
-              <a:extLst>
-                <a:ext uri="{FF2B5EF4-FFF2-40B4-BE49-F238E27FC236}">
-                  <a16:creationId xmlns:a16="http://schemas.microsoft.com/office/drawing/2014/main" id="{08012994-CE5C-43CE-9E8A-1F9A35D08D3F}"/>
-                </a:ext>
-              </a:extLst>
-            </p:cNvPr>
-            <p:cNvSpPr/>
-            <p:nvPr/>
-          </p:nvSpPr>
-          <p:spPr>
-            <a:xfrm>
-              <a:off x="6613185" y="4623156"/>
-              <a:ext cx="394447" cy="376517"/>
-            </a:xfrm>
-            <a:prstGeom prst="ellipse">
-              <a:avLst/>
-            </a:prstGeom>
-            <a:solidFill>
-              <a:schemeClr val="accent4">
-                <a:lumMod val="60000"/>
-                <a:lumOff val="40000"/>
-              </a:schemeClr>
-            </a:solidFill>
-          </p:spPr>
-          <p:style>
-            <a:lnRef idx="2">
-              <a:schemeClr val="accent1">
-                <a:shade val="50000"/>
-              </a:schemeClr>
-            </a:lnRef>
-            <a:fillRef idx="1">
-              <a:schemeClr val="accent1"/>
-            </a:fillRef>
-            <a:effectRef idx="0">
-              <a:schemeClr val="accent1"/>
-            </a:effectRef>
-            <a:fontRef idx="minor">
-              <a:schemeClr val="lt1"/>
-            </a:fontRef>
-          </p:style>
-          <p:txBody>
-            <a:bodyPr rtlCol="0" anchor="ctr"/>
-            <a:lstStyle/>
-            <a:p>
-              <a:pPr algn="ctr"/>
-              <a:r>
-                <a:rPr lang="en-US" dirty="0">
-                  <a:solidFill>
-                    <a:schemeClr val="accent4">
-                      <a:lumMod val="50000"/>
-                    </a:schemeClr>
-                  </a:solidFill>
-                </a:rPr>
-                <a:t>6</a:t>
-              </a:r>
-            </a:p>
-          </p:txBody>
-        </p:sp>
-      </p:grpSp>
-      <p:cxnSp>
-        <p:nvCxnSpPr>
-          <p:cNvPr id="32" name="Connector: Curved 31">
-            <a:extLst>
-              <a:ext uri="{FF2B5EF4-FFF2-40B4-BE49-F238E27FC236}">
-                <a16:creationId xmlns:a16="http://schemas.microsoft.com/office/drawing/2014/main" id="{73BDA518-9AF5-4B9E-98D0-0F772F7E34AC}"/>
-              </a:ext>
-            </a:extLst>
-          </p:cNvPr>
-          <p:cNvCxnSpPr>
-            <a:endCxn id="7" idx="1"/>
-          </p:cNvCxnSpPr>
-          <p:nvPr/>
-        </p:nvCxnSpPr>
-        <p:spPr>
-          <a:xfrm flipV="1">
-            <a:off x="4188895" y="3047877"/>
-            <a:ext cx="1153385" cy="214555"/>
-          </a:xfrm>
-          <a:prstGeom prst="curvedConnector4">
-            <a:avLst>
-              <a:gd name="adj1" fmla="val 46633"/>
-              <a:gd name="adj2" fmla="val 239753"/>
-            </a:avLst>
-          </a:prstGeom>
-          <a:ln w="28575">
-            <a:solidFill>
-              <a:schemeClr val="accent2">
-                <a:lumMod val="75000"/>
-              </a:schemeClr>
-            </a:solidFill>
-            <a:tailEnd type="triangle"/>
-          </a:ln>
-        </p:spPr>
-        <p:style>
-          <a:lnRef idx="1">
-            <a:schemeClr val="accent1"/>
-          </a:lnRef>
-          <a:fillRef idx="0">
-            <a:schemeClr val="accent1"/>
-          </a:fillRef>
-          <a:effectRef idx="0">
-            <a:schemeClr val="accent1"/>
-          </a:effectRef>
-          <a:fontRef idx="minor">
-            <a:schemeClr val="tx1"/>
-          </a:fontRef>
-        </p:style>
-      </p:cxnSp>
-      <p:cxnSp>
-        <p:nvCxnSpPr>
-          <p:cNvPr id="33" name="Connector: Curved 32">
-            <a:extLst>
-              <a:ext uri="{FF2B5EF4-FFF2-40B4-BE49-F238E27FC236}">
-                <a16:creationId xmlns:a16="http://schemas.microsoft.com/office/drawing/2014/main" id="{E168ACAA-8100-4AC0-8C37-F1258B82E844}"/>
-              </a:ext>
-            </a:extLst>
-          </p:cNvPr>
-          <p:cNvCxnSpPr>
-            <a:cxnSpLocks/>
-            <a:stCxn id="7" idx="7"/>
-          </p:cNvCxnSpPr>
-          <p:nvPr/>
-        </p:nvCxnSpPr>
-        <p:spPr>
-          <a:xfrm rot="16200000" flipH="1">
-            <a:off x="6939026" y="1826147"/>
-            <a:ext cx="116229" cy="2559688"/>
-          </a:xfrm>
-          <a:prstGeom prst="curvedConnector4">
-            <a:avLst>
-              <a:gd name="adj1" fmla="val -196681"/>
-              <a:gd name="adj2" fmla="val 56005"/>
-            </a:avLst>
-          </a:prstGeom>
-          <a:ln w="28575">
-            <a:solidFill>
-              <a:schemeClr val="accent2">
-                <a:lumMod val="75000"/>
-              </a:schemeClr>
-            </a:solidFill>
-            <a:tailEnd type="triangle"/>
-          </a:ln>
-        </p:spPr>
-        <p:style>
-          <a:lnRef idx="1">
-            <a:schemeClr val="accent1"/>
-          </a:lnRef>
-          <a:fillRef idx="0">
-            <a:schemeClr val="accent1"/>
-          </a:fillRef>
-          <a:effectRef idx="0">
-            <a:schemeClr val="accent1"/>
-          </a:effectRef>
-          <a:fontRef idx="minor">
-            <a:schemeClr val="tx1"/>
-          </a:fontRef>
-        </p:style>
-      </p:cxnSp>
-      <p:graphicFrame>
-        <p:nvGraphicFramePr>
-          <p:cNvPr id="4" name="Table 3">
-            <a:extLst>
-              <a:ext uri="{FF2B5EF4-FFF2-40B4-BE49-F238E27FC236}">
-                <a16:creationId xmlns:a16="http://schemas.microsoft.com/office/drawing/2014/main" id="{A6BEBCD6-0378-4EA6-9E3B-DA13116CA419}"/>
-              </a:ext>
-            </a:extLst>
-          </p:cNvPr>
-          <p:cNvGraphicFramePr>
-            <a:graphicFrameLocks noGrp="1"/>
-          </p:cNvGraphicFramePr>
-          <p:nvPr>
-            <p:extLst>
-              <p:ext uri="{D42A27DB-BD31-4B8C-83A1-F6EECF244321}">
-                <p14:modId xmlns:p14="http://schemas.microsoft.com/office/powerpoint/2010/main" val="1415294936"/>
-              </p:ext>
-            </p:extLst>
-          </p:nvPr>
-        </p:nvGraphicFramePr>
-        <p:xfrm>
-          <a:off x="1545560" y="2974799"/>
-          <a:ext cx="2641600" cy="548640"/>
-        </p:xfrm>
-        <a:graphic>
-          <a:graphicData uri="http://schemas.openxmlformats.org/drawingml/2006/table">
-            <a:tbl>
-              <a:tblPr>
-                <a:tableStyleId>{5C22544A-7EE6-4342-B048-85BDC9FD1C3A}</a:tableStyleId>
-              </a:tblPr>
-              <a:tblGrid>
-                <a:gridCol w="1333500">
-                  <a:extLst>
-                    <a:ext uri="{9D8B030D-6E8A-4147-A177-3AD203B41FA5}">
-                      <a16:colId xmlns:a16="http://schemas.microsoft.com/office/drawing/2014/main" val="4133584765"/>
-                    </a:ext>
-                  </a:extLst>
-                </a:gridCol>
-                <a:gridCol w="1308100">
-                  <a:extLst>
-                    <a:ext uri="{9D8B030D-6E8A-4147-A177-3AD203B41FA5}">
-                      <a16:colId xmlns:a16="http://schemas.microsoft.com/office/drawing/2014/main" val="2562537096"/>
-                    </a:ext>
-                  </a:extLst>
-                </a:gridCol>
-              </a:tblGrid>
-              <a:tr h="182880">
-                <a:tc>
-                  <a:txBody>
-                    <a:bodyPr/>
-                    <a:lstStyle/>
-                    <a:p>
-                      <a:pPr algn="ctr" fontAlgn="b"/>
-                      <a:r>
-                        <a:rPr lang="en-US" sz="1100" u="none" strike="noStrike">
-                          <a:effectLst/>
-                        </a:rPr>
-                        <a:t>Parallel Instructions</a:t>
-                      </a:r>
-                      <a:endParaRPr lang="en-US" sz="1100" b="0" i="0" u="none" strike="noStrike">
-                        <a:solidFill>
-                          <a:srgbClr val="FFFFFF"/>
-                        </a:solidFill>
-                        <a:effectLst/>
-                        <a:latin typeface="Calibri" panose="020F0502020204030204" pitchFamily="34" charset="0"/>
-                      </a:endParaRPr>
-                    </a:p>
-                  </a:txBody>
-                  <a:tcPr marL="3810" marR="3810" marT="3810" marB="0" anchor="b"/>
-                </a:tc>
-                <a:tc>
-                  <a:txBody>
-                    <a:bodyPr/>
-                    <a:lstStyle/>
-                    <a:p>
-                      <a:pPr algn="ctr" fontAlgn="b"/>
-                      <a:r>
-                        <a:rPr lang="en-US" sz="1100" u="none" strike="noStrike">
-                          <a:effectLst/>
-                        </a:rPr>
-                        <a:t>Parallel Instructions</a:t>
-                      </a:r>
-                      <a:endParaRPr lang="en-US" sz="1100" b="0" i="0" u="none" strike="noStrike">
-                        <a:solidFill>
-                          <a:srgbClr val="FFFFFF"/>
-                        </a:solidFill>
-                        <a:effectLst/>
-                        <a:latin typeface="Calibri" panose="020F0502020204030204" pitchFamily="34" charset="0"/>
-                      </a:endParaRPr>
-                    </a:p>
-                  </a:txBody>
-                  <a:tcPr marL="3810" marR="3810" marT="3810" marB="0" anchor="b"/>
-                </a:tc>
-                <a:extLst>
-                  <a:ext uri="{0D108BD9-81ED-4DB2-BD59-A6C34878D82A}">
-                    <a16:rowId xmlns:a16="http://schemas.microsoft.com/office/drawing/2014/main" val="3479211628"/>
-                  </a:ext>
-                </a:extLst>
-              </a:tr>
-              <a:tr h="182880">
-                <a:tc>
-                  <a:txBody>
-                    <a:bodyPr/>
-                    <a:lstStyle/>
-                    <a:p>
-                      <a:pPr algn="ctr" fontAlgn="b"/>
-                      <a:r>
-                        <a:rPr lang="en-US" sz="1100" u="none" strike="noStrike">
-                          <a:effectLst/>
-                        </a:rPr>
-                        <a:t>Multiples of Bunnies =</a:t>
-                      </a:r>
-                      <a:endParaRPr lang="en-US" sz="1100" b="0" i="0" u="none" strike="noStrike">
-                        <a:solidFill>
-                          <a:srgbClr val="FFFFFF"/>
-                        </a:solidFill>
-                        <a:effectLst/>
-                        <a:latin typeface="Calibri" panose="020F0502020204030204" pitchFamily="34" charset="0"/>
-                      </a:endParaRPr>
-                    </a:p>
-                  </a:txBody>
-                  <a:tcPr marL="3810" marR="3810" marT="3810" marB="0" anchor="b"/>
-                </a:tc>
-                <a:tc>
-                  <a:txBody>
-                    <a:bodyPr/>
-                    <a:lstStyle/>
-                    <a:p>
-                      <a:pPr algn="ctr" fontAlgn="b"/>
-                      <a:r>
-                        <a:rPr lang="en-US" sz="1100" u="none" strike="noStrike">
-                          <a:effectLst/>
-                        </a:rPr>
-                        <a:t>2^2=</a:t>
-                      </a:r>
-                      <a:endParaRPr lang="en-US" sz="1100" b="0" i="0" u="none" strike="noStrike">
-                        <a:solidFill>
-                          <a:srgbClr val="FFFFFF"/>
-                        </a:solidFill>
-                        <a:effectLst/>
-                        <a:latin typeface="Calibri" panose="020F0502020204030204" pitchFamily="34" charset="0"/>
-                      </a:endParaRPr>
-                    </a:p>
-                  </a:txBody>
-                  <a:tcPr marL="3810" marR="3810" marT="3810" marB="0" anchor="b"/>
-                </a:tc>
-                <a:extLst>
-                  <a:ext uri="{0D108BD9-81ED-4DB2-BD59-A6C34878D82A}">
-                    <a16:rowId xmlns:a16="http://schemas.microsoft.com/office/drawing/2014/main" val="1681676155"/>
-                  </a:ext>
-                </a:extLst>
-              </a:tr>
-              <a:tr h="182880">
-                <a:tc>
-                  <a:txBody>
-                    <a:bodyPr/>
-                    <a:lstStyle/>
-                    <a:p>
-                      <a:pPr algn="ctr" fontAlgn="b"/>
-                      <a:r>
-                        <a:rPr lang="en-US" sz="1100" u="none" strike="noStrike">
-                          <a:effectLst/>
-                        </a:rPr>
-                        <a:t>Multiples of Bunnies =</a:t>
-                      </a:r>
-                      <a:endParaRPr lang="en-US" sz="1100" b="0" i="0" u="none" strike="noStrike">
-                        <a:solidFill>
-                          <a:srgbClr val="FFFFFF"/>
-                        </a:solidFill>
-                        <a:effectLst/>
-                        <a:latin typeface="Calibri" panose="020F0502020204030204" pitchFamily="34" charset="0"/>
-                      </a:endParaRPr>
-                    </a:p>
-                  </a:txBody>
-                  <a:tcPr marL="3810" marR="3810" marT="3810" marB="0" anchor="b"/>
-                </a:tc>
-                <a:tc>
-                  <a:txBody>
-                    <a:bodyPr/>
-                    <a:lstStyle/>
-                    <a:p>
-                      <a:pPr algn="ctr" fontAlgn="b"/>
-                      <a:r>
-                        <a:rPr lang="en-US" sz="1100" u="none" strike="noStrike" dirty="0">
-                          <a:effectLst/>
-                        </a:rPr>
-                        <a:t>2^4=</a:t>
-                      </a:r>
-                      <a:endParaRPr lang="en-US" sz="1100" b="0" i="0" u="none" strike="noStrike" dirty="0">
-                        <a:solidFill>
-                          <a:srgbClr val="FFFFFF"/>
-                        </a:solidFill>
-                        <a:effectLst/>
-                        <a:latin typeface="Calibri" panose="020F0502020204030204" pitchFamily="34" charset="0"/>
-                      </a:endParaRPr>
-                    </a:p>
-                  </a:txBody>
-                  <a:tcPr marL="3810" marR="3810" marT="3810" marB="0" anchor="b"/>
-                </a:tc>
-                <a:extLst>
-                  <a:ext uri="{0D108BD9-81ED-4DB2-BD59-A6C34878D82A}">
-                    <a16:rowId xmlns:a16="http://schemas.microsoft.com/office/drawing/2014/main" val="728586492"/>
-                  </a:ext>
-                </a:extLst>
-              </a:tr>
-            </a:tbl>
-          </a:graphicData>
-        </a:graphic>
-      </p:graphicFrame>
-      <p:cxnSp>
-        <p:nvCxnSpPr>
-          <p:cNvPr id="17" name="Connector: Curved 16">
-            <a:extLst>
-              <a:ext uri="{FF2B5EF4-FFF2-40B4-BE49-F238E27FC236}">
-                <a16:creationId xmlns:a16="http://schemas.microsoft.com/office/drawing/2014/main" id="{EA5DBE8B-8880-484E-83AB-1BCFE524028B}"/>
-              </a:ext>
-            </a:extLst>
-          </p:cNvPr>
-          <p:cNvCxnSpPr>
-            <a:cxnSpLocks/>
-            <a:endCxn id="9" idx="0"/>
-          </p:cNvCxnSpPr>
-          <p:nvPr/>
-        </p:nvCxnSpPr>
-        <p:spPr>
-          <a:xfrm>
-            <a:off x="4180130" y="3471947"/>
-            <a:ext cx="1349656" cy="280761"/>
-          </a:xfrm>
-          <a:prstGeom prst="curvedConnector2">
-            <a:avLst/>
-          </a:prstGeom>
-          <a:ln w="28575">
-            <a:solidFill>
-              <a:schemeClr val="accent2">
-                <a:lumMod val="75000"/>
-              </a:schemeClr>
-            </a:solidFill>
-            <a:tailEnd type="triangle"/>
-          </a:ln>
-        </p:spPr>
-        <p:style>
-          <a:lnRef idx="1">
-            <a:schemeClr val="accent1"/>
-          </a:lnRef>
-          <a:fillRef idx="0">
-            <a:schemeClr val="accent1"/>
-          </a:fillRef>
-          <a:effectRef idx="0">
-            <a:schemeClr val="accent1"/>
-          </a:effectRef>
-          <a:fontRef idx="minor">
-            <a:schemeClr val="tx1"/>
-          </a:fontRef>
-        </p:style>
-      </p:cxnSp>
-      <p:graphicFrame>
-        <p:nvGraphicFramePr>
-          <p:cNvPr id="19" name="Table 18">
-            <a:extLst>
-              <a:ext uri="{FF2B5EF4-FFF2-40B4-BE49-F238E27FC236}">
-                <a16:creationId xmlns:a16="http://schemas.microsoft.com/office/drawing/2014/main" id="{88772D51-47E9-4568-AF24-2510164EFB69}"/>
-              </a:ext>
-            </a:extLst>
-          </p:cNvPr>
-          <p:cNvGraphicFramePr>
-            <a:graphicFrameLocks noGrp="1"/>
-          </p:cNvGraphicFramePr>
-          <p:nvPr>
-            <p:extLst>
-              <p:ext uri="{D42A27DB-BD31-4B8C-83A1-F6EECF244321}">
-                <p14:modId xmlns:p14="http://schemas.microsoft.com/office/powerpoint/2010/main" val="1438362130"/>
-              </p:ext>
-            </p:extLst>
-          </p:nvPr>
-        </p:nvGraphicFramePr>
-        <p:xfrm>
-          <a:off x="8291519" y="2889786"/>
-          <a:ext cx="876300" cy="548640"/>
-        </p:xfrm>
-        <a:graphic>
-          <a:graphicData uri="http://schemas.openxmlformats.org/drawingml/2006/table">
-            <a:tbl>
-              <a:tblPr>
-                <a:tableStyleId>{5C22544A-7EE6-4342-B048-85BDC9FD1C3A}</a:tableStyleId>
-              </a:tblPr>
-              <a:tblGrid>
-                <a:gridCol w="876300">
-                  <a:extLst>
-                    <a:ext uri="{9D8B030D-6E8A-4147-A177-3AD203B41FA5}">
-                      <a16:colId xmlns:a16="http://schemas.microsoft.com/office/drawing/2014/main" val="1010141086"/>
-                    </a:ext>
-                  </a:extLst>
-                </a:gridCol>
-              </a:tblGrid>
-              <a:tr h="182880">
-                <a:tc>
-                  <a:txBody>
-                    <a:bodyPr/>
-                    <a:lstStyle/>
-                    <a:p>
-                      <a:pPr algn="ctr" fontAlgn="b"/>
-                      <a:r>
-                        <a:rPr lang="en-US" sz="1100" u="none" strike="noStrike" dirty="0">
-                          <a:effectLst/>
-                        </a:rPr>
-                        <a:t>Bunnies</a:t>
-                      </a:r>
-                      <a:endParaRPr lang="en-US" sz="1100" b="0" i="0" u="none" strike="noStrike" dirty="0">
-                        <a:solidFill>
-                          <a:srgbClr val="FFFFFF"/>
-                        </a:solidFill>
-                        <a:effectLst/>
-                        <a:latin typeface="Calibri" panose="020F0502020204030204" pitchFamily="34" charset="0"/>
-                      </a:endParaRPr>
-                    </a:p>
-                  </a:txBody>
-                  <a:tcPr marL="3810" marR="3810" marT="3810" marB="0" anchor="b"/>
-                </a:tc>
-                <a:extLst>
-                  <a:ext uri="{0D108BD9-81ED-4DB2-BD59-A6C34878D82A}">
-                    <a16:rowId xmlns:a16="http://schemas.microsoft.com/office/drawing/2014/main" val="142142984"/>
-                  </a:ext>
-                </a:extLst>
-              </a:tr>
-              <a:tr h="182880">
-                <a:tc>
-                  <a:txBody>
-                    <a:bodyPr/>
-                    <a:lstStyle/>
-                    <a:p>
-                      <a:pPr algn="ctr" fontAlgn="b"/>
-                      <a:r>
-                        <a:rPr lang="en-US" sz="1100" u="none" strike="noStrike">
-                          <a:effectLst/>
-                        </a:rPr>
-                        <a:t>8</a:t>
-                      </a:r>
-                      <a:endParaRPr lang="en-US" sz="1100" b="0" i="0" u="none" strike="noStrike">
-                        <a:solidFill>
-                          <a:srgbClr val="FFFFFF"/>
-                        </a:solidFill>
-                        <a:effectLst/>
-                        <a:latin typeface="Calibri" panose="020F0502020204030204" pitchFamily="34" charset="0"/>
-                      </a:endParaRPr>
-                    </a:p>
-                  </a:txBody>
-                  <a:tcPr marL="3810" marR="3810" marT="3810" marB="0" anchor="b"/>
-                </a:tc>
-                <a:extLst>
-                  <a:ext uri="{0D108BD9-81ED-4DB2-BD59-A6C34878D82A}">
-                    <a16:rowId xmlns:a16="http://schemas.microsoft.com/office/drawing/2014/main" val="504673209"/>
-                  </a:ext>
-                </a:extLst>
-              </a:tr>
-              <a:tr h="182880">
-                <a:tc>
-                  <a:txBody>
-                    <a:bodyPr/>
-                    <a:lstStyle/>
-                    <a:p>
-                      <a:pPr algn="ctr" fontAlgn="b"/>
-                      <a:r>
-                        <a:rPr lang="en-US" sz="1100" u="none" strike="noStrike" dirty="0">
-                          <a:effectLst/>
-                        </a:rPr>
-                        <a:t>16</a:t>
-                      </a:r>
-                      <a:endParaRPr lang="en-US" sz="1100" b="0" i="0" u="none" strike="noStrike" dirty="0">
-                        <a:solidFill>
-                          <a:srgbClr val="FFFFFF"/>
-                        </a:solidFill>
-                        <a:effectLst/>
-                        <a:latin typeface="Calibri" panose="020F0502020204030204" pitchFamily="34" charset="0"/>
-                      </a:endParaRPr>
-                    </a:p>
-                  </a:txBody>
-                  <a:tcPr marL="3810" marR="3810" marT="3810" marB="0" anchor="b"/>
-                </a:tc>
-                <a:extLst>
-                  <a:ext uri="{0D108BD9-81ED-4DB2-BD59-A6C34878D82A}">
-                    <a16:rowId xmlns:a16="http://schemas.microsoft.com/office/drawing/2014/main" val="1910241715"/>
-                  </a:ext>
-                </a:extLst>
-              </a:tr>
-            </a:tbl>
-          </a:graphicData>
-        </a:graphic>
-      </p:graphicFrame>
-      <p:cxnSp>
-        <p:nvCxnSpPr>
-          <p:cNvPr id="22" name="Connector: Curved 21">
-            <a:extLst>
-              <a:ext uri="{FF2B5EF4-FFF2-40B4-BE49-F238E27FC236}">
-                <a16:creationId xmlns:a16="http://schemas.microsoft.com/office/drawing/2014/main" id="{1BB75388-CB6D-4237-9415-BA7792088C13}"/>
-              </a:ext>
-            </a:extLst>
-          </p:cNvPr>
-          <p:cNvCxnSpPr>
-            <a:cxnSpLocks/>
-            <a:stCxn id="9" idx="7"/>
-          </p:cNvCxnSpPr>
-          <p:nvPr/>
-        </p:nvCxnSpPr>
-        <p:spPr>
-          <a:xfrm rot="5400000" flipH="1" flipV="1">
-            <a:off x="6788504" y="2320940"/>
-            <a:ext cx="431805" cy="2574224"/>
-          </a:xfrm>
-          <a:prstGeom prst="curvedConnector2">
-            <a:avLst/>
-          </a:prstGeom>
-          <a:ln w="28575">
-            <a:solidFill>
-              <a:schemeClr val="accent2">
-                <a:lumMod val="75000"/>
-              </a:schemeClr>
-            </a:solidFill>
-            <a:tailEnd type="triangle"/>
-          </a:ln>
-        </p:spPr>
-        <p:style>
-          <a:lnRef idx="1">
-            <a:schemeClr val="accent1"/>
-          </a:lnRef>
-          <a:fillRef idx="0">
-            <a:schemeClr val="accent1"/>
-          </a:fillRef>
-          <a:effectRef idx="0">
-            <a:schemeClr val="accent1"/>
-          </a:effectRef>
-          <a:fontRef idx="minor">
-            <a:schemeClr val="tx1"/>
-          </a:fontRef>
-        </p:style>
-      </p:cxnSp>
-      <p:graphicFrame>
-        <p:nvGraphicFramePr>
-          <p:cNvPr id="25" name="Table 24">
-            <a:extLst>
-              <a:ext uri="{FF2B5EF4-FFF2-40B4-BE49-F238E27FC236}">
-                <a16:creationId xmlns:a16="http://schemas.microsoft.com/office/drawing/2014/main" id="{0813808E-CA99-4283-9692-B02100B4612F}"/>
-              </a:ext>
-            </a:extLst>
-          </p:cNvPr>
-          <p:cNvGraphicFramePr>
-            <a:graphicFrameLocks noGrp="1"/>
-          </p:cNvGraphicFramePr>
-          <p:nvPr>
-            <p:extLst>
-              <p:ext uri="{D42A27DB-BD31-4B8C-83A1-F6EECF244321}">
-                <p14:modId xmlns:p14="http://schemas.microsoft.com/office/powerpoint/2010/main" val="1125239138"/>
-              </p:ext>
-            </p:extLst>
-          </p:nvPr>
-        </p:nvGraphicFramePr>
-        <p:xfrm>
-          <a:off x="7859119" y="4547750"/>
-          <a:ext cx="3517900" cy="365760"/>
-        </p:xfrm>
-        <a:graphic>
-          <a:graphicData uri="http://schemas.openxmlformats.org/drawingml/2006/table">
-            <a:tbl>
-              <a:tblPr>
-                <a:tableStyleId>{5C22544A-7EE6-4342-B048-85BDC9FD1C3A}</a:tableStyleId>
-              </a:tblPr>
-              <a:tblGrid>
-                <a:gridCol w="1333500">
-                  <a:extLst>
-                    <a:ext uri="{9D8B030D-6E8A-4147-A177-3AD203B41FA5}">
-                      <a16:colId xmlns:a16="http://schemas.microsoft.com/office/drawing/2014/main" val="967271238"/>
-                    </a:ext>
-                  </a:extLst>
-                </a:gridCol>
-                <a:gridCol w="1308100">
-                  <a:extLst>
-                    <a:ext uri="{9D8B030D-6E8A-4147-A177-3AD203B41FA5}">
-                      <a16:colId xmlns:a16="http://schemas.microsoft.com/office/drawing/2014/main" val="202140965"/>
-                    </a:ext>
-                  </a:extLst>
-                </a:gridCol>
-                <a:gridCol w="876300">
-                  <a:extLst>
-                    <a:ext uri="{9D8B030D-6E8A-4147-A177-3AD203B41FA5}">
-                      <a16:colId xmlns:a16="http://schemas.microsoft.com/office/drawing/2014/main" val="1047317615"/>
-                    </a:ext>
-                  </a:extLst>
-                </a:gridCol>
-              </a:tblGrid>
-              <a:tr h="182880">
-                <a:tc>
-                  <a:txBody>
-                    <a:bodyPr/>
-                    <a:lstStyle/>
-                    <a:p>
-                      <a:pPr algn="ctr" fontAlgn="b"/>
-                      <a:r>
-                        <a:rPr lang="en-US" sz="1100" b="1" u="none" strike="noStrike">
-                          <a:solidFill>
-                            <a:srgbClr val="FF0000"/>
-                          </a:solidFill>
-                          <a:effectLst/>
-                        </a:rPr>
-                        <a:t>Parallel Instructions</a:t>
-                      </a:r>
-                      <a:endParaRPr lang="en-US" sz="1100" b="1" i="0" u="none" strike="noStrike">
-                        <a:solidFill>
-                          <a:srgbClr val="FF0000"/>
-                        </a:solidFill>
-                        <a:effectLst/>
-                        <a:latin typeface="Calibri" panose="020F0502020204030204" pitchFamily="34" charset="0"/>
-                      </a:endParaRPr>
-                    </a:p>
-                  </a:txBody>
-                  <a:tcPr marL="3810" marR="3810" marT="3810" marB="0" anchor="b"/>
-                </a:tc>
-                <a:tc>
-                  <a:txBody>
-                    <a:bodyPr/>
-                    <a:lstStyle/>
-                    <a:p>
-                      <a:pPr algn="ctr" fontAlgn="b"/>
-                      <a:r>
-                        <a:rPr lang="en-US" sz="1100" b="1" u="none" strike="noStrike">
-                          <a:solidFill>
-                            <a:srgbClr val="FF0000"/>
-                          </a:solidFill>
-                          <a:effectLst/>
-                        </a:rPr>
-                        <a:t>Parallel Instructions</a:t>
-                      </a:r>
-                      <a:endParaRPr lang="en-US" sz="1100" b="1" i="0" u="none" strike="noStrike">
-                        <a:solidFill>
-                          <a:srgbClr val="FF0000"/>
-                        </a:solidFill>
-                        <a:effectLst/>
-                        <a:latin typeface="Calibri" panose="020F0502020204030204" pitchFamily="34" charset="0"/>
-                      </a:endParaRPr>
-                    </a:p>
-                  </a:txBody>
-                  <a:tcPr marL="3810" marR="3810" marT="3810" marB="0" anchor="b"/>
-                </a:tc>
-                <a:tc>
-                  <a:txBody>
-                    <a:bodyPr/>
-                    <a:lstStyle/>
-                    <a:p>
-                      <a:pPr algn="l" fontAlgn="b"/>
-                      <a:r>
-                        <a:rPr lang="en-US" sz="1100" b="1" u="none" strike="noStrike">
-                          <a:solidFill>
-                            <a:srgbClr val="FF0000"/>
-                          </a:solidFill>
-                          <a:effectLst/>
-                        </a:rPr>
-                        <a:t>Bunnies</a:t>
-                      </a:r>
-                      <a:endParaRPr lang="en-US" sz="1100" b="1" i="0" u="none" strike="noStrike">
-                        <a:solidFill>
-                          <a:srgbClr val="FF0000"/>
-                        </a:solidFill>
-                        <a:effectLst/>
-                        <a:latin typeface="Calibri" panose="020F0502020204030204" pitchFamily="34" charset="0"/>
-                      </a:endParaRPr>
-                    </a:p>
-                  </a:txBody>
-                  <a:tcPr marL="3810" marR="3810" marT="3810" marB="0" anchor="b"/>
-                </a:tc>
-                <a:extLst>
-                  <a:ext uri="{0D108BD9-81ED-4DB2-BD59-A6C34878D82A}">
-                    <a16:rowId xmlns:a16="http://schemas.microsoft.com/office/drawing/2014/main" val="570482996"/>
-                  </a:ext>
-                </a:extLst>
-              </a:tr>
-              <a:tr h="182880">
-                <a:tc>
-                  <a:txBody>
-                    <a:bodyPr/>
-                    <a:lstStyle/>
-                    <a:p>
-                      <a:pPr algn="l" fontAlgn="b"/>
-                      <a:r>
-                        <a:rPr lang="en-US" sz="1100" b="1" u="none" strike="noStrike">
-                          <a:solidFill>
-                            <a:srgbClr val="FF0000"/>
-                          </a:solidFill>
-                          <a:effectLst/>
-                        </a:rPr>
-                        <a:t>Mutations of Bunnies?</a:t>
-                      </a:r>
-                      <a:endParaRPr lang="en-US" sz="1100" b="1" i="0" u="none" strike="noStrike">
-                        <a:solidFill>
-                          <a:srgbClr val="FF0000"/>
-                        </a:solidFill>
-                        <a:effectLst/>
-                        <a:latin typeface="Calibri" panose="020F0502020204030204" pitchFamily="34" charset="0"/>
-                      </a:endParaRPr>
-                    </a:p>
-                  </a:txBody>
-                  <a:tcPr marL="3810" marR="3810" marT="3810" marB="0" anchor="b"/>
-                </a:tc>
-                <a:tc>
-                  <a:txBody>
-                    <a:bodyPr/>
-                    <a:lstStyle/>
-                    <a:p>
-                      <a:pPr algn="r" fontAlgn="b"/>
-                      <a:r>
-                        <a:rPr lang="en-US" sz="1100" b="1" u="none" strike="noStrike">
-                          <a:solidFill>
-                            <a:srgbClr val="FF0000"/>
-                          </a:solidFill>
-                          <a:effectLst/>
-                        </a:rPr>
-                        <a:t>8^16=</a:t>
-                      </a:r>
-                      <a:endParaRPr lang="en-US" sz="1100" b="1" i="0" u="none" strike="noStrike">
-                        <a:solidFill>
-                          <a:srgbClr val="FF0000"/>
-                        </a:solidFill>
-                        <a:effectLst/>
-                        <a:latin typeface="Calibri" panose="020F0502020204030204" pitchFamily="34" charset="0"/>
-                      </a:endParaRPr>
-                    </a:p>
-                  </a:txBody>
-                  <a:tcPr marL="3810" marR="3810" marT="3810" marB="0" anchor="b"/>
-                </a:tc>
-                <a:tc>
-                  <a:txBody>
-                    <a:bodyPr/>
-                    <a:lstStyle/>
-                    <a:p>
-                      <a:pPr algn="r" fontAlgn="b"/>
-                      <a:r>
-                        <a:rPr lang="en-US" sz="1100" b="1" u="none" strike="noStrike" dirty="0">
-                          <a:solidFill>
-                            <a:srgbClr val="FF0000"/>
-                          </a:solidFill>
-                          <a:effectLst/>
-                        </a:rPr>
-                        <a:t>4,294,967,296</a:t>
-                      </a:r>
-                      <a:endParaRPr lang="en-US" sz="1100" b="1" i="0" u="none" strike="noStrike" dirty="0">
-                        <a:solidFill>
-                          <a:srgbClr val="FF0000"/>
-                        </a:solidFill>
-                        <a:effectLst/>
-                        <a:latin typeface="Calibri" panose="020F0502020204030204" pitchFamily="34" charset="0"/>
-                      </a:endParaRPr>
-                    </a:p>
-                  </a:txBody>
-                  <a:tcPr marL="3810" marR="3810" marT="3810" marB="0" anchor="b"/>
-                </a:tc>
-                <a:extLst>
-                  <a:ext uri="{0D108BD9-81ED-4DB2-BD59-A6C34878D82A}">
-                    <a16:rowId xmlns:a16="http://schemas.microsoft.com/office/drawing/2014/main" val="4108342957"/>
-                  </a:ext>
-                </a:extLst>
-              </a:tr>
-            </a:tbl>
-          </a:graphicData>
-        </a:graphic>
-      </p:graphicFrame>
-      <p:cxnSp>
-        <p:nvCxnSpPr>
-          <p:cNvPr id="28" name="Connector: Curved 27">
-            <a:extLst>
-              <a:ext uri="{FF2B5EF4-FFF2-40B4-BE49-F238E27FC236}">
-                <a16:creationId xmlns:a16="http://schemas.microsoft.com/office/drawing/2014/main" id="{F5E31A9C-8BAB-4A22-AC79-FCA618663E90}"/>
-              </a:ext>
-            </a:extLst>
-          </p:cNvPr>
-          <p:cNvCxnSpPr>
-            <a:cxnSpLocks/>
-            <a:stCxn id="19" idx="2"/>
-            <a:endCxn id="25" idx="1"/>
-          </p:cNvCxnSpPr>
-          <p:nvPr/>
-        </p:nvCxnSpPr>
-        <p:spPr>
-          <a:xfrm rot="5400000">
-            <a:off x="7648292" y="3649253"/>
-            <a:ext cx="1292204" cy="870550"/>
-          </a:xfrm>
-          <a:prstGeom prst="curvedConnector4">
-            <a:avLst>
-              <a:gd name="adj1" fmla="val 42924"/>
-              <a:gd name="adj2" fmla="val 126259"/>
-            </a:avLst>
-          </a:prstGeom>
-          <a:ln w="28575">
-            <a:solidFill>
-              <a:schemeClr val="accent2">
-                <a:lumMod val="75000"/>
-              </a:schemeClr>
-            </a:solidFill>
-            <a:tailEnd type="triangle"/>
-          </a:ln>
-        </p:spPr>
-        <p:style>
-          <a:lnRef idx="1">
-            <a:schemeClr val="accent1"/>
-          </a:lnRef>
-          <a:fillRef idx="0">
-            <a:schemeClr val="accent1"/>
-          </a:fillRef>
-          <a:effectRef idx="0">
-            <a:schemeClr val="accent1"/>
-          </a:effectRef>
-          <a:fontRef idx="minor">
-            <a:schemeClr val="tx1"/>
-          </a:fontRef>
-        </p:style>
-      </p:cxnSp>
-    </p:spTree>
-    <p:extLst>
-      <p:ext uri="{BB962C8B-B14F-4D97-AF65-F5344CB8AC3E}">
-        <p14:creationId xmlns:p14="http://schemas.microsoft.com/office/powerpoint/2010/main" val="1058712770"/>
-      </p:ext>
-    </p:extLst>
-  </p:cSld>
-  <p:clrMapOvr>
-    <a:masterClrMapping/>
-  </p:clrMapOvr>
-</p:sld>
-</file>
-
-<file path=ppt/slides/slide8.xml><?xml version="1.0" encoding="utf-8"?>
-<p:sld xmlns:a="http://schemas.openxmlformats.org/drawingml/2006/main" xmlns:r="http://schemas.openxmlformats.org/officeDocument/2006/relationships" xmlns:p="http://schemas.openxmlformats.org/presentationml/2006/main">
-  <p:cSld>
-    <p:spTree>
-      <p:nvGrpSpPr>
-        <p:cNvPr id="1" name=""/>
-        <p:cNvGrpSpPr/>
-        <p:nvPr/>
-      </p:nvGrpSpPr>
-      <p:grpSpPr>
-        <a:xfrm>
-          <a:off x="0" y="0"/>
-          <a:ext cx="0" cy="0"/>
-          <a:chOff x="0" y="0"/>
-          <a:chExt cx="0" cy="0"/>
-        </a:xfrm>
-      </p:grpSpPr>
-      <p:sp>
-        <p:nvSpPr>
-          <p:cNvPr id="2" name="Title 1">
-            <a:extLst>
-              <a:ext uri="{FF2B5EF4-FFF2-40B4-BE49-F238E27FC236}">
-                <a16:creationId xmlns:a16="http://schemas.microsoft.com/office/drawing/2014/main" id="{DDDB045C-33B0-47A3-8C52-EFCBAD2F9829}"/>
-              </a:ext>
-            </a:extLst>
-          </p:cNvPr>
-          <p:cNvSpPr>
-            <a:spLocks noGrp="1"/>
-          </p:cNvSpPr>
-          <p:nvPr>
-            <p:ph type="title"/>
-          </p:nvPr>
-        </p:nvSpPr>
-        <p:spPr/>
-        <p:txBody>
-          <a:bodyPr>
-            <a:normAutofit/>
-          </a:bodyPr>
-          <a:lstStyle/>
-          <a:p>
-            <a:br>
-              <a:rPr lang="en-US" dirty="0"/>
-            </a:br>
-            <a:endParaRPr lang="en-US" dirty="0"/>
-          </a:p>
-        </p:txBody>
-      </p:sp>
-      <p:sp>
-        <p:nvSpPr>
-          <p:cNvPr id="3" name="Content Placeholder 2">
-            <a:extLst>
-              <a:ext uri="{FF2B5EF4-FFF2-40B4-BE49-F238E27FC236}">
-                <a16:creationId xmlns:a16="http://schemas.microsoft.com/office/drawing/2014/main" id="{6E6F51B9-864B-4528-B1DC-9571AB8ABD74}"/>
-              </a:ext>
-            </a:extLst>
-          </p:cNvPr>
-          <p:cNvSpPr>
-            <a:spLocks noGrp="1"/>
-          </p:cNvSpPr>
-          <p:nvPr>
-            <p:ph idx="1"/>
-          </p:nvPr>
-        </p:nvSpPr>
-        <p:spPr/>
-        <p:txBody>
-          <a:bodyPr/>
-          <a:lstStyle/>
-          <a:p>
-            <a:endParaRPr lang="en-US" dirty="0"/>
-          </a:p>
-        </p:txBody>
-      </p:sp>
-    </p:spTree>
-    <p:extLst>
-      <p:ext uri="{BB962C8B-B14F-4D97-AF65-F5344CB8AC3E}">
-        <p14:creationId xmlns:p14="http://schemas.microsoft.com/office/powerpoint/2010/main" val="4046427098"/>
       </p:ext>
     </p:extLst>
   </p:cSld>
@@ -10449,7 +9858,12 @@
             <p:ph type="ctrTitle"/>
           </p:nvPr>
         </p:nvSpPr>
-        <p:spPr/>
+        <p:spPr>
+          <a:xfrm>
+            <a:off x="1524000" y="1122363"/>
+            <a:ext cx="9144000" cy="2387600"/>
+          </a:xfrm>
+        </p:spPr>
         <p:txBody>
           <a:bodyPr/>
           <a:lstStyle/>
@@ -10489,7 +9903,7 @@
           <a:p>
             <a:r>
               <a:rPr lang="en-US" dirty="0"/>
-              <a:t>Don’t have to be expensive</a:t>
+              <a:t>Good at parallel instruction processing</a:t>
             </a:r>
           </a:p>
         </p:txBody>

--- a/GPU Project/Project.pptx
+++ b/GPU Project/Project.pptx
@@ -5647,14 +5647,14 @@
           <p:nvPr>
             <p:extLst>
               <p:ext uri="{D42A27DB-BD31-4B8C-83A1-F6EECF244321}">
-                <p14:modId xmlns:p14="http://schemas.microsoft.com/office/powerpoint/2010/main" val="1749047161"/>
+                <p14:modId xmlns:p14="http://schemas.microsoft.com/office/powerpoint/2010/main" val="1737640472"/>
               </p:ext>
             </p:extLst>
           </p:nvPr>
         </p:nvGraphicFramePr>
         <p:xfrm>
-          <a:off x="1097431" y="2981226"/>
-          <a:ext cx="3086100" cy="365760"/>
+          <a:off x="1118507" y="2981226"/>
+          <a:ext cx="3065024" cy="365760"/>
         </p:xfrm>
         <a:graphic>
           <a:graphicData uri="http://schemas.openxmlformats.org/drawingml/2006/table">
@@ -5663,7 +5663,7 @@
                 <a:tableStyleId>{5C22544A-7EE6-4342-B048-85BDC9FD1C3A}</a:tableStyleId>
               </a:tblPr>
               <a:tblGrid>
-                <a:gridCol w="1333500">
+                <a:gridCol w="1312424">
                   <a:extLst>
                     <a:ext uri="{9D8B030D-6E8A-4147-A177-3AD203B41FA5}">
                       <a16:colId xmlns:a16="http://schemas.microsoft.com/office/drawing/2014/main" val="1462700156"/>
@@ -7158,14 +7158,14 @@
           <p:nvPr>
             <p:extLst>
               <p:ext uri="{D42A27DB-BD31-4B8C-83A1-F6EECF244321}">
-                <p14:modId xmlns:p14="http://schemas.microsoft.com/office/powerpoint/2010/main" val="1691199244"/>
+                <p14:modId xmlns:p14="http://schemas.microsoft.com/office/powerpoint/2010/main" val="3869997396"/>
               </p:ext>
             </p:extLst>
           </p:nvPr>
         </p:nvGraphicFramePr>
         <p:xfrm>
-          <a:off x="8844212" y="3378391"/>
-          <a:ext cx="876300" cy="1097280"/>
+          <a:off x="8844212" y="3351439"/>
+          <a:ext cx="876300" cy="1124232"/>
         </p:xfrm>
         <a:graphic>
           <a:graphicData uri="http://schemas.openxmlformats.org/drawingml/2006/table">
@@ -7182,7 +7182,7 @@
                   </a:extLst>
                 </a:gridCol>
               </a:tblGrid>
-              <a:tr h="182880">
+              <a:tr h="209832">
                 <a:tc>
                   <a:txBody>
                     <a:bodyPr/>
